--- a/reports/results_summary.pptx
+++ b/reports/results_summary.pptx
@@ -3,14 +3,25 @@
 <p:presentation xmlns:a="http://schemas.openxmlformats.org/drawingml/2006/main" xmlns:p="http://schemas.openxmlformats.org/presentationml/2006/main" xmlns:r="http://schemas.openxmlformats.org/officeDocument/2006/relationships" xmlns:p14="http://schemas.microsoft.com/office/powerpoint/2010/main" xmlns:p15="http://schemas.microsoft.com/office/powerpoint/2012/main" xmlns:mc="http://schemas.openxmlformats.org/markup-compatibility/2006">
   <p:sldMasterIdLst>
     <p:sldMasterId id="2147483648" r:id="rId2"/>
+    <p:sldMasterId id="2147483661" r:id="rId3"/>
   </p:sldMasterIdLst>
   <p:sldIdLst>
-    <p:sldId id="256" r:id="rId3"/>
-    <p:sldId id="257" r:id="rId4"/>
-    <p:sldId id="258" r:id="rId5"/>
-    <p:sldId id="259" r:id="rId6"/>
-    <p:sldId id="260" r:id="rId7"/>
-    <p:sldId id="261" r:id="rId8"/>
+    <p:sldId id="256" r:id="rId4"/>
+    <p:sldId id="257" r:id="rId5"/>
+    <p:sldId id="258" r:id="rId6"/>
+    <p:sldId id="259" r:id="rId7"/>
+    <p:sldId id="260" r:id="rId8"/>
+    <p:sldId id="261" r:id="rId9"/>
+    <p:sldId id="262" r:id="rId10"/>
+    <p:sldId id="263" r:id="rId11"/>
+    <p:sldId id="264" r:id="rId12"/>
+    <p:sldId id="265" r:id="rId13"/>
+    <p:sldId id="266" r:id="rId14"/>
+    <p:sldId id="267" r:id="rId15"/>
+    <p:sldId id="268" r:id="rId16"/>
+    <p:sldId id="269" r:id="rId17"/>
+    <p:sldId id="270" r:id="rId18"/>
+    <p:sldId id="271" r:id="rId19"/>
   </p:sldIdLst>
   <p:sldSz cx="10080625" cy="5670550"/>
   <p:notesSz cx="7772400" cy="10058400"/>
@@ -41,7 +52,7 @@
             <a:spLocks noGrp="1"/>
           </p:cNvSpPr>
           <p:nvPr>
-            <p:ph type="ftr" idx="2"/>
+            <p:ph type="ftr" idx="1"/>
           </p:nvPr>
         </p:nvSpPr>
         <p:spPr/>
@@ -61,14 +72,14 @@
             <a:spLocks noGrp="1"/>
           </p:cNvSpPr>
           <p:nvPr>
-            <p:ph type="sldNum" idx="3"/>
+            <p:ph type="sldNum" idx="2"/>
           </p:nvPr>
         </p:nvSpPr>
         <p:spPr/>
         <p:txBody>
           <a:bodyPr/>
           <a:p>
-            <a:fld id="{4708F2CB-E23B-4062-AD2A-0999EDE3DB97}" type="slidenum">
+            <a:fld id="{92743030-0DE3-46DF-A110-A702D2337DEC}" type="slidenum">
               <a:t>&lt;#&gt;</a:t>
             </a:fld>
           </a:p>
@@ -81,7 +92,7 @@
             <a:spLocks noGrp="1"/>
           </p:cNvSpPr>
           <p:nvPr>
-            <p:ph type="dt" idx="1"/>
+            <p:ph type="dt" idx="3"/>
           </p:nvPr>
         </p:nvSpPr>
         <p:spPr/>
@@ -130,7 +141,7 @@
         <p:spPr>
           <a:xfrm>
             <a:off x="504000" y="226080"/>
-            <a:ext cx="9071640" cy="946440"/>
+            <a:ext cx="9071280" cy="946080"/>
           </a:xfrm>
           <a:prstGeom prst="rect">
             <a:avLst/>
@@ -167,7 +178,7 @@
         <p:spPr>
           <a:xfrm>
             <a:off x="504000" y="1326600"/>
-            <a:ext cx="9071640" cy="1568160"/>
+            <a:ext cx="9072000" cy="1568520"/>
           </a:xfrm>
           <a:prstGeom prst="rect">
             <a:avLst/>
@@ -200,8 +211,8 @@
         </p:nvSpPr>
         <p:spPr>
           <a:xfrm>
-            <a:off x="504000" y="3044160"/>
-            <a:ext cx="9071640" cy="1568160"/>
+            <a:off x="504000" y="3044520"/>
+            <a:ext cx="9072000" cy="1568520"/>
           </a:xfrm>
           <a:prstGeom prst="rect">
             <a:avLst/>
@@ -229,7 +240,7 @@
             <a:spLocks noGrp="1"/>
           </p:cNvSpPr>
           <p:nvPr>
-            <p:ph type="ftr" idx="2"/>
+            <p:ph type="ftr" idx="1"/>
           </p:nvPr>
         </p:nvSpPr>
         <p:spPr/>
@@ -249,14 +260,14 @@
             <a:spLocks noGrp="1"/>
           </p:cNvSpPr>
           <p:nvPr>
-            <p:ph type="sldNum" idx="3"/>
+            <p:ph type="sldNum" idx="2"/>
           </p:nvPr>
         </p:nvSpPr>
         <p:spPr/>
         <p:txBody>
           <a:bodyPr/>
           <a:p>
-            <a:fld id="{B55591D9-465E-4304-BAB5-A396123CD2C5}" type="slidenum">
+            <a:fld id="{7EE9C907-DA91-4D44-87F8-EEE156D15D7A}" type="slidenum">
               <a:t>&lt;#&gt;</a:t>
             </a:fld>
           </a:p>
@@ -269,7 +280,7 @@
             <a:spLocks noGrp="1"/>
           </p:cNvSpPr>
           <p:nvPr>
-            <p:ph type="dt" idx="1"/>
+            <p:ph type="dt" idx="3"/>
           </p:nvPr>
         </p:nvSpPr>
         <p:spPr/>
@@ -318,7 +329,7 @@
         <p:spPr>
           <a:xfrm>
             <a:off x="504000" y="226080"/>
-            <a:ext cx="9071640" cy="946440"/>
+            <a:ext cx="9071280" cy="946080"/>
           </a:xfrm>
           <a:prstGeom prst="rect">
             <a:avLst/>
@@ -355,7 +366,7 @@
         <p:spPr>
           <a:xfrm>
             <a:off x="504000" y="1326600"/>
-            <a:ext cx="4426920" cy="1568160"/>
+            <a:ext cx="4426920" cy="1568520"/>
           </a:xfrm>
           <a:prstGeom prst="rect">
             <a:avLst/>
@@ -389,7 +400,7 @@
         <p:spPr>
           <a:xfrm>
             <a:off x="5152680" y="1326600"/>
-            <a:ext cx="4426920" cy="1568160"/>
+            <a:ext cx="4426920" cy="1568520"/>
           </a:xfrm>
           <a:prstGeom prst="rect">
             <a:avLst/>
@@ -422,8 +433,8 @@
         </p:nvSpPr>
         <p:spPr>
           <a:xfrm>
-            <a:off x="504000" y="3044160"/>
-            <a:ext cx="4426920" cy="1568160"/>
+            <a:off x="504000" y="3044520"/>
+            <a:ext cx="4426920" cy="1568520"/>
           </a:xfrm>
           <a:prstGeom prst="rect">
             <a:avLst/>
@@ -456,8 +467,8 @@
         </p:nvSpPr>
         <p:spPr>
           <a:xfrm>
-            <a:off x="5152680" y="3044160"/>
-            <a:ext cx="4426920" cy="1568160"/>
+            <a:off x="5152680" y="3044520"/>
+            <a:ext cx="4426920" cy="1568520"/>
           </a:xfrm>
           <a:prstGeom prst="rect">
             <a:avLst/>
@@ -485,7 +496,7 @@
             <a:spLocks noGrp="1"/>
           </p:cNvSpPr>
           <p:nvPr>
-            <p:ph type="ftr" idx="2"/>
+            <p:ph type="ftr" idx="1"/>
           </p:nvPr>
         </p:nvSpPr>
         <p:spPr/>
@@ -505,14 +516,14 @@
             <a:spLocks noGrp="1"/>
           </p:cNvSpPr>
           <p:nvPr>
-            <p:ph type="sldNum" idx="3"/>
+            <p:ph type="sldNum" idx="2"/>
           </p:nvPr>
         </p:nvSpPr>
         <p:spPr/>
         <p:txBody>
           <a:bodyPr/>
           <a:p>
-            <a:fld id="{922D9938-F148-42BF-906B-1256A6FB0FF5}" type="slidenum">
+            <a:fld id="{4DF18DA3-5AD0-4B89-9B6B-99FAE66E8882}" type="slidenum">
               <a:t>&lt;#&gt;</a:t>
             </a:fld>
           </a:p>
@@ -525,7 +536,7 @@
             <a:spLocks noGrp="1"/>
           </p:cNvSpPr>
           <p:nvPr>
-            <p:ph type="dt" idx="1"/>
+            <p:ph type="dt" idx="3"/>
           </p:nvPr>
         </p:nvSpPr>
         <p:spPr/>
@@ -574,7 +585,7 @@
         <p:spPr>
           <a:xfrm>
             <a:off x="504000" y="226080"/>
-            <a:ext cx="9071640" cy="946440"/>
+            <a:ext cx="9071280" cy="946080"/>
           </a:xfrm>
           <a:prstGeom prst="rect">
             <a:avLst/>
@@ -611,7 +622,7 @@
         <p:spPr>
           <a:xfrm>
             <a:off x="504000" y="1326600"/>
-            <a:ext cx="2920680" cy="1568160"/>
+            <a:ext cx="2921040" cy="1568520"/>
           </a:xfrm>
           <a:prstGeom prst="rect">
             <a:avLst/>
@@ -644,8 +655,8 @@
         </p:nvSpPr>
         <p:spPr>
           <a:xfrm>
-            <a:off x="3571200" y="1326600"/>
-            <a:ext cx="2920680" cy="1568160"/>
+            <a:off x="3571560" y="1326600"/>
+            <a:ext cx="2921040" cy="1568520"/>
           </a:xfrm>
           <a:prstGeom prst="rect">
             <a:avLst/>
@@ -678,8 +689,8 @@
         </p:nvSpPr>
         <p:spPr>
           <a:xfrm>
-            <a:off x="6638040" y="1326600"/>
-            <a:ext cx="2920680" cy="1568160"/>
+            <a:off x="6639120" y="1326600"/>
+            <a:ext cx="2921040" cy="1568520"/>
           </a:xfrm>
           <a:prstGeom prst="rect">
             <a:avLst/>
@@ -712,8 +723,8 @@
         </p:nvSpPr>
         <p:spPr>
           <a:xfrm>
-            <a:off x="504000" y="3044160"/>
-            <a:ext cx="2920680" cy="1568160"/>
+            <a:off x="504000" y="3044520"/>
+            <a:ext cx="2921040" cy="1568520"/>
           </a:xfrm>
           <a:prstGeom prst="rect">
             <a:avLst/>
@@ -746,8 +757,8 @@
         </p:nvSpPr>
         <p:spPr>
           <a:xfrm>
-            <a:off x="3571200" y="3044160"/>
-            <a:ext cx="2920680" cy="1568160"/>
+            <a:off x="3571560" y="3044520"/>
+            <a:ext cx="2921040" cy="1568520"/>
           </a:xfrm>
           <a:prstGeom prst="rect">
             <a:avLst/>
@@ -780,8 +791,8 @@
         </p:nvSpPr>
         <p:spPr>
           <a:xfrm>
-            <a:off x="6638040" y="3044160"/>
-            <a:ext cx="2920680" cy="1568160"/>
+            <a:off x="6639120" y="3044520"/>
+            <a:ext cx="2921040" cy="1568520"/>
           </a:xfrm>
           <a:prstGeom prst="rect">
             <a:avLst/>
@@ -809,7 +820,7 @@
             <a:spLocks noGrp="1"/>
           </p:cNvSpPr>
           <p:nvPr>
-            <p:ph type="ftr" idx="2"/>
+            <p:ph type="ftr" idx="1"/>
           </p:nvPr>
         </p:nvSpPr>
         <p:spPr/>
@@ -829,14 +840,14 @@
             <a:spLocks noGrp="1"/>
           </p:cNvSpPr>
           <p:nvPr>
-            <p:ph type="sldNum" idx="3"/>
+            <p:ph type="sldNum" idx="2"/>
           </p:nvPr>
         </p:nvSpPr>
         <p:spPr/>
         <p:txBody>
           <a:bodyPr/>
           <a:p>
-            <a:fld id="{5269FE02-398E-48AB-BDD5-4DDFECCD41EC}" type="slidenum">
+            <a:fld id="{C7B94F27-C800-4214-A45B-922BF602D10A}" type="slidenum">
               <a:t>&lt;#&gt;</a:t>
             </a:fld>
           </a:p>
@@ -849,7 +860,1051 @@
             <a:spLocks noGrp="1"/>
           </p:cNvSpPr>
           <p:nvPr>
-            <p:ph type="dt" idx="1"/>
+            <p:ph type="dt" idx="3"/>
+          </p:nvPr>
+        </p:nvSpPr>
+        <p:spPr/>
+        <p:txBody>
+          <a:bodyPr/>
+          <a:p>
+            <a:r>
+              <a:rPr lang="en-US"/>
+              <a:t/>
+            </a:r>
+          </a:p>
+        </p:txBody>
+      </p:sp>
+    </p:spTree>
+  </p:cSld>
+</p:sldLayout>
+</file>
+
+<file path=ppt/slideLayouts/slideLayout13.xml><?xml version="1.0" encoding="utf-8"?>
+<p:sldLayout xmlns:a="http://schemas.openxmlformats.org/drawingml/2006/main" xmlns:p="http://schemas.openxmlformats.org/presentationml/2006/main" xmlns:r="http://schemas.openxmlformats.org/officeDocument/2006/relationships" xmlns:p14="http://schemas.microsoft.com/office/powerpoint/2010/main" xmlns:p15="http://schemas.microsoft.com/office/powerpoint/2012/main" xmlns:mc="http://schemas.openxmlformats.org/markup-compatibility/2006" type="blank" preserve="1">
+  <p:cSld name="Blank Slide">
+    <p:spTree>
+      <p:nvGrpSpPr>
+        <p:cNvPr id="1" name=""/>
+        <p:cNvGrpSpPr/>
+        <p:nvPr/>
+      </p:nvGrpSpPr>
+      <p:grpSpPr>
+        <a:xfrm>
+          <a:off x="0" y="0"/>
+          <a:ext cx="0" cy="0"/>
+          <a:chOff x="0" y="0"/>
+          <a:chExt cx="0" cy="0"/>
+        </a:xfrm>
+      </p:grpSpPr>
+      <p:sp>
+        <p:nvSpPr>
+          <p:cNvPr id="2" name="PlaceHolder 1"/>
+          <p:cNvSpPr>
+            <a:spLocks noGrp="1"/>
+          </p:cNvSpPr>
+          <p:nvPr>
+            <p:ph type="ftr" idx="4"/>
+          </p:nvPr>
+        </p:nvSpPr>
+        <p:spPr/>
+        <p:txBody>
+          <a:bodyPr/>
+          <a:p>
+            <a:r>
+              <a:t>Footer</a:t>
+            </a:r>
+          </a:p>
+        </p:txBody>
+      </p:sp>
+      <p:sp>
+        <p:nvSpPr>
+          <p:cNvPr id="3" name="PlaceHolder 2"/>
+          <p:cNvSpPr>
+            <a:spLocks noGrp="1"/>
+          </p:cNvSpPr>
+          <p:nvPr>
+            <p:ph type="sldNum" idx="5"/>
+          </p:nvPr>
+        </p:nvSpPr>
+        <p:spPr/>
+        <p:txBody>
+          <a:bodyPr/>
+          <a:p>
+            <a:fld id="{4EC2195E-F321-4B1E-BFE0-F9EC5AB621C5}" type="slidenum">
+              <a:t>&lt;#&gt;</a:t>
+            </a:fld>
+          </a:p>
+        </p:txBody>
+      </p:sp>
+      <p:sp>
+        <p:nvSpPr>
+          <p:cNvPr id="4" name="PlaceHolder 3"/>
+          <p:cNvSpPr>
+            <a:spLocks noGrp="1"/>
+          </p:cNvSpPr>
+          <p:nvPr>
+            <p:ph type="dt" idx="6"/>
+          </p:nvPr>
+        </p:nvSpPr>
+        <p:spPr/>
+        <p:txBody>
+          <a:bodyPr/>
+          <a:p>
+            <a:r>
+              <a:rPr lang="en-US"/>
+              <a:t/>
+            </a:r>
+          </a:p>
+        </p:txBody>
+      </p:sp>
+    </p:spTree>
+  </p:cSld>
+</p:sldLayout>
+</file>
+
+<file path=ppt/slideLayouts/slideLayout14.xml><?xml version="1.0" encoding="utf-8"?>
+<p:sldLayout xmlns:a="http://schemas.openxmlformats.org/drawingml/2006/main" xmlns:p="http://schemas.openxmlformats.org/presentationml/2006/main" xmlns:r="http://schemas.openxmlformats.org/officeDocument/2006/relationships" xmlns:p14="http://schemas.microsoft.com/office/powerpoint/2010/main" xmlns:p15="http://schemas.microsoft.com/office/powerpoint/2012/main" xmlns:mc="http://schemas.openxmlformats.org/markup-compatibility/2006" type="tx" preserve="1">
+  <p:cSld name="Title Slide">
+    <p:spTree>
+      <p:nvGrpSpPr>
+        <p:cNvPr id="1" name=""/>
+        <p:cNvGrpSpPr/>
+        <p:nvPr/>
+      </p:nvGrpSpPr>
+      <p:grpSpPr>
+        <a:xfrm>
+          <a:off x="0" y="0"/>
+          <a:ext cx="0" cy="0"/>
+          <a:chOff x="0" y="0"/>
+          <a:chExt cx="0" cy="0"/>
+        </a:xfrm>
+      </p:grpSpPr>
+      <p:sp>
+        <p:nvSpPr>
+          <p:cNvPr id="46" name="PlaceHolder 1"/>
+          <p:cNvSpPr>
+            <a:spLocks noGrp="1"/>
+          </p:cNvSpPr>
+          <p:nvPr>
+            <p:ph type="title"/>
+          </p:nvPr>
+        </p:nvSpPr>
+        <p:spPr>
+          <a:xfrm>
+            <a:off x="504000" y="226080"/>
+            <a:ext cx="9071280" cy="946080"/>
+          </a:xfrm>
+          <a:prstGeom prst="rect">
+            <a:avLst/>
+          </a:prstGeom>
+          <a:noFill/>
+          <a:ln w="0">
+            <a:noFill/>
+          </a:ln>
+        </p:spPr>
+        <p:txBody>
+          <a:bodyPr lIns="0" rIns="0" tIns="0" bIns="0" anchor="ctr">
+            <a:noAutofit/>
+          </a:bodyPr>
+          <a:p>
+            <a:pPr algn="ctr">
+              <a:buNone/>
+            </a:pPr>
+            <a:endParaRPr b="0" lang="en-US" sz="4400" spc="-1" strike="noStrike">
+              <a:latin typeface="Arial"/>
+            </a:endParaRPr>
+          </a:p>
+        </p:txBody>
+      </p:sp>
+      <p:sp>
+        <p:nvSpPr>
+          <p:cNvPr id="47" name="PlaceHolder 2"/>
+          <p:cNvSpPr>
+            <a:spLocks noGrp="1"/>
+          </p:cNvSpPr>
+          <p:nvPr>
+            <p:ph type="subTitle"/>
+          </p:nvPr>
+        </p:nvSpPr>
+        <p:spPr>
+          <a:xfrm>
+            <a:off x="504000" y="1326600"/>
+            <a:ext cx="9072000" cy="3288600"/>
+          </a:xfrm>
+          <a:prstGeom prst="rect">
+            <a:avLst/>
+          </a:prstGeom>
+          <a:noFill/>
+          <a:ln w="0">
+            <a:noFill/>
+          </a:ln>
+        </p:spPr>
+        <p:txBody>
+          <a:bodyPr lIns="0" rIns="0" tIns="0" bIns="0" anchor="ctr">
+            <a:noAutofit/>
+          </a:bodyPr>
+          <a:p>
+            <a:pPr algn="ctr">
+              <a:buNone/>
+            </a:pPr>
+            <a:endParaRPr b="0" lang="en-US" sz="3200" spc="-1" strike="noStrike">
+              <a:latin typeface="Arial"/>
+            </a:endParaRPr>
+          </a:p>
+        </p:txBody>
+      </p:sp>
+      <p:sp>
+        <p:nvSpPr>
+          <p:cNvPr id="4" name="PlaceHolder 3"/>
+          <p:cNvSpPr>
+            <a:spLocks noGrp="1"/>
+          </p:cNvSpPr>
+          <p:nvPr>
+            <p:ph type="ftr" idx="4"/>
+          </p:nvPr>
+        </p:nvSpPr>
+        <p:spPr/>
+        <p:txBody>
+          <a:bodyPr/>
+          <a:p>
+            <a:r>
+              <a:t>Footer</a:t>
+            </a:r>
+          </a:p>
+        </p:txBody>
+      </p:sp>
+      <p:sp>
+        <p:nvSpPr>
+          <p:cNvPr id="5" name="PlaceHolder 4"/>
+          <p:cNvSpPr>
+            <a:spLocks noGrp="1"/>
+          </p:cNvSpPr>
+          <p:nvPr>
+            <p:ph type="sldNum" idx="5"/>
+          </p:nvPr>
+        </p:nvSpPr>
+        <p:spPr/>
+        <p:txBody>
+          <a:bodyPr/>
+          <a:p>
+            <a:fld id="{68AF9380-BCE2-47D7-A6EF-CA5D631E1ABE}" type="slidenum">
+              <a:t>&lt;#&gt;</a:t>
+            </a:fld>
+          </a:p>
+        </p:txBody>
+      </p:sp>
+      <p:sp>
+        <p:nvSpPr>
+          <p:cNvPr id="6" name="PlaceHolder 5"/>
+          <p:cNvSpPr>
+            <a:spLocks noGrp="1"/>
+          </p:cNvSpPr>
+          <p:nvPr>
+            <p:ph type="dt" idx="6"/>
+          </p:nvPr>
+        </p:nvSpPr>
+        <p:spPr/>
+        <p:txBody>
+          <a:bodyPr/>
+          <a:p>
+            <a:r>
+              <a:rPr lang="en-US"/>
+              <a:t/>
+            </a:r>
+          </a:p>
+        </p:txBody>
+      </p:sp>
+    </p:spTree>
+  </p:cSld>
+</p:sldLayout>
+</file>
+
+<file path=ppt/slideLayouts/slideLayout15.xml><?xml version="1.0" encoding="utf-8"?>
+<p:sldLayout xmlns:a="http://schemas.openxmlformats.org/drawingml/2006/main" xmlns:p="http://schemas.openxmlformats.org/presentationml/2006/main" xmlns:r="http://schemas.openxmlformats.org/officeDocument/2006/relationships" xmlns:p14="http://schemas.microsoft.com/office/powerpoint/2010/main" xmlns:p15="http://schemas.microsoft.com/office/powerpoint/2012/main" xmlns:mc="http://schemas.openxmlformats.org/markup-compatibility/2006" type="obj" preserve="1">
+  <p:cSld name="Title, Content">
+    <p:spTree>
+      <p:nvGrpSpPr>
+        <p:cNvPr id="1" name=""/>
+        <p:cNvGrpSpPr/>
+        <p:nvPr/>
+      </p:nvGrpSpPr>
+      <p:grpSpPr>
+        <a:xfrm>
+          <a:off x="0" y="0"/>
+          <a:ext cx="0" cy="0"/>
+          <a:chOff x="0" y="0"/>
+          <a:chExt cx="0" cy="0"/>
+        </a:xfrm>
+      </p:grpSpPr>
+      <p:sp>
+        <p:nvSpPr>
+          <p:cNvPr id="48" name="PlaceHolder 1"/>
+          <p:cNvSpPr>
+            <a:spLocks noGrp="1"/>
+          </p:cNvSpPr>
+          <p:nvPr>
+            <p:ph type="title"/>
+          </p:nvPr>
+        </p:nvSpPr>
+        <p:spPr>
+          <a:xfrm>
+            <a:off x="504000" y="226080"/>
+            <a:ext cx="9071280" cy="946080"/>
+          </a:xfrm>
+          <a:prstGeom prst="rect">
+            <a:avLst/>
+          </a:prstGeom>
+          <a:noFill/>
+          <a:ln w="0">
+            <a:noFill/>
+          </a:ln>
+        </p:spPr>
+        <p:txBody>
+          <a:bodyPr lIns="0" rIns="0" tIns="0" bIns="0" anchor="ctr">
+            <a:noAutofit/>
+          </a:bodyPr>
+          <a:p>
+            <a:pPr algn="ctr">
+              <a:buNone/>
+            </a:pPr>
+            <a:endParaRPr b="0" lang="en-US" sz="4400" spc="-1" strike="noStrike">
+              <a:latin typeface="Arial"/>
+            </a:endParaRPr>
+          </a:p>
+        </p:txBody>
+      </p:sp>
+      <p:sp>
+        <p:nvSpPr>
+          <p:cNvPr id="49" name="PlaceHolder 2"/>
+          <p:cNvSpPr>
+            <a:spLocks noGrp="1"/>
+          </p:cNvSpPr>
+          <p:nvPr>
+            <p:ph/>
+          </p:nvPr>
+        </p:nvSpPr>
+        <p:spPr>
+          <a:xfrm>
+            <a:off x="504000" y="1326600"/>
+            <a:ext cx="9072000" cy="3288600"/>
+          </a:xfrm>
+          <a:prstGeom prst="rect">
+            <a:avLst/>
+          </a:prstGeom>
+          <a:noFill/>
+          <a:ln w="0">
+            <a:noFill/>
+          </a:ln>
+        </p:spPr>
+        <p:txBody>
+          <a:bodyPr lIns="0" rIns="0" tIns="0" bIns="0" anchor="t">
+            <a:normAutofit/>
+          </a:bodyPr>
+          <a:p>
+            <a:endParaRPr b="0" lang="en-US" sz="3200" spc="-1" strike="noStrike">
+              <a:latin typeface="Arial"/>
+            </a:endParaRPr>
+          </a:p>
+        </p:txBody>
+      </p:sp>
+      <p:sp>
+        <p:nvSpPr>
+          <p:cNvPr id="4" name="PlaceHolder 3"/>
+          <p:cNvSpPr>
+            <a:spLocks noGrp="1"/>
+          </p:cNvSpPr>
+          <p:nvPr>
+            <p:ph type="ftr" idx="4"/>
+          </p:nvPr>
+        </p:nvSpPr>
+        <p:spPr/>
+        <p:txBody>
+          <a:bodyPr/>
+          <a:p>
+            <a:r>
+              <a:t>Footer</a:t>
+            </a:r>
+          </a:p>
+        </p:txBody>
+      </p:sp>
+      <p:sp>
+        <p:nvSpPr>
+          <p:cNvPr id="5" name="PlaceHolder 4"/>
+          <p:cNvSpPr>
+            <a:spLocks noGrp="1"/>
+          </p:cNvSpPr>
+          <p:nvPr>
+            <p:ph type="sldNum" idx="5"/>
+          </p:nvPr>
+        </p:nvSpPr>
+        <p:spPr/>
+        <p:txBody>
+          <a:bodyPr/>
+          <a:p>
+            <a:fld id="{B19E3F7B-7A92-45F6-9992-7DDF5468D5B2}" type="slidenum">
+              <a:t>&lt;#&gt;</a:t>
+            </a:fld>
+          </a:p>
+        </p:txBody>
+      </p:sp>
+      <p:sp>
+        <p:nvSpPr>
+          <p:cNvPr id="6" name="PlaceHolder 5"/>
+          <p:cNvSpPr>
+            <a:spLocks noGrp="1"/>
+          </p:cNvSpPr>
+          <p:nvPr>
+            <p:ph type="dt" idx="6"/>
+          </p:nvPr>
+        </p:nvSpPr>
+        <p:spPr/>
+        <p:txBody>
+          <a:bodyPr/>
+          <a:p>
+            <a:r>
+              <a:rPr lang="en-US"/>
+              <a:t/>
+            </a:r>
+          </a:p>
+        </p:txBody>
+      </p:sp>
+    </p:spTree>
+  </p:cSld>
+</p:sldLayout>
+</file>
+
+<file path=ppt/slideLayouts/slideLayout16.xml><?xml version="1.0" encoding="utf-8"?>
+<p:sldLayout xmlns:a="http://schemas.openxmlformats.org/drawingml/2006/main" xmlns:p="http://schemas.openxmlformats.org/presentationml/2006/main" xmlns:r="http://schemas.openxmlformats.org/officeDocument/2006/relationships" xmlns:p14="http://schemas.microsoft.com/office/powerpoint/2010/main" xmlns:p15="http://schemas.microsoft.com/office/powerpoint/2012/main" xmlns:mc="http://schemas.openxmlformats.org/markup-compatibility/2006" type="twoObj" preserve="1">
+  <p:cSld name="Title, 2 Content">
+    <p:spTree>
+      <p:nvGrpSpPr>
+        <p:cNvPr id="1" name=""/>
+        <p:cNvGrpSpPr/>
+        <p:nvPr/>
+      </p:nvGrpSpPr>
+      <p:grpSpPr>
+        <a:xfrm>
+          <a:off x="0" y="0"/>
+          <a:ext cx="0" cy="0"/>
+          <a:chOff x="0" y="0"/>
+          <a:chExt cx="0" cy="0"/>
+        </a:xfrm>
+      </p:grpSpPr>
+      <p:sp>
+        <p:nvSpPr>
+          <p:cNvPr id="50" name="PlaceHolder 1"/>
+          <p:cNvSpPr>
+            <a:spLocks noGrp="1"/>
+          </p:cNvSpPr>
+          <p:nvPr>
+            <p:ph type="title"/>
+          </p:nvPr>
+        </p:nvSpPr>
+        <p:spPr>
+          <a:xfrm>
+            <a:off x="504000" y="226080"/>
+            <a:ext cx="9071280" cy="946080"/>
+          </a:xfrm>
+          <a:prstGeom prst="rect">
+            <a:avLst/>
+          </a:prstGeom>
+          <a:noFill/>
+          <a:ln w="0">
+            <a:noFill/>
+          </a:ln>
+        </p:spPr>
+        <p:txBody>
+          <a:bodyPr lIns="0" rIns="0" tIns="0" bIns="0" anchor="ctr">
+            <a:noAutofit/>
+          </a:bodyPr>
+          <a:p>
+            <a:pPr algn="ctr">
+              <a:buNone/>
+            </a:pPr>
+            <a:endParaRPr b="0" lang="en-US" sz="4400" spc="-1" strike="noStrike">
+              <a:latin typeface="Arial"/>
+            </a:endParaRPr>
+          </a:p>
+        </p:txBody>
+      </p:sp>
+      <p:sp>
+        <p:nvSpPr>
+          <p:cNvPr id="51" name="PlaceHolder 2"/>
+          <p:cNvSpPr>
+            <a:spLocks noGrp="1"/>
+          </p:cNvSpPr>
+          <p:nvPr>
+            <p:ph/>
+          </p:nvPr>
+        </p:nvSpPr>
+        <p:spPr>
+          <a:xfrm>
+            <a:off x="504000" y="1326600"/>
+            <a:ext cx="4426920" cy="3288600"/>
+          </a:xfrm>
+          <a:prstGeom prst="rect">
+            <a:avLst/>
+          </a:prstGeom>
+          <a:noFill/>
+          <a:ln w="0">
+            <a:noFill/>
+          </a:ln>
+        </p:spPr>
+        <p:txBody>
+          <a:bodyPr lIns="0" rIns="0" tIns="0" bIns="0" anchor="t">
+            <a:normAutofit/>
+          </a:bodyPr>
+          <a:p>
+            <a:endParaRPr b="0" lang="en-US" sz="3200" spc="-1" strike="noStrike">
+              <a:latin typeface="Arial"/>
+            </a:endParaRPr>
+          </a:p>
+        </p:txBody>
+      </p:sp>
+      <p:sp>
+        <p:nvSpPr>
+          <p:cNvPr id="52" name="PlaceHolder 3"/>
+          <p:cNvSpPr>
+            <a:spLocks noGrp="1"/>
+          </p:cNvSpPr>
+          <p:nvPr>
+            <p:ph/>
+          </p:nvPr>
+        </p:nvSpPr>
+        <p:spPr>
+          <a:xfrm>
+            <a:off x="5152680" y="1326600"/>
+            <a:ext cx="4426920" cy="3288600"/>
+          </a:xfrm>
+          <a:prstGeom prst="rect">
+            <a:avLst/>
+          </a:prstGeom>
+          <a:noFill/>
+          <a:ln w="0">
+            <a:noFill/>
+          </a:ln>
+        </p:spPr>
+        <p:txBody>
+          <a:bodyPr lIns="0" rIns="0" tIns="0" bIns="0" anchor="t">
+            <a:normAutofit/>
+          </a:bodyPr>
+          <a:p>
+            <a:endParaRPr b="0" lang="en-US" sz="3200" spc="-1" strike="noStrike">
+              <a:latin typeface="Arial"/>
+            </a:endParaRPr>
+          </a:p>
+        </p:txBody>
+      </p:sp>
+      <p:sp>
+        <p:nvSpPr>
+          <p:cNvPr id="5" name="PlaceHolder 4"/>
+          <p:cNvSpPr>
+            <a:spLocks noGrp="1"/>
+          </p:cNvSpPr>
+          <p:nvPr>
+            <p:ph type="ftr" idx="4"/>
+          </p:nvPr>
+        </p:nvSpPr>
+        <p:spPr/>
+        <p:txBody>
+          <a:bodyPr/>
+          <a:p>
+            <a:r>
+              <a:t>Footer</a:t>
+            </a:r>
+          </a:p>
+        </p:txBody>
+      </p:sp>
+      <p:sp>
+        <p:nvSpPr>
+          <p:cNvPr id="6" name="PlaceHolder 5"/>
+          <p:cNvSpPr>
+            <a:spLocks noGrp="1"/>
+          </p:cNvSpPr>
+          <p:nvPr>
+            <p:ph type="sldNum" idx="5"/>
+          </p:nvPr>
+        </p:nvSpPr>
+        <p:spPr/>
+        <p:txBody>
+          <a:bodyPr/>
+          <a:p>
+            <a:fld id="{C73B3465-953D-4E0A-8741-C30D1298373E}" type="slidenum">
+              <a:t>&lt;#&gt;</a:t>
+            </a:fld>
+          </a:p>
+        </p:txBody>
+      </p:sp>
+      <p:sp>
+        <p:nvSpPr>
+          <p:cNvPr id="7" name="PlaceHolder 6"/>
+          <p:cNvSpPr>
+            <a:spLocks noGrp="1"/>
+          </p:cNvSpPr>
+          <p:nvPr>
+            <p:ph type="dt" idx="6"/>
+          </p:nvPr>
+        </p:nvSpPr>
+        <p:spPr/>
+        <p:txBody>
+          <a:bodyPr/>
+          <a:p>
+            <a:r>
+              <a:rPr lang="en-US"/>
+              <a:t/>
+            </a:r>
+          </a:p>
+        </p:txBody>
+      </p:sp>
+    </p:spTree>
+  </p:cSld>
+</p:sldLayout>
+</file>
+
+<file path=ppt/slideLayouts/slideLayout17.xml><?xml version="1.0" encoding="utf-8"?>
+<p:sldLayout xmlns:a="http://schemas.openxmlformats.org/drawingml/2006/main" xmlns:p="http://schemas.openxmlformats.org/presentationml/2006/main" xmlns:r="http://schemas.openxmlformats.org/officeDocument/2006/relationships" xmlns:p14="http://schemas.microsoft.com/office/powerpoint/2010/main" xmlns:p15="http://schemas.microsoft.com/office/powerpoint/2012/main" xmlns:mc="http://schemas.openxmlformats.org/markup-compatibility/2006" type="titleOnly" preserve="1">
+  <p:cSld name="Title Only">
+    <p:spTree>
+      <p:nvGrpSpPr>
+        <p:cNvPr id="1" name=""/>
+        <p:cNvGrpSpPr/>
+        <p:nvPr/>
+      </p:nvGrpSpPr>
+      <p:grpSpPr>
+        <a:xfrm>
+          <a:off x="0" y="0"/>
+          <a:ext cx="0" cy="0"/>
+          <a:chOff x="0" y="0"/>
+          <a:chExt cx="0" cy="0"/>
+        </a:xfrm>
+      </p:grpSpPr>
+      <p:sp>
+        <p:nvSpPr>
+          <p:cNvPr id="53" name="PlaceHolder 1"/>
+          <p:cNvSpPr>
+            <a:spLocks noGrp="1"/>
+          </p:cNvSpPr>
+          <p:nvPr>
+            <p:ph type="title"/>
+          </p:nvPr>
+        </p:nvSpPr>
+        <p:spPr>
+          <a:xfrm>
+            <a:off x="504000" y="226080"/>
+            <a:ext cx="9071280" cy="946080"/>
+          </a:xfrm>
+          <a:prstGeom prst="rect">
+            <a:avLst/>
+          </a:prstGeom>
+          <a:noFill/>
+          <a:ln w="0">
+            <a:noFill/>
+          </a:ln>
+        </p:spPr>
+        <p:txBody>
+          <a:bodyPr lIns="0" rIns="0" tIns="0" bIns="0" anchor="ctr">
+            <a:noAutofit/>
+          </a:bodyPr>
+          <a:p>
+            <a:pPr algn="ctr">
+              <a:buNone/>
+            </a:pPr>
+            <a:endParaRPr b="0" lang="en-US" sz="4400" spc="-1" strike="noStrike">
+              <a:latin typeface="Arial"/>
+            </a:endParaRPr>
+          </a:p>
+        </p:txBody>
+      </p:sp>
+      <p:sp>
+        <p:nvSpPr>
+          <p:cNvPr id="3" name="PlaceHolder 2"/>
+          <p:cNvSpPr>
+            <a:spLocks noGrp="1"/>
+          </p:cNvSpPr>
+          <p:nvPr>
+            <p:ph type="ftr" idx="4"/>
+          </p:nvPr>
+        </p:nvSpPr>
+        <p:spPr/>
+        <p:txBody>
+          <a:bodyPr/>
+          <a:p>
+            <a:r>
+              <a:t>Footer</a:t>
+            </a:r>
+          </a:p>
+        </p:txBody>
+      </p:sp>
+      <p:sp>
+        <p:nvSpPr>
+          <p:cNvPr id="4" name="PlaceHolder 3"/>
+          <p:cNvSpPr>
+            <a:spLocks noGrp="1"/>
+          </p:cNvSpPr>
+          <p:nvPr>
+            <p:ph type="sldNum" idx="5"/>
+          </p:nvPr>
+        </p:nvSpPr>
+        <p:spPr/>
+        <p:txBody>
+          <a:bodyPr/>
+          <a:p>
+            <a:fld id="{2D4E1B99-D13A-43AD-85C8-54F1B6E1A038}" type="slidenum">
+              <a:t>&lt;#&gt;</a:t>
+            </a:fld>
+          </a:p>
+        </p:txBody>
+      </p:sp>
+      <p:sp>
+        <p:nvSpPr>
+          <p:cNvPr id="5" name="PlaceHolder 4"/>
+          <p:cNvSpPr>
+            <a:spLocks noGrp="1"/>
+          </p:cNvSpPr>
+          <p:nvPr>
+            <p:ph type="dt" idx="6"/>
+          </p:nvPr>
+        </p:nvSpPr>
+        <p:spPr/>
+        <p:txBody>
+          <a:bodyPr/>
+          <a:p>
+            <a:r>
+              <a:rPr lang="en-US"/>
+              <a:t/>
+            </a:r>
+          </a:p>
+        </p:txBody>
+      </p:sp>
+    </p:spTree>
+  </p:cSld>
+</p:sldLayout>
+</file>
+
+<file path=ppt/slideLayouts/slideLayout18.xml><?xml version="1.0" encoding="utf-8"?>
+<p:sldLayout xmlns:a="http://schemas.openxmlformats.org/drawingml/2006/main" xmlns:p="http://schemas.openxmlformats.org/presentationml/2006/main" xmlns:r="http://schemas.openxmlformats.org/officeDocument/2006/relationships" xmlns:p14="http://schemas.microsoft.com/office/powerpoint/2010/main" xmlns:p15="http://schemas.microsoft.com/office/powerpoint/2012/main" xmlns:mc="http://schemas.openxmlformats.org/markup-compatibility/2006" type="objOnly" preserve="1">
+  <p:cSld name="Centered Text">
+    <p:spTree>
+      <p:nvGrpSpPr>
+        <p:cNvPr id="1" name=""/>
+        <p:cNvGrpSpPr/>
+        <p:nvPr/>
+      </p:nvGrpSpPr>
+      <p:grpSpPr>
+        <a:xfrm>
+          <a:off x="0" y="0"/>
+          <a:ext cx="0" cy="0"/>
+          <a:chOff x="0" y="0"/>
+          <a:chExt cx="0" cy="0"/>
+        </a:xfrm>
+      </p:grpSpPr>
+      <p:sp>
+        <p:nvSpPr>
+          <p:cNvPr id="54" name="PlaceHolder 1"/>
+          <p:cNvSpPr>
+            <a:spLocks noGrp="1"/>
+          </p:cNvSpPr>
+          <p:nvPr>
+            <p:ph type="subTitle"/>
+          </p:nvPr>
+        </p:nvSpPr>
+        <p:spPr>
+          <a:xfrm>
+            <a:off x="504000" y="226080"/>
+            <a:ext cx="9071280" cy="4386600"/>
+          </a:xfrm>
+          <a:prstGeom prst="rect">
+            <a:avLst/>
+          </a:prstGeom>
+          <a:noFill/>
+          <a:ln w="0">
+            <a:noFill/>
+          </a:ln>
+        </p:spPr>
+        <p:txBody>
+          <a:bodyPr lIns="0" rIns="0" tIns="0" bIns="0" anchor="ctr">
+            <a:noAutofit/>
+          </a:bodyPr>
+          <a:p>
+            <a:pPr algn="ctr">
+              <a:buNone/>
+            </a:pPr>
+            <a:endParaRPr b="0" lang="en-US" sz="3200" spc="-1" strike="noStrike">
+              <a:latin typeface="Arial"/>
+            </a:endParaRPr>
+          </a:p>
+        </p:txBody>
+      </p:sp>
+      <p:sp>
+        <p:nvSpPr>
+          <p:cNvPr id="3" name="PlaceHolder 2"/>
+          <p:cNvSpPr>
+            <a:spLocks noGrp="1"/>
+          </p:cNvSpPr>
+          <p:nvPr>
+            <p:ph type="ftr" idx="4"/>
+          </p:nvPr>
+        </p:nvSpPr>
+        <p:spPr/>
+        <p:txBody>
+          <a:bodyPr/>
+          <a:p>
+            <a:r>
+              <a:t>Footer</a:t>
+            </a:r>
+          </a:p>
+        </p:txBody>
+      </p:sp>
+      <p:sp>
+        <p:nvSpPr>
+          <p:cNvPr id="4" name="PlaceHolder 3"/>
+          <p:cNvSpPr>
+            <a:spLocks noGrp="1"/>
+          </p:cNvSpPr>
+          <p:nvPr>
+            <p:ph type="sldNum" idx="5"/>
+          </p:nvPr>
+        </p:nvSpPr>
+        <p:spPr/>
+        <p:txBody>
+          <a:bodyPr/>
+          <a:p>
+            <a:fld id="{FE8A90FD-8CB2-4DD2-8ACE-16DCE81F430D}" type="slidenum">
+              <a:t>&lt;#&gt;</a:t>
+            </a:fld>
+          </a:p>
+        </p:txBody>
+      </p:sp>
+      <p:sp>
+        <p:nvSpPr>
+          <p:cNvPr id="5" name="PlaceHolder 4"/>
+          <p:cNvSpPr>
+            <a:spLocks noGrp="1"/>
+          </p:cNvSpPr>
+          <p:nvPr>
+            <p:ph type="dt" idx="6"/>
+          </p:nvPr>
+        </p:nvSpPr>
+        <p:spPr/>
+        <p:txBody>
+          <a:bodyPr/>
+          <a:p>
+            <a:r>
+              <a:rPr lang="en-US"/>
+              <a:t/>
+            </a:r>
+          </a:p>
+        </p:txBody>
+      </p:sp>
+    </p:spTree>
+  </p:cSld>
+</p:sldLayout>
+</file>
+
+<file path=ppt/slideLayouts/slideLayout19.xml><?xml version="1.0" encoding="utf-8"?>
+<p:sldLayout xmlns:a="http://schemas.openxmlformats.org/drawingml/2006/main" xmlns:p="http://schemas.openxmlformats.org/presentationml/2006/main" xmlns:r="http://schemas.openxmlformats.org/officeDocument/2006/relationships" xmlns:p14="http://schemas.microsoft.com/office/powerpoint/2010/main" xmlns:p15="http://schemas.microsoft.com/office/powerpoint/2012/main" xmlns:mc="http://schemas.openxmlformats.org/markup-compatibility/2006" type="twoObjAndObj" preserve="1">
+  <p:cSld name="Title, 2 Content and Content">
+    <p:spTree>
+      <p:nvGrpSpPr>
+        <p:cNvPr id="1" name=""/>
+        <p:cNvGrpSpPr/>
+        <p:nvPr/>
+      </p:nvGrpSpPr>
+      <p:grpSpPr>
+        <a:xfrm>
+          <a:off x="0" y="0"/>
+          <a:ext cx="0" cy="0"/>
+          <a:chOff x="0" y="0"/>
+          <a:chExt cx="0" cy="0"/>
+        </a:xfrm>
+      </p:grpSpPr>
+      <p:sp>
+        <p:nvSpPr>
+          <p:cNvPr id="55" name="PlaceHolder 1"/>
+          <p:cNvSpPr>
+            <a:spLocks noGrp="1"/>
+          </p:cNvSpPr>
+          <p:nvPr>
+            <p:ph type="title"/>
+          </p:nvPr>
+        </p:nvSpPr>
+        <p:spPr>
+          <a:xfrm>
+            <a:off x="504000" y="226080"/>
+            <a:ext cx="9071280" cy="946080"/>
+          </a:xfrm>
+          <a:prstGeom prst="rect">
+            <a:avLst/>
+          </a:prstGeom>
+          <a:noFill/>
+          <a:ln w="0">
+            <a:noFill/>
+          </a:ln>
+        </p:spPr>
+        <p:txBody>
+          <a:bodyPr lIns="0" rIns="0" tIns="0" bIns="0" anchor="ctr">
+            <a:noAutofit/>
+          </a:bodyPr>
+          <a:p>
+            <a:pPr algn="ctr">
+              <a:buNone/>
+            </a:pPr>
+            <a:endParaRPr b="0" lang="en-US" sz="4400" spc="-1" strike="noStrike">
+              <a:latin typeface="Arial"/>
+            </a:endParaRPr>
+          </a:p>
+        </p:txBody>
+      </p:sp>
+      <p:sp>
+        <p:nvSpPr>
+          <p:cNvPr id="56" name="PlaceHolder 2"/>
+          <p:cNvSpPr>
+            <a:spLocks noGrp="1"/>
+          </p:cNvSpPr>
+          <p:nvPr>
+            <p:ph/>
+          </p:nvPr>
+        </p:nvSpPr>
+        <p:spPr>
+          <a:xfrm>
+            <a:off x="504000" y="1326600"/>
+            <a:ext cx="4426920" cy="1568520"/>
+          </a:xfrm>
+          <a:prstGeom prst="rect">
+            <a:avLst/>
+          </a:prstGeom>
+          <a:noFill/>
+          <a:ln w="0">
+            <a:noFill/>
+          </a:ln>
+        </p:spPr>
+        <p:txBody>
+          <a:bodyPr lIns="0" rIns="0" tIns="0" bIns="0" anchor="t">
+            <a:normAutofit/>
+          </a:bodyPr>
+          <a:p>
+            <a:endParaRPr b="0" lang="en-US" sz="3200" spc="-1" strike="noStrike">
+              <a:latin typeface="Arial"/>
+            </a:endParaRPr>
+          </a:p>
+        </p:txBody>
+      </p:sp>
+      <p:sp>
+        <p:nvSpPr>
+          <p:cNvPr id="57" name="PlaceHolder 3"/>
+          <p:cNvSpPr>
+            <a:spLocks noGrp="1"/>
+          </p:cNvSpPr>
+          <p:nvPr>
+            <p:ph/>
+          </p:nvPr>
+        </p:nvSpPr>
+        <p:spPr>
+          <a:xfrm>
+            <a:off x="5152680" y="1326600"/>
+            <a:ext cx="4426920" cy="3288600"/>
+          </a:xfrm>
+          <a:prstGeom prst="rect">
+            <a:avLst/>
+          </a:prstGeom>
+          <a:noFill/>
+          <a:ln w="0">
+            <a:noFill/>
+          </a:ln>
+        </p:spPr>
+        <p:txBody>
+          <a:bodyPr lIns="0" rIns="0" tIns="0" bIns="0" anchor="t">
+            <a:normAutofit/>
+          </a:bodyPr>
+          <a:p>
+            <a:endParaRPr b="0" lang="en-US" sz="3200" spc="-1" strike="noStrike">
+              <a:latin typeface="Arial"/>
+            </a:endParaRPr>
+          </a:p>
+        </p:txBody>
+      </p:sp>
+      <p:sp>
+        <p:nvSpPr>
+          <p:cNvPr id="58" name="PlaceHolder 4"/>
+          <p:cNvSpPr>
+            <a:spLocks noGrp="1"/>
+          </p:cNvSpPr>
+          <p:nvPr>
+            <p:ph/>
+          </p:nvPr>
+        </p:nvSpPr>
+        <p:spPr>
+          <a:xfrm>
+            <a:off x="504000" y="3044520"/>
+            <a:ext cx="4426920" cy="1568520"/>
+          </a:xfrm>
+          <a:prstGeom prst="rect">
+            <a:avLst/>
+          </a:prstGeom>
+          <a:noFill/>
+          <a:ln w="0">
+            <a:noFill/>
+          </a:ln>
+        </p:spPr>
+        <p:txBody>
+          <a:bodyPr lIns="0" rIns="0" tIns="0" bIns="0" anchor="t">
+            <a:normAutofit/>
+          </a:bodyPr>
+          <a:p>
+            <a:endParaRPr b="0" lang="en-US" sz="3200" spc="-1" strike="noStrike">
+              <a:latin typeface="Arial"/>
+            </a:endParaRPr>
+          </a:p>
+        </p:txBody>
+      </p:sp>
+      <p:sp>
+        <p:nvSpPr>
+          <p:cNvPr id="6" name="PlaceHolder 5"/>
+          <p:cNvSpPr>
+            <a:spLocks noGrp="1"/>
+          </p:cNvSpPr>
+          <p:nvPr>
+            <p:ph type="ftr" idx="4"/>
+          </p:nvPr>
+        </p:nvSpPr>
+        <p:spPr/>
+        <p:txBody>
+          <a:bodyPr/>
+          <a:p>
+            <a:r>
+              <a:t>Footer</a:t>
+            </a:r>
+          </a:p>
+        </p:txBody>
+      </p:sp>
+      <p:sp>
+        <p:nvSpPr>
+          <p:cNvPr id="7" name="PlaceHolder 6"/>
+          <p:cNvSpPr>
+            <a:spLocks noGrp="1"/>
+          </p:cNvSpPr>
+          <p:nvPr>
+            <p:ph type="sldNum" idx="5"/>
+          </p:nvPr>
+        </p:nvSpPr>
+        <p:spPr/>
+        <p:txBody>
+          <a:bodyPr/>
+          <a:p>
+            <a:fld id="{E2673C83-3891-4F1C-9778-AB426F349498}" type="slidenum">
+              <a:t>&lt;#&gt;</a:t>
+            </a:fld>
+          </a:p>
+        </p:txBody>
+      </p:sp>
+      <p:sp>
+        <p:nvSpPr>
+          <p:cNvPr id="8" name="PlaceHolder 7"/>
+          <p:cNvSpPr>
+            <a:spLocks noGrp="1"/>
+          </p:cNvSpPr>
+          <p:nvPr>
+            <p:ph type="dt" idx="6"/>
           </p:nvPr>
         </p:nvSpPr>
         <p:spPr/>
@@ -898,7 +1953,7 @@
         <p:spPr>
           <a:xfrm>
             <a:off x="504000" y="226080"/>
-            <a:ext cx="9071640" cy="946440"/>
+            <a:ext cx="9071280" cy="946080"/>
           </a:xfrm>
           <a:prstGeom prst="rect">
             <a:avLst/>
@@ -935,7 +1990,7 @@
         <p:spPr>
           <a:xfrm>
             <a:off x="504000" y="1326600"/>
-            <a:ext cx="9071640" cy="3288240"/>
+            <a:ext cx="9072000" cy="3288600"/>
           </a:xfrm>
           <a:prstGeom prst="rect">
             <a:avLst/>
@@ -966,7 +2021,7 @@
             <a:spLocks noGrp="1"/>
           </p:cNvSpPr>
           <p:nvPr>
-            <p:ph type="ftr" idx="2"/>
+            <p:ph type="ftr" idx="1"/>
           </p:nvPr>
         </p:nvSpPr>
         <p:spPr/>
@@ -986,14 +2041,14 @@
             <a:spLocks noGrp="1"/>
           </p:cNvSpPr>
           <p:nvPr>
-            <p:ph type="sldNum" idx="3"/>
+            <p:ph type="sldNum" idx="2"/>
           </p:nvPr>
         </p:nvSpPr>
         <p:spPr/>
         <p:txBody>
           <a:bodyPr/>
           <a:p>
-            <a:fld id="{EE3ECC1B-A392-4255-9326-4F8171B99E76}" type="slidenum">
+            <a:fld id="{AE931BCE-BF0D-4459-8454-C1C7449990D7}" type="slidenum">
               <a:t>&lt;#&gt;</a:t>
             </a:fld>
           </a:p>
@@ -1006,7 +2061,1219 @@
             <a:spLocks noGrp="1"/>
           </p:cNvSpPr>
           <p:nvPr>
-            <p:ph type="dt" idx="1"/>
+            <p:ph type="dt" idx="3"/>
+          </p:nvPr>
+        </p:nvSpPr>
+        <p:spPr/>
+        <p:txBody>
+          <a:bodyPr/>
+          <a:p>
+            <a:r>
+              <a:rPr lang="en-US"/>
+              <a:t/>
+            </a:r>
+          </a:p>
+        </p:txBody>
+      </p:sp>
+    </p:spTree>
+  </p:cSld>
+</p:sldLayout>
+</file>
+
+<file path=ppt/slideLayouts/slideLayout20.xml><?xml version="1.0" encoding="utf-8"?>
+<p:sldLayout xmlns:a="http://schemas.openxmlformats.org/drawingml/2006/main" xmlns:p="http://schemas.openxmlformats.org/presentationml/2006/main" xmlns:r="http://schemas.openxmlformats.org/officeDocument/2006/relationships" xmlns:p14="http://schemas.microsoft.com/office/powerpoint/2010/main" xmlns:p15="http://schemas.microsoft.com/office/powerpoint/2012/main" xmlns:mc="http://schemas.openxmlformats.org/markup-compatibility/2006" type="objAndTwoObj" preserve="1">
+  <p:cSld name="Title Content and 2 Content">
+    <p:spTree>
+      <p:nvGrpSpPr>
+        <p:cNvPr id="1" name=""/>
+        <p:cNvGrpSpPr/>
+        <p:nvPr/>
+      </p:nvGrpSpPr>
+      <p:grpSpPr>
+        <a:xfrm>
+          <a:off x="0" y="0"/>
+          <a:ext cx="0" cy="0"/>
+          <a:chOff x="0" y="0"/>
+          <a:chExt cx="0" cy="0"/>
+        </a:xfrm>
+      </p:grpSpPr>
+      <p:sp>
+        <p:nvSpPr>
+          <p:cNvPr id="59" name="PlaceHolder 1"/>
+          <p:cNvSpPr>
+            <a:spLocks noGrp="1"/>
+          </p:cNvSpPr>
+          <p:nvPr>
+            <p:ph type="title"/>
+          </p:nvPr>
+        </p:nvSpPr>
+        <p:spPr>
+          <a:xfrm>
+            <a:off x="504000" y="226080"/>
+            <a:ext cx="9071280" cy="946080"/>
+          </a:xfrm>
+          <a:prstGeom prst="rect">
+            <a:avLst/>
+          </a:prstGeom>
+          <a:noFill/>
+          <a:ln w="0">
+            <a:noFill/>
+          </a:ln>
+        </p:spPr>
+        <p:txBody>
+          <a:bodyPr lIns="0" rIns="0" tIns="0" bIns="0" anchor="ctr">
+            <a:noAutofit/>
+          </a:bodyPr>
+          <a:p>
+            <a:pPr algn="ctr">
+              <a:buNone/>
+            </a:pPr>
+            <a:endParaRPr b="0" lang="en-US" sz="4400" spc="-1" strike="noStrike">
+              <a:latin typeface="Arial"/>
+            </a:endParaRPr>
+          </a:p>
+        </p:txBody>
+      </p:sp>
+      <p:sp>
+        <p:nvSpPr>
+          <p:cNvPr id="60" name="PlaceHolder 2"/>
+          <p:cNvSpPr>
+            <a:spLocks noGrp="1"/>
+          </p:cNvSpPr>
+          <p:nvPr>
+            <p:ph/>
+          </p:nvPr>
+        </p:nvSpPr>
+        <p:spPr>
+          <a:xfrm>
+            <a:off x="504000" y="1326600"/>
+            <a:ext cx="4426920" cy="3288600"/>
+          </a:xfrm>
+          <a:prstGeom prst="rect">
+            <a:avLst/>
+          </a:prstGeom>
+          <a:noFill/>
+          <a:ln w="0">
+            <a:noFill/>
+          </a:ln>
+        </p:spPr>
+        <p:txBody>
+          <a:bodyPr lIns="0" rIns="0" tIns="0" bIns="0" anchor="t">
+            <a:normAutofit/>
+          </a:bodyPr>
+          <a:p>
+            <a:endParaRPr b="0" lang="en-US" sz="3200" spc="-1" strike="noStrike">
+              <a:latin typeface="Arial"/>
+            </a:endParaRPr>
+          </a:p>
+        </p:txBody>
+      </p:sp>
+      <p:sp>
+        <p:nvSpPr>
+          <p:cNvPr id="61" name="PlaceHolder 3"/>
+          <p:cNvSpPr>
+            <a:spLocks noGrp="1"/>
+          </p:cNvSpPr>
+          <p:nvPr>
+            <p:ph/>
+          </p:nvPr>
+        </p:nvSpPr>
+        <p:spPr>
+          <a:xfrm>
+            <a:off x="5152680" y="1326600"/>
+            <a:ext cx="4426920" cy="1568520"/>
+          </a:xfrm>
+          <a:prstGeom prst="rect">
+            <a:avLst/>
+          </a:prstGeom>
+          <a:noFill/>
+          <a:ln w="0">
+            <a:noFill/>
+          </a:ln>
+        </p:spPr>
+        <p:txBody>
+          <a:bodyPr lIns="0" rIns="0" tIns="0" bIns="0" anchor="t">
+            <a:normAutofit/>
+          </a:bodyPr>
+          <a:p>
+            <a:endParaRPr b="0" lang="en-US" sz="3200" spc="-1" strike="noStrike">
+              <a:latin typeface="Arial"/>
+            </a:endParaRPr>
+          </a:p>
+        </p:txBody>
+      </p:sp>
+      <p:sp>
+        <p:nvSpPr>
+          <p:cNvPr id="62" name="PlaceHolder 4"/>
+          <p:cNvSpPr>
+            <a:spLocks noGrp="1"/>
+          </p:cNvSpPr>
+          <p:nvPr>
+            <p:ph/>
+          </p:nvPr>
+        </p:nvSpPr>
+        <p:spPr>
+          <a:xfrm>
+            <a:off x="5152680" y="3044520"/>
+            <a:ext cx="4426920" cy="1568520"/>
+          </a:xfrm>
+          <a:prstGeom prst="rect">
+            <a:avLst/>
+          </a:prstGeom>
+          <a:noFill/>
+          <a:ln w="0">
+            <a:noFill/>
+          </a:ln>
+        </p:spPr>
+        <p:txBody>
+          <a:bodyPr lIns="0" rIns="0" tIns="0" bIns="0" anchor="t">
+            <a:normAutofit/>
+          </a:bodyPr>
+          <a:p>
+            <a:endParaRPr b="0" lang="en-US" sz="3200" spc="-1" strike="noStrike">
+              <a:latin typeface="Arial"/>
+            </a:endParaRPr>
+          </a:p>
+        </p:txBody>
+      </p:sp>
+      <p:sp>
+        <p:nvSpPr>
+          <p:cNvPr id="6" name="PlaceHolder 5"/>
+          <p:cNvSpPr>
+            <a:spLocks noGrp="1"/>
+          </p:cNvSpPr>
+          <p:nvPr>
+            <p:ph type="ftr" idx="4"/>
+          </p:nvPr>
+        </p:nvSpPr>
+        <p:spPr/>
+        <p:txBody>
+          <a:bodyPr/>
+          <a:p>
+            <a:r>
+              <a:t>Footer</a:t>
+            </a:r>
+          </a:p>
+        </p:txBody>
+      </p:sp>
+      <p:sp>
+        <p:nvSpPr>
+          <p:cNvPr id="7" name="PlaceHolder 6"/>
+          <p:cNvSpPr>
+            <a:spLocks noGrp="1"/>
+          </p:cNvSpPr>
+          <p:nvPr>
+            <p:ph type="sldNum" idx="5"/>
+          </p:nvPr>
+        </p:nvSpPr>
+        <p:spPr/>
+        <p:txBody>
+          <a:bodyPr/>
+          <a:p>
+            <a:fld id="{2EFEFCF9-EC29-402F-B195-FCAF5C904E46}" type="slidenum">
+              <a:t>&lt;#&gt;</a:t>
+            </a:fld>
+          </a:p>
+        </p:txBody>
+      </p:sp>
+      <p:sp>
+        <p:nvSpPr>
+          <p:cNvPr id="8" name="PlaceHolder 7"/>
+          <p:cNvSpPr>
+            <a:spLocks noGrp="1"/>
+          </p:cNvSpPr>
+          <p:nvPr>
+            <p:ph type="dt" idx="6"/>
+          </p:nvPr>
+        </p:nvSpPr>
+        <p:spPr/>
+        <p:txBody>
+          <a:bodyPr/>
+          <a:p>
+            <a:r>
+              <a:rPr lang="en-US"/>
+              <a:t/>
+            </a:r>
+          </a:p>
+        </p:txBody>
+      </p:sp>
+    </p:spTree>
+  </p:cSld>
+</p:sldLayout>
+</file>
+
+<file path=ppt/slideLayouts/slideLayout21.xml><?xml version="1.0" encoding="utf-8"?>
+<p:sldLayout xmlns:a="http://schemas.openxmlformats.org/drawingml/2006/main" xmlns:p="http://schemas.openxmlformats.org/presentationml/2006/main" xmlns:r="http://schemas.openxmlformats.org/officeDocument/2006/relationships" xmlns:p14="http://schemas.microsoft.com/office/powerpoint/2010/main" xmlns:p15="http://schemas.microsoft.com/office/powerpoint/2012/main" xmlns:mc="http://schemas.openxmlformats.org/markup-compatibility/2006" type="twoObjOverTx" preserve="1">
+  <p:cSld name="Title, 2 Content over Content">
+    <p:spTree>
+      <p:nvGrpSpPr>
+        <p:cNvPr id="1" name=""/>
+        <p:cNvGrpSpPr/>
+        <p:nvPr/>
+      </p:nvGrpSpPr>
+      <p:grpSpPr>
+        <a:xfrm>
+          <a:off x="0" y="0"/>
+          <a:ext cx="0" cy="0"/>
+          <a:chOff x="0" y="0"/>
+          <a:chExt cx="0" cy="0"/>
+        </a:xfrm>
+      </p:grpSpPr>
+      <p:sp>
+        <p:nvSpPr>
+          <p:cNvPr id="63" name="PlaceHolder 1"/>
+          <p:cNvSpPr>
+            <a:spLocks noGrp="1"/>
+          </p:cNvSpPr>
+          <p:nvPr>
+            <p:ph type="title"/>
+          </p:nvPr>
+        </p:nvSpPr>
+        <p:spPr>
+          <a:xfrm>
+            <a:off x="504000" y="226080"/>
+            <a:ext cx="9071280" cy="946080"/>
+          </a:xfrm>
+          <a:prstGeom prst="rect">
+            <a:avLst/>
+          </a:prstGeom>
+          <a:noFill/>
+          <a:ln w="0">
+            <a:noFill/>
+          </a:ln>
+        </p:spPr>
+        <p:txBody>
+          <a:bodyPr lIns="0" rIns="0" tIns="0" bIns="0" anchor="ctr">
+            <a:noAutofit/>
+          </a:bodyPr>
+          <a:p>
+            <a:pPr algn="ctr">
+              <a:buNone/>
+            </a:pPr>
+            <a:endParaRPr b="0" lang="en-US" sz="4400" spc="-1" strike="noStrike">
+              <a:latin typeface="Arial"/>
+            </a:endParaRPr>
+          </a:p>
+        </p:txBody>
+      </p:sp>
+      <p:sp>
+        <p:nvSpPr>
+          <p:cNvPr id="64" name="PlaceHolder 2"/>
+          <p:cNvSpPr>
+            <a:spLocks noGrp="1"/>
+          </p:cNvSpPr>
+          <p:nvPr>
+            <p:ph/>
+          </p:nvPr>
+        </p:nvSpPr>
+        <p:spPr>
+          <a:xfrm>
+            <a:off x="504000" y="1326600"/>
+            <a:ext cx="4426920" cy="1568520"/>
+          </a:xfrm>
+          <a:prstGeom prst="rect">
+            <a:avLst/>
+          </a:prstGeom>
+          <a:noFill/>
+          <a:ln w="0">
+            <a:noFill/>
+          </a:ln>
+        </p:spPr>
+        <p:txBody>
+          <a:bodyPr lIns="0" rIns="0" tIns="0" bIns="0" anchor="t">
+            <a:normAutofit/>
+          </a:bodyPr>
+          <a:p>
+            <a:endParaRPr b="0" lang="en-US" sz="3200" spc="-1" strike="noStrike">
+              <a:latin typeface="Arial"/>
+            </a:endParaRPr>
+          </a:p>
+        </p:txBody>
+      </p:sp>
+      <p:sp>
+        <p:nvSpPr>
+          <p:cNvPr id="65" name="PlaceHolder 3"/>
+          <p:cNvSpPr>
+            <a:spLocks noGrp="1"/>
+          </p:cNvSpPr>
+          <p:nvPr>
+            <p:ph/>
+          </p:nvPr>
+        </p:nvSpPr>
+        <p:spPr>
+          <a:xfrm>
+            <a:off x="5152680" y="1326600"/>
+            <a:ext cx="4426920" cy="1568520"/>
+          </a:xfrm>
+          <a:prstGeom prst="rect">
+            <a:avLst/>
+          </a:prstGeom>
+          <a:noFill/>
+          <a:ln w="0">
+            <a:noFill/>
+          </a:ln>
+        </p:spPr>
+        <p:txBody>
+          <a:bodyPr lIns="0" rIns="0" tIns="0" bIns="0" anchor="t">
+            <a:normAutofit/>
+          </a:bodyPr>
+          <a:p>
+            <a:endParaRPr b="0" lang="en-US" sz="3200" spc="-1" strike="noStrike">
+              <a:latin typeface="Arial"/>
+            </a:endParaRPr>
+          </a:p>
+        </p:txBody>
+      </p:sp>
+      <p:sp>
+        <p:nvSpPr>
+          <p:cNvPr id="66" name="PlaceHolder 4"/>
+          <p:cNvSpPr>
+            <a:spLocks noGrp="1"/>
+          </p:cNvSpPr>
+          <p:nvPr>
+            <p:ph/>
+          </p:nvPr>
+        </p:nvSpPr>
+        <p:spPr>
+          <a:xfrm>
+            <a:off x="504000" y="3044520"/>
+            <a:ext cx="9072000" cy="1568520"/>
+          </a:xfrm>
+          <a:prstGeom prst="rect">
+            <a:avLst/>
+          </a:prstGeom>
+          <a:noFill/>
+          <a:ln w="0">
+            <a:noFill/>
+          </a:ln>
+        </p:spPr>
+        <p:txBody>
+          <a:bodyPr lIns="0" rIns="0" tIns="0" bIns="0" anchor="t">
+            <a:normAutofit/>
+          </a:bodyPr>
+          <a:p>
+            <a:endParaRPr b="0" lang="en-US" sz="3200" spc="-1" strike="noStrike">
+              <a:latin typeface="Arial"/>
+            </a:endParaRPr>
+          </a:p>
+        </p:txBody>
+      </p:sp>
+      <p:sp>
+        <p:nvSpPr>
+          <p:cNvPr id="6" name="PlaceHolder 5"/>
+          <p:cNvSpPr>
+            <a:spLocks noGrp="1"/>
+          </p:cNvSpPr>
+          <p:nvPr>
+            <p:ph type="ftr" idx="4"/>
+          </p:nvPr>
+        </p:nvSpPr>
+        <p:spPr/>
+        <p:txBody>
+          <a:bodyPr/>
+          <a:p>
+            <a:r>
+              <a:t>Footer</a:t>
+            </a:r>
+          </a:p>
+        </p:txBody>
+      </p:sp>
+      <p:sp>
+        <p:nvSpPr>
+          <p:cNvPr id="7" name="PlaceHolder 6"/>
+          <p:cNvSpPr>
+            <a:spLocks noGrp="1"/>
+          </p:cNvSpPr>
+          <p:nvPr>
+            <p:ph type="sldNum" idx="5"/>
+          </p:nvPr>
+        </p:nvSpPr>
+        <p:spPr/>
+        <p:txBody>
+          <a:bodyPr/>
+          <a:p>
+            <a:fld id="{94931BC4-09AB-46A0-8CB0-985570AF1155}" type="slidenum">
+              <a:t>&lt;#&gt;</a:t>
+            </a:fld>
+          </a:p>
+        </p:txBody>
+      </p:sp>
+      <p:sp>
+        <p:nvSpPr>
+          <p:cNvPr id="8" name="PlaceHolder 7"/>
+          <p:cNvSpPr>
+            <a:spLocks noGrp="1"/>
+          </p:cNvSpPr>
+          <p:nvPr>
+            <p:ph type="dt" idx="6"/>
+          </p:nvPr>
+        </p:nvSpPr>
+        <p:spPr/>
+        <p:txBody>
+          <a:bodyPr/>
+          <a:p>
+            <a:r>
+              <a:rPr lang="en-US"/>
+              <a:t/>
+            </a:r>
+          </a:p>
+        </p:txBody>
+      </p:sp>
+    </p:spTree>
+  </p:cSld>
+</p:sldLayout>
+</file>
+
+<file path=ppt/slideLayouts/slideLayout22.xml><?xml version="1.0" encoding="utf-8"?>
+<p:sldLayout xmlns:a="http://schemas.openxmlformats.org/drawingml/2006/main" xmlns:p="http://schemas.openxmlformats.org/presentationml/2006/main" xmlns:r="http://schemas.openxmlformats.org/officeDocument/2006/relationships" xmlns:p14="http://schemas.microsoft.com/office/powerpoint/2010/main" xmlns:p15="http://schemas.microsoft.com/office/powerpoint/2012/main" xmlns:mc="http://schemas.openxmlformats.org/markup-compatibility/2006" type="objOverTx" preserve="1">
+  <p:cSld name="Title, Content over Content">
+    <p:spTree>
+      <p:nvGrpSpPr>
+        <p:cNvPr id="1" name=""/>
+        <p:cNvGrpSpPr/>
+        <p:nvPr/>
+      </p:nvGrpSpPr>
+      <p:grpSpPr>
+        <a:xfrm>
+          <a:off x="0" y="0"/>
+          <a:ext cx="0" cy="0"/>
+          <a:chOff x="0" y="0"/>
+          <a:chExt cx="0" cy="0"/>
+        </a:xfrm>
+      </p:grpSpPr>
+      <p:sp>
+        <p:nvSpPr>
+          <p:cNvPr id="67" name="PlaceHolder 1"/>
+          <p:cNvSpPr>
+            <a:spLocks noGrp="1"/>
+          </p:cNvSpPr>
+          <p:nvPr>
+            <p:ph type="title"/>
+          </p:nvPr>
+        </p:nvSpPr>
+        <p:spPr>
+          <a:xfrm>
+            <a:off x="504000" y="226080"/>
+            <a:ext cx="9071280" cy="946080"/>
+          </a:xfrm>
+          <a:prstGeom prst="rect">
+            <a:avLst/>
+          </a:prstGeom>
+          <a:noFill/>
+          <a:ln w="0">
+            <a:noFill/>
+          </a:ln>
+        </p:spPr>
+        <p:txBody>
+          <a:bodyPr lIns="0" rIns="0" tIns="0" bIns="0" anchor="ctr">
+            <a:noAutofit/>
+          </a:bodyPr>
+          <a:p>
+            <a:pPr algn="ctr">
+              <a:buNone/>
+            </a:pPr>
+            <a:endParaRPr b="0" lang="en-US" sz="4400" spc="-1" strike="noStrike">
+              <a:latin typeface="Arial"/>
+            </a:endParaRPr>
+          </a:p>
+        </p:txBody>
+      </p:sp>
+      <p:sp>
+        <p:nvSpPr>
+          <p:cNvPr id="68" name="PlaceHolder 2"/>
+          <p:cNvSpPr>
+            <a:spLocks noGrp="1"/>
+          </p:cNvSpPr>
+          <p:nvPr>
+            <p:ph/>
+          </p:nvPr>
+        </p:nvSpPr>
+        <p:spPr>
+          <a:xfrm>
+            <a:off x="504000" y="1326600"/>
+            <a:ext cx="9072000" cy="1568520"/>
+          </a:xfrm>
+          <a:prstGeom prst="rect">
+            <a:avLst/>
+          </a:prstGeom>
+          <a:noFill/>
+          <a:ln w="0">
+            <a:noFill/>
+          </a:ln>
+        </p:spPr>
+        <p:txBody>
+          <a:bodyPr lIns="0" rIns="0" tIns="0" bIns="0" anchor="t">
+            <a:normAutofit/>
+          </a:bodyPr>
+          <a:p>
+            <a:endParaRPr b="0" lang="en-US" sz="3200" spc="-1" strike="noStrike">
+              <a:latin typeface="Arial"/>
+            </a:endParaRPr>
+          </a:p>
+        </p:txBody>
+      </p:sp>
+      <p:sp>
+        <p:nvSpPr>
+          <p:cNvPr id="69" name="PlaceHolder 3"/>
+          <p:cNvSpPr>
+            <a:spLocks noGrp="1"/>
+          </p:cNvSpPr>
+          <p:nvPr>
+            <p:ph/>
+          </p:nvPr>
+        </p:nvSpPr>
+        <p:spPr>
+          <a:xfrm>
+            <a:off x="504000" y="3044520"/>
+            <a:ext cx="9072000" cy="1568520"/>
+          </a:xfrm>
+          <a:prstGeom prst="rect">
+            <a:avLst/>
+          </a:prstGeom>
+          <a:noFill/>
+          <a:ln w="0">
+            <a:noFill/>
+          </a:ln>
+        </p:spPr>
+        <p:txBody>
+          <a:bodyPr lIns="0" rIns="0" tIns="0" bIns="0" anchor="t">
+            <a:normAutofit/>
+          </a:bodyPr>
+          <a:p>
+            <a:endParaRPr b="0" lang="en-US" sz="3200" spc="-1" strike="noStrike">
+              <a:latin typeface="Arial"/>
+            </a:endParaRPr>
+          </a:p>
+        </p:txBody>
+      </p:sp>
+      <p:sp>
+        <p:nvSpPr>
+          <p:cNvPr id="5" name="PlaceHolder 4"/>
+          <p:cNvSpPr>
+            <a:spLocks noGrp="1"/>
+          </p:cNvSpPr>
+          <p:nvPr>
+            <p:ph type="ftr" idx="4"/>
+          </p:nvPr>
+        </p:nvSpPr>
+        <p:spPr/>
+        <p:txBody>
+          <a:bodyPr/>
+          <a:p>
+            <a:r>
+              <a:t>Footer</a:t>
+            </a:r>
+          </a:p>
+        </p:txBody>
+      </p:sp>
+      <p:sp>
+        <p:nvSpPr>
+          <p:cNvPr id="6" name="PlaceHolder 5"/>
+          <p:cNvSpPr>
+            <a:spLocks noGrp="1"/>
+          </p:cNvSpPr>
+          <p:nvPr>
+            <p:ph type="sldNum" idx="5"/>
+          </p:nvPr>
+        </p:nvSpPr>
+        <p:spPr/>
+        <p:txBody>
+          <a:bodyPr/>
+          <a:p>
+            <a:fld id="{5ACA44A1-21DB-4212-AD9A-E06F1859AEEE}" type="slidenum">
+              <a:t>&lt;#&gt;</a:t>
+            </a:fld>
+          </a:p>
+        </p:txBody>
+      </p:sp>
+      <p:sp>
+        <p:nvSpPr>
+          <p:cNvPr id="7" name="PlaceHolder 6"/>
+          <p:cNvSpPr>
+            <a:spLocks noGrp="1"/>
+          </p:cNvSpPr>
+          <p:nvPr>
+            <p:ph type="dt" idx="6"/>
+          </p:nvPr>
+        </p:nvSpPr>
+        <p:spPr/>
+        <p:txBody>
+          <a:bodyPr/>
+          <a:p>
+            <a:r>
+              <a:rPr lang="en-US"/>
+              <a:t/>
+            </a:r>
+          </a:p>
+        </p:txBody>
+      </p:sp>
+    </p:spTree>
+  </p:cSld>
+</p:sldLayout>
+</file>
+
+<file path=ppt/slideLayouts/slideLayout23.xml><?xml version="1.0" encoding="utf-8"?>
+<p:sldLayout xmlns:a="http://schemas.openxmlformats.org/drawingml/2006/main" xmlns:p="http://schemas.openxmlformats.org/presentationml/2006/main" xmlns:r="http://schemas.openxmlformats.org/officeDocument/2006/relationships" xmlns:p14="http://schemas.microsoft.com/office/powerpoint/2010/main" xmlns:p15="http://schemas.microsoft.com/office/powerpoint/2012/main" xmlns:mc="http://schemas.openxmlformats.org/markup-compatibility/2006" type="fourObj" preserve="1">
+  <p:cSld name="Title, 4 Content">
+    <p:spTree>
+      <p:nvGrpSpPr>
+        <p:cNvPr id="1" name=""/>
+        <p:cNvGrpSpPr/>
+        <p:nvPr/>
+      </p:nvGrpSpPr>
+      <p:grpSpPr>
+        <a:xfrm>
+          <a:off x="0" y="0"/>
+          <a:ext cx="0" cy="0"/>
+          <a:chOff x="0" y="0"/>
+          <a:chExt cx="0" cy="0"/>
+        </a:xfrm>
+      </p:grpSpPr>
+      <p:sp>
+        <p:nvSpPr>
+          <p:cNvPr id="70" name="PlaceHolder 1"/>
+          <p:cNvSpPr>
+            <a:spLocks noGrp="1"/>
+          </p:cNvSpPr>
+          <p:nvPr>
+            <p:ph type="title"/>
+          </p:nvPr>
+        </p:nvSpPr>
+        <p:spPr>
+          <a:xfrm>
+            <a:off x="504000" y="226080"/>
+            <a:ext cx="9071280" cy="946080"/>
+          </a:xfrm>
+          <a:prstGeom prst="rect">
+            <a:avLst/>
+          </a:prstGeom>
+          <a:noFill/>
+          <a:ln w="0">
+            <a:noFill/>
+          </a:ln>
+        </p:spPr>
+        <p:txBody>
+          <a:bodyPr lIns="0" rIns="0" tIns="0" bIns="0" anchor="ctr">
+            <a:noAutofit/>
+          </a:bodyPr>
+          <a:p>
+            <a:pPr algn="ctr">
+              <a:buNone/>
+            </a:pPr>
+            <a:endParaRPr b="0" lang="en-US" sz="4400" spc="-1" strike="noStrike">
+              <a:latin typeface="Arial"/>
+            </a:endParaRPr>
+          </a:p>
+        </p:txBody>
+      </p:sp>
+      <p:sp>
+        <p:nvSpPr>
+          <p:cNvPr id="71" name="PlaceHolder 2"/>
+          <p:cNvSpPr>
+            <a:spLocks noGrp="1"/>
+          </p:cNvSpPr>
+          <p:nvPr>
+            <p:ph/>
+          </p:nvPr>
+        </p:nvSpPr>
+        <p:spPr>
+          <a:xfrm>
+            <a:off x="504000" y="1326600"/>
+            <a:ext cx="4426920" cy="1568520"/>
+          </a:xfrm>
+          <a:prstGeom prst="rect">
+            <a:avLst/>
+          </a:prstGeom>
+          <a:noFill/>
+          <a:ln w="0">
+            <a:noFill/>
+          </a:ln>
+        </p:spPr>
+        <p:txBody>
+          <a:bodyPr lIns="0" rIns="0" tIns="0" bIns="0" anchor="t">
+            <a:normAutofit/>
+          </a:bodyPr>
+          <a:p>
+            <a:endParaRPr b="0" lang="en-US" sz="3200" spc="-1" strike="noStrike">
+              <a:latin typeface="Arial"/>
+            </a:endParaRPr>
+          </a:p>
+        </p:txBody>
+      </p:sp>
+      <p:sp>
+        <p:nvSpPr>
+          <p:cNvPr id="72" name="PlaceHolder 3"/>
+          <p:cNvSpPr>
+            <a:spLocks noGrp="1"/>
+          </p:cNvSpPr>
+          <p:nvPr>
+            <p:ph/>
+          </p:nvPr>
+        </p:nvSpPr>
+        <p:spPr>
+          <a:xfrm>
+            <a:off x="5152680" y="1326600"/>
+            <a:ext cx="4426920" cy="1568520"/>
+          </a:xfrm>
+          <a:prstGeom prst="rect">
+            <a:avLst/>
+          </a:prstGeom>
+          <a:noFill/>
+          <a:ln w="0">
+            <a:noFill/>
+          </a:ln>
+        </p:spPr>
+        <p:txBody>
+          <a:bodyPr lIns="0" rIns="0" tIns="0" bIns="0" anchor="t">
+            <a:normAutofit/>
+          </a:bodyPr>
+          <a:p>
+            <a:endParaRPr b="0" lang="en-US" sz="3200" spc="-1" strike="noStrike">
+              <a:latin typeface="Arial"/>
+            </a:endParaRPr>
+          </a:p>
+        </p:txBody>
+      </p:sp>
+      <p:sp>
+        <p:nvSpPr>
+          <p:cNvPr id="73" name="PlaceHolder 4"/>
+          <p:cNvSpPr>
+            <a:spLocks noGrp="1"/>
+          </p:cNvSpPr>
+          <p:nvPr>
+            <p:ph/>
+          </p:nvPr>
+        </p:nvSpPr>
+        <p:spPr>
+          <a:xfrm>
+            <a:off x="504000" y="3044520"/>
+            <a:ext cx="4426920" cy="1568520"/>
+          </a:xfrm>
+          <a:prstGeom prst="rect">
+            <a:avLst/>
+          </a:prstGeom>
+          <a:noFill/>
+          <a:ln w="0">
+            <a:noFill/>
+          </a:ln>
+        </p:spPr>
+        <p:txBody>
+          <a:bodyPr lIns="0" rIns="0" tIns="0" bIns="0" anchor="t">
+            <a:normAutofit/>
+          </a:bodyPr>
+          <a:p>
+            <a:endParaRPr b="0" lang="en-US" sz="3200" spc="-1" strike="noStrike">
+              <a:latin typeface="Arial"/>
+            </a:endParaRPr>
+          </a:p>
+        </p:txBody>
+      </p:sp>
+      <p:sp>
+        <p:nvSpPr>
+          <p:cNvPr id="74" name="PlaceHolder 5"/>
+          <p:cNvSpPr>
+            <a:spLocks noGrp="1"/>
+          </p:cNvSpPr>
+          <p:nvPr>
+            <p:ph/>
+          </p:nvPr>
+        </p:nvSpPr>
+        <p:spPr>
+          <a:xfrm>
+            <a:off x="5152680" y="3044520"/>
+            <a:ext cx="4426920" cy="1568520"/>
+          </a:xfrm>
+          <a:prstGeom prst="rect">
+            <a:avLst/>
+          </a:prstGeom>
+          <a:noFill/>
+          <a:ln w="0">
+            <a:noFill/>
+          </a:ln>
+        </p:spPr>
+        <p:txBody>
+          <a:bodyPr lIns="0" rIns="0" tIns="0" bIns="0" anchor="t">
+            <a:normAutofit/>
+          </a:bodyPr>
+          <a:p>
+            <a:endParaRPr b="0" lang="en-US" sz="3200" spc="-1" strike="noStrike">
+              <a:latin typeface="Arial"/>
+            </a:endParaRPr>
+          </a:p>
+        </p:txBody>
+      </p:sp>
+      <p:sp>
+        <p:nvSpPr>
+          <p:cNvPr id="7" name="PlaceHolder 6"/>
+          <p:cNvSpPr>
+            <a:spLocks noGrp="1"/>
+          </p:cNvSpPr>
+          <p:nvPr>
+            <p:ph type="ftr" idx="4"/>
+          </p:nvPr>
+        </p:nvSpPr>
+        <p:spPr/>
+        <p:txBody>
+          <a:bodyPr/>
+          <a:p>
+            <a:r>
+              <a:t>Footer</a:t>
+            </a:r>
+          </a:p>
+        </p:txBody>
+      </p:sp>
+      <p:sp>
+        <p:nvSpPr>
+          <p:cNvPr id="8" name="PlaceHolder 7"/>
+          <p:cNvSpPr>
+            <a:spLocks noGrp="1"/>
+          </p:cNvSpPr>
+          <p:nvPr>
+            <p:ph type="sldNum" idx="5"/>
+          </p:nvPr>
+        </p:nvSpPr>
+        <p:spPr/>
+        <p:txBody>
+          <a:bodyPr/>
+          <a:p>
+            <a:fld id="{CF0FE8DD-0330-4E89-96D7-9C6D39915949}" type="slidenum">
+              <a:t>&lt;#&gt;</a:t>
+            </a:fld>
+          </a:p>
+        </p:txBody>
+      </p:sp>
+      <p:sp>
+        <p:nvSpPr>
+          <p:cNvPr id="9" name="PlaceHolder 8"/>
+          <p:cNvSpPr>
+            <a:spLocks noGrp="1"/>
+          </p:cNvSpPr>
+          <p:nvPr>
+            <p:ph type="dt" idx="6"/>
+          </p:nvPr>
+        </p:nvSpPr>
+        <p:spPr/>
+        <p:txBody>
+          <a:bodyPr/>
+          <a:p>
+            <a:r>
+              <a:rPr lang="en-US"/>
+              <a:t/>
+            </a:r>
+          </a:p>
+        </p:txBody>
+      </p:sp>
+    </p:spTree>
+  </p:cSld>
+</p:sldLayout>
+</file>
+
+<file path=ppt/slideLayouts/slideLayout24.xml><?xml version="1.0" encoding="utf-8"?>
+<p:sldLayout xmlns:a="http://schemas.openxmlformats.org/drawingml/2006/main" xmlns:p="http://schemas.openxmlformats.org/presentationml/2006/main" xmlns:r="http://schemas.openxmlformats.org/officeDocument/2006/relationships" xmlns:p14="http://schemas.microsoft.com/office/powerpoint/2010/main" xmlns:p15="http://schemas.microsoft.com/office/powerpoint/2012/main" xmlns:mc="http://schemas.openxmlformats.org/markup-compatibility/2006" type="blank" preserve="1">
+  <p:cSld name="Title, 6 Content">
+    <p:spTree>
+      <p:nvGrpSpPr>
+        <p:cNvPr id="1" name=""/>
+        <p:cNvGrpSpPr/>
+        <p:nvPr/>
+      </p:nvGrpSpPr>
+      <p:grpSpPr>
+        <a:xfrm>
+          <a:off x="0" y="0"/>
+          <a:ext cx="0" cy="0"/>
+          <a:chOff x="0" y="0"/>
+          <a:chExt cx="0" cy="0"/>
+        </a:xfrm>
+      </p:grpSpPr>
+      <p:sp>
+        <p:nvSpPr>
+          <p:cNvPr id="75" name="PlaceHolder 1"/>
+          <p:cNvSpPr>
+            <a:spLocks noGrp="1"/>
+          </p:cNvSpPr>
+          <p:nvPr>
+            <p:ph type="title"/>
+          </p:nvPr>
+        </p:nvSpPr>
+        <p:spPr>
+          <a:xfrm>
+            <a:off x="504000" y="226080"/>
+            <a:ext cx="9071280" cy="946080"/>
+          </a:xfrm>
+          <a:prstGeom prst="rect">
+            <a:avLst/>
+          </a:prstGeom>
+          <a:noFill/>
+          <a:ln w="0">
+            <a:noFill/>
+          </a:ln>
+        </p:spPr>
+        <p:txBody>
+          <a:bodyPr lIns="0" rIns="0" tIns="0" bIns="0" anchor="ctr">
+            <a:noAutofit/>
+          </a:bodyPr>
+          <a:p>
+            <a:pPr algn="ctr">
+              <a:buNone/>
+            </a:pPr>
+            <a:endParaRPr b="0" lang="en-US" sz="4400" spc="-1" strike="noStrike">
+              <a:latin typeface="Arial"/>
+            </a:endParaRPr>
+          </a:p>
+        </p:txBody>
+      </p:sp>
+      <p:sp>
+        <p:nvSpPr>
+          <p:cNvPr id="76" name="PlaceHolder 2"/>
+          <p:cNvSpPr>
+            <a:spLocks noGrp="1"/>
+          </p:cNvSpPr>
+          <p:nvPr>
+            <p:ph/>
+          </p:nvPr>
+        </p:nvSpPr>
+        <p:spPr>
+          <a:xfrm>
+            <a:off x="504000" y="1326600"/>
+            <a:ext cx="2921040" cy="1568520"/>
+          </a:xfrm>
+          <a:prstGeom prst="rect">
+            <a:avLst/>
+          </a:prstGeom>
+          <a:noFill/>
+          <a:ln w="0">
+            <a:noFill/>
+          </a:ln>
+        </p:spPr>
+        <p:txBody>
+          <a:bodyPr lIns="0" rIns="0" tIns="0" bIns="0" anchor="t">
+            <a:normAutofit/>
+          </a:bodyPr>
+          <a:p>
+            <a:endParaRPr b="0" lang="en-US" sz="3200" spc="-1" strike="noStrike">
+              <a:latin typeface="Arial"/>
+            </a:endParaRPr>
+          </a:p>
+        </p:txBody>
+      </p:sp>
+      <p:sp>
+        <p:nvSpPr>
+          <p:cNvPr id="77" name="PlaceHolder 3"/>
+          <p:cNvSpPr>
+            <a:spLocks noGrp="1"/>
+          </p:cNvSpPr>
+          <p:nvPr>
+            <p:ph/>
+          </p:nvPr>
+        </p:nvSpPr>
+        <p:spPr>
+          <a:xfrm>
+            <a:off x="3571560" y="1326600"/>
+            <a:ext cx="2921040" cy="1568520"/>
+          </a:xfrm>
+          <a:prstGeom prst="rect">
+            <a:avLst/>
+          </a:prstGeom>
+          <a:noFill/>
+          <a:ln w="0">
+            <a:noFill/>
+          </a:ln>
+        </p:spPr>
+        <p:txBody>
+          <a:bodyPr lIns="0" rIns="0" tIns="0" bIns="0" anchor="t">
+            <a:normAutofit/>
+          </a:bodyPr>
+          <a:p>
+            <a:endParaRPr b="0" lang="en-US" sz="3200" spc="-1" strike="noStrike">
+              <a:latin typeface="Arial"/>
+            </a:endParaRPr>
+          </a:p>
+        </p:txBody>
+      </p:sp>
+      <p:sp>
+        <p:nvSpPr>
+          <p:cNvPr id="78" name="PlaceHolder 4"/>
+          <p:cNvSpPr>
+            <a:spLocks noGrp="1"/>
+          </p:cNvSpPr>
+          <p:nvPr>
+            <p:ph/>
+          </p:nvPr>
+        </p:nvSpPr>
+        <p:spPr>
+          <a:xfrm>
+            <a:off x="6639120" y="1326600"/>
+            <a:ext cx="2921040" cy="1568520"/>
+          </a:xfrm>
+          <a:prstGeom prst="rect">
+            <a:avLst/>
+          </a:prstGeom>
+          <a:noFill/>
+          <a:ln w="0">
+            <a:noFill/>
+          </a:ln>
+        </p:spPr>
+        <p:txBody>
+          <a:bodyPr lIns="0" rIns="0" tIns="0" bIns="0" anchor="t">
+            <a:normAutofit/>
+          </a:bodyPr>
+          <a:p>
+            <a:endParaRPr b="0" lang="en-US" sz="3200" spc="-1" strike="noStrike">
+              <a:latin typeface="Arial"/>
+            </a:endParaRPr>
+          </a:p>
+        </p:txBody>
+      </p:sp>
+      <p:sp>
+        <p:nvSpPr>
+          <p:cNvPr id="79" name="PlaceHolder 5"/>
+          <p:cNvSpPr>
+            <a:spLocks noGrp="1"/>
+          </p:cNvSpPr>
+          <p:nvPr>
+            <p:ph/>
+          </p:nvPr>
+        </p:nvSpPr>
+        <p:spPr>
+          <a:xfrm>
+            <a:off x="504000" y="3044520"/>
+            <a:ext cx="2921040" cy="1568520"/>
+          </a:xfrm>
+          <a:prstGeom prst="rect">
+            <a:avLst/>
+          </a:prstGeom>
+          <a:noFill/>
+          <a:ln w="0">
+            <a:noFill/>
+          </a:ln>
+        </p:spPr>
+        <p:txBody>
+          <a:bodyPr lIns="0" rIns="0" tIns="0" bIns="0" anchor="t">
+            <a:normAutofit/>
+          </a:bodyPr>
+          <a:p>
+            <a:endParaRPr b="0" lang="en-US" sz="3200" spc="-1" strike="noStrike">
+              <a:latin typeface="Arial"/>
+            </a:endParaRPr>
+          </a:p>
+        </p:txBody>
+      </p:sp>
+      <p:sp>
+        <p:nvSpPr>
+          <p:cNvPr id="80" name="PlaceHolder 6"/>
+          <p:cNvSpPr>
+            <a:spLocks noGrp="1"/>
+          </p:cNvSpPr>
+          <p:nvPr>
+            <p:ph/>
+          </p:nvPr>
+        </p:nvSpPr>
+        <p:spPr>
+          <a:xfrm>
+            <a:off x="3571560" y="3044520"/>
+            <a:ext cx="2921040" cy="1568520"/>
+          </a:xfrm>
+          <a:prstGeom prst="rect">
+            <a:avLst/>
+          </a:prstGeom>
+          <a:noFill/>
+          <a:ln w="0">
+            <a:noFill/>
+          </a:ln>
+        </p:spPr>
+        <p:txBody>
+          <a:bodyPr lIns="0" rIns="0" tIns="0" bIns="0" anchor="t">
+            <a:normAutofit/>
+          </a:bodyPr>
+          <a:p>
+            <a:endParaRPr b="0" lang="en-US" sz="3200" spc="-1" strike="noStrike">
+              <a:latin typeface="Arial"/>
+            </a:endParaRPr>
+          </a:p>
+        </p:txBody>
+      </p:sp>
+      <p:sp>
+        <p:nvSpPr>
+          <p:cNvPr id="81" name="PlaceHolder 7"/>
+          <p:cNvSpPr>
+            <a:spLocks noGrp="1"/>
+          </p:cNvSpPr>
+          <p:nvPr>
+            <p:ph/>
+          </p:nvPr>
+        </p:nvSpPr>
+        <p:spPr>
+          <a:xfrm>
+            <a:off x="6639120" y="3044520"/>
+            <a:ext cx="2921040" cy="1568520"/>
+          </a:xfrm>
+          <a:prstGeom prst="rect">
+            <a:avLst/>
+          </a:prstGeom>
+          <a:noFill/>
+          <a:ln w="0">
+            <a:noFill/>
+          </a:ln>
+        </p:spPr>
+        <p:txBody>
+          <a:bodyPr lIns="0" rIns="0" tIns="0" bIns="0" anchor="t">
+            <a:normAutofit/>
+          </a:bodyPr>
+          <a:p>
+            <a:endParaRPr b="0" lang="en-US" sz="3200" spc="-1" strike="noStrike">
+              <a:latin typeface="Arial"/>
+            </a:endParaRPr>
+          </a:p>
+        </p:txBody>
+      </p:sp>
+      <p:sp>
+        <p:nvSpPr>
+          <p:cNvPr id="9" name="PlaceHolder 8"/>
+          <p:cNvSpPr>
+            <a:spLocks noGrp="1"/>
+          </p:cNvSpPr>
+          <p:nvPr>
+            <p:ph type="ftr" idx="4"/>
+          </p:nvPr>
+        </p:nvSpPr>
+        <p:spPr/>
+        <p:txBody>
+          <a:bodyPr/>
+          <a:p>
+            <a:r>
+              <a:t>Footer</a:t>
+            </a:r>
+          </a:p>
+        </p:txBody>
+      </p:sp>
+      <p:sp>
+        <p:nvSpPr>
+          <p:cNvPr id="10" name="PlaceHolder 9"/>
+          <p:cNvSpPr>
+            <a:spLocks noGrp="1"/>
+          </p:cNvSpPr>
+          <p:nvPr>
+            <p:ph type="sldNum" idx="5"/>
+          </p:nvPr>
+        </p:nvSpPr>
+        <p:spPr/>
+        <p:txBody>
+          <a:bodyPr/>
+          <a:p>
+            <a:fld id="{9389353D-04C3-4C17-8388-6AB1C6EC955C}" type="slidenum">
+              <a:t>&lt;#&gt;</a:t>
+            </a:fld>
+          </a:p>
+        </p:txBody>
+      </p:sp>
+      <p:sp>
+        <p:nvSpPr>
+          <p:cNvPr id="11" name="PlaceHolder 10"/>
+          <p:cNvSpPr>
+            <a:spLocks noGrp="1"/>
+          </p:cNvSpPr>
+          <p:nvPr>
+            <p:ph type="dt" idx="6"/>
           </p:nvPr>
         </p:nvSpPr>
         <p:spPr/>
@@ -1055,7 +3322,7 @@
         <p:spPr>
           <a:xfrm>
             <a:off x="504000" y="226080"/>
-            <a:ext cx="9071640" cy="946440"/>
+            <a:ext cx="9071280" cy="946080"/>
           </a:xfrm>
           <a:prstGeom prst="rect">
             <a:avLst/>
@@ -1092,7 +3359,7 @@
         <p:spPr>
           <a:xfrm>
             <a:off x="504000" y="1326600"/>
-            <a:ext cx="9071640" cy="3288240"/>
+            <a:ext cx="9072000" cy="3288600"/>
           </a:xfrm>
           <a:prstGeom prst="rect">
             <a:avLst/>
@@ -1120,7 +3387,7 @@
             <a:spLocks noGrp="1"/>
           </p:cNvSpPr>
           <p:nvPr>
-            <p:ph type="ftr" idx="2"/>
+            <p:ph type="ftr" idx="1"/>
           </p:nvPr>
         </p:nvSpPr>
         <p:spPr/>
@@ -1140,14 +3407,14 @@
             <a:spLocks noGrp="1"/>
           </p:cNvSpPr>
           <p:nvPr>
-            <p:ph type="sldNum" idx="3"/>
+            <p:ph type="sldNum" idx="2"/>
           </p:nvPr>
         </p:nvSpPr>
         <p:spPr/>
         <p:txBody>
           <a:bodyPr/>
           <a:p>
-            <a:fld id="{3EF4FFBE-819F-4233-8152-25474428ACDA}" type="slidenum">
+            <a:fld id="{CAE554E8-26C6-4B1A-8854-1530B55F6747}" type="slidenum">
               <a:t>&lt;#&gt;</a:t>
             </a:fld>
           </a:p>
@@ -1160,7 +3427,7 @@
             <a:spLocks noGrp="1"/>
           </p:cNvSpPr>
           <p:nvPr>
-            <p:ph type="dt" idx="1"/>
+            <p:ph type="dt" idx="3"/>
           </p:nvPr>
         </p:nvSpPr>
         <p:spPr/>
@@ -1209,7 +3476,7 @@
         <p:spPr>
           <a:xfrm>
             <a:off x="504000" y="226080"/>
-            <a:ext cx="9071640" cy="946440"/>
+            <a:ext cx="9071280" cy="946080"/>
           </a:xfrm>
           <a:prstGeom prst="rect">
             <a:avLst/>
@@ -1246,7 +3513,7 @@
         <p:spPr>
           <a:xfrm>
             <a:off x="504000" y="1326600"/>
-            <a:ext cx="4426920" cy="3288240"/>
+            <a:ext cx="4426920" cy="3288600"/>
           </a:xfrm>
           <a:prstGeom prst="rect">
             <a:avLst/>
@@ -1280,7 +3547,7 @@
         <p:spPr>
           <a:xfrm>
             <a:off x="5152680" y="1326600"/>
-            <a:ext cx="4426920" cy="3288240"/>
+            <a:ext cx="4426920" cy="3288600"/>
           </a:xfrm>
           <a:prstGeom prst="rect">
             <a:avLst/>
@@ -1308,7 +3575,7 @@
             <a:spLocks noGrp="1"/>
           </p:cNvSpPr>
           <p:nvPr>
-            <p:ph type="ftr" idx="2"/>
+            <p:ph type="ftr" idx="1"/>
           </p:nvPr>
         </p:nvSpPr>
         <p:spPr/>
@@ -1328,14 +3595,14 @@
             <a:spLocks noGrp="1"/>
           </p:cNvSpPr>
           <p:nvPr>
-            <p:ph type="sldNum" idx="3"/>
+            <p:ph type="sldNum" idx="2"/>
           </p:nvPr>
         </p:nvSpPr>
         <p:spPr/>
         <p:txBody>
           <a:bodyPr/>
           <a:p>
-            <a:fld id="{CACE22D1-876D-4206-86B8-C7293A4A8604}" type="slidenum">
+            <a:fld id="{4258683A-BCC4-4510-9913-C9F3BDD170A3}" type="slidenum">
               <a:t>&lt;#&gt;</a:t>
             </a:fld>
           </a:p>
@@ -1348,7 +3615,7 @@
             <a:spLocks noGrp="1"/>
           </p:cNvSpPr>
           <p:nvPr>
-            <p:ph type="dt" idx="1"/>
+            <p:ph type="dt" idx="3"/>
           </p:nvPr>
         </p:nvSpPr>
         <p:spPr/>
@@ -1397,7 +3664,7 @@
         <p:spPr>
           <a:xfrm>
             <a:off x="504000" y="226080"/>
-            <a:ext cx="9071640" cy="946440"/>
+            <a:ext cx="9071280" cy="946080"/>
           </a:xfrm>
           <a:prstGeom prst="rect">
             <a:avLst/>
@@ -1428,7 +3695,7 @@
             <a:spLocks noGrp="1"/>
           </p:cNvSpPr>
           <p:nvPr>
-            <p:ph type="ftr" idx="2"/>
+            <p:ph type="ftr" idx="1"/>
           </p:nvPr>
         </p:nvSpPr>
         <p:spPr/>
@@ -1448,14 +3715,14 @@
             <a:spLocks noGrp="1"/>
           </p:cNvSpPr>
           <p:nvPr>
-            <p:ph type="sldNum" idx="3"/>
+            <p:ph type="sldNum" idx="2"/>
           </p:nvPr>
         </p:nvSpPr>
         <p:spPr/>
         <p:txBody>
           <a:bodyPr/>
           <a:p>
-            <a:fld id="{63E520AC-69D1-4BCA-B783-47EFE1111B22}" type="slidenum">
+            <a:fld id="{1942C283-BE78-4FB5-803A-707E66620BF0}" type="slidenum">
               <a:t>&lt;#&gt;</a:t>
             </a:fld>
           </a:p>
@@ -1468,7 +3735,7 @@
             <a:spLocks noGrp="1"/>
           </p:cNvSpPr>
           <p:nvPr>
-            <p:ph type="dt" idx="1"/>
+            <p:ph type="dt" idx="3"/>
           </p:nvPr>
         </p:nvSpPr>
         <p:spPr/>
@@ -1517,7 +3784,7 @@
         <p:spPr>
           <a:xfrm>
             <a:off x="504000" y="226080"/>
-            <a:ext cx="9071640" cy="4388400"/>
+            <a:ext cx="9071280" cy="4386600"/>
           </a:xfrm>
           <a:prstGeom prst="rect">
             <a:avLst/>
@@ -1548,7 +3815,7 @@
             <a:spLocks noGrp="1"/>
           </p:cNvSpPr>
           <p:nvPr>
-            <p:ph type="ftr" idx="2"/>
+            <p:ph type="ftr" idx="1"/>
           </p:nvPr>
         </p:nvSpPr>
         <p:spPr/>
@@ -1568,14 +3835,14 @@
             <a:spLocks noGrp="1"/>
           </p:cNvSpPr>
           <p:nvPr>
-            <p:ph type="sldNum" idx="3"/>
+            <p:ph type="sldNum" idx="2"/>
           </p:nvPr>
         </p:nvSpPr>
         <p:spPr/>
         <p:txBody>
           <a:bodyPr/>
           <a:p>
-            <a:fld id="{1CC85852-7814-46B5-BCEF-285EF96AB7E8}" type="slidenum">
+            <a:fld id="{BD74A63F-7EF3-4DC1-95EC-900B22E7FA8B}" type="slidenum">
               <a:t>&lt;#&gt;</a:t>
             </a:fld>
           </a:p>
@@ -1588,7 +3855,7 @@
             <a:spLocks noGrp="1"/>
           </p:cNvSpPr>
           <p:nvPr>
-            <p:ph type="dt" idx="1"/>
+            <p:ph type="dt" idx="3"/>
           </p:nvPr>
         </p:nvSpPr>
         <p:spPr/>
@@ -1637,7 +3904,7 @@
         <p:spPr>
           <a:xfrm>
             <a:off x="504000" y="226080"/>
-            <a:ext cx="9071640" cy="946440"/>
+            <a:ext cx="9071280" cy="946080"/>
           </a:xfrm>
           <a:prstGeom prst="rect">
             <a:avLst/>
@@ -1674,7 +3941,7 @@
         <p:spPr>
           <a:xfrm>
             <a:off x="504000" y="1326600"/>
-            <a:ext cx="4426920" cy="1568160"/>
+            <a:ext cx="4426920" cy="1568520"/>
           </a:xfrm>
           <a:prstGeom prst="rect">
             <a:avLst/>
@@ -1708,7 +3975,7 @@
         <p:spPr>
           <a:xfrm>
             <a:off x="5152680" y="1326600"/>
-            <a:ext cx="4426920" cy="3288240"/>
+            <a:ext cx="4426920" cy="3288600"/>
           </a:xfrm>
           <a:prstGeom prst="rect">
             <a:avLst/>
@@ -1741,8 +4008,8 @@
         </p:nvSpPr>
         <p:spPr>
           <a:xfrm>
-            <a:off x="504000" y="3044160"/>
-            <a:ext cx="4426920" cy="1568160"/>
+            <a:off x="504000" y="3044520"/>
+            <a:ext cx="4426920" cy="1568520"/>
           </a:xfrm>
           <a:prstGeom prst="rect">
             <a:avLst/>
@@ -1770,7 +4037,7 @@
             <a:spLocks noGrp="1"/>
           </p:cNvSpPr>
           <p:nvPr>
-            <p:ph type="ftr" idx="2"/>
+            <p:ph type="ftr" idx="1"/>
           </p:nvPr>
         </p:nvSpPr>
         <p:spPr/>
@@ -1790,14 +4057,14 @@
             <a:spLocks noGrp="1"/>
           </p:cNvSpPr>
           <p:nvPr>
-            <p:ph type="sldNum" idx="3"/>
+            <p:ph type="sldNum" idx="2"/>
           </p:nvPr>
         </p:nvSpPr>
         <p:spPr/>
         <p:txBody>
           <a:bodyPr/>
           <a:p>
-            <a:fld id="{1F98BACA-0FCA-4453-8404-24E0771B9597}" type="slidenum">
+            <a:fld id="{FC6B0EA0-2901-4DB4-B252-00C19E0EFBE6}" type="slidenum">
               <a:t>&lt;#&gt;</a:t>
             </a:fld>
           </a:p>
@@ -1810,7 +4077,7 @@
             <a:spLocks noGrp="1"/>
           </p:cNvSpPr>
           <p:nvPr>
-            <p:ph type="dt" idx="1"/>
+            <p:ph type="dt" idx="3"/>
           </p:nvPr>
         </p:nvSpPr>
         <p:spPr/>
@@ -1859,7 +4126,7 @@
         <p:spPr>
           <a:xfrm>
             <a:off x="504000" y="226080"/>
-            <a:ext cx="9071640" cy="946440"/>
+            <a:ext cx="9071280" cy="946080"/>
           </a:xfrm>
           <a:prstGeom prst="rect">
             <a:avLst/>
@@ -1896,7 +4163,7 @@
         <p:spPr>
           <a:xfrm>
             <a:off x="504000" y="1326600"/>
-            <a:ext cx="4426920" cy="3288240"/>
+            <a:ext cx="4426920" cy="3288600"/>
           </a:xfrm>
           <a:prstGeom prst="rect">
             <a:avLst/>
@@ -1930,7 +4197,7 @@
         <p:spPr>
           <a:xfrm>
             <a:off x="5152680" y="1326600"/>
-            <a:ext cx="4426920" cy="1568160"/>
+            <a:ext cx="4426920" cy="1568520"/>
           </a:xfrm>
           <a:prstGeom prst="rect">
             <a:avLst/>
@@ -1963,8 +4230,8 @@
         </p:nvSpPr>
         <p:spPr>
           <a:xfrm>
-            <a:off x="5152680" y="3044160"/>
-            <a:ext cx="4426920" cy="1568160"/>
+            <a:off x="5152680" y="3044520"/>
+            <a:ext cx="4426920" cy="1568520"/>
           </a:xfrm>
           <a:prstGeom prst="rect">
             <a:avLst/>
@@ -1992,7 +4259,7 @@
             <a:spLocks noGrp="1"/>
           </p:cNvSpPr>
           <p:nvPr>
-            <p:ph type="ftr" idx="2"/>
+            <p:ph type="ftr" idx="1"/>
           </p:nvPr>
         </p:nvSpPr>
         <p:spPr/>
@@ -2012,14 +4279,14 @@
             <a:spLocks noGrp="1"/>
           </p:cNvSpPr>
           <p:nvPr>
-            <p:ph type="sldNum" idx="3"/>
+            <p:ph type="sldNum" idx="2"/>
           </p:nvPr>
         </p:nvSpPr>
         <p:spPr/>
         <p:txBody>
           <a:bodyPr/>
           <a:p>
-            <a:fld id="{389A9A6A-681A-4433-822D-E25EACF37FCC}" type="slidenum">
+            <a:fld id="{E296D0C2-F437-498C-AA9B-32627F6F8A96}" type="slidenum">
               <a:t>&lt;#&gt;</a:t>
             </a:fld>
           </a:p>
@@ -2032,7 +4299,7 @@
             <a:spLocks noGrp="1"/>
           </p:cNvSpPr>
           <p:nvPr>
-            <p:ph type="dt" idx="1"/>
+            <p:ph type="dt" idx="3"/>
           </p:nvPr>
         </p:nvSpPr>
         <p:spPr/>
@@ -2081,7 +4348,7 @@
         <p:spPr>
           <a:xfrm>
             <a:off x="504000" y="226080"/>
-            <a:ext cx="9071640" cy="946440"/>
+            <a:ext cx="9071280" cy="946080"/>
           </a:xfrm>
           <a:prstGeom prst="rect">
             <a:avLst/>
@@ -2118,7 +4385,7 @@
         <p:spPr>
           <a:xfrm>
             <a:off x="504000" y="1326600"/>
-            <a:ext cx="4426920" cy="1568160"/>
+            <a:ext cx="4426920" cy="1568520"/>
           </a:xfrm>
           <a:prstGeom prst="rect">
             <a:avLst/>
@@ -2152,7 +4419,7 @@
         <p:spPr>
           <a:xfrm>
             <a:off x="5152680" y="1326600"/>
-            <a:ext cx="4426920" cy="1568160"/>
+            <a:ext cx="4426920" cy="1568520"/>
           </a:xfrm>
           <a:prstGeom prst="rect">
             <a:avLst/>
@@ -2185,8 +4452,8 @@
         </p:nvSpPr>
         <p:spPr>
           <a:xfrm>
-            <a:off x="504000" y="3044160"/>
-            <a:ext cx="9071640" cy="1568160"/>
+            <a:off x="504000" y="3044520"/>
+            <a:ext cx="9072000" cy="1568520"/>
           </a:xfrm>
           <a:prstGeom prst="rect">
             <a:avLst/>
@@ -2214,7 +4481,7 @@
             <a:spLocks noGrp="1"/>
           </p:cNvSpPr>
           <p:nvPr>
-            <p:ph type="ftr" idx="2"/>
+            <p:ph type="ftr" idx="1"/>
           </p:nvPr>
         </p:nvSpPr>
         <p:spPr/>
@@ -2234,14 +4501,14 @@
             <a:spLocks noGrp="1"/>
           </p:cNvSpPr>
           <p:nvPr>
-            <p:ph type="sldNum" idx="3"/>
+            <p:ph type="sldNum" idx="2"/>
           </p:nvPr>
         </p:nvSpPr>
         <p:spPr/>
         <p:txBody>
           <a:bodyPr/>
           <a:p>
-            <a:fld id="{37D0B7B4-DF68-4BBB-815E-83D50D2FF846}" type="slidenum">
+            <a:fld id="{CD1F364B-6A1C-4546-8504-92B5197EB758}" type="slidenum">
               <a:t>&lt;#&gt;</a:t>
             </a:fld>
           </a:p>
@@ -2254,7 +4521,7 @@
             <a:spLocks noGrp="1"/>
           </p:cNvSpPr>
           <p:nvPr>
-            <p:ph type="dt" idx="1"/>
+            <p:ph type="dt" idx="3"/>
           </p:nvPr>
         </p:nvSpPr>
         <p:spPr/>
@@ -2303,7 +4570,7 @@
         <p:spPr>
           <a:xfrm>
             <a:off x="504000" y="226080"/>
-            <a:ext cx="9071640" cy="946440"/>
+            <a:ext cx="9071280" cy="946080"/>
           </a:xfrm>
           <a:prstGeom prst="rect">
             <a:avLst/>
@@ -2318,16 +4585,13 @@
             <a:noAutofit/>
           </a:bodyPr>
           <a:p>
-            <a:pPr algn="ctr">
-              <a:buNone/>
-            </a:pPr>
-            <a:r>
-              <a:rPr b="0" lang="en-US" sz="4400" spc="-1" strike="noStrike">
+            <a:r>
+              <a:rPr b="0" lang="en-US" sz="1800" spc="-1" strike="noStrike">
                 <a:latin typeface="Arial"/>
               </a:rPr>
               <a:t>Click to edit the title text format</a:t>
             </a:r>
-            <a:endParaRPr b="0" lang="en-US" sz="4400" spc="-1" strike="noStrike">
+            <a:endParaRPr b="0" lang="en-US" sz="1800" spc="-1" strike="noStrike">
               <a:latin typeface="Arial"/>
             </a:endParaRPr>
           </a:p>
@@ -2346,7 +4610,7 @@
         <p:spPr>
           <a:xfrm>
             <a:off x="504000" y="1326600"/>
-            <a:ext cx="9071640" cy="3288240"/>
+            <a:ext cx="9071280" cy="3287880"/>
           </a:xfrm>
           <a:prstGeom prst="rect">
             <a:avLst/>
@@ -2373,12 +4637,12 @@
               <a:buChar char=""/>
             </a:pPr>
             <a:r>
-              <a:rPr b="0" lang="en-US" sz="3200" spc="-1" strike="noStrike">
+              <a:rPr b="0" lang="en-US" sz="1800" spc="-1" strike="noStrike">
                 <a:latin typeface="Arial"/>
               </a:rPr>
               <a:t>Click to edit the outline text format</a:t>
             </a:r>
-            <a:endParaRPr b="0" lang="en-US" sz="3200" spc="-1" strike="noStrike">
+            <a:endParaRPr b="0" lang="en-US" sz="1800" spc="-1" strike="noStrike">
               <a:latin typeface="Arial"/>
             </a:endParaRPr>
           </a:p>
@@ -2395,12 +4659,12 @@
               <a:buChar char=""/>
             </a:pPr>
             <a:r>
-              <a:rPr b="0" lang="en-US" sz="2800" spc="-1" strike="noStrike">
+              <a:rPr b="0" lang="en-US" sz="1800" spc="-1" strike="noStrike">
                 <a:latin typeface="Arial"/>
               </a:rPr>
               <a:t>Second Outline Level</a:t>
             </a:r>
-            <a:endParaRPr b="0" lang="en-US" sz="2800" spc="-1" strike="noStrike">
+            <a:endParaRPr b="0" lang="en-US" sz="1800" spc="-1" strike="noStrike">
               <a:latin typeface="Arial"/>
             </a:endParaRPr>
           </a:p>
@@ -2417,12 +4681,12 @@
               <a:buChar char=""/>
             </a:pPr>
             <a:r>
-              <a:rPr b="0" lang="en-US" sz="2400" spc="-1" strike="noStrike">
+              <a:rPr b="0" lang="en-US" sz="1800" spc="-1" strike="noStrike">
                 <a:latin typeface="Arial"/>
               </a:rPr>
               <a:t>Third Outline Level</a:t>
             </a:r>
-            <a:endParaRPr b="0" lang="en-US" sz="2400" spc="-1" strike="noStrike">
+            <a:endParaRPr b="0" lang="en-US" sz="1800" spc="-1" strike="noStrike">
               <a:latin typeface="Arial"/>
             </a:endParaRPr>
           </a:p>
@@ -2439,12 +4703,12 @@
               <a:buChar char=""/>
             </a:pPr>
             <a:r>
-              <a:rPr b="0" lang="en-US" sz="2000" spc="-1" strike="noStrike">
+              <a:rPr b="0" lang="en-US" sz="1800" spc="-1" strike="noStrike">
                 <a:latin typeface="Arial"/>
               </a:rPr>
               <a:t>Fourth Outline Level</a:t>
             </a:r>
-            <a:endParaRPr b="0" lang="en-US" sz="2000" spc="-1" strike="noStrike">
+            <a:endParaRPr b="0" lang="en-US" sz="1800" spc="-1" strike="noStrike">
               <a:latin typeface="Arial"/>
             </a:endParaRPr>
           </a:p>
@@ -2461,12 +4725,12 @@
               <a:buChar char=""/>
             </a:pPr>
             <a:r>
-              <a:rPr b="0" lang="en-US" sz="2000" spc="-1" strike="noStrike">
+              <a:rPr b="0" lang="en-US" sz="1800" spc="-1" strike="noStrike">
                 <a:latin typeface="Arial"/>
               </a:rPr>
               <a:t>Fifth Outline Level</a:t>
             </a:r>
-            <a:endParaRPr b="0" lang="en-US" sz="2000" spc="-1" strike="noStrike">
+            <a:endParaRPr b="0" lang="en-US" sz="1800" spc="-1" strike="noStrike">
               <a:latin typeface="Arial"/>
             </a:endParaRPr>
           </a:p>
@@ -2483,12 +4747,12 @@
               <a:buChar char=""/>
             </a:pPr>
             <a:r>
-              <a:rPr b="0" lang="en-US" sz="2000" spc="-1" strike="noStrike">
+              <a:rPr b="0" lang="en-US" sz="1800" spc="-1" strike="noStrike">
                 <a:latin typeface="Arial"/>
               </a:rPr>
               <a:t>Sixth Outline Level</a:t>
             </a:r>
-            <a:endParaRPr b="0" lang="en-US" sz="2000" spc="-1" strike="noStrike">
+            <a:endParaRPr b="0" lang="en-US" sz="1800" spc="-1" strike="noStrike">
               <a:latin typeface="Arial"/>
             </a:endParaRPr>
           </a:p>
@@ -2505,12 +4769,12 @@
               <a:buChar char=""/>
             </a:pPr>
             <a:r>
-              <a:rPr b="0" lang="en-US" sz="2000" spc="-1" strike="noStrike">
+              <a:rPr b="0" lang="en-US" sz="1800" spc="-1" strike="noStrike">
                 <a:latin typeface="Arial"/>
               </a:rPr>
               <a:t>Seventh Outline Level</a:t>
             </a:r>
-            <a:endParaRPr b="0" lang="en-US" sz="2000" spc="-1" strike="noStrike">
+            <a:endParaRPr b="0" lang="en-US" sz="1800" spc="-1" strike="noStrike">
               <a:latin typeface="Arial"/>
             </a:endParaRPr>
           </a:p>
@@ -2523,13 +4787,127 @@
             <a:spLocks noGrp="1"/>
           </p:cNvSpPr>
           <p:nvPr>
-            <p:ph type="dt" idx="1"/>
+            <p:ph type="ftr" idx="1"/>
+          </p:nvPr>
+        </p:nvSpPr>
+        <p:spPr>
+          <a:xfrm>
+            <a:off x="3447360" y="5165280"/>
+            <a:ext cx="3194640" cy="390240"/>
+          </a:xfrm>
+          <a:prstGeom prst="rect">
+            <a:avLst/>
+          </a:prstGeom>
+          <a:noFill/>
+          <a:ln w="0">
+            <a:noFill/>
+          </a:ln>
+        </p:spPr>
+        <p:txBody>
+          <a:bodyPr lIns="0" rIns="0" tIns="0" bIns="0" anchor="t">
+            <a:noAutofit/>
+          </a:bodyPr>
+          <a:lstStyle>
+            <a:lvl1pPr algn="ctr">
+              <a:lnSpc>
+                <a:spcPct val="100000"/>
+              </a:lnSpc>
+              <a:buNone/>
+              <a:defRPr b="0" lang="en-US" sz="1400" spc="-1" strike="noStrike">
+                <a:latin typeface="Times New Roman"/>
+              </a:defRPr>
+            </a:lvl1pPr>
+          </a:lstStyle>
+          <a:p>
+            <a:pPr algn="ctr">
+              <a:lnSpc>
+                <a:spcPct val="100000"/>
+              </a:lnSpc>
+              <a:buNone/>
+            </a:pPr>
+            <a:r>
+              <a:rPr b="0" lang="en-US" sz="1400" spc="-1" strike="noStrike">
+                <a:latin typeface="Times New Roman"/>
+              </a:rPr>
+              <a:t>&lt;footer&gt;</a:t>
+            </a:r>
+            <a:endParaRPr b="0" lang="en-US" sz="1400" spc="-1" strike="noStrike">
+              <a:latin typeface="Times New Roman"/>
+            </a:endParaRPr>
+          </a:p>
+        </p:txBody>
+      </p:sp>
+      <p:sp>
+        <p:nvSpPr>
+          <p:cNvPr id="3" name="PlaceHolder 4"/>
+          <p:cNvSpPr>
+            <a:spLocks noGrp="1"/>
+          </p:cNvSpPr>
+          <p:nvPr>
+            <p:ph type="sldNum" idx="2"/>
+          </p:nvPr>
+        </p:nvSpPr>
+        <p:spPr>
+          <a:xfrm>
+            <a:off x="7227360" y="5165280"/>
+            <a:ext cx="2347920" cy="390240"/>
+          </a:xfrm>
+          <a:prstGeom prst="rect">
+            <a:avLst/>
+          </a:prstGeom>
+          <a:noFill/>
+          <a:ln w="0">
+            <a:noFill/>
+          </a:ln>
+        </p:spPr>
+        <p:txBody>
+          <a:bodyPr lIns="0" rIns="0" tIns="0" bIns="0" anchor="t">
+            <a:noAutofit/>
+          </a:bodyPr>
+          <a:lstStyle>
+            <a:lvl1pPr algn="r">
+              <a:lnSpc>
+                <a:spcPct val="100000"/>
+              </a:lnSpc>
+              <a:buNone/>
+              <a:defRPr b="0" lang="en-US" sz="1400" spc="-1" strike="noStrike">
+                <a:latin typeface="Times New Roman"/>
+              </a:defRPr>
+            </a:lvl1pPr>
+          </a:lstStyle>
+          <a:p>
+            <a:pPr algn="r">
+              <a:lnSpc>
+                <a:spcPct val="100000"/>
+              </a:lnSpc>
+              <a:buNone/>
+            </a:pPr>
+            <a:fld id="{C84AF903-69C5-4271-80B4-0DD0B17634E2}" type="slidenum">
+              <a:rPr b="0" lang="en-US" sz="1400" spc="-1" strike="noStrike">
+                <a:latin typeface="Times New Roman"/>
+              </a:rPr>
+              <a:t>&lt;number&gt;</a:t>
+            </a:fld>
+            <a:endParaRPr b="0" lang="en-US" sz="1400" spc="-1" strike="noStrike">
+              <a:latin typeface="Times New Roman"/>
+            </a:endParaRPr>
+          </a:p>
+        </p:txBody>
+      </p:sp>
+      <p:sp>
+        <p:nvSpPr>
+          <p:cNvPr id="4" name="PlaceHolder 5"/>
+          <p:cNvSpPr>
+            <a:spLocks noGrp="1"/>
+          </p:cNvSpPr>
+          <p:nvPr>
+            <p:ph type="dt" idx="3"/>
           </p:nvPr>
         </p:nvSpPr>
         <p:spPr>
           <a:xfrm>
             <a:off x="504000" y="5165280"/>
-            <a:ext cx="2348280" cy="390600"/>
+            <a:ext cx="2347920" cy="390240"/>
           </a:xfrm>
           <a:prstGeom prst="rect">
             <a:avLst/>
@@ -2557,108 +4935,6 @@
               </a:rPr>
               <a:t>&lt;date/time&gt;</a:t>
             </a:r>
-            <a:endParaRPr b="0" lang="en-US" sz="1400" spc="-1" strike="noStrike">
-              <a:latin typeface="Times New Roman"/>
-            </a:endParaRPr>
-          </a:p>
-        </p:txBody>
-      </p:sp>
-      <p:sp>
-        <p:nvSpPr>
-          <p:cNvPr id="3" name="PlaceHolder 4"/>
-          <p:cNvSpPr>
-            <a:spLocks noGrp="1"/>
-          </p:cNvSpPr>
-          <p:nvPr>
-            <p:ph type="ftr" idx="2"/>
-          </p:nvPr>
-        </p:nvSpPr>
-        <p:spPr>
-          <a:xfrm>
-            <a:off x="3447360" y="5165280"/>
-            <a:ext cx="3195000" cy="390600"/>
-          </a:xfrm>
-          <a:prstGeom prst="rect">
-            <a:avLst/>
-          </a:prstGeom>
-          <a:noFill/>
-          <a:ln w="0">
-            <a:noFill/>
-          </a:ln>
-        </p:spPr>
-        <p:txBody>
-          <a:bodyPr lIns="0" rIns="0" tIns="0" bIns="0" anchor="t">
-            <a:noAutofit/>
-          </a:bodyPr>
-          <a:lstStyle>
-            <a:lvl1pPr algn="ctr">
-              <a:buNone/>
-              <a:defRPr b="0" lang="en-US" sz="1400" spc="-1" strike="noStrike">
-                <a:latin typeface="Times New Roman"/>
-              </a:defRPr>
-            </a:lvl1pPr>
-          </a:lstStyle>
-          <a:p>
-            <a:pPr algn="ctr">
-              <a:buNone/>
-            </a:pPr>
-            <a:r>
-              <a:rPr b="0" lang="en-US" sz="1400" spc="-1" strike="noStrike">
-                <a:latin typeface="Times New Roman"/>
-              </a:rPr>
-              <a:t>&lt;footer&gt;</a:t>
-            </a:r>
-            <a:endParaRPr b="0" lang="en-US" sz="1400" spc="-1" strike="noStrike">
-              <a:latin typeface="Times New Roman"/>
-            </a:endParaRPr>
-          </a:p>
-        </p:txBody>
-      </p:sp>
-      <p:sp>
-        <p:nvSpPr>
-          <p:cNvPr id="4" name="PlaceHolder 5"/>
-          <p:cNvSpPr>
-            <a:spLocks noGrp="1"/>
-          </p:cNvSpPr>
-          <p:nvPr>
-            <p:ph type="sldNum" idx="3"/>
-          </p:nvPr>
-        </p:nvSpPr>
-        <p:spPr>
-          <a:xfrm>
-            <a:off x="7227360" y="5165280"/>
-            <a:ext cx="2348280" cy="390600"/>
-          </a:xfrm>
-          <a:prstGeom prst="rect">
-            <a:avLst/>
-          </a:prstGeom>
-          <a:noFill/>
-          <a:ln w="0">
-            <a:noFill/>
-          </a:ln>
-        </p:spPr>
-        <p:txBody>
-          <a:bodyPr lIns="0" rIns="0" tIns="0" bIns="0" anchor="t">
-            <a:noAutofit/>
-          </a:bodyPr>
-          <a:lstStyle>
-            <a:lvl1pPr algn="r">
-              <a:buNone/>
-              <a:defRPr b="0" lang="en-US" sz="1400" spc="-1" strike="noStrike">
-                <a:latin typeface="Times New Roman"/>
-              </a:defRPr>
-            </a:lvl1pPr>
-          </a:lstStyle>
-          <a:p>
-            <a:pPr algn="r">
-              <a:buNone/>
-            </a:pPr>
-            <a:fld id="{3E4B1E25-66A7-4DB2-8D1F-5BFA21E58D0A}" type="slidenum">
-              <a:rPr b="0" lang="en-US" sz="1400" spc="-1" strike="noStrike">
-                <a:latin typeface="Times New Roman"/>
-              </a:rPr>
-              <a:t>&lt;number&gt;</a:t>
-            </a:fld>
             <a:endParaRPr b="0" lang="en-US" sz="1400" spc="-1" strike="noStrike">
               <a:latin typeface="Times New Roman"/>
             </a:endParaRPr>
@@ -2681,6 +4957,427 @@
     <p:sldLayoutId id="2147483658" r:id="rId11"/>
     <p:sldLayoutId id="2147483659" r:id="rId12"/>
     <p:sldLayoutId id="2147483660" r:id="rId13"/>
+  </p:sldLayoutIdLst>
+</p:sldMaster>
+</file>
+
+<file path=ppt/slideMasters/slideMaster2.xml><?xml version="1.0" encoding="utf-8"?>
+<p:sldMaster xmlns:a="http://schemas.openxmlformats.org/drawingml/2006/main" xmlns:p="http://schemas.openxmlformats.org/presentationml/2006/main" xmlns:r="http://schemas.openxmlformats.org/officeDocument/2006/relationships" xmlns:p14="http://schemas.microsoft.com/office/powerpoint/2010/main" xmlns:p15="http://schemas.microsoft.com/office/powerpoint/2012/main" xmlns:mc="http://schemas.openxmlformats.org/markup-compatibility/2006">
+  <p:cSld>
+    <p:spTree>
+      <p:nvGrpSpPr>
+        <p:cNvPr id="1" name=""/>
+        <p:cNvGrpSpPr/>
+        <p:nvPr/>
+      </p:nvGrpSpPr>
+      <p:grpSpPr>
+        <a:xfrm>
+          <a:off x="0" y="0"/>
+          <a:ext cx="0" cy="0"/>
+          <a:chOff x="0" y="0"/>
+          <a:chExt cx="0" cy="0"/>
+        </a:xfrm>
+      </p:grpSpPr>
+      <p:sp>
+        <p:nvSpPr>
+          <p:cNvPr id="41" name="PlaceHolder 1"/>
+          <p:cNvSpPr>
+            <a:spLocks noGrp="1"/>
+          </p:cNvSpPr>
+          <p:nvPr>
+            <p:ph type="title"/>
+          </p:nvPr>
+        </p:nvSpPr>
+        <p:spPr>
+          <a:xfrm>
+            <a:off x="504000" y="226080"/>
+            <a:ext cx="9071280" cy="946080"/>
+          </a:xfrm>
+          <a:prstGeom prst="rect">
+            <a:avLst/>
+          </a:prstGeom>
+          <a:noFill/>
+          <a:ln w="0">
+            <a:noFill/>
+          </a:ln>
+        </p:spPr>
+        <p:txBody>
+          <a:bodyPr lIns="0" rIns="0" tIns="0" bIns="0" anchor="ctr">
+            <a:noAutofit/>
+          </a:bodyPr>
+          <a:p>
+            <a:r>
+              <a:rPr b="0" lang="en-US" sz="1800" spc="-1" strike="noStrike">
+                <a:latin typeface="Arial"/>
+              </a:rPr>
+              <a:t>Click to edit the title text format</a:t>
+            </a:r>
+            <a:endParaRPr b="0" lang="en-US" sz="1800" spc="-1" strike="noStrike">
+              <a:latin typeface="Arial"/>
+            </a:endParaRPr>
+          </a:p>
+        </p:txBody>
+      </p:sp>
+      <p:sp>
+        <p:nvSpPr>
+          <p:cNvPr id="42" name="PlaceHolder 2"/>
+          <p:cNvSpPr>
+            <a:spLocks noGrp="1"/>
+          </p:cNvSpPr>
+          <p:nvPr>
+            <p:ph type="ftr" idx="4"/>
+          </p:nvPr>
+        </p:nvSpPr>
+        <p:spPr>
+          <a:xfrm>
+            <a:off x="3447360" y="5165280"/>
+            <a:ext cx="3194640" cy="390240"/>
+          </a:xfrm>
+          <a:prstGeom prst="rect">
+            <a:avLst/>
+          </a:prstGeom>
+          <a:noFill/>
+          <a:ln w="0">
+            <a:noFill/>
+          </a:ln>
+        </p:spPr>
+        <p:txBody>
+          <a:bodyPr lIns="0" rIns="0" tIns="0" bIns="0" anchor="t">
+            <a:noAutofit/>
+          </a:bodyPr>
+          <a:lstStyle>
+            <a:lvl1pPr algn="ctr">
+              <a:lnSpc>
+                <a:spcPct val="100000"/>
+              </a:lnSpc>
+              <a:buNone/>
+              <a:defRPr b="0" lang="en-US" sz="1400" spc="-1" strike="noStrike">
+                <a:latin typeface="Times New Roman"/>
+              </a:defRPr>
+            </a:lvl1pPr>
+          </a:lstStyle>
+          <a:p>
+            <a:pPr algn="ctr">
+              <a:lnSpc>
+                <a:spcPct val="100000"/>
+              </a:lnSpc>
+              <a:buNone/>
+            </a:pPr>
+            <a:r>
+              <a:rPr b="0" lang="en-US" sz="1400" spc="-1" strike="noStrike">
+                <a:latin typeface="Times New Roman"/>
+              </a:rPr>
+              <a:t>&lt;footer&gt;</a:t>
+            </a:r>
+            <a:endParaRPr b="0" lang="en-US" sz="1400" spc="-1" strike="noStrike">
+              <a:latin typeface="Times New Roman"/>
+            </a:endParaRPr>
+          </a:p>
+        </p:txBody>
+      </p:sp>
+      <p:sp>
+        <p:nvSpPr>
+          <p:cNvPr id="43" name="PlaceHolder 3"/>
+          <p:cNvSpPr>
+            <a:spLocks noGrp="1"/>
+          </p:cNvSpPr>
+          <p:nvPr>
+            <p:ph type="sldNum" idx="5"/>
+          </p:nvPr>
+        </p:nvSpPr>
+        <p:spPr>
+          <a:xfrm>
+            <a:off x="7227360" y="5165280"/>
+            <a:ext cx="2347920" cy="390240"/>
+          </a:xfrm>
+          <a:prstGeom prst="rect">
+            <a:avLst/>
+          </a:prstGeom>
+          <a:noFill/>
+          <a:ln w="0">
+            <a:noFill/>
+          </a:ln>
+        </p:spPr>
+        <p:txBody>
+          <a:bodyPr lIns="0" rIns="0" tIns="0" bIns="0" anchor="t">
+            <a:noAutofit/>
+          </a:bodyPr>
+          <a:lstStyle>
+            <a:lvl1pPr algn="r">
+              <a:lnSpc>
+                <a:spcPct val="100000"/>
+              </a:lnSpc>
+              <a:buNone/>
+              <a:defRPr b="0" lang="en-US" sz="1400" spc="-1" strike="noStrike">
+                <a:latin typeface="Times New Roman"/>
+              </a:defRPr>
+            </a:lvl1pPr>
+          </a:lstStyle>
+          <a:p>
+            <a:pPr algn="r">
+              <a:lnSpc>
+                <a:spcPct val="100000"/>
+              </a:lnSpc>
+              <a:buNone/>
+            </a:pPr>
+            <a:fld id="{5C448A2E-C395-409E-AFDF-60A64004C772}" type="slidenum">
+              <a:rPr b="0" lang="en-US" sz="1400" spc="-1" strike="noStrike">
+                <a:latin typeface="Times New Roman"/>
+              </a:rPr>
+              <a:t>&lt;number&gt;</a:t>
+            </a:fld>
+            <a:endParaRPr b="0" lang="en-US" sz="1400" spc="-1" strike="noStrike">
+              <a:latin typeface="Times New Roman"/>
+            </a:endParaRPr>
+          </a:p>
+        </p:txBody>
+      </p:sp>
+      <p:sp>
+        <p:nvSpPr>
+          <p:cNvPr id="44" name="PlaceHolder 4"/>
+          <p:cNvSpPr>
+            <a:spLocks noGrp="1"/>
+          </p:cNvSpPr>
+          <p:nvPr>
+            <p:ph type="dt" idx="6"/>
+          </p:nvPr>
+        </p:nvSpPr>
+        <p:spPr>
+          <a:xfrm>
+            <a:off x="504000" y="5165280"/>
+            <a:ext cx="2347920" cy="390240"/>
+          </a:xfrm>
+          <a:prstGeom prst="rect">
+            <a:avLst/>
+          </a:prstGeom>
+          <a:noFill/>
+          <a:ln w="0">
+            <a:noFill/>
+          </a:ln>
+        </p:spPr>
+        <p:txBody>
+          <a:bodyPr lIns="0" rIns="0" tIns="0" bIns="0" anchor="t">
+            <a:noAutofit/>
+          </a:bodyPr>
+          <a:lstStyle>
+            <a:lvl1pPr>
+              <a:defRPr b="0" lang="en-US" sz="1400" spc="-1" strike="noStrike">
+                <a:latin typeface="Times New Roman"/>
+              </a:defRPr>
+            </a:lvl1pPr>
+          </a:lstStyle>
+          <a:p>
+            <a:r>
+              <a:rPr b="0" lang="en-US" sz="1400" spc="-1" strike="noStrike">
+                <a:latin typeface="Times New Roman"/>
+              </a:rPr>
+              <a:t>&lt;date/time&gt;</a:t>
+            </a:r>
+            <a:endParaRPr b="0" lang="en-US" sz="1400" spc="-1" strike="noStrike">
+              <a:latin typeface="Times New Roman"/>
+            </a:endParaRPr>
+          </a:p>
+        </p:txBody>
+      </p:sp>
+      <p:sp>
+        <p:nvSpPr>
+          <p:cNvPr id="45" name="PlaceHolder 5"/>
+          <p:cNvSpPr>
+            <a:spLocks noGrp="1"/>
+          </p:cNvSpPr>
+          <p:nvPr>
+            <p:ph type="body"/>
+          </p:nvPr>
+        </p:nvSpPr>
+        <p:spPr>
+          <a:xfrm>
+            <a:off x="504000" y="1326600"/>
+            <a:ext cx="9072000" cy="3288600"/>
+          </a:xfrm>
+          <a:prstGeom prst="rect">
+            <a:avLst/>
+          </a:prstGeom>
+          <a:noFill/>
+          <a:ln w="0">
+            <a:noFill/>
+          </a:ln>
+        </p:spPr>
+        <p:txBody>
+          <a:bodyPr lIns="0" rIns="0" tIns="0" bIns="0" anchor="t">
+            <a:normAutofit/>
+          </a:bodyPr>
+          <a:p>
+            <a:pPr marL="432000" indent="-324000">
+              <a:spcBef>
+                <a:spcPts val="1417"/>
+              </a:spcBef>
+              <a:buClr>
+                <a:srgbClr val="000000"/>
+              </a:buClr>
+              <a:buSzPct val="45000"/>
+              <a:buFont typeface="Wingdings" charset="2"/>
+              <a:buChar char=""/>
+            </a:pPr>
+            <a:r>
+              <a:rPr b="0" lang="en-US" sz="3200" spc="-1" strike="noStrike">
+                <a:latin typeface="Arial"/>
+              </a:rPr>
+              <a:t>Click to edit the outline text format</a:t>
+            </a:r>
+            <a:endParaRPr b="0" lang="en-US" sz="3200" spc="-1" strike="noStrike">
+              <a:latin typeface="Arial"/>
+            </a:endParaRPr>
+          </a:p>
+          <a:p>
+            <a:pPr lvl="1" marL="864000" indent="-324000">
+              <a:spcBef>
+                <a:spcPts val="1134"/>
+              </a:spcBef>
+              <a:buClr>
+                <a:srgbClr val="000000"/>
+              </a:buClr>
+              <a:buSzPct val="75000"/>
+              <a:buFont typeface="Symbol" charset="2"/>
+              <a:buChar char=""/>
+            </a:pPr>
+            <a:r>
+              <a:rPr b="0" lang="en-US" sz="2800" spc="-1" strike="noStrike">
+                <a:latin typeface="Arial"/>
+              </a:rPr>
+              <a:t>Second Outline Level</a:t>
+            </a:r>
+            <a:endParaRPr b="0" lang="en-US" sz="2800" spc="-1" strike="noStrike">
+              <a:latin typeface="Arial"/>
+            </a:endParaRPr>
+          </a:p>
+          <a:p>
+            <a:pPr lvl="2" marL="1296000" indent="-288000">
+              <a:spcBef>
+                <a:spcPts val="850"/>
+              </a:spcBef>
+              <a:buClr>
+                <a:srgbClr val="000000"/>
+              </a:buClr>
+              <a:buSzPct val="45000"/>
+              <a:buFont typeface="Wingdings" charset="2"/>
+              <a:buChar char=""/>
+            </a:pPr>
+            <a:r>
+              <a:rPr b="0" lang="en-US" sz="2400" spc="-1" strike="noStrike">
+                <a:latin typeface="Arial"/>
+              </a:rPr>
+              <a:t>Third Outline Level</a:t>
+            </a:r>
+            <a:endParaRPr b="0" lang="en-US" sz="2400" spc="-1" strike="noStrike">
+              <a:latin typeface="Arial"/>
+            </a:endParaRPr>
+          </a:p>
+          <a:p>
+            <a:pPr lvl="3" marL="1728000" indent="-216000">
+              <a:spcBef>
+                <a:spcPts val="567"/>
+              </a:spcBef>
+              <a:buClr>
+                <a:srgbClr val="000000"/>
+              </a:buClr>
+              <a:buSzPct val="75000"/>
+              <a:buFont typeface="Symbol" charset="2"/>
+              <a:buChar char=""/>
+            </a:pPr>
+            <a:r>
+              <a:rPr b="0" lang="en-US" sz="2000" spc="-1" strike="noStrike">
+                <a:latin typeface="Arial"/>
+              </a:rPr>
+              <a:t>Fourth Outline Level</a:t>
+            </a:r>
+            <a:endParaRPr b="0" lang="en-US" sz="2000" spc="-1" strike="noStrike">
+              <a:latin typeface="Arial"/>
+            </a:endParaRPr>
+          </a:p>
+          <a:p>
+            <a:pPr lvl="4" marL="2160000" indent="-216000">
+              <a:spcBef>
+                <a:spcPts val="283"/>
+              </a:spcBef>
+              <a:buClr>
+                <a:srgbClr val="000000"/>
+              </a:buClr>
+              <a:buSzPct val="45000"/>
+              <a:buFont typeface="Wingdings" charset="2"/>
+              <a:buChar char=""/>
+            </a:pPr>
+            <a:r>
+              <a:rPr b="0" lang="en-US" sz="2000" spc="-1" strike="noStrike">
+                <a:latin typeface="Arial"/>
+              </a:rPr>
+              <a:t>Fifth Outline Level</a:t>
+            </a:r>
+            <a:endParaRPr b="0" lang="en-US" sz="2000" spc="-1" strike="noStrike">
+              <a:latin typeface="Arial"/>
+            </a:endParaRPr>
+          </a:p>
+          <a:p>
+            <a:pPr lvl="5" marL="2592000" indent="-216000">
+              <a:spcBef>
+                <a:spcPts val="283"/>
+              </a:spcBef>
+              <a:buClr>
+                <a:srgbClr val="000000"/>
+              </a:buClr>
+              <a:buSzPct val="45000"/>
+              <a:buFont typeface="Wingdings" charset="2"/>
+              <a:buChar char=""/>
+            </a:pPr>
+            <a:r>
+              <a:rPr b="0" lang="en-US" sz="2000" spc="-1" strike="noStrike">
+                <a:latin typeface="Arial"/>
+              </a:rPr>
+              <a:t>Sixth Outline Level</a:t>
+            </a:r>
+            <a:endParaRPr b="0" lang="en-US" sz="2000" spc="-1" strike="noStrike">
+              <a:latin typeface="Arial"/>
+            </a:endParaRPr>
+          </a:p>
+          <a:p>
+            <a:pPr lvl="6" marL="3024000" indent="-216000">
+              <a:spcBef>
+                <a:spcPts val="283"/>
+              </a:spcBef>
+              <a:buClr>
+                <a:srgbClr val="000000"/>
+              </a:buClr>
+              <a:buSzPct val="45000"/>
+              <a:buFont typeface="Wingdings" charset="2"/>
+              <a:buChar char=""/>
+            </a:pPr>
+            <a:r>
+              <a:rPr b="0" lang="en-US" sz="2000" spc="-1" strike="noStrike">
+                <a:latin typeface="Arial"/>
+              </a:rPr>
+              <a:t>Seventh Outline Level</a:t>
+            </a:r>
+            <a:endParaRPr b="0" lang="en-US" sz="2000" spc="-1" strike="noStrike">
+              <a:latin typeface="Arial"/>
+            </a:endParaRPr>
+          </a:p>
+        </p:txBody>
+      </p:sp>
+    </p:spTree>
+  </p:cSld>
+  <p:clrMap bg1="lt1" bg2="lt2" tx1="dk1" tx2="dk2" accent1="accent1" accent2="accent2" accent3="accent3" accent4="accent4" accent5="accent5" accent6="accent6" hlink="hlink" folHlink="folHlink"/>
+  <p:sldLayoutIdLst>
+    <p:sldLayoutId id="2147483662" r:id="rId2"/>
+    <p:sldLayoutId id="2147483663" r:id="rId3"/>
+    <p:sldLayoutId id="2147483664" r:id="rId4"/>
+    <p:sldLayoutId id="2147483665" r:id="rId5"/>
+    <p:sldLayoutId id="2147483666" r:id="rId6"/>
+    <p:sldLayoutId id="2147483667" r:id="rId7"/>
+    <p:sldLayoutId id="2147483668" r:id="rId8"/>
+    <p:sldLayoutId id="2147483669" r:id="rId9"/>
+    <p:sldLayoutId id="2147483670" r:id="rId10"/>
+    <p:sldLayoutId id="2147483671" r:id="rId11"/>
+    <p:sldLayoutId id="2147483672" r:id="rId12"/>
+    <p:sldLayoutId id="2147483673" r:id="rId13"/>
   </p:sldLayoutIdLst>
 </p:sldMaster>
 </file>
@@ -2704,7 +5401,7 @@
       </p:grpSpPr>
       <p:sp>
         <p:nvSpPr>
-          <p:cNvPr id="41" name="PlaceHolder 1"/>
+          <p:cNvPr id="82" name="PlaceHolder 1"/>
           <p:cNvSpPr>
             <a:spLocks noGrp="1"/>
           </p:cNvSpPr>
@@ -2715,7 +5412,7 @@
         <p:spPr>
           <a:xfrm>
             <a:off x="529560" y="882360"/>
-            <a:ext cx="9071640" cy="946440"/>
+            <a:ext cx="9071280" cy="946080"/>
           </a:xfrm>
           <a:prstGeom prst="rect">
             <a:avLst/>
@@ -2731,6 +5428,9 @@
           </a:bodyPr>
           <a:p>
             <a:pPr algn="ctr">
+              <a:lnSpc>
+                <a:spcPct val="100000"/>
+              </a:lnSpc>
               <a:buNone/>
             </a:pPr>
             <a:r>
@@ -2747,7 +5447,7 @@
       </p:sp>
       <p:sp>
         <p:nvSpPr>
-          <p:cNvPr id="42" name="PlaceHolder 2"/>
+          <p:cNvPr id="83" name="PlaceHolder 2"/>
           <p:cNvSpPr>
             <a:spLocks noGrp="1"/>
           </p:cNvSpPr>
@@ -2758,7 +5458,7 @@
         <p:spPr>
           <a:xfrm>
             <a:off x="504000" y="2514600"/>
-            <a:ext cx="9071640" cy="2100240"/>
+            <a:ext cx="9071280" cy="2099880"/>
           </a:xfrm>
           <a:prstGeom prst="rect">
             <a:avLst/>
@@ -2778,6 +5478,1187 @@
             </a:endParaRPr>
           </a:p>
         </p:txBody>
+      </p:sp>
+    </p:spTree>
+  </p:cSld>
+  <mc:AlternateContent>
+    <mc:Choice Requires="p14">
+      <p:transition spd="slow" p14:dur="2000"/>
+    </mc:Choice>
+    <mc:Fallback>
+      <p:transition spd="slow"/>
+    </mc:Fallback>
+  </mc:AlternateContent>
+</p:sld>
+</file>
+
+<file path=ppt/slides/slide10.xml><?xml version="1.0" encoding="utf-8"?>
+<p:sld xmlns:a="http://schemas.openxmlformats.org/drawingml/2006/main" xmlns:p="http://schemas.openxmlformats.org/presentationml/2006/main" xmlns:r="http://schemas.openxmlformats.org/officeDocument/2006/relationships" xmlns:p14="http://schemas.microsoft.com/office/powerpoint/2010/main" xmlns:p15="http://schemas.microsoft.com/office/powerpoint/2012/main" xmlns:mc="http://schemas.openxmlformats.org/markup-compatibility/2006">
+  <p:cSld>
+    <p:spTree>
+      <p:nvGrpSpPr>
+        <p:cNvPr id="1" name=""/>
+        <p:cNvGrpSpPr/>
+        <p:nvPr/>
+      </p:nvGrpSpPr>
+      <p:grpSpPr>
+        <a:xfrm>
+          <a:off x="0" y="0"/>
+          <a:ext cx="0" cy="0"/>
+          <a:chOff x="0" y="0"/>
+          <a:chExt cx="0" cy="0"/>
+        </a:xfrm>
+      </p:grpSpPr>
+      <p:sp>
+        <p:nvSpPr>
+          <p:cNvPr id="113" name="PlaceHolder 1"/>
+          <p:cNvSpPr>
+            <a:spLocks noGrp="1"/>
+          </p:cNvSpPr>
+          <p:nvPr>
+            <p:ph type="title"/>
+          </p:nvPr>
+        </p:nvSpPr>
+        <p:spPr>
+          <a:xfrm>
+            <a:off x="504000" y="226080"/>
+            <a:ext cx="9071280" cy="946080"/>
+          </a:xfrm>
+          <a:prstGeom prst="rect">
+            <a:avLst/>
+          </a:prstGeom>
+          <a:noFill/>
+          <a:ln w="0">
+            <a:noFill/>
+          </a:ln>
+        </p:spPr>
+        <p:txBody>
+          <a:bodyPr lIns="0" rIns="0" tIns="0" bIns="0" anchor="ctr">
+            <a:noAutofit/>
+          </a:bodyPr>
+          <a:p>
+            <a:pPr algn="ctr">
+              <a:lnSpc>
+                <a:spcPct val="100000"/>
+              </a:lnSpc>
+              <a:buNone/>
+            </a:pPr>
+            <a:r>
+              <a:rPr b="0" lang="en-US" sz="4400" spc="-1" strike="noStrike">
+                <a:latin typeface="Arial"/>
+              </a:rPr>
+              <a:t>HDBSCAN</a:t>
+            </a:r>
+            <a:endParaRPr b="0" lang="en-US" sz="4400" spc="-1" strike="noStrike">
+              <a:latin typeface="Arial"/>
+            </a:endParaRPr>
+          </a:p>
+        </p:txBody>
+      </p:sp>
+      <p:sp>
+        <p:nvSpPr>
+          <p:cNvPr id="114" name=""/>
+          <p:cNvSpPr/>
+          <p:nvPr/>
+        </p:nvSpPr>
+        <p:spPr>
+          <a:xfrm>
+            <a:off x="311400" y="5029200"/>
+            <a:ext cx="3803040" cy="456840"/>
+          </a:xfrm>
+          <a:prstGeom prst="rect">
+            <a:avLst/>
+          </a:prstGeom>
+          <a:noFill/>
+          <a:ln w="0">
+            <a:noFill/>
+          </a:ln>
+        </p:spPr>
+        <p:style>
+          <a:lnRef idx="0"/>
+          <a:fillRef idx="0"/>
+          <a:effectRef idx="0"/>
+          <a:fontRef idx="minor"/>
+        </p:style>
+        <p:txBody>
+          <a:bodyPr lIns="90000" rIns="90000" tIns="45000" bIns="45000" anchor="t">
+            <a:noAutofit/>
+          </a:bodyPr>
+          <a:p>
+            <a:pPr>
+              <a:lnSpc>
+                <a:spcPct val="100000"/>
+              </a:lnSpc>
+              <a:buNone/>
+            </a:pPr>
+            <a:r>
+              <a:rPr b="0" lang="en-US" sz="1200" spc="-1" strike="noStrike">
+                <a:latin typeface="Arial"/>
+              </a:rPr>
+              <a:t>Fig. 1: Effect of minimum samples in a neighborhood: </a:t>
+            </a:r>
+            <a:endParaRPr b="0" lang="en-US" sz="1200" spc="-1" strike="noStrike">
+              <a:latin typeface="Arial"/>
+            </a:endParaRPr>
+          </a:p>
+          <a:p>
+            <a:pPr>
+              <a:lnSpc>
+                <a:spcPct val="100000"/>
+              </a:lnSpc>
+              <a:buNone/>
+            </a:pPr>
+            <a:r>
+              <a:rPr b="0" lang="en-US" sz="1200" spc="-1" strike="noStrike">
+                <a:latin typeface="Arial"/>
+              </a:rPr>
+              <a:t>Set eps = 0.1</a:t>
+            </a:r>
+            <a:endParaRPr b="0" lang="en-US" sz="1200" spc="-1" strike="noStrike">
+              <a:latin typeface="Arial"/>
+            </a:endParaRPr>
+          </a:p>
+        </p:txBody>
+      </p:sp>
+      <p:sp>
+        <p:nvSpPr>
+          <p:cNvPr id="115" name=""/>
+          <p:cNvSpPr/>
+          <p:nvPr/>
+        </p:nvSpPr>
+        <p:spPr>
+          <a:xfrm>
+            <a:off x="5569200" y="2514600"/>
+            <a:ext cx="3803040" cy="601920"/>
+          </a:xfrm>
+          <a:prstGeom prst="rect">
+            <a:avLst/>
+          </a:prstGeom>
+          <a:noFill/>
+          <a:ln w="0">
+            <a:noFill/>
+          </a:ln>
+        </p:spPr>
+        <p:style>
+          <a:lnRef idx="0"/>
+          <a:fillRef idx="0"/>
+          <a:effectRef idx="0"/>
+          <a:fontRef idx="minor"/>
+        </p:style>
+        <p:txBody>
+          <a:bodyPr lIns="90000" rIns="90000" tIns="45000" bIns="45000" anchor="t">
+            <a:noAutofit/>
+          </a:bodyPr>
+          <a:p>
+            <a:pPr>
+              <a:lnSpc>
+                <a:spcPct val="100000"/>
+              </a:lnSpc>
+              <a:buNone/>
+            </a:pPr>
+            <a:r>
+              <a:rPr b="0" lang="en-US" sz="1200" spc="-1" strike="noStrike">
+                <a:latin typeface="Arial"/>
+              </a:rPr>
+              <a:t>Final: </a:t>
+            </a:r>
+            <a:endParaRPr b="0" lang="en-US" sz="1200" spc="-1" strike="noStrike">
+              <a:latin typeface="Arial"/>
+            </a:endParaRPr>
+          </a:p>
+          <a:p>
+            <a:pPr>
+              <a:lnSpc>
+                <a:spcPct val="100000"/>
+              </a:lnSpc>
+              <a:buNone/>
+            </a:pPr>
+            <a:r>
+              <a:rPr b="0" lang="en-US" sz="1200" spc="-1" strike="noStrike">
+                <a:latin typeface="Arial"/>
+              </a:rPr>
+              <a:t>	</a:t>
+            </a:r>
+            <a:r>
+              <a:rPr b="0" lang="en-US" sz="1200" spc="-1" strike="noStrike">
+                <a:latin typeface="Arial"/>
+              </a:rPr>
+              <a:t>1) min_cluster_size: 5</a:t>
+            </a:r>
+            <a:endParaRPr b="0" lang="en-US" sz="1200" spc="-1" strike="noStrike">
+              <a:latin typeface="Arial"/>
+            </a:endParaRPr>
+          </a:p>
+          <a:p>
+            <a:pPr>
+              <a:lnSpc>
+                <a:spcPct val="100000"/>
+              </a:lnSpc>
+              <a:buNone/>
+            </a:pPr>
+            <a:r>
+              <a:rPr b="0" lang="en-US" sz="1200" spc="-1" strike="noStrike">
+                <a:latin typeface="Arial"/>
+              </a:rPr>
+              <a:t>	</a:t>
+            </a:r>
+            <a:r>
+              <a:rPr b="0" lang="en-US" sz="1200" spc="-1" strike="noStrike">
+                <a:latin typeface="Arial"/>
+              </a:rPr>
+              <a:t>2) min_samples: 22</a:t>
+            </a:r>
+            <a:endParaRPr b="0" lang="en-US" sz="1200" spc="-1" strike="noStrike">
+              <a:latin typeface="Arial"/>
+            </a:endParaRPr>
+          </a:p>
+        </p:txBody>
+      </p:sp>
+      <p:pic>
+        <p:nvPicPr>
+          <p:cNvPr id="116" name="" descr=""/>
+          <p:cNvPicPr/>
+          <p:nvPr/>
+        </p:nvPicPr>
+        <p:blipFill>
+          <a:blip r:embed="rId1"/>
+          <a:stretch/>
+        </p:blipFill>
+        <p:spPr>
+          <a:xfrm>
+            <a:off x="246240" y="1172160"/>
+            <a:ext cx="5011560" cy="3775680"/>
+          </a:xfrm>
+          <a:prstGeom prst="rect">
+            <a:avLst/>
+          </a:prstGeom>
+          <a:ln w="0">
+            <a:noFill/>
+          </a:ln>
+        </p:spPr>
+      </p:pic>
+    </p:spTree>
+  </p:cSld>
+  <mc:AlternateContent>
+    <mc:Choice Requires="p14">
+      <p:transition spd="slow" p14:dur="2000"/>
+    </mc:Choice>
+    <mc:Fallback>
+      <p:transition spd="slow"/>
+    </mc:Fallback>
+  </mc:AlternateContent>
+</p:sld>
+</file>
+
+<file path=ppt/slides/slide11.xml><?xml version="1.0" encoding="utf-8"?>
+<p:sld xmlns:a="http://schemas.openxmlformats.org/drawingml/2006/main" xmlns:p="http://schemas.openxmlformats.org/presentationml/2006/main" xmlns:r="http://schemas.openxmlformats.org/officeDocument/2006/relationships" xmlns:p14="http://schemas.microsoft.com/office/powerpoint/2010/main" xmlns:p15="http://schemas.microsoft.com/office/powerpoint/2012/main" xmlns:mc="http://schemas.openxmlformats.org/markup-compatibility/2006">
+  <p:cSld>
+    <p:spTree>
+      <p:nvGrpSpPr>
+        <p:cNvPr id="1" name=""/>
+        <p:cNvGrpSpPr/>
+        <p:nvPr/>
+      </p:nvGrpSpPr>
+      <p:grpSpPr>
+        <a:xfrm>
+          <a:off x="0" y="0"/>
+          <a:ext cx="0" cy="0"/>
+          <a:chOff x="0" y="0"/>
+          <a:chExt cx="0" cy="0"/>
+        </a:xfrm>
+      </p:grpSpPr>
+      <p:sp>
+        <p:nvSpPr>
+          <p:cNvPr id="117" name="PlaceHolder 1"/>
+          <p:cNvSpPr>
+            <a:spLocks noGrp="1"/>
+          </p:cNvSpPr>
+          <p:nvPr>
+            <p:ph type="title"/>
+          </p:nvPr>
+        </p:nvSpPr>
+        <p:spPr>
+          <a:xfrm>
+            <a:off x="504000" y="226080"/>
+            <a:ext cx="9071280" cy="946080"/>
+          </a:xfrm>
+          <a:prstGeom prst="rect">
+            <a:avLst/>
+          </a:prstGeom>
+          <a:noFill/>
+          <a:ln w="0">
+            <a:noFill/>
+          </a:ln>
+        </p:spPr>
+        <p:txBody>
+          <a:bodyPr lIns="0" rIns="0" tIns="0" bIns="0" anchor="ctr">
+            <a:noAutofit/>
+          </a:bodyPr>
+          <a:p>
+            <a:pPr algn="ctr">
+              <a:lnSpc>
+                <a:spcPct val="100000"/>
+              </a:lnSpc>
+              <a:buNone/>
+            </a:pPr>
+            <a:r>
+              <a:rPr b="0" lang="en-US" sz="4400" spc="-1" strike="noStrike">
+                <a:latin typeface="Arial"/>
+              </a:rPr>
+              <a:t>tSNE</a:t>
+            </a:r>
+            <a:endParaRPr b="0" lang="en-US" sz="4400" spc="-1" strike="noStrike">
+              <a:latin typeface="Arial"/>
+            </a:endParaRPr>
+          </a:p>
+        </p:txBody>
+      </p:sp>
+      <p:sp>
+        <p:nvSpPr>
+          <p:cNvPr id="118" name=""/>
+          <p:cNvSpPr/>
+          <p:nvPr/>
+        </p:nvSpPr>
+        <p:spPr>
+          <a:xfrm>
+            <a:off x="311400" y="5029200"/>
+            <a:ext cx="3803040" cy="456840"/>
+          </a:xfrm>
+          <a:prstGeom prst="rect">
+            <a:avLst/>
+          </a:prstGeom>
+          <a:noFill/>
+          <a:ln w="0">
+            <a:noFill/>
+          </a:ln>
+        </p:spPr>
+        <p:style>
+          <a:lnRef idx="0"/>
+          <a:fillRef idx="0"/>
+          <a:effectRef idx="0"/>
+          <a:fontRef idx="minor"/>
+        </p:style>
+      </p:sp>
+      <p:pic>
+        <p:nvPicPr>
+          <p:cNvPr id="119" name="" descr=""/>
+          <p:cNvPicPr/>
+          <p:nvPr/>
+        </p:nvPicPr>
+        <p:blipFill>
+          <a:blip r:embed="rId1"/>
+          <a:stretch/>
+        </p:blipFill>
+        <p:spPr>
+          <a:xfrm>
+            <a:off x="1130040" y="2160360"/>
+            <a:ext cx="7819560" cy="2161800"/>
+          </a:xfrm>
+          <a:prstGeom prst="rect">
+            <a:avLst/>
+          </a:prstGeom>
+          <a:ln w="0">
+            <a:noFill/>
+          </a:ln>
+        </p:spPr>
+      </p:pic>
+    </p:spTree>
+  </p:cSld>
+  <mc:AlternateContent>
+    <mc:Choice Requires="p14">
+      <p:transition spd="slow" p14:dur="2000"/>
+    </mc:Choice>
+    <mc:Fallback>
+      <p:transition spd="slow"/>
+    </mc:Fallback>
+  </mc:AlternateContent>
+</p:sld>
+</file>
+
+<file path=ppt/slides/slide12.xml><?xml version="1.0" encoding="utf-8"?>
+<p:sld xmlns:a="http://schemas.openxmlformats.org/drawingml/2006/main" xmlns:p="http://schemas.openxmlformats.org/presentationml/2006/main" xmlns:r="http://schemas.openxmlformats.org/officeDocument/2006/relationships" xmlns:p14="http://schemas.microsoft.com/office/powerpoint/2010/main" xmlns:p15="http://schemas.microsoft.com/office/powerpoint/2012/main" xmlns:mc="http://schemas.openxmlformats.org/markup-compatibility/2006">
+  <p:cSld>
+    <p:spTree>
+      <p:nvGrpSpPr>
+        <p:cNvPr id="1" name=""/>
+        <p:cNvGrpSpPr/>
+        <p:nvPr/>
+      </p:nvGrpSpPr>
+      <p:grpSpPr>
+        <a:xfrm>
+          <a:off x="0" y="0"/>
+          <a:ext cx="0" cy="0"/>
+          <a:chOff x="0" y="0"/>
+          <a:chExt cx="0" cy="0"/>
+        </a:xfrm>
+      </p:grpSpPr>
+      <p:sp>
+        <p:nvSpPr>
+          <p:cNvPr id="120" name="PlaceHolder 1"/>
+          <p:cNvSpPr>
+            <a:spLocks noGrp="1"/>
+          </p:cNvSpPr>
+          <p:nvPr>
+            <p:ph type="title"/>
+          </p:nvPr>
+        </p:nvSpPr>
+        <p:spPr>
+          <a:xfrm>
+            <a:off x="529920" y="2057400"/>
+            <a:ext cx="9071280" cy="946080"/>
+          </a:xfrm>
+          <a:prstGeom prst="rect">
+            <a:avLst/>
+          </a:prstGeom>
+          <a:noFill/>
+          <a:ln w="0">
+            <a:noFill/>
+          </a:ln>
+        </p:spPr>
+        <p:txBody>
+          <a:bodyPr lIns="0" rIns="0" tIns="0" bIns="0" anchor="ctr">
+            <a:noAutofit/>
+          </a:bodyPr>
+          <a:p>
+            <a:pPr algn="ctr">
+              <a:lnSpc>
+                <a:spcPct val="100000"/>
+              </a:lnSpc>
+              <a:buNone/>
+            </a:pPr>
+            <a:r>
+              <a:rPr b="0" lang="en-US" sz="6600" spc="-1" strike="noStrike">
+                <a:latin typeface="Arial"/>
+              </a:rPr>
+              <a:t>ISOMAP</a:t>
+            </a:r>
+            <a:endParaRPr b="0" lang="en-US" sz="6600" spc="-1" strike="noStrike">
+              <a:latin typeface="Arial"/>
+            </a:endParaRPr>
+          </a:p>
+        </p:txBody>
+      </p:sp>
+    </p:spTree>
+  </p:cSld>
+  <mc:AlternateContent>
+    <mc:Choice Requires="p14">
+      <p:transition spd="slow" p14:dur="2000"/>
+    </mc:Choice>
+    <mc:Fallback>
+      <p:transition spd="slow"/>
+    </mc:Fallback>
+  </mc:AlternateContent>
+</p:sld>
+</file>
+
+<file path=ppt/slides/slide13.xml><?xml version="1.0" encoding="utf-8"?>
+<p:sld xmlns:a="http://schemas.openxmlformats.org/drawingml/2006/main" xmlns:p="http://schemas.openxmlformats.org/presentationml/2006/main" xmlns:r="http://schemas.openxmlformats.org/officeDocument/2006/relationships" xmlns:p14="http://schemas.microsoft.com/office/powerpoint/2010/main" xmlns:p15="http://schemas.microsoft.com/office/powerpoint/2012/main" xmlns:mc="http://schemas.openxmlformats.org/markup-compatibility/2006">
+  <p:cSld>
+    <p:spTree>
+      <p:nvGrpSpPr>
+        <p:cNvPr id="1" name=""/>
+        <p:cNvGrpSpPr/>
+        <p:nvPr/>
+      </p:nvGrpSpPr>
+      <p:grpSpPr>
+        <a:xfrm>
+          <a:off x="0" y="0"/>
+          <a:ext cx="0" cy="0"/>
+          <a:chOff x="0" y="0"/>
+          <a:chExt cx="0" cy="0"/>
+        </a:xfrm>
+      </p:grpSpPr>
+      <p:sp>
+        <p:nvSpPr>
+          <p:cNvPr id="121" name=""/>
+          <p:cNvSpPr/>
+          <p:nvPr/>
+        </p:nvSpPr>
+        <p:spPr>
+          <a:xfrm>
+            <a:off x="311400" y="5029200"/>
+            <a:ext cx="3803040" cy="456840"/>
+          </a:xfrm>
+          <a:prstGeom prst="rect">
+            <a:avLst/>
+          </a:prstGeom>
+          <a:noFill/>
+          <a:ln w="0">
+            <a:noFill/>
+          </a:ln>
+        </p:spPr>
+        <p:style>
+          <a:lnRef idx="0"/>
+          <a:fillRef idx="0"/>
+          <a:effectRef idx="0"/>
+          <a:fontRef idx="minor"/>
+        </p:style>
+      </p:sp>
+      <p:pic>
+        <p:nvPicPr>
+          <p:cNvPr id="122" name="" descr=""/>
+          <p:cNvPicPr/>
+          <p:nvPr/>
+        </p:nvPicPr>
+        <p:blipFill>
+          <a:blip r:embed="rId1"/>
+          <a:stretch/>
+        </p:blipFill>
+        <p:spPr>
+          <a:xfrm>
+            <a:off x="228600" y="914400"/>
+            <a:ext cx="3304800" cy="3447720"/>
+          </a:xfrm>
+          <a:prstGeom prst="rect">
+            <a:avLst/>
+          </a:prstGeom>
+          <a:ln w="0">
+            <a:noFill/>
+          </a:ln>
+        </p:spPr>
+      </p:pic>
+      <p:pic>
+        <p:nvPicPr>
+          <p:cNvPr id="123" name="" descr=""/>
+          <p:cNvPicPr/>
+          <p:nvPr/>
+        </p:nvPicPr>
+        <p:blipFill>
+          <a:blip r:embed="rId2"/>
+          <a:stretch/>
+        </p:blipFill>
+        <p:spPr>
+          <a:xfrm>
+            <a:off x="3657600" y="895680"/>
+            <a:ext cx="3304800" cy="3447720"/>
+          </a:xfrm>
+          <a:prstGeom prst="rect">
+            <a:avLst/>
+          </a:prstGeom>
+          <a:ln w="0">
+            <a:noFill/>
+          </a:ln>
+        </p:spPr>
+      </p:pic>
+    </p:spTree>
+  </p:cSld>
+  <mc:AlternateContent>
+    <mc:Choice Requires="p14">
+      <p:transition spd="slow" p14:dur="2000"/>
+    </mc:Choice>
+    <mc:Fallback>
+      <p:transition spd="slow"/>
+    </mc:Fallback>
+  </mc:AlternateContent>
+</p:sld>
+</file>
+
+<file path=ppt/slides/slide14.xml><?xml version="1.0" encoding="utf-8"?>
+<p:sld xmlns:a="http://schemas.openxmlformats.org/drawingml/2006/main" xmlns:p="http://schemas.openxmlformats.org/presentationml/2006/main" xmlns:r="http://schemas.openxmlformats.org/officeDocument/2006/relationships" xmlns:p14="http://schemas.microsoft.com/office/powerpoint/2010/main" xmlns:p15="http://schemas.microsoft.com/office/powerpoint/2012/main" xmlns:mc="http://schemas.openxmlformats.org/markup-compatibility/2006">
+  <p:cSld>
+    <p:spTree>
+      <p:nvGrpSpPr>
+        <p:cNvPr id="1" name=""/>
+        <p:cNvGrpSpPr/>
+        <p:nvPr/>
+      </p:nvGrpSpPr>
+      <p:grpSpPr>
+        <a:xfrm>
+          <a:off x="0" y="0"/>
+          <a:ext cx="0" cy="0"/>
+          <a:chOff x="0" y="0"/>
+          <a:chExt cx="0" cy="0"/>
+        </a:xfrm>
+      </p:grpSpPr>
+      <p:sp>
+        <p:nvSpPr>
+          <p:cNvPr id="124" name="PlaceHolder 1"/>
+          <p:cNvSpPr>
+            <a:spLocks noGrp="1"/>
+          </p:cNvSpPr>
+          <p:nvPr>
+            <p:ph type="title"/>
+          </p:nvPr>
+        </p:nvSpPr>
+        <p:spPr>
+          <a:xfrm>
+            <a:off x="504000" y="226080"/>
+            <a:ext cx="9071280" cy="946080"/>
+          </a:xfrm>
+          <a:prstGeom prst="rect">
+            <a:avLst/>
+          </a:prstGeom>
+          <a:noFill/>
+          <a:ln w="0">
+            <a:noFill/>
+          </a:ln>
+        </p:spPr>
+        <p:txBody>
+          <a:bodyPr lIns="0" rIns="0" tIns="0" bIns="0" anchor="ctr">
+            <a:noAutofit/>
+          </a:bodyPr>
+          <a:p>
+            <a:pPr algn="ctr">
+              <a:lnSpc>
+                <a:spcPct val="100000"/>
+              </a:lnSpc>
+              <a:buNone/>
+            </a:pPr>
+            <a:r>
+              <a:rPr b="0" lang="en-US" sz="4400" spc="-1" strike="noStrike">
+                <a:latin typeface="Arial"/>
+              </a:rPr>
+              <a:t>DBSCAN</a:t>
+            </a:r>
+            <a:endParaRPr b="0" lang="en-US" sz="4400" spc="-1" strike="noStrike">
+              <a:latin typeface="Arial"/>
+            </a:endParaRPr>
+          </a:p>
+        </p:txBody>
+      </p:sp>
+      <p:sp>
+        <p:nvSpPr>
+          <p:cNvPr id="125" name=""/>
+          <p:cNvSpPr/>
+          <p:nvPr/>
+        </p:nvSpPr>
+        <p:spPr>
+          <a:xfrm>
+            <a:off x="311400" y="5029200"/>
+            <a:ext cx="3803040" cy="456840"/>
+          </a:xfrm>
+          <a:prstGeom prst="rect">
+            <a:avLst/>
+          </a:prstGeom>
+          <a:noFill/>
+          <a:ln w="0">
+            <a:noFill/>
+          </a:ln>
+        </p:spPr>
+        <p:style>
+          <a:lnRef idx="0"/>
+          <a:fillRef idx="0"/>
+          <a:effectRef idx="0"/>
+          <a:fontRef idx="minor"/>
+        </p:style>
+        <p:txBody>
+          <a:bodyPr lIns="90000" rIns="90000" tIns="45000" bIns="45000" anchor="t">
+            <a:noAutofit/>
+          </a:bodyPr>
+          <a:p>
+            <a:pPr>
+              <a:lnSpc>
+                <a:spcPct val="100000"/>
+              </a:lnSpc>
+              <a:buNone/>
+            </a:pPr>
+            <a:r>
+              <a:rPr b="0" lang="en-US" sz="1200" spc="-1" strike="noStrike">
+                <a:latin typeface="Arial"/>
+              </a:rPr>
+              <a:t>Fig. 1: Effect of minimum samples in a neighborhood: </a:t>
+            </a:r>
+            <a:endParaRPr b="0" lang="en-US" sz="1200" spc="-1" strike="noStrike">
+              <a:latin typeface="Arial"/>
+            </a:endParaRPr>
+          </a:p>
+          <a:p>
+            <a:pPr>
+              <a:lnSpc>
+                <a:spcPct val="100000"/>
+              </a:lnSpc>
+              <a:buNone/>
+            </a:pPr>
+            <a:r>
+              <a:rPr b="0" lang="en-US" sz="1200" spc="-1" strike="noStrike">
+                <a:latin typeface="Arial"/>
+              </a:rPr>
+              <a:t>Set eps = 0.1</a:t>
+            </a:r>
+            <a:endParaRPr b="0" lang="en-US" sz="1200" spc="-1" strike="noStrike">
+              <a:latin typeface="Arial"/>
+            </a:endParaRPr>
+          </a:p>
+        </p:txBody>
+      </p:sp>
+      <p:sp>
+        <p:nvSpPr>
+          <p:cNvPr id="126" name=""/>
+          <p:cNvSpPr/>
+          <p:nvPr/>
+        </p:nvSpPr>
+        <p:spPr>
+          <a:xfrm>
+            <a:off x="4883400" y="4884120"/>
+            <a:ext cx="4260240" cy="601920"/>
+          </a:xfrm>
+          <a:prstGeom prst="rect">
+            <a:avLst/>
+          </a:prstGeom>
+          <a:noFill/>
+          <a:ln w="0">
+            <a:noFill/>
+          </a:ln>
+        </p:spPr>
+        <p:style>
+          <a:lnRef idx="0"/>
+          <a:fillRef idx="0"/>
+          <a:effectRef idx="0"/>
+          <a:fontRef idx="minor"/>
+        </p:style>
+        <p:txBody>
+          <a:bodyPr lIns="90000" rIns="90000" tIns="45000" bIns="45000" anchor="t">
+            <a:noAutofit/>
+          </a:bodyPr>
+          <a:p>
+            <a:pPr>
+              <a:lnSpc>
+                <a:spcPct val="100000"/>
+              </a:lnSpc>
+              <a:buNone/>
+            </a:pPr>
+            <a:r>
+              <a:rPr b="0" lang="en-US" sz="1200" spc="-1" strike="noStrike">
+                <a:latin typeface="Arial"/>
+              </a:rPr>
+              <a:t>Fig. 2: Effect maximum distance between two samples for one to be considered as in the neighborhood of the other. Set min_samples = 2</a:t>
+            </a:r>
+            <a:endParaRPr b="0" lang="en-US" sz="1200" spc="-1" strike="noStrike">
+              <a:latin typeface="Arial"/>
+            </a:endParaRPr>
+          </a:p>
+        </p:txBody>
+      </p:sp>
+      <p:sp>
+        <p:nvSpPr>
+          <p:cNvPr id="127" name=""/>
+          <p:cNvSpPr/>
+          <p:nvPr/>
+        </p:nvSpPr>
+        <p:spPr>
+          <a:xfrm>
+            <a:off x="6400800" y="997920"/>
+            <a:ext cx="3803040" cy="601920"/>
+          </a:xfrm>
+          <a:prstGeom prst="rect">
+            <a:avLst/>
+          </a:prstGeom>
+          <a:noFill/>
+          <a:ln w="0">
+            <a:noFill/>
+          </a:ln>
+        </p:spPr>
+        <p:style>
+          <a:lnRef idx="0"/>
+          <a:fillRef idx="0"/>
+          <a:effectRef idx="0"/>
+          <a:fontRef idx="minor"/>
+        </p:style>
+        <p:txBody>
+          <a:bodyPr lIns="90000" rIns="90000" tIns="45000" bIns="45000" anchor="t">
+            <a:noAutofit/>
+          </a:bodyPr>
+          <a:p>
+            <a:pPr>
+              <a:lnSpc>
+                <a:spcPct val="100000"/>
+              </a:lnSpc>
+              <a:buNone/>
+            </a:pPr>
+            <a:r>
+              <a:rPr b="0" lang="en-US" sz="1200" spc="-1" strike="noStrike">
+                <a:latin typeface="Arial"/>
+              </a:rPr>
+              <a:t>Final: </a:t>
+            </a:r>
+            <a:endParaRPr b="0" lang="en-US" sz="1200" spc="-1" strike="noStrike">
+              <a:latin typeface="Arial"/>
+            </a:endParaRPr>
+          </a:p>
+          <a:p>
+            <a:pPr>
+              <a:lnSpc>
+                <a:spcPct val="100000"/>
+              </a:lnSpc>
+              <a:buNone/>
+            </a:pPr>
+            <a:r>
+              <a:rPr b="0" lang="en-US" sz="1200" spc="-1" strike="noStrike">
+                <a:latin typeface="Arial"/>
+              </a:rPr>
+              <a:t>	</a:t>
+            </a:r>
+            <a:r>
+              <a:rPr b="0" lang="en-US" sz="1200" spc="-1" strike="noStrike">
+                <a:latin typeface="Arial"/>
+              </a:rPr>
+              <a:t>1) eps: 5</a:t>
+            </a:r>
+            <a:endParaRPr b="0" lang="en-US" sz="1200" spc="-1" strike="noStrike">
+              <a:latin typeface="Arial"/>
+            </a:endParaRPr>
+          </a:p>
+          <a:p>
+            <a:pPr>
+              <a:lnSpc>
+                <a:spcPct val="100000"/>
+              </a:lnSpc>
+              <a:buNone/>
+            </a:pPr>
+            <a:r>
+              <a:rPr b="0" lang="en-US" sz="1200" spc="-1" strike="noStrike">
+                <a:latin typeface="Arial"/>
+              </a:rPr>
+              <a:t>	</a:t>
+            </a:r>
+            <a:r>
+              <a:rPr b="0" lang="en-US" sz="1200" spc="-1" strike="noStrike">
+                <a:latin typeface="Arial"/>
+              </a:rPr>
+              <a:t>2) min_samples: 2</a:t>
+            </a:r>
+            <a:endParaRPr b="0" lang="en-US" sz="1200" spc="-1" strike="noStrike">
+              <a:latin typeface="Arial"/>
+            </a:endParaRPr>
+          </a:p>
+        </p:txBody>
+      </p:sp>
+    </p:spTree>
+  </p:cSld>
+  <mc:AlternateContent>
+    <mc:Choice Requires="p14">
+      <p:transition spd="slow" p14:dur="2000"/>
+    </mc:Choice>
+    <mc:Fallback>
+      <p:transition spd="slow"/>
+    </mc:Fallback>
+  </mc:AlternateContent>
+</p:sld>
+</file>
+
+<file path=ppt/slides/slide15.xml><?xml version="1.0" encoding="utf-8"?>
+<p:sld xmlns:a="http://schemas.openxmlformats.org/drawingml/2006/main" xmlns:p="http://schemas.openxmlformats.org/presentationml/2006/main" xmlns:r="http://schemas.openxmlformats.org/officeDocument/2006/relationships" xmlns:p14="http://schemas.microsoft.com/office/powerpoint/2010/main" xmlns:p15="http://schemas.microsoft.com/office/powerpoint/2012/main" xmlns:mc="http://schemas.openxmlformats.org/markup-compatibility/2006">
+  <p:cSld>
+    <p:spTree>
+      <p:nvGrpSpPr>
+        <p:cNvPr id="1" name=""/>
+        <p:cNvGrpSpPr/>
+        <p:nvPr/>
+      </p:nvGrpSpPr>
+      <p:grpSpPr>
+        <a:xfrm>
+          <a:off x="0" y="0"/>
+          <a:ext cx="0" cy="0"/>
+          <a:chOff x="0" y="0"/>
+          <a:chExt cx="0" cy="0"/>
+        </a:xfrm>
+      </p:grpSpPr>
+      <p:sp>
+        <p:nvSpPr>
+          <p:cNvPr id="128" name="PlaceHolder 1"/>
+          <p:cNvSpPr>
+            <a:spLocks noGrp="1"/>
+          </p:cNvSpPr>
+          <p:nvPr>
+            <p:ph type="title"/>
+          </p:nvPr>
+        </p:nvSpPr>
+        <p:spPr>
+          <a:xfrm>
+            <a:off x="504000" y="226080"/>
+            <a:ext cx="9071280" cy="946080"/>
+          </a:xfrm>
+          <a:prstGeom prst="rect">
+            <a:avLst/>
+          </a:prstGeom>
+          <a:noFill/>
+          <a:ln w="0">
+            <a:noFill/>
+          </a:ln>
+        </p:spPr>
+        <p:txBody>
+          <a:bodyPr lIns="0" rIns="0" tIns="0" bIns="0" anchor="ctr">
+            <a:noAutofit/>
+          </a:bodyPr>
+          <a:p>
+            <a:pPr algn="ctr">
+              <a:lnSpc>
+                <a:spcPct val="100000"/>
+              </a:lnSpc>
+              <a:buNone/>
+            </a:pPr>
+            <a:r>
+              <a:rPr b="0" lang="en-US" sz="4400" spc="-1" strike="noStrike">
+                <a:latin typeface="Arial"/>
+              </a:rPr>
+              <a:t>HDBSCAN</a:t>
+            </a:r>
+            <a:endParaRPr b="0" lang="en-US" sz="4400" spc="-1" strike="noStrike">
+              <a:latin typeface="Arial"/>
+            </a:endParaRPr>
+          </a:p>
+        </p:txBody>
+      </p:sp>
+      <p:sp>
+        <p:nvSpPr>
+          <p:cNvPr id="129" name=""/>
+          <p:cNvSpPr/>
+          <p:nvPr/>
+        </p:nvSpPr>
+        <p:spPr>
+          <a:xfrm>
+            <a:off x="311400" y="5029200"/>
+            <a:ext cx="3803040" cy="456840"/>
+          </a:xfrm>
+          <a:prstGeom prst="rect">
+            <a:avLst/>
+          </a:prstGeom>
+          <a:noFill/>
+          <a:ln w="0">
+            <a:noFill/>
+          </a:ln>
+        </p:spPr>
+        <p:style>
+          <a:lnRef idx="0"/>
+          <a:fillRef idx="0"/>
+          <a:effectRef idx="0"/>
+          <a:fontRef idx="minor"/>
+        </p:style>
+        <p:txBody>
+          <a:bodyPr lIns="90000" rIns="90000" tIns="45000" bIns="45000" anchor="t">
+            <a:noAutofit/>
+          </a:bodyPr>
+          <a:p>
+            <a:pPr>
+              <a:lnSpc>
+                <a:spcPct val="100000"/>
+              </a:lnSpc>
+              <a:buNone/>
+            </a:pPr>
+            <a:r>
+              <a:rPr b="0" lang="en-US" sz="1200" spc="-1" strike="noStrike">
+                <a:latin typeface="Arial"/>
+              </a:rPr>
+              <a:t>Fig. 1: Effect of minimum samples in a neighborhood: </a:t>
+            </a:r>
+            <a:endParaRPr b="0" lang="en-US" sz="1200" spc="-1" strike="noStrike">
+              <a:latin typeface="Arial"/>
+            </a:endParaRPr>
+          </a:p>
+          <a:p>
+            <a:pPr>
+              <a:lnSpc>
+                <a:spcPct val="100000"/>
+              </a:lnSpc>
+              <a:buNone/>
+            </a:pPr>
+            <a:r>
+              <a:rPr b="0" lang="en-US" sz="1200" spc="-1" strike="noStrike">
+                <a:latin typeface="Arial"/>
+              </a:rPr>
+              <a:t>Set eps = 0.1</a:t>
+            </a:r>
+            <a:endParaRPr b="0" lang="en-US" sz="1200" spc="-1" strike="noStrike">
+              <a:latin typeface="Arial"/>
+            </a:endParaRPr>
+          </a:p>
+        </p:txBody>
+      </p:sp>
+      <p:sp>
+        <p:nvSpPr>
+          <p:cNvPr id="130" name=""/>
+          <p:cNvSpPr/>
+          <p:nvPr/>
+        </p:nvSpPr>
+        <p:spPr>
+          <a:xfrm>
+            <a:off x="5569200" y="2514600"/>
+            <a:ext cx="3803040" cy="601920"/>
+          </a:xfrm>
+          <a:prstGeom prst="rect">
+            <a:avLst/>
+          </a:prstGeom>
+          <a:noFill/>
+          <a:ln w="0">
+            <a:noFill/>
+          </a:ln>
+        </p:spPr>
+        <p:style>
+          <a:lnRef idx="0"/>
+          <a:fillRef idx="0"/>
+          <a:effectRef idx="0"/>
+          <a:fontRef idx="minor"/>
+        </p:style>
+        <p:txBody>
+          <a:bodyPr lIns="90000" rIns="90000" tIns="45000" bIns="45000" anchor="t">
+            <a:noAutofit/>
+          </a:bodyPr>
+          <a:p>
+            <a:pPr>
+              <a:lnSpc>
+                <a:spcPct val="100000"/>
+              </a:lnSpc>
+              <a:buNone/>
+            </a:pPr>
+            <a:r>
+              <a:rPr b="0" lang="en-US" sz="1200" spc="-1" strike="noStrike">
+                <a:latin typeface="Arial"/>
+              </a:rPr>
+              <a:t>Final: </a:t>
+            </a:r>
+            <a:endParaRPr b="0" lang="en-US" sz="1200" spc="-1" strike="noStrike">
+              <a:latin typeface="Arial"/>
+            </a:endParaRPr>
+          </a:p>
+          <a:p>
+            <a:pPr>
+              <a:lnSpc>
+                <a:spcPct val="100000"/>
+              </a:lnSpc>
+              <a:buNone/>
+            </a:pPr>
+            <a:r>
+              <a:rPr b="0" lang="en-US" sz="1200" spc="-1" strike="noStrike">
+                <a:latin typeface="Arial"/>
+              </a:rPr>
+              <a:t>	</a:t>
+            </a:r>
+            <a:r>
+              <a:rPr b="0" lang="en-US" sz="1200" spc="-1" strike="noStrike">
+                <a:latin typeface="Arial"/>
+              </a:rPr>
+              <a:t>1) min_cluster_size: 5</a:t>
+            </a:r>
+            <a:endParaRPr b="0" lang="en-US" sz="1200" spc="-1" strike="noStrike">
+              <a:latin typeface="Arial"/>
+            </a:endParaRPr>
+          </a:p>
+          <a:p>
+            <a:pPr>
+              <a:lnSpc>
+                <a:spcPct val="100000"/>
+              </a:lnSpc>
+              <a:buNone/>
+            </a:pPr>
+            <a:r>
+              <a:rPr b="0" lang="en-US" sz="1200" spc="-1" strike="noStrike">
+                <a:latin typeface="Arial"/>
+              </a:rPr>
+              <a:t>	</a:t>
+            </a:r>
+            <a:r>
+              <a:rPr b="0" lang="en-US" sz="1200" spc="-1" strike="noStrike">
+                <a:latin typeface="Arial"/>
+              </a:rPr>
+              <a:t>2) min_samples: 22</a:t>
+            </a:r>
+            <a:endParaRPr b="0" lang="en-US" sz="1200" spc="-1" strike="noStrike">
+              <a:latin typeface="Arial"/>
+            </a:endParaRPr>
+          </a:p>
+        </p:txBody>
+      </p:sp>
+    </p:spTree>
+  </p:cSld>
+  <mc:AlternateContent>
+    <mc:Choice Requires="p14">
+      <p:transition spd="slow" p14:dur="2000"/>
+    </mc:Choice>
+    <mc:Fallback>
+      <p:transition spd="slow"/>
+    </mc:Fallback>
+  </mc:AlternateContent>
+</p:sld>
+</file>
+
+<file path=ppt/slides/slide16.xml><?xml version="1.0" encoding="utf-8"?>
+<p:sld xmlns:a="http://schemas.openxmlformats.org/drawingml/2006/main" xmlns:p="http://schemas.openxmlformats.org/presentationml/2006/main" xmlns:r="http://schemas.openxmlformats.org/officeDocument/2006/relationships" xmlns:p14="http://schemas.microsoft.com/office/powerpoint/2010/main" xmlns:p15="http://schemas.microsoft.com/office/powerpoint/2012/main" xmlns:mc="http://schemas.openxmlformats.org/markup-compatibility/2006">
+  <p:cSld>
+    <p:spTree>
+      <p:nvGrpSpPr>
+        <p:cNvPr id="1" name=""/>
+        <p:cNvGrpSpPr/>
+        <p:nvPr/>
+      </p:nvGrpSpPr>
+      <p:grpSpPr>
+        <a:xfrm>
+          <a:off x="0" y="0"/>
+          <a:ext cx="0" cy="0"/>
+          <a:chOff x="0" y="0"/>
+          <a:chExt cx="0" cy="0"/>
+        </a:xfrm>
+      </p:grpSpPr>
+      <p:sp>
+        <p:nvSpPr>
+          <p:cNvPr id="131" name="PlaceHolder 1"/>
+          <p:cNvSpPr>
+            <a:spLocks noGrp="1"/>
+          </p:cNvSpPr>
+          <p:nvPr>
+            <p:ph type="title"/>
+          </p:nvPr>
+        </p:nvSpPr>
+        <p:spPr>
+          <a:xfrm>
+            <a:off x="504000" y="226080"/>
+            <a:ext cx="9071280" cy="946080"/>
+          </a:xfrm>
+          <a:prstGeom prst="rect">
+            <a:avLst/>
+          </a:prstGeom>
+          <a:noFill/>
+          <a:ln w="0">
+            <a:noFill/>
+          </a:ln>
+        </p:spPr>
+        <p:txBody>
+          <a:bodyPr lIns="0" rIns="0" tIns="0" bIns="0" anchor="ctr">
+            <a:noAutofit/>
+          </a:bodyPr>
+          <a:p>
+            <a:pPr algn="ctr">
+              <a:lnSpc>
+                <a:spcPct val="100000"/>
+              </a:lnSpc>
+              <a:buNone/>
+            </a:pPr>
+            <a:r>
+              <a:rPr b="0" lang="en-US" sz="4400" spc="-1" strike="noStrike">
+                <a:latin typeface="Arial"/>
+              </a:rPr>
+              <a:t>All</a:t>
+            </a:r>
+            <a:endParaRPr b="0" lang="en-US" sz="4400" spc="-1" strike="noStrike">
+              <a:latin typeface="Arial"/>
+            </a:endParaRPr>
+          </a:p>
+        </p:txBody>
+      </p:sp>
+      <p:sp>
+        <p:nvSpPr>
+          <p:cNvPr id="132" name=""/>
+          <p:cNvSpPr/>
+          <p:nvPr/>
+        </p:nvSpPr>
+        <p:spPr>
+          <a:xfrm>
+            <a:off x="311400" y="5029200"/>
+            <a:ext cx="3803040" cy="456840"/>
+          </a:xfrm>
+          <a:prstGeom prst="rect">
+            <a:avLst/>
+          </a:prstGeom>
+          <a:noFill/>
+          <a:ln w="0">
+            <a:noFill/>
+          </a:ln>
+        </p:spPr>
+        <p:style>
+          <a:lnRef idx="0"/>
+          <a:fillRef idx="0"/>
+          <a:effectRef idx="0"/>
+          <a:fontRef idx="minor"/>
+        </p:style>
       </p:sp>
     </p:spTree>
   </p:cSld>
@@ -2811,7 +6692,7 @@
       </p:grpSpPr>
       <p:sp>
         <p:nvSpPr>
-          <p:cNvPr id="43" name="PlaceHolder 1"/>
+          <p:cNvPr id="84" name="PlaceHolder 1"/>
           <p:cNvSpPr>
             <a:spLocks noGrp="1"/>
           </p:cNvSpPr>
@@ -2821,8 +6702,8 @@
         </p:nvSpPr>
         <p:spPr>
           <a:xfrm>
-            <a:off x="504000" y="223920"/>
-            <a:ext cx="9071640" cy="946440"/>
+            <a:off x="529920" y="2057400"/>
+            <a:ext cx="9071280" cy="946080"/>
           </a:xfrm>
           <a:prstGeom prst="rect">
             <a:avLst/>
@@ -2838,84 +6719,23 @@
           </a:bodyPr>
           <a:p>
             <a:pPr algn="ctr">
+              <a:lnSpc>
+                <a:spcPct val="100000"/>
+              </a:lnSpc>
               <a:buNone/>
             </a:pPr>
             <a:r>
-              <a:rPr b="0" lang="en-US" sz="2000" spc="-1" strike="noStrike">
+              <a:rPr b="0" lang="en-US" sz="24920" spc="-1" strike="noStrike">
                 <a:latin typeface="Arial"/>
               </a:rPr>
-              <a:t>Kmeans </a:t>
-            </a:r>
-            <a:br>
-              <a:rPr sz="2000"/>
-            </a:br>
-            <a:r>
-              <a:rPr b="0" lang="en-US" sz="2000" spc="-1" strike="noStrike">
-                <a:latin typeface="Arial"/>
-              </a:rPr>
-              <a:t>&amp; </a:t>
-            </a:r>
-            <a:br>
-              <a:rPr sz="2000"/>
-            </a:br>
-            <a:r>
-              <a:rPr b="0" lang="en-US" sz="2000" spc="-1" strike="noStrike">
-                <a:latin typeface="Arial"/>
-              </a:rPr>
-              <a:t>AgglomerativeClustering</a:t>
-            </a:r>
-            <a:endParaRPr b="0" lang="en-US" sz="2000" spc="-1" strike="noStrike">
-              <a:latin typeface="Arial"/>
-            </a:endParaRPr>
-          </a:p>
-        </p:txBody>
-      </p:sp>
-      <p:pic>
-        <p:nvPicPr>
-          <p:cNvPr id="44" name="" descr=""/>
-          <p:cNvPicPr/>
-          <p:nvPr/>
-        </p:nvPicPr>
-        <p:blipFill>
-          <a:blip r:embed="rId1"/>
-          <a:stretch/>
-        </p:blipFill>
-        <p:spPr>
-          <a:xfrm>
-            <a:off x="5362920" y="1381320"/>
-            <a:ext cx="3323880" cy="3419280"/>
-          </a:xfrm>
-          <a:prstGeom prst="rect">
-            <a:avLst/>
-          </a:prstGeom>
-          <a:ln w="0">
-            <a:noFill/>
-          </a:ln>
-        </p:spPr>
-      </p:pic>
-      <p:pic>
-        <p:nvPicPr>
-          <p:cNvPr id="45" name="" descr=""/>
-          <p:cNvPicPr/>
-          <p:nvPr/>
-        </p:nvPicPr>
-        <p:blipFill>
-          <a:blip r:embed="rId2"/>
-          <a:stretch/>
-        </p:blipFill>
-        <p:spPr>
-          <a:xfrm>
-            <a:off x="1019520" y="1391040"/>
-            <a:ext cx="3323880" cy="3409560"/>
-          </a:xfrm>
-          <a:prstGeom prst="rect">
-            <a:avLst/>
-          </a:prstGeom>
-          <a:ln w="0">
-            <a:noFill/>
-          </a:ln>
-        </p:spPr>
-      </p:pic>
+              <a:t>PCA</a:t>
+            </a:r>
+            <a:endParaRPr b="0" lang="en-US" sz="24920" spc="-1" strike="noStrike">
+              <a:latin typeface="Arial"/>
+            </a:endParaRPr>
+          </a:p>
+        </p:txBody>
+      </p:sp>
     </p:spTree>
   </p:cSld>
   <mc:AlternateContent>
@@ -2948,7 +6768,7 @@
       </p:grpSpPr>
       <p:sp>
         <p:nvSpPr>
-          <p:cNvPr id="46" name="PlaceHolder 1"/>
+          <p:cNvPr id="85" name="PlaceHolder 1"/>
           <p:cNvSpPr>
             <a:spLocks noGrp="1"/>
           </p:cNvSpPr>
@@ -2958,8 +6778,8 @@
         </p:nvSpPr>
         <p:spPr>
           <a:xfrm>
-            <a:off x="504000" y="226080"/>
-            <a:ext cx="9071640" cy="946440"/>
+            <a:off x="504000" y="223920"/>
+            <a:ext cx="9071280" cy="946080"/>
           </a:xfrm>
           <a:prstGeom prst="rect">
             <a:avLst/>
@@ -2975,62 +6795,36 @@
           </a:bodyPr>
           <a:p>
             <a:pPr algn="ctr">
+              <a:lnSpc>
+                <a:spcPct val="100000"/>
+              </a:lnSpc>
               <a:buNone/>
             </a:pPr>
             <a:r>
-              <a:rPr b="0" lang="en-US" sz="4400" spc="-1" strike="noStrike">
+              <a:rPr b="0" lang="en-US" sz="2000" spc="-1" strike="noStrike">
                 <a:latin typeface="Arial"/>
               </a:rPr>
-              <a:t>DBSCAN</a:t>
-            </a:r>
-            <a:endParaRPr b="0" lang="en-US" sz="4400" spc="-1" strike="noStrike">
-              <a:latin typeface="Arial"/>
-            </a:endParaRPr>
-          </a:p>
-        </p:txBody>
-      </p:sp>
-      <p:sp>
-        <p:nvSpPr>
-          <p:cNvPr id="47" name=""/>
-          <p:cNvSpPr txBox="1"/>
-          <p:nvPr/>
-        </p:nvSpPr>
-        <p:spPr>
-          <a:xfrm>
-            <a:off x="311400" y="5029200"/>
-            <a:ext cx="3803400" cy="457200"/>
-          </a:xfrm>
-          <a:prstGeom prst="rect">
-            <a:avLst/>
-          </a:prstGeom>
-          <a:noFill/>
-          <a:ln w="0">
-            <a:noFill/>
-          </a:ln>
-        </p:spPr>
-        <p:txBody>
-          <a:bodyPr lIns="90000" rIns="90000" tIns="45000" bIns="45000" anchor="t">
-            <a:noAutofit/>
-          </a:bodyPr>
-          <a:p>
-            <a:r>
-              <a:rPr b="0" lang="en-US" sz="1200" spc="-1" strike="noStrike">
+              <a:t>Kmeans </a:t>
+            </a:r>
+            <a:br>
+              <a:rPr sz="2000"/>
+            </a:br>
+            <a:r>
+              <a:rPr b="0" lang="en-US" sz="2000" spc="-1" strike="noStrike">
                 <a:latin typeface="Arial"/>
               </a:rPr>
-              <a:t>Fig. 1: Effect of minimum samples in a neighborhood: </a:t>
-            </a:r>
-            <a:endParaRPr b="0" lang="en-US" sz="1200" spc="-1" strike="noStrike">
-              <a:latin typeface="Arial"/>
-            </a:endParaRPr>
-          </a:p>
-          <a:p>
-            <a:r>
-              <a:rPr b="0" lang="en-US" sz="1200" spc="-1" strike="noStrike">
+              <a:t>&amp; </a:t>
+            </a:r>
+            <a:br>
+              <a:rPr sz="2000"/>
+            </a:br>
+            <a:r>
+              <a:rPr b="0" lang="en-US" sz="2000" spc="-1" strike="noStrike">
                 <a:latin typeface="Arial"/>
               </a:rPr>
-              <a:t>Set eps = 0.1</a:t>
-            </a:r>
-            <a:endParaRPr b="0" lang="en-US" sz="1200" spc="-1" strike="noStrike">
+              <a:t>AgglomerativeClustering</a:t>
+            </a:r>
+            <a:endParaRPr b="0" lang="en-US" sz="2000" spc="-1" strike="noStrike">
               <a:latin typeface="Arial"/>
             </a:endParaRPr>
           </a:p>
@@ -3038,7 +6832,7 @@
       </p:sp>
       <p:pic>
         <p:nvPicPr>
-          <p:cNvPr id="48" name="" descr=""/>
+          <p:cNvPr id="86" name="" descr=""/>
           <p:cNvPicPr/>
           <p:nvPr/>
         </p:nvPicPr>
@@ -3048,8 +6842,8 @@
         </p:blipFill>
         <p:spPr>
           <a:xfrm>
-            <a:off x="578160" y="1828800"/>
-            <a:ext cx="3993840" cy="2998440"/>
+            <a:off x="5362920" y="1381320"/>
+            <a:ext cx="3323520" cy="3418920"/>
           </a:xfrm>
           <a:prstGeom prst="rect">
             <a:avLst/>
@@ -3059,45 +6853,9 @@
           </a:ln>
         </p:spPr>
       </p:pic>
-      <p:sp>
-        <p:nvSpPr>
-          <p:cNvPr id="49" name=""/>
-          <p:cNvSpPr txBox="1"/>
-          <p:nvPr/>
-        </p:nvSpPr>
-        <p:spPr>
-          <a:xfrm>
-            <a:off x="4883400" y="4884120"/>
-            <a:ext cx="4260600" cy="602280"/>
-          </a:xfrm>
-          <a:prstGeom prst="rect">
-            <a:avLst/>
-          </a:prstGeom>
-          <a:noFill/>
-          <a:ln w="0">
-            <a:noFill/>
-          </a:ln>
-        </p:spPr>
-        <p:txBody>
-          <a:bodyPr lIns="90000" rIns="90000" tIns="45000" bIns="45000" anchor="t">
-            <a:noAutofit/>
-          </a:bodyPr>
-          <a:p>
-            <a:r>
-              <a:rPr b="0" lang="en-US" sz="1200" spc="-1" strike="noStrike">
-                <a:latin typeface="Arial"/>
-              </a:rPr>
-              <a:t>Fig. 2: Effect maximum distance between two samples for one to be considered as in the neighborhood of the other. Set min_samples = 15</a:t>
-            </a:r>
-            <a:endParaRPr b="0" lang="en-US" sz="1200" spc="-1" strike="noStrike">
-              <a:latin typeface="Arial"/>
-            </a:endParaRPr>
-          </a:p>
-        </p:txBody>
-      </p:sp>
       <p:pic>
         <p:nvPicPr>
-          <p:cNvPr id="50" name="" descr=""/>
+          <p:cNvPr id="87" name="" descr=""/>
           <p:cNvPicPr/>
           <p:nvPr/>
         </p:nvPicPr>
@@ -3107,8 +6865,8 @@
         </p:blipFill>
         <p:spPr>
           <a:xfrm>
-            <a:off x="4920480" y="1828800"/>
-            <a:ext cx="3766320" cy="2827440"/>
+            <a:off x="1019520" y="1391040"/>
+            <a:ext cx="3323520" cy="3409200"/>
           </a:xfrm>
           <a:prstGeom prst="rect">
             <a:avLst/>
@@ -3118,82 +6876,6 @@
           </a:ln>
         </p:spPr>
       </p:pic>
-      <p:sp>
-        <p:nvSpPr>
-          <p:cNvPr id="51" name=""/>
-          <p:cNvSpPr txBox="1"/>
-          <p:nvPr/>
-        </p:nvSpPr>
-        <p:spPr>
-          <a:xfrm>
-            <a:off x="6400800" y="997920"/>
-            <a:ext cx="3803400" cy="602280"/>
-          </a:xfrm>
-          <a:prstGeom prst="rect">
-            <a:avLst/>
-          </a:prstGeom>
-          <a:noFill/>
-          <a:ln w="0">
-            <a:noFill/>
-          </a:ln>
-        </p:spPr>
-        <p:txBody>
-          <a:bodyPr lIns="90000" rIns="90000" tIns="45000" bIns="45000" anchor="t">
-            <a:noAutofit/>
-          </a:bodyPr>
-          <a:p>
-            <a:r>
-              <a:rPr b="0" lang="en-US" sz="1200" spc="-1" strike="noStrike">
-                <a:latin typeface="Arial"/>
-              </a:rPr>
-              <a:t>Final: </a:t>
-            </a:r>
-            <a:endParaRPr b="0" lang="en-US" sz="1200" spc="-1" strike="noStrike">
-              <a:latin typeface="Arial"/>
-            </a:endParaRPr>
-          </a:p>
-          <a:p>
-            <a:r>
-              <a:rPr b="0" lang="en-US" sz="1200" spc="-1" strike="noStrike">
-                <a:latin typeface="Arial"/>
-              </a:rPr>
-              <a:t>	</a:t>
-            </a:r>
-            <a:r>
-              <a:rPr b="0" lang="en-US" sz="1200" spc="-1" strike="noStrike">
-                <a:latin typeface="Arial"/>
-              </a:rPr>
-              <a:t>1) eps: 0.1</a:t>
-            </a:r>
-            <a:endParaRPr b="0" lang="en-US" sz="1200" spc="-1" strike="noStrike">
-              <a:latin typeface="Arial"/>
-            </a:endParaRPr>
-          </a:p>
-          <a:p>
-            <a:pPr>
-              <a:lnSpc>
-                <a:spcPct val="100000"/>
-              </a:lnSpc>
-              <a:buNone/>
-            </a:pPr>
-            <a:r>
-              <a:rPr b="0" lang="en-US" sz="1200" spc="-1" strike="noStrike">
-                <a:latin typeface="Arial"/>
-              </a:rPr>
-              <a:t>	</a:t>
-            </a:r>
-            <a:r>
-              <a:rPr b="0" lang="en-US" sz="1200" spc="-1" strike="noStrike">
-                <a:latin typeface="Arial"/>
-              </a:rPr>
-              <a:t>2) min_samples: 15</a:t>
-            </a:r>
-            <a:endParaRPr b="0" lang="en-US" sz="1200" spc="-1" strike="noStrike">
-              <a:latin typeface="Arial"/>
-            </a:endParaRPr>
-          </a:p>
-        </p:txBody>
-      </p:sp>
     </p:spTree>
   </p:cSld>
   <mc:AlternateContent>
@@ -3226,7 +6908,7 @@
       </p:grpSpPr>
       <p:sp>
         <p:nvSpPr>
-          <p:cNvPr id="52" name="PlaceHolder 1"/>
+          <p:cNvPr id="88" name="PlaceHolder 1"/>
           <p:cNvSpPr>
             <a:spLocks noGrp="1"/>
           </p:cNvSpPr>
@@ -3237,7 +6919,7 @@
         <p:spPr>
           <a:xfrm>
             <a:off x="504000" y="226080"/>
-            <a:ext cx="9071640" cy="946440"/>
+            <a:ext cx="9071280" cy="946080"/>
           </a:xfrm>
           <a:prstGeom prst="rect">
             <a:avLst/>
@@ -3253,13 +6935,16 @@
           </a:bodyPr>
           <a:p>
             <a:pPr algn="ctr">
+              <a:lnSpc>
+                <a:spcPct val="100000"/>
+              </a:lnSpc>
               <a:buNone/>
             </a:pPr>
             <a:r>
               <a:rPr b="0" lang="en-US" sz="4400" spc="-1" strike="noStrike">
                 <a:latin typeface="Arial"/>
               </a:rPr>
-              <a:t>HDBSCAN</a:t>
+              <a:t>DBSCAN</a:t>
             </a:r>
             <a:endParaRPr b="0" lang="en-US" sz="4400" spc="-1" strike="noStrike">
               <a:latin typeface="Arial"/>
@@ -3269,28 +6954,40 @@
       </p:sp>
       <p:sp>
         <p:nvSpPr>
-          <p:cNvPr id="53" name=""/>
-          <p:cNvSpPr txBox="1"/>
+          <p:cNvPr id="89" name=""/>
+          <p:cNvSpPr/>
           <p:nvPr/>
         </p:nvSpPr>
         <p:spPr>
           <a:xfrm>
             <a:off x="311400" y="5029200"/>
-            <a:ext cx="3803400" cy="457200"/>
-          </a:xfrm>
-          <a:prstGeom prst="rect">
-            <a:avLst/>
-          </a:prstGeom>
-          <a:noFill/>
-          <a:ln w="0">
-            <a:noFill/>
-          </a:ln>
-        </p:spPr>
+            <a:ext cx="3803040" cy="456840"/>
+          </a:xfrm>
+          <a:prstGeom prst="rect">
+            <a:avLst/>
+          </a:prstGeom>
+          <a:noFill/>
+          <a:ln w="0">
+            <a:noFill/>
+          </a:ln>
+        </p:spPr>
+        <p:style>
+          <a:lnRef idx="0"/>
+          <a:fillRef idx="0"/>
+          <a:effectRef idx="0"/>
+          <a:fontRef idx="minor"/>
+        </p:style>
         <p:txBody>
           <a:bodyPr lIns="90000" rIns="90000" tIns="45000" bIns="45000" anchor="t">
             <a:noAutofit/>
           </a:bodyPr>
           <a:p>
+            <a:pPr>
+              <a:lnSpc>
+                <a:spcPct val="100000"/>
+              </a:lnSpc>
+              <a:buNone/>
+            </a:pPr>
             <a:r>
               <a:rPr b="0" lang="en-US" sz="1200" spc="-1" strike="noStrike">
                 <a:latin typeface="Arial"/>
@@ -3302,6 +6999,12 @@
             </a:endParaRPr>
           </a:p>
           <a:p>
+            <a:pPr>
+              <a:lnSpc>
+                <a:spcPct val="100000"/>
+              </a:lnSpc>
+              <a:buNone/>
+            </a:pPr>
             <a:r>
               <a:rPr b="0" lang="en-US" sz="1200" spc="-1" strike="noStrike">
                 <a:latin typeface="Arial"/>
@@ -3316,7 +7019,7 @@
       </p:sp>
       <p:pic>
         <p:nvPicPr>
-          <p:cNvPr id="54" name="" descr=""/>
+          <p:cNvPr id="90" name="" descr=""/>
           <p:cNvPicPr/>
           <p:nvPr/>
         </p:nvPicPr>
@@ -3326,8 +7029,8 @@
         </p:blipFill>
         <p:spPr>
           <a:xfrm>
-            <a:off x="228600" y="1143000"/>
-            <a:ext cx="4872240" cy="3657600"/>
+            <a:off x="578160" y="1828800"/>
+            <a:ext cx="3993480" cy="2998080"/>
           </a:xfrm>
           <a:prstGeom prst="rect">
             <a:avLst/>
@@ -3339,55 +7042,33 @@
       </p:pic>
       <p:sp>
         <p:nvSpPr>
-          <p:cNvPr id="55" name=""/>
-          <p:cNvSpPr txBox="1"/>
+          <p:cNvPr id="91" name=""/>
+          <p:cNvSpPr/>
           <p:nvPr/>
         </p:nvSpPr>
         <p:spPr>
           <a:xfrm>
-            <a:off x="5569200" y="2514600"/>
-            <a:ext cx="3803400" cy="602280"/>
-          </a:xfrm>
-          <a:prstGeom prst="rect">
-            <a:avLst/>
-          </a:prstGeom>
-          <a:noFill/>
-          <a:ln w="0">
-            <a:noFill/>
-          </a:ln>
-        </p:spPr>
+            <a:off x="4883400" y="4884120"/>
+            <a:ext cx="4260240" cy="601920"/>
+          </a:xfrm>
+          <a:prstGeom prst="rect">
+            <a:avLst/>
+          </a:prstGeom>
+          <a:noFill/>
+          <a:ln w="0">
+            <a:noFill/>
+          </a:ln>
+        </p:spPr>
+        <p:style>
+          <a:lnRef idx="0"/>
+          <a:fillRef idx="0"/>
+          <a:effectRef idx="0"/>
+          <a:fontRef idx="minor"/>
+        </p:style>
         <p:txBody>
           <a:bodyPr lIns="90000" rIns="90000" tIns="45000" bIns="45000" anchor="t">
             <a:noAutofit/>
           </a:bodyPr>
-          <a:p>
-            <a:r>
-              <a:rPr b="0" lang="en-US" sz="1200" spc="-1" strike="noStrike">
-                <a:latin typeface="Arial"/>
-              </a:rPr>
-              <a:t>Final: </a:t>
-            </a:r>
-            <a:endParaRPr b="0" lang="en-US" sz="1200" spc="-1" strike="noStrike">
-              <a:latin typeface="Arial"/>
-            </a:endParaRPr>
-          </a:p>
-          <a:p>
-            <a:r>
-              <a:rPr b="0" lang="en-US" sz="1200" spc="-1" strike="noStrike">
-                <a:latin typeface="Arial"/>
-              </a:rPr>
-              <a:t>	</a:t>
-            </a:r>
-            <a:r>
-              <a:rPr b="0" lang="en-US" sz="1200" spc="-1" strike="noStrike">
-                <a:latin typeface="Arial"/>
-              </a:rPr>
-              <a:t>1) min_cluster_size: 5</a:t>
-            </a:r>
-            <a:endParaRPr b="0" lang="en-US" sz="1200" spc="-1" strike="noStrike">
-              <a:latin typeface="Arial"/>
-            </a:endParaRPr>
-          </a:p>
           <a:p>
             <a:pPr>
               <a:lnSpc>
@@ -3399,13 +7080,124 @@
               <a:rPr b="0" lang="en-US" sz="1200" spc="-1" strike="noStrike">
                 <a:latin typeface="Arial"/>
               </a:rPr>
-              <a:t>	</a:t>
-            </a:r>
+              <a:t>Fig. 2: Effect maximum distance between two samples for one to be considered as in the neighborhood of the other. Set min_samples = 15</a:t>
+            </a:r>
+            <a:endParaRPr b="0" lang="en-US" sz="1200" spc="-1" strike="noStrike">
+              <a:latin typeface="Arial"/>
+            </a:endParaRPr>
+          </a:p>
+        </p:txBody>
+      </p:sp>
+      <p:pic>
+        <p:nvPicPr>
+          <p:cNvPr id="92" name="" descr=""/>
+          <p:cNvPicPr/>
+          <p:nvPr/>
+        </p:nvPicPr>
+        <p:blipFill>
+          <a:blip r:embed="rId2"/>
+          <a:stretch/>
+        </p:blipFill>
+        <p:spPr>
+          <a:xfrm>
+            <a:off x="4920480" y="1828800"/>
+            <a:ext cx="3765960" cy="2827080"/>
+          </a:xfrm>
+          <a:prstGeom prst="rect">
+            <a:avLst/>
+          </a:prstGeom>
+          <a:ln w="0">
+            <a:noFill/>
+          </a:ln>
+        </p:spPr>
+      </p:pic>
+      <p:sp>
+        <p:nvSpPr>
+          <p:cNvPr id="93" name=""/>
+          <p:cNvSpPr/>
+          <p:nvPr/>
+        </p:nvSpPr>
+        <p:spPr>
+          <a:xfrm>
+            <a:off x="6400800" y="997920"/>
+            <a:ext cx="3803040" cy="601920"/>
+          </a:xfrm>
+          <a:prstGeom prst="rect">
+            <a:avLst/>
+          </a:prstGeom>
+          <a:noFill/>
+          <a:ln w="0">
+            <a:noFill/>
+          </a:ln>
+        </p:spPr>
+        <p:style>
+          <a:lnRef idx="0"/>
+          <a:fillRef idx="0"/>
+          <a:effectRef idx="0"/>
+          <a:fontRef idx="minor"/>
+        </p:style>
+        <p:txBody>
+          <a:bodyPr lIns="90000" rIns="90000" tIns="45000" bIns="45000" anchor="t">
+            <a:noAutofit/>
+          </a:bodyPr>
+          <a:p>
+            <a:pPr>
+              <a:lnSpc>
+                <a:spcPct val="100000"/>
+              </a:lnSpc>
+              <a:buNone/>
+            </a:pPr>
             <a:r>
               <a:rPr b="0" lang="en-US" sz="1200" spc="-1" strike="noStrike">
                 <a:latin typeface="Arial"/>
               </a:rPr>
-              <a:t>2) min_samples: 28</a:t>
+              <a:t>Final: </a:t>
+            </a:r>
+            <a:endParaRPr b="0" lang="en-US" sz="1200" spc="-1" strike="noStrike">
+              <a:latin typeface="Arial"/>
+            </a:endParaRPr>
+          </a:p>
+          <a:p>
+            <a:pPr>
+              <a:lnSpc>
+                <a:spcPct val="100000"/>
+              </a:lnSpc>
+              <a:buNone/>
+            </a:pPr>
+            <a:r>
+              <a:rPr b="0" lang="en-US" sz="1200" spc="-1" strike="noStrike">
+                <a:latin typeface="Arial"/>
+              </a:rPr>
+              <a:t>	</a:t>
+            </a:r>
+            <a:r>
+              <a:rPr b="0" lang="en-US" sz="1200" spc="-1" strike="noStrike">
+                <a:latin typeface="Arial"/>
+              </a:rPr>
+              <a:t>1) eps: 0.1</a:t>
+            </a:r>
+            <a:endParaRPr b="0" lang="en-US" sz="1200" spc="-1" strike="noStrike">
+              <a:latin typeface="Arial"/>
+            </a:endParaRPr>
+          </a:p>
+          <a:p>
+            <a:pPr>
+              <a:lnSpc>
+                <a:spcPct val="100000"/>
+              </a:lnSpc>
+              <a:buNone/>
+            </a:pPr>
+            <a:r>
+              <a:rPr b="0" lang="en-US" sz="1200" spc="-1" strike="noStrike">
+                <a:latin typeface="Arial"/>
+              </a:rPr>
+              <a:t>	</a:t>
+            </a:r>
+            <a:r>
+              <a:rPr b="0" lang="en-US" sz="1200" spc="-1" strike="noStrike">
+                <a:latin typeface="Arial"/>
+              </a:rPr>
+              <a:t>2) min_samples: 15</a:t>
             </a:r>
             <a:endParaRPr b="0" lang="en-US" sz="1200" spc="-1" strike="noStrike">
               <a:latin typeface="Arial"/>
@@ -3445,7 +7237,7 @@
       </p:grpSpPr>
       <p:sp>
         <p:nvSpPr>
-          <p:cNvPr id="56" name="PlaceHolder 1"/>
+          <p:cNvPr id="94" name="PlaceHolder 1"/>
           <p:cNvSpPr>
             <a:spLocks noGrp="1"/>
           </p:cNvSpPr>
@@ -3456,7 +7248,7 @@
         <p:spPr>
           <a:xfrm>
             <a:off x="504000" y="226080"/>
-            <a:ext cx="9071640" cy="946440"/>
+            <a:ext cx="9071280" cy="946080"/>
           </a:xfrm>
           <a:prstGeom prst="rect">
             <a:avLst/>
@@ -3472,13 +7264,16 @@
           </a:bodyPr>
           <a:p>
             <a:pPr algn="ctr">
+              <a:lnSpc>
+                <a:spcPct val="100000"/>
+              </a:lnSpc>
               <a:buNone/>
             </a:pPr>
             <a:r>
               <a:rPr b="0" lang="en-US" sz="4400" spc="-1" strike="noStrike">
                 <a:latin typeface="Arial"/>
               </a:rPr>
-              <a:t>PCA</a:t>
+              <a:t>HDBSCAN</a:t>
             </a:r>
             <a:endParaRPr b="0" lang="en-US" sz="4400" spc="-1" strike="noStrike">
               <a:latin typeface="Arial"/>
@@ -3488,28 +7283,40 @@
       </p:sp>
       <p:sp>
         <p:nvSpPr>
-          <p:cNvPr id="57" name=""/>
-          <p:cNvSpPr txBox="1"/>
+          <p:cNvPr id="95" name=""/>
+          <p:cNvSpPr/>
           <p:nvPr/>
         </p:nvSpPr>
         <p:spPr>
           <a:xfrm>
             <a:off x="311400" y="5029200"/>
-            <a:ext cx="3803400" cy="457200"/>
-          </a:xfrm>
-          <a:prstGeom prst="rect">
-            <a:avLst/>
-          </a:prstGeom>
-          <a:noFill/>
-          <a:ln w="0">
-            <a:noFill/>
-          </a:ln>
-        </p:spPr>
+            <a:ext cx="3803040" cy="456840"/>
+          </a:xfrm>
+          <a:prstGeom prst="rect">
+            <a:avLst/>
+          </a:prstGeom>
+          <a:noFill/>
+          <a:ln w="0">
+            <a:noFill/>
+          </a:ln>
+        </p:spPr>
+        <p:style>
+          <a:lnRef idx="0"/>
+          <a:fillRef idx="0"/>
+          <a:effectRef idx="0"/>
+          <a:fontRef idx="minor"/>
+        </p:style>
         <p:txBody>
           <a:bodyPr lIns="90000" rIns="90000" tIns="45000" bIns="45000" anchor="t">
             <a:noAutofit/>
           </a:bodyPr>
           <a:p>
+            <a:pPr>
+              <a:lnSpc>
+                <a:spcPct val="100000"/>
+              </a:lnSpc>
+              <a:buNone/>
+            </a:pPr>
             <a:r>
               <a:rPr b="0" lang="en-US" sz="1200" spc="-1" strike="noStrike">
                 <a:latin typeface="Arial"/>
@@ -3521,6 +7328,12 @@
             </a:endParaRPr>
           </a:p>
           <a:p>
+            <a:pPr>
+              <a:lnSpc>
+                <a:spcPct val="100000"/>
+              </a:lnSpc>
+              <a:buNone/>
+            </a:pPr>
             <a:r>
               <a:rPr b="0" lang="en-US" sz="1200" spc="-1" strike="noStrike">
                 <a:latin typeface="Arial"/>
@@ -3535,7 +7348,7 @@
       </p:sp>
       <p:pic>
         <p:nvPicPr>
-          <p:cNvPr id="58" name="" descr=""/>
+          <p:cNvPr id="96" name="" descr=""/>
           <p:cNvPicPr/>
           <p:nvPr/>
         </p:nvPicPr>
@@ -3545,8 +7358,8 @@
         </p:blipFill>
         <p:spPr>
           <a:xfrm>
-            <a:off x="1149120" y="1726200"/>
-            <a:ext cx="7781400" cy="2209320"/>
+            <a:off x="228600" y="1143000"/>
+            <a:ext cx="4871880" cy="3657240"/>
           </a:xfrm>
           <a:prstGeom prst="rect">
             <a:avLst/>
@@ -3556,6 +7369,100 @@
           </a:ln>
         </p:spPr>
       </p:pic>
+      <p:sp>
+        <p:nvSpPr>
+          <p:cNvPr id="97" name=""/>
+          <p:cNvSpPr/>
+          <p:nvPr/>
+        </p:nvSpPr>
+        <p:spPr>
+          <a:xfrm>
+            <a:off x="5569200" y="2514600"/>
+            <a:ext cx="3803040" cy="601920"/>
+          </a:xfrm>
+          <a:prstGeom prst="rect">
+            <a:avLst/>
+          </a:prstGeom>
+          <a:noFill/>
+          <a:ln w="0">
+            <a:noFill/>
+          </a:ln>
+        </p:spPr>
+        <p:style>
+          <a:lnRef idx="0"/>
+          <a:fillRef idx="0"/>
+          <a:effectRef idx="0"/>
+          <a:fontRef idx="minor"/>
+        </p:style>
+        <p:txBody>
+          <a:bodyPr lIns="90000" rIns="90000" tIns="45000" bIns="45000" anchor="t">
+            <a:noAutofit/>
+          </a:bodyPr>
+          <a:p>
+            <a:pPr>
+              <a:lnSpc>
+                <a:spcPct val="100000"/>
+              </a:lnSpc>
+              <a:buNone/>
+            </a:pPr>
+            <a:r>
+              <a:rPr b="0" lang="en-US" sz="1200" spc="-1" strike="noStrike">
+                <a:latin typeface="Arial"/>
+              </a:rPr>
+              <a:t>Final: </a:t>
+            </a:r>
+            <a:endParaRPr b="0" lang="en-US" sz="1200" spc="-1" strike="noStrike">
+              <a:latin typeface="Arial"/>
+            </a:endParaRPr>
+          </a:p>
+          <a:p>
+            <a:pPr>
+              <a:lnSpc>
+                <a:spcPct val="100000"/>
+              </a:lnSpc>
+              <a:buNone/>
+            </a:pPr>
+            <a:r>
+              <a:rPr b="0" lang="en-US" sz="1200" spc="-1" strike="noStrike">
+                <a:latin typeface="Arial"/>
+              </a:rPr>
+              <a:t>	</a:t>
+            </a:r>
+            <a:r>
+              <a:rPr b="0" lang="en-US" sz="1200" spc="-1" strike="noStrike">
+                <a:latin typeface="Arial"/>
+              </a:rPr>
+              <a:t>1) min_cluster_size: 5</a:t>
+            </a:r>
+            <a:endParaRPr b="0" lang="en-US" sz="1200" spc="-1" strike="noStrike">
+              <a:latin typeface="Arial"/>
+            </a:endParaRPr>
+          </a:p>
+          <a:p>
+            <a:pPr>
+              <a:lnSpc>
+                <a:spcPct val="100000"/>
+              </a:lnSpc>
+              <a:buNone/>
+            </a:pPr>
+            <a:r>
+              <a:rPr b="0" lang="en-US" sz="1200" spc="-1" strike="noStrike">
+                <a:latin typeface="Arial"/>
+              </a:rPr>
+              <a:t>	</a:t>
+            </a:r>
+            <a:r>
+              <a:rPr b="0" lang="en-US" sz="1200" spc="-1" strike="noStrike">
+                <a:latin typeface="Arial"/>
+              </a:rPr>
+              <a:t>2) min_samples: 28</a:t>
+            </a:r>
+            <a:endParaRPr b="0" lang="en-US" sz="1200" spc="-1" strike="noStrike">
+              <a:latin typeface="Arial"/>
+            </a:endParaRPr>
+          </a:p>
+        </p:txBody>
+      </p:sp>
     </p:spTree>
   </p:cSld>
   <mc:AlternateContent>
@@ -3588,7 +7495,7 @@
       </p:grpSpPr>
       <p:sp>
         <p:nvSpPr>
-          <p:cNvPr id="59" name="PlaceHolder 1"/>
+          <p:cNvPr id="98" name="PlaceHolder 1"/>
           <p:cNvSpPr>
             <a:spLocks noGrp="1"/>
           </p:cNvSpPr>
@@ -3599,7 +7506,7 @@
         <p:spPr>
           <a:xfrm>
             <a:off x="504000" y="226080"/>
-            <a:ext cx="9071640" cy="946440"/>
+            <a:ext cx="9071280" cy="946080"/>
           </a:xfrm>
           <a:prstGeom prst="rect">
             <a:avLst/>
@@ -3615,6 +7522,249 @@
           </a:bodyPr>
           <a:p>
             <a:pPr algn="ctr">
+              <a:lnSpc>
+                <a:spcPct val="100000"/>
+              </a:lnSpc>
+              <a:buNone/>
+            </a:pPr>
+            <a:r>
+              <a:rPr b="0" lang="en-US" sz="4400" spc="-1" strike="noStrike">
+                <a:latin typeface="Arial"/>
+              </a:rPr>
+              <a:t>PCA</a:t>
+            </a:r>
+            <a:endParaRPr b="0" lang="en-US" sz="4400" spc="-1" strike="noStrike">
+              <a:latin typeface="Arial"/>
+            </a:endParaRPr>
+          </a:p>
+        </p:txBody>
+      </p:sp>
+      <p:sp>
+        <p:nvSpPr>
+          <p:cNvPr id="99" name=""/>
+          <p:cNvSpPr/>
+          <p:nvPr/>
+        </p:nvSpPr>
+        <p:spPr>
+          <a:xfrm>
+            <a:off x="311400" y="5029200"/>
+            <a:ext cx="3803040" cy="456840"/>
+          </a:xfrm>
+          <a:prstGeom prst="rect">
+            <a:avLst/>
+          </a:prstGeom>
+          <a:noFill/>
+          <a:ln w="0">
+            <a:noFill/>
+          </a:ln>
+        </p:spPr>
+        <p:style>
+          <a:lnRef idx="0"/>
+          <a:fillRef idx="0"/>
+          <a:effectRef idx="0"/>
+          <a:fontRef idx="minor"/>
+        </p:style>
+        <p:txBody>
+          <a:bodyPr lIns="90000" rIns="90000" tIns="45000" bIns="45000" anchor="t">
+            <a:noAutofit/>
+          </a:bodyPr>
+          <a:p>
+            <a:pPr>
+              <a:lnSpc>
+                <a:spcPct val="100000"/>
+              </a:lnSpc>
+              <a:buNone/>
+            </a:pPr>
+            <a:r>
+              <a:rPr b="0" lang="en-US" sz="1200" spc="-1" strike="noStrike">
+                <a:latin typeface="Arial"/>
+              </a:rPr>
+              <a:t>Fig. 1: Effect of minimum samples in a neighborhood: </a:t>
+            </a:r>
+            <a:endParaRPr b="0" lang="en-US" sz="1200" spc="-1" strike="noStrike">
+              <a:latin typeface="Arial"/>
+            </a:endParaRPr>
+          </a:p>
+          <a:p>
+            <a:pPr>
+              <a:lnSpc>
+                <a:spcPct val="100000"/>
+              </a:lnSpc>
+              <a:buNone/>
+            </a:pPr>
+            <a:r>
+              <a:rPr b="0" lang="en-US" sz="1200" spc="-1" strike="noStrike">
+                <a:latin typeface="Arial"/>
+              </a:rPr>
+              <a:t>Set eps = 0.1</a:t>
+            </a:r>
+            <a:endParaRPr b="0" lang="en-US" sz="1200" spc="-1" strike="noStrike">
+              <a:latin typeface="Arial"/>
+            </a:endParaRPr>
+          </a:p>
+        </p:txBody>
+      </p:sp>
+      <p:pic>
+        <p:nvPicPr>
+          <p:cNvPr id="100" name="" descr=""/>
+          <p:cNvPicPr/>
+          <p:nvPr/>
+        </p:nvPicPr>
+        <p:blipFill>
+          <a:blip r:embed="rId1"/>
+          <a:stretch/>
+        </p:blipFill>
+        <p:spPr>
+          <a:xfrm>
+            <a:off x="1149120" y="1726200"/>
+            <a:ext cx="7781040" cy="2208960"/>
+          </a:xfrm>
+          <a:prstGeom prst="rect">
+            <a:avLst/>
+          </a:prstGeom>
+          <a:ln w="0">
+            <a:noFill/>
+          </a:ln>
+        </p:spPr>
+      </p:pic>
+    </p:spTree>
+  </p:cSld>
+  <mc:AlternateContent>
+    <mc:Choice Requires="p14">
+      <p:transition spd="slow" p14:dur="2000"/>
+    </mc:Choice>
+    <mc:Fallback>
+      <p:transition spd="slow"/>
+    </mc:Fallback>
+  </mc:AlternateContent>
+</p:sld>
+</file>
+
+<file path=ppt/slides/slide7.xml><?xml version="1.0" encoding="utf-8"?>
+<p:sld xmlns:a="http://schemas.openxmlformats.org/drawingml/2006/main" xmlns:p="http://schemas.openxmlformats.org/presentationml/2006/main" xmlns:r="http://schemas.openxmlformats.org/officeDocument/2006/relationships" xmlns:p14="http://schemas.microsoft.com/office/powerpoint/2010/main" xmlns:p15="http://schemas.microsoft.com/office/powerpoint/2012/main" xmlns:mc="http://schemas.openxmlformats.org/markup-compatibility/2006">
+  <p:cSld>
+    <p:spTree>
+      <p:nvGrpSpPr>
+        <p:cNvPr id="1" name=""/>
+        <p:cNvGrpSpPr/>
+        <p:nvPr/>
+      </p:nvGrpSpPr>
+      <p:grpSpPr>
+        <a:xfrm>
+          <a:off x="0" y="0"/>
+          <a:ext cx="0" cy="0"/>
+          <a:chOff x="0" y="0"/>
+          <a:chExt cx="0" cy="0"/>
+        </a:xfrm>
+      </p:grpSpPr>
+      <p:sp>
+        <p:nvSpPr>
+          <p:cNvPr id="101" name="PlaceHolder 1"/>
+          <p:cNvSpPr>
+            <a:spLocks noGrp="1"/>
+          </p:cNvSpPr>
+          <p:nvPr>
+            <p:ph type="title"/>
+          </p:nvPr>
+        </p:nvSpPr>
+        <p:spPr>
+          <a:xfrm>
+            <a:off x="529920" y="2057400"/>
+            <a:ext cx="9071280" cy="946080"/>
+          </a:xfrm>
+          <a:prstGeom prst="rect">
+            <a:avLst/>
+          </a:prstGeom>
+          <a:noFill/>
+          <a:ln w="0">
+            <a:noFill/>
+          </a:ln>
+        </p:spPr>
+        <p:txBody>
+          <a:bodyPr lIns="0" rIns="0" tIns="0" bIns="0" anchor="ctr">
+            <a:noAutofit/>
+          </a:bodyPr>
+          <a:p>
+            <a:pPr algn="ctr">
+              <a:lnSpc>
+                <a:spcPct val="100000"/>
+              </a:lnSpc>
+              <a:buNone/>
+            </a:pPr>
+            <a:r>
+              <a:rPr b="0" lang="en-US" sz="24920" spc="-1" strike="noStrike">
+                <a:latin typeface="Arial"/>
+              </a:rPr>
+              <a:t>tSNE</a:t>
+            </a:r>
+            <a:endParaRPr b="0" lang="en-US" sz="24920" spc="-1" strike="noStrike">
+              <a:latin typeface="Arial"/>
+            </a:endParaRPr>
+          </a:p>
+        </p:txBody>
+      </p:sp>
+    </p:spTree>
+  </p:cSld>
+  <mc:AlternateContent>
+    <mc:Choice Requires="p14">
+      <p:transition spd="slow" p14:dur="2000"/>
+    </mc:Choice>
+    <mc:Fallback>
+      <p:transition spd="slow"/>
+    </mc:Fallback>
+  </mc:AlternateContent>
+</p:sld>
+</file>
+
+<file path=ppt/slides/slide8.xml><?xml version="1.0" encoding="utf-8"?>
+<p:sld xmlns:a="http://schemas.openxmlformats.org/drawingml/2006/main" xmlns:p="http://schemas.openxmlformats.org/presentationml/2006/main" xmlns:r="http://schemas.openxmlformats.org/officeDocument/2006/relationships" xmlns:p14="http://schemas.microsoft.com/office/powerpoint/2010/main" xmlns:p15="http://schemas.microsoft.com/office/powerpoint/2012/main" xmlns:mc="http://schemas.openxmlformats.org/markup-compatibility/2006">
+  <p:cSld>
+    <p:spTree>
+      <p:nvGrpSpPr>
+        <p:cNvPr id="1" name=""/>
+        <p:cNvGrpSpPr/>
+        <p:nvPr/>
+      </p:nvGrpSpPr>
+      <p:grpSpPr>
+        <a:xfrm>
+          <a:off x="0" y="0"/>
+          <a:ext cx="0" cy="0"/>
+          <a:chOff x="0" y="0"/>
+          <a:chExt cx="0" cy="0"/>
+        </a:xfrm>
+      </p:grpSpPr>
+      <p:sp>
+        <p:nvSpPr>
+          <p:cNvPr id="102" name="PlaceHolder 1"/>
+          <p:cNvSpPr>
+            <a:spLocks noGrp="1"/>
+          </p:cNvSpPr>
+          <p:nvPr>
+            <p:ph type="title"/>
+          </p:nvPr>
+        </p:nvSpPr>
+        <p:spPr>
+          <a:xfrm>
+            <a:off x="504000" y="226080"/>
+            <a:ext cx="9071280" cy="946080"/>
+          </a:xfrm>
+          <a:prstGeom prst="rect">
+            <a:avLst/>
+          </a:prstGeom>
+          <a:noFill/>
+          <a:ln w="0">
+            <a:noFill/>
+          </a:ln>
+        </p:spPr>
+        <p:txBody>
+          <a:bodyPr lIns="0" rIns="0" tIns="0" bIns="0" anchor="ctr">
+            <a:noAutofit/>
+          </a:bodyPr>
+          <a:p>
+            <a:pPr algn="ctr">
+              <a:lnSpc>
+                <a:spcPct val="100000"/>
+              </a:lnSpc>
               <a:buNone/>
             </a:pPr>
             <a:r>
@@ -3631,28 +7781,40 @@
       </p:sp>
       <p:sp>
         <p:nvSpPr>
-          <p:cNvPr id="60" name=""/>
-          <p:cNvSpPr txBox="1"/>
+          <p:cNvPr id="103" name=""/>
+          <p:cNvSpPr/>
           <p:nvPr/>
         </p:nvSpPr>
         <p:spPr>
           <a:xfrm>
             <a:off x="311400" y="5029200"/>
-            <a:ext cx="3803400" cy="457200"/>
-          </a:xfrm>
-          <a:prstGeom prst="rect">
-            <a:avLst/>
-          </a:prstGeom>
-          <a:noFill/>
-          <a:ln w="0">
-            <a:noFill/>
-          </a:ln>
-        </p:spPr>
+            <a:ext cx="3803040" cy="456840"/>
+          </a:xfrm>
+          <a:prstGeom prst="rect">
+            <a:avLst/>
+          </a:prstGeom>
+          <a:noFill/>
+          <a:ln w="0">
+            <a:noFill/>
+          </a:ln>
+        </p:spPr>
+        <p:style>
+          <a:lnRef idx="0"/>
+          <a:fillRef idx="0"/>
+          <a:effectRef idx="0"/>
+          <a:fontRef idx="minor"/>
+        </p:style>
         <p:txBody>
           <a:bodyPr lIns="90000" rIns="90000" tIns="45000" bIns="45000" anchor="t">
             <a:noAutofit/>
           </a:bodyPr>
           <a:p>
+            <a:pPr>
+              <a:lnSpc>
+                <a:spcPct val="100000"/>
+              </a:lnSpc>
+              <a:buNone/>
+            </a:pPr>
             <a:r>
               <a:rPr b="0" lang="en-US" sz="1200" spc="-1" strike="noStrike">
                 <a:latin typeface="Arial"/>
@@ -3664,6 +7826,12 @@
             </a:endParaRPr>
           </a:p>
           <a:p>
+            <a:pPr>
+              <a:lnSpc>
+                <a:spcPct val="100000"/>
+              </a:lnSpc>
+              <a:buNone/>
+            </a:pPr>
             <a:r>
               <a:rPr b="0" lang="en-US" sz="1200" spc="-1" strike="noStrike">
                 <a:latin typeface="Arial"/>
@@ -3676,6 +7844,404 @@
           </a:p>
         </p:txBody>
       </p:sp>
+      <p:pic>
+        <p:nvPicPr>
+          <p:cNvPr id="104" name="" descr=""/>
+          <p:cNvPicPr/>
+          <p:nvPr/>
+        </p:nvPicPr>
+        <p:blipFill>
+          <a:blip r:embed="rId1"/>
+          <a:stretch/>
+        </p:blipFill>
+        <p:spPr>
+          <a:xfrm>
+            <a:off x="457200" y="1371960"/>
+            <a:ext cx="2864160" cy="2971440"/>
+          </a:xfrm>
+          <a:prstGeom prst="rect">
+            <a:avLst/>
+          </a:prstGeom>
+          <a:ln w="0">
+            <a:noFill/>
+          </a:ln>
+        </p:spPr>
+      </p:pic>
+      <p:pic>
+        <p:nvPicPr>
+          <p:cNvPr id="105" name="" descr=""/>
+          <p:cNvPicPr/>
+          <p:nvPr/>
+        </p:nvPicPr>
+        <p:blipFill>
+          <a:blip r:embed="rId2"/>
+          <a:stretch/>
+        </p:blipFill>
+        <p:spPr>
+          <a:xfrm>
+            <a:off x="3409200" y="1179360"/>
+            <a:ext cx="3304800" cy="3428640"/>
+          </a:xfrm>
+          <a:prstGeom prst="rect">
+            <a:avLst/>
+          </a:prstGeom>
+          <a:ln w="0">
+            <a:noFill/>
+          </a:ln>
+        </p:spPr>
+      </p:pic>
+      <p:pic>
+        <p:nvPicPr>
+          <p:cNvPr id="106" name="" descr=""/>
+          <p:cNvPicPr/>
+          <p:nvPr/>
+        </p:nvPicPr>
+        <p:blipFill>
+          <a:blip r:embed="rId3"/>
+          <a:stretch/>
+        </p:blipFill>
+        <p:spPr>
+          <a:xfrm>
+            <a:off x="6993360" y="1600200"/>
+            <a:ext cx="2836440" cy="2942640"/>
+          </a:xfrm>
+          <a:prstGeom prst="rect">
+            <a:avLst/>
+          </a:prstGeom>
+          <a:ln w="0">
+            <a:noFill/>
+          </a:ln>
+        </p:spPr>
+      </p:pic>
+    </p:spTree>
+  </p:cSld>
+  <mc:AlternateContent>
+    <mc:Choice Requires="p14">
+      <p:transition spd="slow" p14:dur="2000"/>
+    </mc:Choice>
+    <mc:Fallback>
+      <p:transition spd="slow"/>
+    </mc:Fallback>
+  </mc:AlternateContent>
+</p:sld>
+</file>
+
+<file path=ppt/slides/slide9.xml><?xml version="1.0" encoding="utf-8"?>
+<p:sld xmlns:a="http://schemas.openxmlformats.org/drawingml/2006/main" xmlns:p="http://schemas.openxmlformats.org/presentationml/2006/main" xmlns:r="http://schemas.openxmlformats.org/officeDocument/2006/relationships" xmlns:p14="http://schemas.microsoft.com/office/powerpoint/2010/main" xmlns:p15="http://schemas.microsoft.com/office/powerpoint/2012/main" xmlns:mc="http://schemas.openxmlformats.org/markup-compatibility/2006">
+  <p:cSld>
+    <p:spTree>
+      <p:nvGrpSpPr>
+        <p:cNvPr id="1" name=""/>
+        <p:cNvGrpSpPr/>
+        <p:nvPr/>
+      </p:nvGrpSpPr>
+      <p:grpSpPr>
+        <a:xfrm>
+          <a:off x="0" y="0"/>
+          <a:ext cx="0" cy="0"/>
+          <a:chOff x="0" y="0"/>
+          <a:chExt cx="0" cy="0"/>
+        </a:xfrm>
+      </p:grpSpPr>
+      <p:sp>
+        <p:nvSpPr>
+          <p:cNvPr id="107" name="PlaceHolder 1"/>
+          <p:cNvSpPr>
+            <a:spLocks noGrp="1"/>
+          </p:cNvSpPr>
+          <p:nvPr>
+            <p:ph type="title"/>
+          </p:nvPr>
+        </p:nvSpPr>
+        <p:spPr>
+          <a:xfrm>
+            <a:off x="504000" y="226080"/>
+            <a:ext cx="9071280" cy="946080"/>
+          </a:xfrm>
+          <a:prstGeom prst="rect">
+            <a:avLst/>
+          </a:prstGeom>
+          <a:noFill/>
+          <a:ln w="0">
+            <a:noFill/>
+          </a:ln>
+        </p:spPr>
+        <p:txBody>
+          <a:bodyPr lIns="0" rIns="0" tIns="0" bIns="0" anchor="ctr">
+            <a:noAutofit/>
+          </a:bodyPr>
+          <a:p>
+            <a:pPr algn="ctr">
+              <a:lnSpc>
+                <a:spcPct val="100000"/>
+              </a:lnSpc>
+              <a:buNone/>
+            </a:pPr>
+            <a:r>
+              <a:rPr b="0" lang="en-US" sz="4400" spc="-1" strike="noStrike">
+                <a:latin typeface="Arial"/>
+              </a:rPr>
+              <a:t>DBSCAN</a:t>
+            </a:r>
+            <a:endParaRPr b="0" lang="en-US" sz="4400" spc="-1" strike="noStrike">
+              <a:latin typeface="Arial"/>
+            </a:endParaRPr>
+          </a:p>
+        </p:txBody>
+      </p:sp>
+      <p:sp>
+        <p:nvSpPr>
+          <p:cNvPr id="108" name=""/>
+          <p:cNvSpPr/>
+          <p:nvPr/>
+        </p:nvSpPr>
+        <p:spPr>
+          <a:xfrm>
+            <a:off x="311400" y="5029200"/>
+            <a:ext cx="3803040" cy="456840"/>
+          </a:xfrm>
+          <a:prstGeom prst="rect">
+            <a:avLst/>
+          </a:prstGeom>
+          <a:noFill/>
+          <a:ln w="0">
+            <a:noFill/>
+          </a:ln>
+        </p:spPr>
+        <p:style>
+          <a:lnRef idx="0"/>
+          <a:fillRef idx="0"/>
+          <a:effectRef idx="0"/>
+          <a:fontRef idx="minor"/>
+        </p:style>
+        <p:txBody>
+          <a:bodyPr lIns="90000" rIns="90000" tIns="45000" bIns="45000" anchor="t">
+            <a:noAutofit/>
+          </a:bodyPr>
+          <a:p>
+            <a:pPr>
+              <a:lnSpc>
+                <a:spcPct val="100000"/>
+              </a:lnSpc>
+              <a:buNone/>
+            </a:pPr>
+            <a:r>
+              <a:rPr b="0" lang="en-US" sz="1200" spc="-1" strike="noStrike">
+                <a:latin typeface="Arial"/>
+              </a:rPr>
+              <a:t>Fig. 1: Effect of minimum samples in a neighborhood: </a:t>
+            </a:r>
+            <a:endParaRPr b="0" lang="en-US" sz="1200" spc="-1" strike="noStrike">
+              <a:latin typeface="Arial"/>
+            </a:endParaRPr>
+          </a:p>
+          <a:p>
+            <a:pPr>
+              <a:lnSpc>
+                <a:spcPct val="100000"/>
+              </a:lnSpc>
+              <a:buNone/>
+            </a:pPr>
+            <a:r>
+              <a:rPr b="0" lang="en-US" sz="1200" spc="-1" strike="noStrike">
+                <a:latin typeface="Arial"/>
+              </a:rPr>
+              <a:t>Set eps = 0.1</a:t>
+            </a:r>
+            <a:endParaRPr b="0" lang="en-US" sz="1200" spc="-1" strike="noStrike">
+              <a:latin typeface="Arial"/>
+            </a:endParaRPr>
+          </a:p>
+        </p:txBody>
+      </p:sp>
+      <p:sp>
+        <p:nvSpPr>
+          <p:cNvPr id="109" name=""/>
+          <p:cNvSpPr/>
+          <p:nvPr/>
+        </p:nvSpPr>
+        <p:spPr>
+          <a:xfrm>
+            <a:off x="4883400" y="4884120"/>
+            <a:ext cx="4260240" cy="601920"/>
+          </a:xfrm>
+          <a:prstGeom prst="rect">
+            <a:avLst/>
+          </a:prstGeom>
+          <a:noFill/>
+          <a:ln w="0">
+            <a:noFill/>
+          </a:ln>
+        </p:spPr>
+        <p:style>
+          <a:lnRef idx="0"/>
+          <a:fillRef idx="0"/>
+          <a:effectRef idx="0"/>
+          <a:fontRef idx="minor"/>
+        </p:style>
+        <p:txBody>
+          <a:bodyPr lIns="90000" rIns="90000" tIns="45000" bIns="45000" anchor="t">
+            <a:noAutofit/>
+          </a:bodyPr>
+          <a:p>
+            <a:pPr>
+              <a:lnSpc>
+                <a:spcPct val="100000"/>
+              </a:lnSpc>
+              <a:buNone/>
+            </a:pPr>
+            <a:r>
+              <a:rPr b="0" lang="en-US" sz="1200" spc="-1" strike="noStrike">
+                <a:latin typeface="Arial"/>
+              </a:rPr>
+              <a:t>Fig. 2: Effect maximum distance between two samples for one to be considered as in the neighborhood of the other. Set min_samples = 2</a:t>
+            </a:r>
+            <a:endParaRPr b="0" lang="en-US" sz="1200" spc="-1" strike="noStrike">
+              <a:latin typeface="Arial"/>
+            </a:endParaRPr>
+          </a:p>
+        </p:txBody>
+      </p:sp>
+      <p:sp>
+        <p:nvSpPr>
+          <p:cNvPr id="110" name=""/>
+          <p:cNvSpPr/>
+          <p:nvPr/>
+        </p:nvSpPr>
+        <p:spPr>
+          <a:xfrm>
+            <a:off x="6400800" y="997920"/>
+            <a:ext cx="3803040" cy="601920"/>
+          </a:xfrm>
+          <a:prstGeom prst="rect">
+            <a:avLst/>
+          </a:prstGeom>
+          <a:noFill/>
+          <a:ln w="0">
+            <a:noFill/>
+          </a:ln>
+        </p:spPr>
+        <p:style>
+          <a:lnRef idx="0"/>
+          <a:fillRef idx="0"/>
+          <a:effectRef idx="0"/>
+          <a:fontRef idx="minor"/>
+        </p:style>
+        <p:txBody>
+          <a:bodyPr lIns="90000" rIns="90000" tIns="45000" bIns="45000" anchor="t">
+            <a:noAutofit/>
+          </a:bodyPr>
+          <a:p>
+            <a:pPr>
+              <a:lnSpc>
+                <a:spcPct val="100000"/>
+              </a:lnSpc>
+              <a:buNone/>
+            </a:pPr>
+            <a:r>
+              <a:rPr b="0" lang="en-US" sz="1200" spc="-1" strike="noStrike">
+                <a:latin typeface="Arial"/>
+              </a:rPr>
+              <a:t>Final: </a:t>
+            </a:r>
+            <a:endParaRPr b="0" lang="en-US" sz="1200" spc="-1" strike="noStrike">
+              <a:latin typeface="Arial"/>
+            </a:endParaRPr>
+          </a:p>
+          <a:p>
+            <a:pPr>
+              <a:lnSpc>
+                <a:spcPct val="100000"/>
+              </a:lnSpc>
+              <a:buNone/>
+            </a:pPr>
+            <a:r>
+              <a:rPr b="0" lang="en-US" sz="1200" spc="-1" strike="noStrike">
+                <a:latin typeface="Arial"/>
+              </a:rPr>
+              <a:t>	</a:t>
+            </a:r>
+            <a:r>
+              <a:rPr b="0" lang="en-US" sz="1200" spc="-1" strike="noStrike">
+                <a:latin typeface="Arial"/>
+              </a:rPr>
+              <a:t>1) eps: 5</a:t>
+            </a:r>
+            <a:endParaRPr b="0" lang="en-US" sz="1200" spc="-1" strike="noStrike">
+              <a:latin typeface="Arial"/>
+            </a:endParaRPr>
+          </a:p>
+          <a:p>
+            <a:pPr>
+              <a:lnSpc>
+                <a:spcPct val="100000"/>
+              </a:lnSpc>
+              <a:buNone/>
+            </a:pPr>
+            <a:r>
+              <a:rPr b="0" lang="en-US" sz="1200" spc="-1" strike="noStrike">
+                <a:latin typeface="Arial"/>
+              </a:rPr>
+              <a:t>	</a:t>
+            </a:r>
+            <a:r>
+              <a:rPr b="0" lang="en-US" sz="1200" spc="-1" strike="noStrike">
+                <a:latin typeface="Arial"/>
+              </a:rPr>
+              <a:t>2) min_samples: 2</a:t>
+            </a:r>
+            <a:endParaRPr b="0" lang="en-US" sz="1200" spc="-1" strike="noStrike">
+              <a:latin typeface="Arial"/>
+            </a:endParaRPr>
+          </a:p>
+        </p:txBody>
+      </p:sp>
+      <p:pic>
+        <p:nvPicPr>
+          <p:cNvPr id="111" name="" descr=""/>
+          <p:cNvPicPr/>
+          <p:nvPr/>
+        </p:nvPicPr>
+        <p:blipFill>
+          <a:blip r:embed="rId1"/>
+          <a:stretch/>
+        </p:blipFill>
+        <p:spPr>
+          <a:xfrm>
+            <a:off x="318600" y="1367280"/>
+            <a:ext cx="4253400" cy="3204720"/>
+          </a:xfrm>
+          <a:prstGeom prst="rect">
+            <a:avLst/>
+          </a:prstGeom>
+          <a:ln w="0">
+            <a:noFill/>
+          </a:ln>
+        </p:spPr>
+      </p:pic>
+      <p:pic>
+        <p:nvPicPr>
+          <p:cNvPr id="112" name="" descr=""/>
+          <p:cNvPicPr/>
+          <p:nvPr/>
+        </p:nvPicPr>
+        <p:blipFill>
+          <a:blip r:embed="rId2"/>
+          <a:stretch/>
+        </p:blipFill>
+        <p:spPr>
+          <a:xfrm>
+            <a:off x="4800600" y="1816200"/>
+            <a:ext cx="3657600" cy="2755800"/>
+          </a:xfrm>
+          <a:prstGeom prst="rect">
+            <a:avLst/>
+          </a:prstGeom>
+          <a:ln w="0">
+            <a:noFill/>
+          </a:ln>
+        </p:spPr>
+      </p:pic>
     </p:spTree>
   </p:cSld>
   <mc:AlternateContent>
@@ -3913,4 +8479,230 @@
     </a:fmtScheme>
   </a:themeElements>
 </a:theme>
+</file>
+
+<file path=ppt/theme/theme2.xml><?xml version="1.0" encoding="utf-8"?>
+<a:theme xmlns:a="http://schemas.openxmlformats.org/drawingml/2006/main" name="Office Theme">
+  <a:themeElements>
+    <a:clrScheme name="Office">
+      <a:dk1>
+        <a:sysClr val="windowText" lastClr="000000"/>
+      </a:dk1>
+      <a:lt1>
+        <a:sysClr val="window" lastClr="FFFFFF"/>
+      </a:lt1>
+      <a:dk2>
+        <a:srgbClr val="1f497d"/>
+      </a:dk2>
+      <a:lt2>
+        <a:srgbClr val="eeece1"/>
+      </a:lt2>
+      <a:accent1>
+        <a:srgbClr val="4f81bd"/>
+      </a:accent1>
+      <a:accent2>
+        <a:srgbClr val="c0504d"/>
+      </a:accent2>
+      <a:accent3>
+        <a:srgbClr val="9bbb59"/>
+      </a:accent3>
+      <a:accent4>
+        <a:srgbClr val="8064a2"/>
+      </a:accent4>
+      <a:accent5>
+        <a:srgbClr val="4bacc6"/>
+      </a:accent5>
+      <a:accent6>
+        <a:srgbClr val="f79646"/>
+      </a:accent6>
+      <a:hlink>
+        <a:srgbClr val="0000ff"/>
+      </a:hlink>
+      <a:folHlink>
+        <a:srgbClr val="800080"/>
+      </a:folHlink>
+    </a:clrScheme>
+    <a:fontScheme name="Office">
+      <a:majorFont>
+        <a:latin typeface="Arial"/>
+        <a:ea typeface="DejaVu Sans"/>
+        <a:cs typeface="DejaVu Sans"/>
+      </a:majorFont>
+      <a:minorFont>
+        <a:latin typeface="Arial"/>
+        <a:ea typeface="DejaVu Sans"/>
+        <a:cs typeface="DejaVu Sans"/>
+      </a:minorFont>
+    </a:fontScheme>
+    <a:fmtScheme name="Office">
+      <a:fillStyleLst>
+        <a:solidFill>
+          <a:schemeClr val="phClr"/>
+        </a:solidFill>
+        <a:gradFill rotWithShape="1">
+          <a:gsLst>
+            <a:gs pos="0">
+              <a:schemeClr val="phClr">
+                <a:tint val="50000"/>
+                <a:satMod val="300000"/>
+              </a:schemeClr>
+            </a:gs>
+            <a:gs pos="35000">
+              <a:schemeClr val="phClr">
+                <a:tint val="37000"/>
+                <a:satMod val="300000"/>
+              </a:schemeClr>
+            </a:gs>
+            <a:gs pos="100000">
+              <a:schemeClr val="phClr">
+                <a:tint val="15000"/>
+                <a:satMod val="350000"/>
+              </a:schemeClr>
+            </a:gs>
+          </a:gsLst>
+          <a:lin ang="16200000" scaled="1"/>
+        </a:gradFill>
+        <a:gradFill rotWithShape="1">
+          <a:gsLst>
+            <a:gs pos="0">
+              <a:schemeClr val="phClr">
+                <a:shade val="51000"/>
+                <a:satMod val="130000"/>
+              </a:schemeClr>
+            </a:gs>
+            <a:gs pos="80000">
+              <a:schemeClr val="phClr">
+                <a:shade val="93000"/>
+                <a:satMod val="130000"/>
+              </a:schemeClr>
+            </a:gs>
+            <a:gs pos="100000">
+              <a:schemeClr val="phClr">
+                <a:shade val="94000"/>
+                <a:satMod val="135000"/>
+              </a:schemeClr>
+            </a:gs>
+          </a:gsLst>
+          <a:lin ang="16200000" scaled="0"/>
+        </a:gradFill>
+      </a:fillStyleLst>
+      <a:lnStyleLst>
+        <a:ln w="9525" cap="flat" cmpd="sng" algn="ctr">
+          <a:solidFill>
+            <a:schemeClr val="phClr">
+              <a:shade val="95000"/>
+              <a:satMod val="105000"/>
+            </a:schemeClr>
+          </a:solidFill>
+          <a:prstDash val="solid"/>
+          <a:miter/>
+        </a:ln>
+        <a:ln w="25400" cap="flat" cmpd="sng" algn="ctr">
+          <a:solidFill>
+            <a:schemeClr val="phClr"/>
+          </a:solidFill>
+          <a:prstDash val="solid"/>
+          <a:miter/>
+        </a:ln>
+        <a:ln w="38100" cap="flat" cmpd="sng" algn="ctr">
+          <a:solidFill>
+            <a:schemeClr val="phClr"/>
+          </a:solidFill>
+          <a:prstDash val="solid"/>
+          <a:miter/>
+        </a:ln>
+      </a:lnStyleLst>
+      <a:effectStyleLst>
+        <a:effectStyle>
+          <a:effectLst>
+            <a:outerShdw blurRad="40000" dist="20000" dir="5400000" rotWithShape="0">
+              <a:srgbClr val="000000">
+                <a:alpha val="38000"/>
+              </a:srgbClr>
+            </a:outerShdw>
+          </a:effectLst>
+        </a:effectStyle>
+        <a:effectStyle>
+          <a:effectLst>
+            <a:outerShdw blurRad="40000" dist="23000" dir="5400000" rotWithShape="0">
+              <a:srgbClr val="000000">
+                <a:alpha val="35000"/>
+              </a:srgbClr>
+            </a:outerShdw>
+          </a:effectLst>
+        </a:effectStyle>
+        <a:effectStyle>
+          <a:effectLst>
+            <a:outerShdw blurRad="40000" dist="23000" dir="5400000" rotWithShape="0">
+              <a:srgbClr val="000000">
+                <a:alpha val="35000"/>
+              </a:srgbClr>
+            </a:outerShdw>
+          </a:effectLst>
+          <a:scene3d>
+            <a:camera prst="orthographicFront">
+              <a:rot lat="0" lon="0" rev="0"/>
+            </a:camera>
+            <a:lightRig rig="threePt" dir="t">
+              <a:rot lat="0" lon="0" rev="1200000"/>
+            </a:lightRig>
+          </a:scene3d>
+          <a:sp3d>
+            <a:bevelT w="63500" h="25400"/>
+          </a:sp3d>
+        </a:effectStyle>
+      </a:effectStyleLst>
+      <a:bgFillStyleLst>
+        <a:solidFill>
+          <a:schemeClr val="phClr"/>
+        </a:solidFill>
+        <a:gradFill rotWithShape="1">
+          <a:gsLst>
+            <a:gs pos="0">
+              <a:schemeClr val="phClr">
+                <a:tint val="40000"/>
+                <a:satMod val="350000"/>
+              </a:schemeClr>
+            </a:gs>
+            <a:gs pos="40000">
+              <a:schemeClr val="phClr">
+                <a:tint val="45000"/>
+                <a:shade val="99000"/>
+                <a:satMod val="350000"/>
+              </a:schemeClr>
+            </a:gs>
+            <a:gs pos="100000">
+              <a:schemeClr val="phClr">
+                <a:shade val="20000"/>
+                <a:satMod val="255000"/>
+              </a:schemeClr>
+            </a:gs>
+          </a:gsLst>
+          <a:path path="circle">
+            <a:fillToRect l="50000" t="-80000" r="50000" b="180000"/>
+          </a:path>
+        </a:gradFill>
+        <a:gradFill rotWithShape="1">
+          <a:gsLst>
+            <a:gs pos="0">
+              <a:schemeClr val="phClr">
+                <a:tint val="80000"/>
+                <a:satMod val="300000"/>
+              </a:schemeClr>
+            </a:gs>
+            <a:gs pos="100000">
+              <a:schemeClr val="phClr">
+                <a:shade val="30000"/>
+                <a:satMod val="200000"/>
+              </a:schemeClr>
+            </a:gs>
+          </a:gsLst>
+          <a:path path="circle">
+            <a:fillToRect l="50000" t="50000" r="50000" b="50000"/>
+          </a:path>
+        </a:gradFill>
+      </a:bgFillStyleLst>
+    </a:fmtScheme>
+  </a:themeElements>
+</a:theme>
 </file>
--- a/reports/results_summary.pptx
+++ b/reports/results_summary.pptx
@@ -22,6 +22,15 @@
     <p:sldId id="269" r:id="rId17"/>
     <p:sldId id="270" r:id="rId18"/>
     <p:sldId id="271" r:id="rId19"/>
+    <p:sldId id="272" r:id="rId20"/>
+    <p:sldId id="273" r:id="rId21"/>
+    <p:sldId id="274" r:id="rId22"/>
+    <p:sldId id="275" r:id="rId23"/>
+    <p:sldId id="276" r:id="rId24"/>
+    <p:sldId id="277" r:id="rId25"/>
+    <p:sldId id="278" r:id="rId26"/>
+    <p:sldId id="279" r:id="rId27"/>
+    <p:sldId id="280" r:id="rId28"/>
   </p:sldIdLst>
   <p:sldSz cx="10080625" cy="5670550"/>
   <p:notesSz cx="7772400" cy="10058400"/>
@@ -79,7 +88,7 @@
         <p:txBody>
           <a:bodyPr/>
           <a:p>
-            <a:fld id="{92743030-0DE3-46DF-A110-A702D2337DEC}" type="slidenum">
+            <a:fld id="{2BA992A7-FF6D-4B66-9042-C8ABEB1A22CE}" type="slidenum">
               <a:t>&lt;#&gt;</a:t>
             </a:fld>
           </a:p>
@@ -141,7 +150,7 @@
         <p:spPr>
           <a:xfrm>
             <a:off x="504000" y="226080"/>
-            <a:ext cx="9071280" cy="946080"/>
+            <a:ext cx="9070920" cy="945720"/>
           </a:xfrm>
           <a:prstGeom prst="rect">
             <a:avLst/>
@@ -178,7 +187,7 @@
         <p:spPr>
           <a:xfrm>
             <a:off x="504000" y="1326600"/>
-            <a:ext cx="9072000" cy="1568520"/>
+            <a:ext cx="9071640" cy="1568160"/>
           </a:xfrm>
           <a:prstGeom prst="rect">
             <a:avLst/>
@@ -211,8 +220,8 @@
         </p:nvSpPr>
         <p:spPr>
           <a:xfrm>
-            <a:off x="504000" y="3044520"/>
-            <a:ext cx="9072000" cy="1568520"/>
+            <a:off x="504000" y="3044160"/>
+            <a:ext cx="9071640" cy="1568160"/>
           </a:xfrm>
           <a:prstGeom prst="rect">
             <a:avLst/>
@@ -267,7 +276,7 @@
         <p:txBody>
           <a:bodyPr/>
           <a:p>
-            <a:fld id="{7EE9C907-DA91-4D44-87F8-EEE156D15D7A}" type="slidenum">
+            <a:fld id="{973028C9-907D-47A3-934C-3A00E7FE95F8}" type="slidenum">
               <a:t>&lt;#&gt;</a:t>
             </a:fld>
           </a:p>
@@ -329,7 +338,7 @@
         <p:spPr>
           <a:xfrm>
             <a:off x="504000" y="226080"/>
-            <a:ext cx="9071280" cy="946080"/>
+            <a:ext cx="9070920" cy="945720"/>
           </a:xfrm>
           <a:prstGeom prst="rect">
             <a:avLst/>
@@ -366,7 +375,7 @@
         <p:spPr>
           <a:xfrm>
             <a:off x="504000" y="1326600"/>
-            <a:ext cx="4426920" cy="1568520"/>
+            <a:ext cx="4426920" cy="1568160"/>
           </a:xfrm>
           <a:prstGeom prst="rect">
             <a:avLst/>
@@ -400,7 +409,7 @@
         <p:spPr>
           <a:xfrm>
             <a:off x="5152680" y="1326600"/>
-            <a:ext cx="4426920" cy="1568520"/>
+            <a:ext cx="4426920" cy="1568160"/>
           </a:xfrm>
           <a:prstGeom prst="rect">
             <a:avLst/>
@@ -433,8 +442,8 @@
         </p:nvSpPr>
         <p:spPr>
           <a:xfrm>
-            <a:off x="504000" y="3044520"/>
-            <a:ext cx="4426920" cy="1568520"/>
+            <a:off x="504000" y="3044160"/>
+            <a:ext cx="4426920" cy="1568160"/>
           </a:xfrm>
           <a:prstGeom prst="rect">
             <a:avLst/>
@@ -467,8 +476,8 @@
         </p:nvSpPr>
         <p:spPr>
           <a:xfrm>
-            <a:off x="5152680" y="3044520"/>
-            <a:ext cx="4426920" cy="1568520"/>
+            <a:off x="5152680" y="3044160"/>
+            <a:ext cx="4426920" cy="1568160"/>
           </a:xfrm>
           <a:prstGeom prst="rect">
             <a:avLst/>
@@ -523,7 +532,7 @@
         <p:txBody>
           <a:bodyPr/>
           <a:p>
-            <a:fld id="{4DF18DA3-5AD0-4B89-9B6B-99FAE66E8882}" type="slidenum">
+            <a:fld id="{19639018-15E0-41F9-A6F6-8577BF654508}" type="slidenum">
               <a:t>&lt;#&gt;</a:t>
             </a:fld>
           </a:p>
@@ -585,7 +594,7 @@
         <p:spPr>
           <a:xfrm>
             <a:off x="504000" y="226080"/>
-            <a:ext cx="9071280" cy="946080"/>
+            <a:ext cx="9070920" cy="945720"/>
           </a:xfrm>
           <a:prstGeom prst="rect">
             <a:avLst/>
@@ -622,7 +631,7 @@
         <p:spPr>
           <a:xfrm>
             <a:off x="504000" y="1326600"/>
-            <a:ext cx="2921040" cy="1568520"/>
+            <a:ext cx="2920680" cy="1568160"/>
           </a:xfrm>
           <a:prstGeom prst="rect">
             <a:avLst/>
@@ -655,8 +664,8 @@
         </p:nvSpPr>
         <p:spPr>
           <a:xfrm>
-            <a:off x="3571560" y="1326600"/>
-            <a:ext cx="2921040" cy="1568520"/>
+            <a:off x="3571200" y="1326600"/>
+            <a:ext cx="2920680" cy="1568160"/>
           </a:xfrm>
           <a:prstGeom prst="rect">
             <a:avLst/>
@@ -689,8 +698,8 @@
         </p:nvSpPr>
         <p:spPr>
           <a:xfrm>
-            <a:off x="6639120" y="1326600"/>
-            <a:ext cx="2921040" cy="1568520"/>
+            <a:off x="6638040" y="1326600"/>
+            <a:ext cx="2920680" cy="1568160"/>
           </a:xfrm>
           <a:prstGeom prst="rect">
             <a:avLst/>
@@ -723,8 +732,8 @@
         </p:nvSpPr>
         <p:spPr>
           <a:xfrm>
-            <a:off x="504000" y="3044520"/>
-            <a:ext cx="2921040" cy="1568520"/>
+            <a:off x="504000" y="3044160"/>
+            <a:ext cx="2920680" cy="1568160"/>
           </a:xfrm>
           <a:prstGeom prst="rect">
             <a:avLst/>
@@ -757,8 +766,8 @@
         </p:nvSpPr>
         <p:spPr>
           <a:xfrm>
-            <a:off x="3571560" y="3044520"/>
-            <a:ext cx="2921040" cy="1568520"/>
+            <a:off x="3571200" y="3044160"/>
+            <a:ext cx="2920680" cy="1568160"/>
           </a:xfrm>
           <a:prstGeom prst="rect">
             <a:avLst/>
@@ -791,8 +800,8 @@
         </p:nvSpPr>
         <p:spPr>
           <a:xfrm>
-            <a:off x="6639120" y="3044520"/>
-            <a:ext cx="2921040" cy="1568520"/>
+            <a:off x="6638040" y="3044160"/>
+            <a:ext cx="2920680" cy="1568160"/>
           </a:xfrm>
           <a:prstGeom prst="rect">
             <a:avLst/>
@@ -847,7 +856,7 @@
         <p:txBody>
           <a:bodyPr/>
           <a:p>
-            <a:fld id="{C7B94F27-C800-4214-A45B-922BF602D10A}" type="slidenum">
+            <a:fld id="{3EC898BB-FB23-41EF-A2FD-1639E126EE39}" type="slidenum">
               <a:t>&lt;#&gt;</a:t>
             </a:fld>
           </a:p>
@@ -930,7 +939,7 @@
         <p:txBody>
           <a:bodyPr/>
           <a:p>
-            <a:fld id="{4EC2195E-F321-4B1E-BFE0-F9EC5AB621C5}" type="slidenum">
+            <a:fld id="{2C7ECF96-A2E2-4251-8D2F-8E508A3CAE7E}" type="slidenum">
               <a:t>&lt;#&gt;</a:t>
             </a:fld>
           </a:p>
@@ -992,7 +1001,7 @@
         <p:spPr>
           <a:xfrm>
             <a:off x="504000" y="226080"/>
-            <a:ext cx="9071280" cy="946080"/>
+            <a:ext cx="9070920" cy="945720"/>
           </a:xfrm>
           <a:prstGeom prst="rect">
             <a:avLst/>
@@ -1029,7 +1038,7 @@
         <p:spPr>
           <a:xfrm>
             <a:off x="504000" y="1326600"/>
-            <a:ext cx="9072000" cy="3288600"/>
+            <a:ext cx="9071640" cy="3288240"/>
           </a:xfrm>
           <a:prstGeom prst="rect">
             <a:avLst/>
@@ -1087,7 +1096,7 @@
         <p:txBody>
           <a:bodyPr/>
           <a:p>
-            <a:fld id="{68AF9380-BCE2-47D7-A6EF-CA5D631E1ABE}" type="slidenum">
+            <a:fld id="{B84B72DB-47F0-4E94-83B2-FBD68B32F4F3}" type="slidenum">
               <a:t>&lt;#&gt;</a:t>
             </a:fld>
           </a:p>
@@ -1149,7 +1158,7 @@
         <p:spPr>
           <a:xfrm>
             <a:off x="504000" y="226080"/>
-            <a:ext cx="9071280" cy="946080"/>
+            <a:ext cx="9070920" cy="945720"/>
           </a:xfrm>
           <a:prstGeom prst="rect">
             <a:avLst/>
@@ -1186,7 +1195,7 @@
         <p:spPr>
           <a:xfrm>
             <a:off x="504000" y="1326600"/>
-            <a:ext cx="9072000" cy="3288600"/>
+            <a:ext cx="9071640" cy="3288240"/>
           </a:xfrm>
           <a:prstGeom prst="rect">
             <a:avLst/>
@@ -1241,7 +1250,7 @@
         <p:txBody>
           <a:bodyPr/>
           <a:p>
-            <a:fld id="{B19E3F7B-7A92-45F6-9992-7DDF5468D5B2}" type="slidenum">
+            <a:fld id="{43F5ACD8-8D19-48F3-A853-DB9D9E8F26FA}" type="slidenum">
               <a:t>&lt;#&gt;</a:t>
             </a:fld>
           </a:p>
@@ -1303,7 +1312,7 @@
         <p:spPr>
           <a:xfrm>
             <a:off x="504000" y="226080"/>
-            <a:ext cx="9071280" cy="946080"/>
+            <a:ext cx="9070920" cy="945720"/>
           </a:xfrm>
           <a:prstGeom prst="rect">
             <a:avLst/>
@@ -1340,7 +1349,7 @@
         <p:spPr>
           <a:xfrm>
             <a:off x="504000" y="1326600"/>
-            <a:ext cx="4426920" cy="3288600"/>
+            <a:ext cx="4426920" cy="3288240"/>
           </a:xfrm>
           <a:prstGeom prst="rect">
             <a:avLst/>
@@ -1374,7 +1383,7 @@
         <p:spPr>
           <a:xfrm>
             <a:off x="5152680" y="1326600"/>
-            <a:ext cx="4426920" cy="3288600"/>
+            <a:ext cx="4426920" cy="3288240"/>
           </a:xfrm>
           <a:prstGeom prst="rect">
             <a:avLst/>
@@ -1429,7 +1438,7 @@
         <p:txBody>
           <a:bodyPr/>
           <a:p>
-            <a:fld id="{C73B3465-953D-4E0A-8741-C30D1298373E}" type="slidenum">
+            <a:fld id="{BE6A39F0-4411-46E6-902B-9B7058A4DBE5}" type="slidenum">
               <a:t>&lt;#&gt;</a:t>
             </a:fld>
           </a:p>
@@ -1491,7 +1500,7 @@
         <p:spPr>
           <a:xfrm>
             <a:off x="504000" y="226080"/>
-            <a:ext cx="9071280" cy="946080"/>
+            <a:ext cx="9070920" cy="945720"/>
           </a:xfrm>
           <a:prstGeom prst="rect">
             <a:avLst/>
@@ -1549,7 +1558,7 @@
         <p:txBody>
           <a:bodyPr/>
           <a:p>
-            <a:fld id="{2D4E1B99-D13A-43AD-85C8-54F1B6E1A038}" type="slidenum">
+            <a:fld id="{53001C6B-2A52-4C60-B881-512C3E6F21F1}" type="slidenum">
               <a:t>&lt;#&gt;</a:t>
             </a:fld>
           </a:p>
@@ -1611,7 +1620,7 @@
         <p:spPr>
           <a:xfrm>
             <a:off x="504000" y="226080"/>
-            <a:ext cx="9071280" cy="4386600"/>
+            <a:ext cx="9070920" cy="4385160"/>
           </a:xfrm>
           <a:prstGeom prst="rect">
             <a:avLst/>
@@ -1669,7 +1678,7 @@
         <p:txBody>
           <a:bodyPr/>
           <a:p>
-            <a:fld id="{FE8A90FD-8CB2-4DD2-8ACE-16DCE81F430D}" type="slidenum">
+            <a:fld id="{20BEDBE4-9393-4CFD-8DD3-69BC3CDA15B4}" type="slidenum">
               <a:t>&lt;#&gt;</a:t>
             </a:fld>
           </a:p>
@@ -1731,7 +1740,7 @@
         <p:spPr>
           <a:xfrm>
             <a:off x="504000" y="226080"/>
-            <a:ext cx="9071280" cy="946080"/>
+            <a:ext cx="9070920" cy="945720"/>
           </a:xfrm>
           <a:prstGeom prst="rect">
             <a:avLst/>
@@ -1768,7 +1777,7 @@
         <p:spPr>
           <a:xfrm>
             <a:off x="504000" y="1326600"/>
-            <a:ext cx="4426920" cy="1568520"/>
+            <a:ext cx="4426920" cy="1568160"/>
           </a:xfrm>
           <a:prstGeom prst="rect">
             <a:avLst/>
@@ -1802,7 +1811,7 @@
         <p:spPr>
           <a:xfrm>
             <a:off x="5152680" y="1326600"/>
-            <a:ext cx="4426920" cy="3288600"/>
+            <a:ext cx="4426920" cy="3288240"/>
           </a:xfrm>
           <a:prstGeom prst="rect">
             <a:avLst/>
@@ -1835,8 +1844,8 @@
         </p:nvSpPr>
         <p:spPr>
           <a:xfrm>
-            <a:off x="504000" y="3044520"/>
-            <a:ext cx="4426920" cy="1568520"/>
+            <a:off x="504000" y="3044160"/>
+            <a:ext cx="4426920" cy="1568160"/>
           </a:xfrm>
           <a:prstGeom prst="rect">
             <a:avLst/>
@@ -1891,7 +1900,7 @@
         <p:txBody>
           <a:bodyPr/>
           <a:p>
-            <a:fld id="{E2673C83-3891-4F1C-9778-AB426F349498}" type="slidenum">
+            <a:fld id="{659546A9-04B1-4A50-B170-602CD1EF3700}" type="slidenum">
               <a:t>&lt;#&gt;</a:t>
             </a:fld>
           </a:p>
@@ -1953,7 +1962,7 @@
         <p:spPr>
           <a:xfrm>
             <a:off x="504000" y="226080"/>
-            <a:ext cx="9071280" cy="946080"/>
+            <a:ext cx="9070920" cy="945720"/>
           </a:xfrm>
           <a:prstGeom prst="rect">
             <a:avLst/>
@@ -1990,7 +1999,7 @@
         <p:spPr>
           <a:xfrm>
             <a:off x="504000" y="1326600"/>
-            <a:ext cx="9072000" cy="3288600"/>
+            <a:ext cx="9071640" cy="3288240"/>
           </a:xfrm>
           <a:prstGeom prst="rect">
             <a:avLst/>
@@ -2048,7 +2057,7 @@
         <p:txBody>
           <a:bodyPr/>
           <a:p>
-            <a:fld id="{AE931BCE-BF0D-4459-8454-C1C7449990D7}" type="slidenum">
+            <a:fld id="{97845735-B3BE-43DD-8974-FDB05B944792}" type="slidenum">
               <a:t>&lt;#&gt;</a:t>
             </a:fld>
           </a:p>
@@ -2110,7 +2119,7 @@
         <p:spPr>
           <a:xfrm>
             <a:off x="504000" y="226080"/>
-            <a:ext cx="9071280" cy="946080"/>
+            <a:ext cx="9070920" cy="945720"/>
           </a:xfrm>
           <a:prstGeom prst="rect">
             <a:avLst/>
@@ -2147,7 +2156,7 @@
         <p:spPr>
           <a:xfrm>
             <a:off x="504000" y="1326600"/>
-            <a:ext cx="4426920" cy="3288600"/>
+            <a:ext cx="4426920" cy="3288240"/>
           </a:xfrm>
           <a:prstGeom prst="rect">
             <a:avLst/>
@@ -2181,7 +2190,7 @@
         <p:spPr>
           <a:xfrm>
             <a:off x="5152680" y="1326600"/>
-            <a:ext cx="4426920" cy="1568520"/>
+            <a:ext cx="4426920" cy="1568160"/>
           </a:xfrm>
           <a:prstGeom prst="rect">
             <a:avLst/>
@@ -2214,8 +2223,8 @@
         </p:nvSpPr>
         <p:spPr>
           <a:xfrm>
-            <a:off x="5152680" y="3044520"/>
-            <a:ext cx="4426920" cy="1568520"/>
+            <a:off x="5152680" y="3044160"/>
+            <a:ext cx="4426920" cy="1568160"/>
           </a:xfrm>
           <a:prstGeom prst="rect">
             <a:avLst/>
@@ -2270,7 +2279,7 @@
         <p:txBody>
           <a:bodyPr/>
           <a:p>
-            <a:fld id="{2EFEFCF9-EC29-402F-B195-FCAF5C904E46}" type="slidenum">
+            <a:fld id="{344F9847-16EE-4E39-829C-A29752EBB7F7}" type="slidenum">
               <a:t>&lt;#&gt;</a:t>
             </a:fld>
           </a:p>
@@ -2332,7 +2341,7 @@
         <p:spPr>
           <a:xfrm>
             <a:off x="504000" y="226080"/>
-            <a:ext cx="9071280" cy="946080"/>
+            <a:ext cx="9070920" cy="945720"/>
           </a:xfrm>
           <a:prstGeom prst="rect">
             <a:avLst/>
@@ -2369,7 +2378,7 @@
         <p:spPr>
           <a:xfrm>
             <a:off x="504000" y="1326600"/>
-            <a:ext cx="4426920" cy="1568520"/>
+            <a:ext cx="4426920" cy="1568160"/>
           </a:xfrm>
           <a:prstGeom prst="rect">
             <a:avLst/>
@@ -2403,7 +2412,7 @@
         <p:spPr>
           <a:xfrm>
             <a:off x="5152680" y="1326600"/>
-            <a:ext cx="4426920" cy="1568520"/>
+            <a:ext cx="4426920" cy="1568160"/>
           </a:xfrm>
           <a:prstGeom prst="rect">
             <a:avLst/>
@@ -2436,8 +2445,8 @@
         </p:nvSpPr>
         <p:spPr>
           <a:xfrm>
-            <a:off x="504000" y="3044520"/>
-            <a:ext cx="9072000" cy="1568520"/>
+            <a:off x="504000" y="3044160"/>
+            <a:ext cx="9071640" cy="1568160"/>
           </a:xfrm>
           <a:prstGeom prst="rect">
             <a:avLst/>
@@ -2492,7 +2501,7 @@
         <p:txBody>
           <a:bodyPr/>
           <a:p>
-            <a:fld id="{94931BC4-09AB-46A0-8CB0-985570AF1155}" type="slidenum">
+            <a:fld id="{6EFB0B90-D61F-4709-A92E-DEC518AFE75D}" type="slidenum">
               <a:t>&lt;#&gt;</a:t>
             </a:fld>
           </a:p>
@@ -2554,7 +2563,7 @@
         <p:spPr>
           <a:xfrm>
             <a:off x="504000" y="226080"/>
-            <a:ext cx="9071280" cy="946080"/>
+            <a:ext cx="9070920" cy="945720"/>
           </a:xfrm>
           <a:prstGeom prst="rect">
             <a:avLst/>
@@ -2591,7 +2600,7 @@
         <p:spPr>
           <a:xfrm>
             <a:off x="504000" y="1326600"/>
-            <a:ext cx="9072000" cy="1568520"/>
+            <a:ext cx="9071640" cy="1568160"/>
           </a:xfrm>
           <a:prstGeom prst="rect">
             <a:avLst/>
@@ -2624,8 +2633,8 @@
         </p:nvSpPr>
         <p:spPr>
           <a:xfrm>
-            <a:off x="504000" y="3044520"/>
-            <a:ext cx="9072000" cy="1568520"/>
+            <a:off x="504000" y="3044160"/>
+            <a:ext cx="9071640" cy="1568160"/>
           </a:xfrm>
           <a:prstGeom prst="rect">
             <a:avLst/>
@@ -2680,7 +2689,7 @@
         <p:txBody>
           <a:bodyPr/>
           <a:p>
-            <a:fld id="{5ACA44A1-21DB-4212-AD9A-E06F1859AEEE}" type="slidenum">
+            <a:fld id="{75A06BFD-F459-4A86-9C5A-818EAFC81F90}" type="slidenum">
               <a:t>&lt;#&gt;</a:t>
             </a:fld>
           </a:p>
@@ -2742,7 +2751,7 @@
         <p:spPr>
           <a:xfrm>
             <a:off x="504000" y="226080"/>
-            <a:ext cx="9071280" cy="946080"/>
+            <a:ext cx="9070920" cy="945720"/>
           </a:xfrm>
           <a:prstGeom prst="rect">
             <a:avLst/>
@@ -2779,7 +2788,7 @@
         <p:spPr>
           <a:xfrm>
             <a:off x="504000" y="1326600"/>
-            <a:ext cx="4426920" cy="1568520"/>
+            <a:ext cx="4426920" cy="1568160"/>
           </a:xfrm>
           <a:prstGeom prst="rect">
             <a:avLst/>
@@ -2813,7 +2822,7 @@
         <p:spPr>
           <a:xfrm>
             <a:off x="5152680" y="1326600"/>
-            <a:ext cx="4426920" cy="1568520"/>
+            <a:ext cx="4426920" cy="1568160"/>
           </a:xfrm>
           <a:prstGeom prst="rect">
             <a:avLst/>
@@ -2846,8 +2855,8 @@
         </p:nvSpPr>
         <p:spPr>
           <a:xfrm>
-            <a:off x="504000" y="3044520"/>
-            <a:ext cx="4426920" cy="1568520"/>
+            <a:off x="504000" y="3044160"/>
+            <a:ext cx="4426920" cy="1568160"/>
           </a:xfrm>
           <a:prstGeom prst="rect">
             <a:avLst/>
@@ -2880,8 +2889,8 @@
         </p:nvSpPr>
         <p:spPr>
           <a:xfrm>
-            <a:off x="5152680" y="3044520"/>
-            <a:ext cx="4426920" cy="1568520"/>
+            <a:off x="5152680" y="3044160"/>
+            <a:ext cx="4426920" cy="1568160"/>
           </a:xfrm>
           <a:prstGeom prst="rect">
             <a:avLst/>
@@ -2936,7 +2945,7 @@
         <p:txBody>
           <a:bodyPr/>
           <a:p>
-            <a:fld id="{CF0FE8DD-0330-4E89-96D7-9C6D39915949}" type="slidenum">
+            <a:fld id="{05E8A76D-725D-4D8E-9FE8-29FCD94B013E}" type="slidenum">
               <a:t>&lt;#&gt;</a:t>
             </a:fld>
           </a:p>
@@ -2998,7 +3007,7 @@
         <p:spPr>
           <a:xfrm>
             <a:off x="504000" y="226080"/>
-            <a:ext cx="9071280" cy="946080"/>
+            <a:ext cx="9070920" cy="945720"/>
           </a:xfrm>
           <a:prstGeom prst="rect">
             <a:avLst/>
@@ -3035,7 +3044,7 @@
         <p:spPr>
           <a:xfrm>
             <a:off x="504000" y="1326600"/>
-            <a:ext cx="2921040" cy="1568520"/>
+            <a:ext cx="2920680" cy="1568160"/>
           </a:xfrm>
           <a:prstGeom prst="rect">
             <a:avLst/>
@@ -3068,8 +3077,8 @@
         </p:nvSpPr>
         <p:spPr>
           <a:xfrm>
-            <a:off x="3571560" y="1326600"/>
-            <a:ext cx="2921040" cy="1568520"/>
+            <a:off x="3571200" y="1326600"/>
+            <a:ext cx="2920680" cy="1568160"/>
           </a:xfrm>
           <a:prstGeom prst="rect">
             <a:avLst/>
@@ -3102,8 +3111,8 @@
         </p:nvSpPr>
         <p:spPr>
           <a:xfrm>
-            <a:off x="6639120" y="1326600"/>
-            <a:ext cx="2921040" cy="1568520"/>
+            <a:off x="6638040" y="1326600"/>
+            <a:ext cx="2920680" cy="1568160"/>
           </a:xfrm>
           <a:prstGeom prst="rect">
             <a:avLst/>
@@ -3136,8 +3145,8 @@
         </p:nvSpPr>
         <p:spPr>
           <a:xfrm>
-            <a:off x="504000" y="3044520"/>
-            <a:ext cx="2921040" cy="1568520"/>
+            <a:off x="504000" y="3044160"/>
+            <a:ext cx="2920680" cy="1568160"/>
           </a:xfrm>
           <a:prstGeom prst="rect">
             <a:avLst/>
@@ -3170,8 +3179,8 @@
         </p:nvSpPr>
         <p:spPr>
           <a:xfrm>
-            <a:off x="3571560" y="3044520"/>
-            <a:ext cx="2921040" cy="1568520"/>
+            <a:off x="3571200" y="3044160"/>
+            <a:ext cx="2920680" cy="1568160"/>
           </a:xfrm>
           <a:prstGeom prst="rect">
             <a:avLst/>
@@ -3204,8 +3213,8 @@
         </p:nvSpPr>
         <p:spPr>
           <a:xfrm>
-            <a:off x="6639120" y="3044520"/>
-            <a:ext cx="2921040" cy="1568520"/>
+            <a:off x="6638040" y="3044160"/>
+            <a:ext cx="2920680" cy="1568160"/>
           </a:xfrm>
           <a:prstGeom prst="rect">
             <a:avLst/>
@@ -3260,7 +3269,7 @@
         <p:txBody>
           <a:bodyPr/>
           <a:p>
-            <a:fld id="{9389353D-04C3-4C17-8388-6AB1C6EC955C}" type="slidenum">
+            <a:fld id="{23C5FC81-991B-42D4-ABE6-9DA6B0408C60}" type="slidenum">
               <a:t>&lt;#&gt;</a:t>
             </a:fld>
           </a:p>
@@ -3322,7 +3331,7 @@
         <p:spPr>
           <a:xfrm>
             <a:off x="504000" y="226080"/>
-            <a:ext cx="9071280" cy="946080"/>
+            <a:ext cx="9070920" cy="945720"/>
           </a:xfrm>
           <a:prstGeom prst="rect">
             <a:avLst/>
@@ -3359,7 +3368,7 @@
         <p:spPr>
           <a:xfrm>
             <a:off x="504000" y="1326600"/>
-            <a:ext cx="9072000" cy="3288600"/>
+            <a:ext cx="9071640" cy="3288240"/>
           </a:xfrm>
           <a:prstGeom prst="rect">
             <a:avLst/>
@@ -3414,7 +3423,7 @@
         <p:txBody>
           <a:bodyPr/>
           <a:p>
-            <a:fld id="{CAE554E8-26C6-4B1A-8854-1530B55F6747}" type="slidenum">
+            <a:fld id="{F8E276FB-EF5C-4E89-B618-3C59070AA405}" type="slidenum">
               <a:t>&lt;#&gt;</a:t>
             </a:fld>
           </a:p>
@@ -3476,7 +3485,7 @@
         <p:spPr>
           <a:xfrm>
             <a:off x="504000" y="226080"/>
-            <a:ext cx="9071280" cy="946080"/>
+            <a:ext cx="9070920" cy="945720"/>
           </a:xfrm>
           <a:prstGeom prst="rect">
             <a:avLst/>
@@ -3513,7 +3522,7 @@
         <p:spPr>
           <a:xfrm>
             <a:off x="504000" y="1326600"/>
-            <a:ext cx="4426920" cy="3288600"/>
+            <a:ext cx="4426920" cy="3288240"/>
           </a:xfrm>
           <a:prstGeom prst="rect">
             <a:avLst/>
@@ -3547,7 +3556,7 @@
         <p:spPr>
           <a:xfrm>
             <a:off x="5152680" y="1326600"/>
-            <a:ext cx="4426920" cy="3288600"/>
+            <a:ext cx="4426920" cy="3288240"/>
           </a:xfrm>
           <a:prstGeom prst="rect">
             <a:avLst/>
@@ -3602,7 +3611,7 @@
         <p:txBody>
           <a:bodyPr/>
           <a:p>
-            <a:fld id="{4258683A-BCC4-4510-9913-C9F3BDD170A3}" type="slidenum">
+            <a:fld id="{EE223E41-9134-49D5-A633-27B91FFDABA2}" type="slidenum">
               <a:t>&lt;#&gt;</a:t>
             </a:fld>
           </a:p>
@@ -3664,7 +3673,7 @@
         <p:spPr>
           <a:xfrm>
             <a:off x="504000" y="226080"/>
-            <a:ext cx="9071280" cy="946080"/>
+            <a:ext cx="9070920" cy="945720"/>
           </a:xfrm>
           <a:prstGeom prst="rect">
             <a:avLst/>
@@ -3722,7 +3731,7 @@
         <p:txBody>
           <a:bodyPr/>
           <a:p>
-            <a:fld id="{1942C283-BE78-4FB5-803A-707E66620BF0}" type="slidenum">
+            <a:fld id="{A392EC34-49A5-451B-BE93-E834B1632C3A}" type="slidenum">
               <a:t>&lt;#&gt;</a:t>
             </a:fld>
           </a:p>
@@ -3784,7 +3793,7 @@
         <p:spPr>
           <a:xfrm>
             <a:off x="504000" y="226080"/>
-            <a:ext cx="9071280" cy="4386600"/>
+            <a:ext cx="9070920" cy="4385160"/>
           </a:xfrm>
           <a:prstGeom prst="rect">
             <a:avLst/>
@@ -3842,7 +3851,7 @@
         <p:txBody>
           <a:bodyPr/>
           <a:p>
-            <a:fld id="{BD74A63F-7EF3-4DC1-95EC-900B22E7FA8B}" type="slidenum">
+            <a:fld id="{1238E088-8864-4835-8632-56E6FB89BD9C}" type="slidenum">
               <a:t>&lt;#&gt;</a:t>
             </a:fld>
           </a:p>
@@ -3904,7 +3913,7 @@
         <p:spPr>
           <a:xfrm>
             <a:off x="504000" y="226080"/>
-            <a:ext cx="9071280" cy="946080"/>
+            <a:ext cx="9070920" cy="945720"/>
           </a:xfrm>
           <a:prstGeom prst="rect">
             <a:avLst/>
@@ -3941,7 +3950,7 @@
         <p:spPr>
           <a:xfrm>
             <a:off x="504000" y="1326600"/>
-            <a:ext cx="4426920" cy="1568520"/>
+            <a:ext cx="4426920" cy="1568160"/>
           </a:xfrm>
           <a:prstGeom prst="rect">
             <a:avLst/>
@@ -3975,7 +3984,7 @@
         <p:spPr>
           <a:xfrm>
             <a:off x="5152680" y="1326600"/>
-            <a:ext cx="4426920" cy="3288600"/>
+            <a:ext cx="4426920" cy="3288240"/>
           </a:xfrm>
           <a:prstGeom prst="rect">
             <a:avLst/>
@@ -4008,8 +4017,8 @@
         </p:nvSpPr>
         <p:spPr>
           <a:xfrm>
-            <a:off x="504000" y="3044520"/>
-            <a:ext cx="4426920" cy="1568520"/>
+            <a:off x="504000" y="3044160"/>
+            <a:ext cx="4426920" cy="1568160"/>
           </a:xfrm>
           <a:prstGeom prst="rect">
             <a:avLst/>
@@ -4064,7 +4073,7 @@
         <p:txBody>
           <a:bodyPr/>
           <a:p>
-            <a:fld id="{FC6B0EA0-2901-4DB4-B252-00C19E0EFBE6}" type="slidenum">
+            <a:fld id="{06237838-DE75-47BD-AC47-22C450824400}" type="slidenum">
               <a:t>&lt;#&gt;</a:t>
             </a:fld>
           </a:p>
@@ -4126,7 +4135,7 @@
         <p:spPr>
           <a:xfrm>
             <a:off x="504000" y="226080"/>
-            <a:ext cx="9071280" cy="946080"/>
+            <a:ext cx="9070920" cy="945720"/>
           </a:xfrm>
           <a:prstGeom prst="rect">
             <a:avLst/>
@@ -4163,7 +4172,7 @@
         <p:spPr>
           <a:xfrm>
             <a:off x="504000" y="1326600"/>
-            <a:ext cx="4426920" cy="3288600"/>
+            <a:ext cx="4426920" cy="3288240"/>
           </a:xfrm>
           <a:prstGeom prst="rect">
             <a:avLst/>
@@ -4197,7 +4206,7 @@
         <p:spPr>
           <a:xfrm>
             <a:off x="5152680" y="1326600"/>
-            <a:ext cx="4426920" cy="1568520"/>
+            <a:ext cx="4426920" cy="1568160"/>
           </a:xfrm>
           <a:prstGeom prst="rect">
             <a:avLst/>
@@ -4230,8 +4239,8 @@
         </p:nvSpPr>
         <p:spPr>
           <a:xfrm>
-            <a:off x="5152680" y="3044520"/>
-            <a:ext cx="4426920" cy="1568520"/>
+            <a:off x="5152680" y="3044160"/>
+            <a:ext cx="4426920" cy="1568160"/>
           </a:xfrm>
           <a:prstGeom prst="rect">
             <a:avLst/>
@@ -4286,7 +4295,7 @@
         <p:txBody>
           <a:bodyPr/>
           <a:p>
-            <a:fld id="{E296D0C2-F437-498C-AA9B-32627F6F8A96}" type="slidenum">
+            <a:fld id="{EECA2AA8-CDF6-4A94-ACB7-0BD5867E6035}" type="slidenum">
               <a:t>&lt;#&gt;</a:t>
             </a:fld>
           </a:p>
@@ -4348,7 +4357,7 @@
         <p:spPr>
           <a:xfrm>
             <a:off x="504000" y="226080"/>
-            <a:ext cx="9071280" cy="946080"/>
+            <a:ext cx="9070920" cy="945720"/>
           </a:xfrm>
           <a:prstGeom prst="rect">
             <a:avLst/>
@@ -4385,7 +4394,7 @@
         <p:spPr>
           <a:xfrm>
             <a:off x="504000" y="1326600"/>
-            <a:ext cx="4426920" cy="1568520"/>
+            <a:ext cx="4426920" cy="1568160"/>
           </a:xfrm>
           <a:prstGeom prst="rect">
             <a:avLst/>
@@ -4419,7 +4428,7 @@
         <p:spPr>
           <a:xfrm>
             <a:off x="5152680" y="1326600"/>
-            <a:ext cx="4426920" cy="1568520"/>
+            <a:ext cx="4426920" cy="1568160"/>
           </a:xfrm>
           <a:prstGeom prst="rect">
             <a:avLst/>
@@ -4452,8 +4461,8 @@
         </p:nvSpPr>
         <p:spPr>
           <a:xfrm>
-            <a:off x="504000" y="3044520"/>
-            <a:ext cx="9072000" cy="1568520"/>
+            <a:off x="504000" y="3044160"/>
+            <a:ext cx="9071640" cy="1568160"/>
           </a:xfrm>
           <a:prstGeom prst="rect">
             <a:avLst/>
@@ -4508,7 +4517,7 @@
         <p:txBody>
           <a:bodyPr/>
           <a:p>
-            <a:fld id="{CD1F364B-6A1C-4546-8504-92B5197EB758}" type="slidenum">
+            <a:fld id="{67A3008D-A3D8-467B-A4AD-A375B70B768E}" type="slidenum">
               <a:t>&lt;#&gt;</a:t>
             </a:fld>
           </a:p>
@@ -4564,13 +4573,174 @@
             <a:spLocks noGrp="1"/>
           </p:cNvSpPr>
           <p:nvPr>
+            <p:ph type="ftr" idx="1"/>
+          </p:nvPr>
+        </p:nvSpPr>
+        <p:spPr>
+          <a:xfrm>
+            <a:off x="3447360" y="5165280"/>
+            <a:ext cx="3194280" cy="389880"/>
+          </a:xfrm>
+          <a:prstGeom prst="rect">
+            <a:avLst/>
+          </a:prstGeom>
+          <a:noFill/>
+          <a:ln w="0">
+            <a:noFill/>
+          </a:ln>
+        </p:spPr>
+        <p:txBody>
+          <a:bodyPr lIns="0" rIns="0" tIns="0" bIns="0" anchor="t">
+            <a:noAutofit/>
+          </a:bodyPr>
+          <a:lstStyle>
+            <a:lvl1pPr algn="ctr">
+              <a:lnSpc>
+                <a:spcPct val="100000"/>
+              </a:lnSpc>
+              <a:buNone/>
+              <a:defRPr b="0" lang="en-US" sz="1400" spc="-1" strike="noStrike">
+                <a:latin typeface="Times New Roman"/>
+              </a:defRPr>
+            </a:lvl1pPr>
+          </a:lstStyle>
+          <a:p>
+            <a:pPr algn="ctr">
+              <a:lnSpc>
+                <a:spcPct val="100000"/>
+              </a:lnSpc>
+              <a:buNone/>
+            </a:pPr>
+            <a:r>
+              <a:rPr b="0" lang="en-US" sz="1400" spc="-1" strike="noStrike">
+                <a:latin typeface="Times New Roman"/>
+              </a:rPr>
+              <a:t> </a:t>
+            </a:r>
+            <a:endParaRPr b="0" lang="en-US" sz="1400" spc="-1" strike="noStrike">
+              <a:latin typeface="Times New Roman"/>
+            </a:endParaRPr>
+          </a:p>
+        </p:txBody>
+      </p:sp>
+      <p:sp>
+        <p:nvSpPr>
+          <p:cNvPr id="1" name="PlaceHolder 2"/>
+          <p:cNvSpPr>
+            <a:spLocks noGrp="1"/>
+          </p:cNvSpPr>
+          <p:nvPr>
+            <p:ph type="sldNum" idx="2"/>
+          </p:nvPr>
+        </p:nvSpPr>
+        <p:spPr>
+          <a:xfrm>
+            <a:off x="7227360" y="5165280"/>
+            <a:ext cx="2347560" cy="389880"/>
+          </a:xfrm>
+          <a:prstGeom prst="rect">
+            <a:avLst/>
+          </a:prstGeom>
+          <a:noFill/>
+          <a:ln w="0">
+            <a:noFill/>
+          </a:ln>
+        </p:spPr>
+        <p:txBody>
+          <a:bodyPr lIns="0" rIns="0" tIns="0" bIns="0" anchor="t">
+            <a:noAutofit/>
+          </a:bodyPr>
+          <a:lstStyle>
+            <a:lvl1pPr algn="r">
+              <a:lnSpc>
+                <a:spcPct val="100000"/>
+              </a:lnSpc>
+              <a:buNone/>
+              <a:defRPr b="0" lang="en-US" sz="1400" spc="-1" strike="noStrike">
+                <a:latin typeface="Times New Roman"/>
+              </a:defRPr>
+            </a:lvl1pPr>
+          </a:lstStyle>
+          <a:p>
+            <a:pPr algn="r">
+              <a:lnSpc>
+                <a:spcPct val="100000"/>
+              </a:lnSpc>
+              <a:buNone/>
+            </a:pPr>
+            <a:fld id="{6D3C64EE-3E3E-4BB5-BDB4-D1F73F8945B2}" type="slidenum">
+              <a:rPr b="0" lang="en-US" sz="1400" spc="-1" strike="noStrike">
+                <a:latin typeface="Times New Roman"/>
+              </a:rPr>
+              <a:t>14</a:t>
+            </a:fld>
+            <a:endParaRPr b="0" lang="en-US" sz="1400" spc="-1" strike="noStrike">
+              <a:latin typeface="Times New Roman"/>
+            </a:endParaRPr>
+          </a:p>
+        </p:txBody>
+      </p:sp>
+      <p:sp>
+        <p:nvSpPr>
+          <p:cNvPr id="2" name="PlaceHolder 3"/>
+          <p:cNvSpPr>
+            <a:spLocks noGrp="1"/>
+          </p:cNvSpPr>
+          <p:nvPr>
+            <p:ph type="dt" idx="3"/>
+          </p:nvPr>
+        </p:nvSpPr>
+        <p:spPr>
+          <a:xfrm>
+            <a:off x="504000" y="5165280"/>
+            <a:ext cx="2347560" cy="389880"/>
+          </a:xfrm>
+          <a:prstGeom prst="rect">
+            <a:avLst/>
+          </a:prstGeom>
+          <a:noFill/>
+          <a:ln w="0">
+            <a:noFill/>
+          </a:ln>
+        </p:spPr>
+        <p:txBody>
+          <a:bodyPr lIns="0" rIns="0" tIns="0" bIns="0" anchor="t">
+            <a:noAutofit/>
+          </a:bodyPr>
+          <a:lstStyle>
+            <a:lvl1pPr>
+              <a:defRPr b="0" lang="en-US" sz="1400" spc="-1" strike="noStrike">
+                <a:latin typeface="Times New Roman"/>
+              </a:defRPr>
+            </a:lvl1pPr>
+          </a:lstStyle>
+          <a:p>
+            <a:r>
+              <a:rPr b="0" lang="en-US" sz="1400" spc="-1" strike="noStrike">
+                <a:latin typeface="Times New Roman"/>
+              </a:rPr>
+              <a:t> </a:t>
+            </a:r>
+            <a:endParaRPr b="0" lang="en-US" sz="1400" spc="-1" strike="noStrike">
+              <a:latin typeface="Times New Roman"/>
+            </a:endParaRPr>
+          </a:p>
+        </p:txBody>
+      </p:sp>
+      <p:sp>
+        <p:nvSpPr>
+          <p:cNvPr id="3" name="PlaceHolder 4"/>
+          <p:cNvSpPr>
+            <a:spLocks noGrp="1"/>
+          </p:cNvSpPr>
+          <p:nvPr>
             <p:ph type="title"/>
           </p:nvPr>
         </p:nvSpPr>
         <p:spPr>
           <a:xfrm>
             <a:off x="504000" y="226080"/>
-            <a:ext cx="9071280" cy="946080"/>
+            <a:ext cx="9072000" cy="946440"/>
           </a:xfrm>
           <a:prstGeom prst="rect">
             <a:avLst/>
@@ -4585,21 +4755,24 @@
             <a:noAutofit/>
           </a:bodyPr>
           <a:p>
-            <a:r>
-              <a:rPr b="0" lang="en-US" sz="1800" spc="-1" strike="noStrike">
+            <a:pPr algn="ctr">
+              <a:buNone/>
+            </a:pPr>
+            <a:r>
+              <a:rPr b="0" lang="en-US" sz="4400" spc="-1" strike="noStrike">
                 <a:latin typeface="Arial"/>
               </a:rPr>
               <a:t>Click to edit the title text format</a:t>
             </a:r>
-            <a:endParaRPr b="0" lang="en-US" sz="1800" spc="-1" strike="noStrike">
-              <a:latin typeface="Arial"/>
-            </a:endParaRPr>
-          </a:p>
-        </p:txBody>
-      </p:sp>
-      <p:sp>
-        <p:nvSpPr>
-          <p:cNvPr id="1" name="PlaceHolder 2"/>
+            <a:endParaRPr b="0" lang="en-US" sz="4400" spc="-1" strike="noStrike">
+              <a:latin typeface="Arial"/>
+            </a:endParaRPr>
+          </a:p>
+        </p:txBody>
+      </p:sp>
+      <p:sp>
+        <p:nvSpPr>
+          <p:cNvPr id="4" name="PlaceHolder 5"/>
           <p:cNvSpPr>
             <a:spLocks noGrp="1"/>
           </p:cNvSpPr>
@@ -4610,7 +4783,7 @@
         <p:spPr>
           <a:xfrm>
             <a:off x="504000" y="1326600"/>
-            <a:ext cx="9071280" cy="3287880"/>
+            <a:ext cx="9072000" cy="3288600"/>
           </a:xfrm>
           <a:prstGeom prst="rect">
             <a:avLst/>
@@ -4637,12 +4810,12 @@
               <a:buChar char=""/>
             </a:pPr>
             <a:r>
-              <a:rPr b="0" lang="en-US" sz="1800" spc="-1" strike="noStrike">
+              <a:rPr b="0" lang="en-US" sz="3200" spc="-1" strike="noStrike">
                 <a:latin typeface="Arial"/>
               </a:rPr>
               <a:t>Click to edit the outline text format</a:t>
             </a:r>
-            <a:endParaRPr b="0" lang="en-US" sz="1800" spc="-1" strike="noStrike">
+            <a:endParaRPr b="0" lang="en-US" sz="3200" spc="-1" strike="noStrike">
               <a:latin typeface="Arial"/>
             </a:endParaRPr>
           </a:p>
@@ -4659,12 +4832,12 @@
               <a:buChar char=""/>
             </a:pPr>
             <a:r>
-              <a:rPr b="0" lang="en-US" sz="1800" spc="-1" strike="noStrike">
+              <a:rPr b="0" lang="en-US" sz="2800" spc="-1" strike="noStrike">
                 <a:latin typeface="Arial"/>
               </a:rPr>
               <a:t>Second Outline Level</a:t>
             </a:r>
-            <a:endParaRPr b="0" lang="en-US" sz="1800" spc="-1" strike="noStrike">
+            <a:endParaRPr b="0" lang="en-US" sz="2800" spc="-1" strike="noStrike">
               <a:latin typeface="Arial"/>
             </a:endParaRPr>
           </a:p>
@@ -4681,12 +4854,12 @@
               <a:buChar char=""/>
             </a:pPr>
             <a:r>
-              <a:rPr b="0" lang="en-US" sz="1800" spc="-1" strike="noStrike">
+              <a:rPr b="0" lang="en-US" sz="2400" spc="-1" strike="noStrike">
                 <a:latin typeface="Arial"/>
               </a:rPr>
               <a:t>Third Outline Level</a:t>
             </a:r>
-            <a:endParaRPr b="0" lang="en-US" sz="1800" spc="-1" strike="noStrike">
+            <a:endParaRPr b="0" lang="en-US" sz="2400" spc="-1" strike="noStrike">
               <a:latin typeface="Arial"/>
             </a:endParaRPr>
           </a:p>
@@ -4703,12 +4876,12 @@
               <a:buChar char=""/>
             </a:pPr>
             <a:r>
-              <a:rPr b="0" lang="en-US" sz="1800" spc="-1" strike="noStrike">
+              <a:rPr b="0" lang="en-US" sz="2000" spc="-1" strike="noStrike">
                 <a:latin typeface="Arial"/>
               </a:rPr>
               <a:t>Fourth Outline Level</a:t>
             </a:r>
-            <a:endParaRPr b="0" lang="en-US" sz="1800" spc="-1" strike="noStrike">
+            <a:endParaRPr b="0" lang="en-US" sz="2000" spc="-1" strike="noStrike">
               <a:latin typeface="Arial"/>
             </a:endParaRPr>
           </a:p>
@@ -4725,12 +4898,12 @@
               <a:buChar char=""/>
             </a:pPr>
             <a:r>
-              <a:rPr b="0" lang="en-US" sz="1800" spc="-1" strike="noStrike">
+              <a:rPr b="0" lang="en-US" sz="2000" spc="-1" strike="noStrike">
                 <a:latin typeface="Arial"/>
               </a:rPr>
               <a:t>Fifth Outline Level</a:t>
             </a:r>
-            <a:endParaRPr b="0" lang="en-US" sz="1800" spc="-1" strike="noStrike">
+            <a:endParaRPr b="0" lang="en-US" sz="2000" spc="-1" strike="noStrike">
               <a:latin typeface="Arial"/>
             </a:endParaRPr>
           </a:p>
@@ -4747,12 +4920,12 @@
               <a:buChar char=""/>
             </a:pPr>
             <a:r>
-              <a:rPr b="0" lang="en-US" sz="1800" spc="-1" strike="noStrike">
+              <a:rPr b="0" lang="en-US" sz="2000" spc="-1" strike="noStrike">
                 <a:latin typeface="Arial"/>
               </a:rPr>
               <a:t>Sixth Outline Level</a:t>
             </a:r>
-            <a:endParaRPr b="0" lang="en-US" sz="1800" spc="-1" strike="noStrike">
+            <a:endParaRPr b="0" lang="en-US" sz="2000" spc="-1" strike="noStrike">
               <a:latin typeface="Arial"/>
             </a:endParaRPr>
           </a:p>
@@ -4769,174 +4942,13 @@
               <a:buChar char=""/>
             </a:pPr>
             <a:r>
-              <a:rPr b="0" lang="en-US" sz="1800" spc="-1" strike="noStrike">
+              <a:rPr b="0" lang="en-US" sz="2000" spc="-1" strike="noStrike">
                 <a:latin typeface="Arial"/>
               </a:rPr>
               <a:t>Seventh Outline Level</a:t>
             </a:r>
-            <a:endParaRPr b="0" lang="en-US" sz="1800" spc="-1" strike="noStrike">
-              <a:latin typeface="Arial"/>
-            </a:endParaRPr>
-          </a:p>
-        </p:txBody>
-      </p:sp>
-      <p:sp>
-        <p:nvSpPr>
-          <p:cNvPr id="2" name="PlaceHolder 3"/>
-          <p:cNvSpPr>
-            <a:spLocks noGrp="1"/>
-          </p:cNvSpPr>
-          <p:nvPr>
-            <p:ph type="ftr" idx="1"/>
-          </p:nvPr>
-        </p:nvSpPr>
-        <p:spPr>
-          <a:xfrm>
-            <a:off x="3447360" y="5165280"/>
-            <a:ext cx="3194640" cy="390240"/>
-          </a:xfrm>
-          <a:prstGeom prst="rect">
-            <a:avLst/>
-          </a:prstGeom>
-          <a:noFill/>
-          <a:ln w="0">
-            <a:noFill/>
-          </a:ln>
-        </p:spPr>
-        <p:txBody>
-          <a:bodyPr lIns="0" rIns="0" tIns="0" bIns="0" anchor="t">
-            <a:noAutofit/>
-          </a:bodyPr>
-          <a:lstStyle>
-            <a:lvl1pPr algn="ctr">
-              <a:lnSpc>
-                <a:spcPct val="100000"/>
-              </a:lnSpc>
-              <a:buNone/>
-              <a:defRPr b="0" lang="en-US" sz="1400" spc="-1" strike="noStrike">
-                <a:latin typeface="Times New Roman"/>
-              </a:defRPr>
-            </a:lvl1pPr>
-          </a:lstStyle>
-          <a:p>
-            <a:pPr algn="ctr">
-              <a:lnSpc>
-                <a:spcPct val="100000"/>
-              </a:lnSpc>
-              <a:buNone/>
-            </a:pPr>
-            <a:r>
-              <a:rPr b="0" lang="en-US" sz="1400" spc="-1" strike="noStrike">
-                <a:latin typeface="Times New Roman"/>
-              </a:rPr>
-              <a:t>&lt;footer&gt;</a:t>
-            </a:r>
-            <a:endParaRPr b="0" lang="en-US" sz="1400" spc="-1" strike="noStrike">
-              <a:latin typeface="Times New Roman"/>
-            </a:endParaRPr>
-          </a:p>
-        </p:txBody>
-      </p:sp>
-      <p:sp>
-        <p:nvSpPr>
-          <p:cNvPr id="3" name="PlaceHolder 4"/>
-          <p:cNvSpPr>
-            <a:spLocks noGrp="1"/>
-          </p:cNvSpPr>
-          <p:nvPr>
-            <p:ph type="sldNum" idx="2"/>
-          </p:nvPr>
-        </p:nvSpPr>
-        <p:spPr>
-          <a:xfrm>
-            <a:off x="7227360" y="5165280"/>
-            <a:ext cx="2347920" cy="390240"/>
-          </a:xfrm>
-          <a:prstGeom prst="rect">
-            <a:avLst/>
-          </a:prstGeom>
-          <a:noFill/>
-          <a:ln w="0">
-            <a:noFill/>
-          </a:ln>
-        </p:spPr>
-        <p:txBody>
-          <a:bodyPr lIns="0" rIns="0" tIns="0" bIns="0" anchor="t">
-            <a:noAutofit/>
-          </a:bodyPr>
-          <a:lstStyle>
-            <a:lvl1pPr algn="r">
-              <a:lnSpc>
-                <a:spcPct val="100000"/>
-              </a:lnSpc>
-              <a:buNone/>
-              <a:defRPr b="0" lang="en-US" sz="1400" spc="-1" strike="noStrike">
-                <a:latin typeface="Times New Roman"/>
-              </a:defRPr>
-            </a:lvl1pPr>
-          </a:lstStyle>
-          <a:p>
-            <a:pPr algn="r">
-              <a:lnSpc>
-                <a:spcPct val="100000"/>
-              </a:lnSpc>
-              <a:buNone/>
-            </a:pPr>
-            <a:fld id="{C84AF903-69C5-4271-80B4-0DD0B17634E2}" type="slidenum">
-              <a:rPr b="0" lang="en-US" sz="1400" spc="-1" strike="noStrike">
-                <a:latin typeface="Times New Roman"/>
-              </a:rPr>
-              <a:t>&lt;number&gt;</a:t>
-            </a:fld>
-            <a:endParaRPr b="0" lang="en-US" sz="1400" spc="-1" strike="noStrike">
-              <a:latin typeface="Times New Roman"/>
-            </a:endParaRPr>
-          </a:p>
-        </p:txBody>
-      </p:sp>
-      <p:sp>
-        <p:nvSpPr>
-          <p:cNvPr id="4" name="PlaceHolder 5"/>
-          <p:cNvSpPr>
-            <a:spLocks noGrp="1"/>
-          </p:cNvSpPr>
-          <p:nvPr>
-            <p:ph type="dt" idx="3"/>
-          </p:nvPr>
-        </p:nvSpPr>
-        <p:spPr>
-          <a:xfrm>
-            <a:off x="504000" y="5165280"/>
-            <a:ext cx="2347920" cy="390240"/>
-          </a:xfrm>
-          <a:prstGeom prst="rect">
-            <a:avLst/>
-          </a:prstGeom>
-          <a:noFill/>
-          <a:ln w="0">
-            <a:noFill/>
-          </a:ln>
-        </p:spPr>
-        <p:txBody>
-          <a:bodyPr lIns="0" rIns="0" tIns="0" bIns="0" anchor="t">
-            <a:noAutofit/>
-          </a:bodyPr>
-          <a:lstStyle>
-            <a:lvl1pPr>
-              <a:defRPr b="0" lang="en-US" sz="1400" spc="-1" strike="noStrike">
-                <a:latin typeface="Times New Roman"/>
-              </a:defRPr>
-            </a:lvl1pPr>
-          </a:lstStyle>
-          <a:p>
-            <a:r>
-              <a:rPr b="0" lang="en-US" sz="1400" spc="-1" strike="noStrike">
-                <a:latin typeface="Times New Roman"/>
-              </a:rPr>
-              <a:t>&lt;date/time&gt;</a:t>
-            </a:r>
-            <a:endParaRPr b="0" lang="en-US" sz="1400" spc="-1" strike="noStrike">
-              <a:latin typeface="Times New Roman"/>
+            <a:endParaRPr b="0" lang="en-US" sz="2000" spc="-1" strike="noStrike">
+              <a:latin typeface="Arial"/>
             </a:endParaRPr>
           </a:p>
         </p:txBody>
@@ -4991,7 +5003,7 @@
         <p:spPr>
           <a:xfrm>
             <a:off x="504000" y="226080"/>
-            <a:ext cx="9071280" cy="946080"/>
+            <a:ext cx="9070920" cy="945720"/>
           </a:xfrm>
           <a:prstGeom prst="rect">
             <a:avLst/>
@@ -5025,174 +5037,13 @@
             <a:spLocks noGrp="1"/>
           </p:cNvSpPr>
           <p:nvPr>
-            <p:ph type="ftr" idx="4"/>
-          </p:nvPr>
-        </p:nvSpPr>
-        <p:spPr>
-          <a:xfrm>
-            <a:off x="3447360" y="5165280"/>
-            <a:ext cx="3194640" cy="390240"/>
-          </a:xfrm>
-          <a:prstGeom prst="rect">
-            <a:avLst/>
-          </a:prstGeom>
-          <a:noFill/>
-          <a:ln w="0">
-            <a:noFill/>
-          </a:ln>
-        </p:spPr>
-        <p:txBody>
-          <a:bodyPr lIns="0" rIns="0" tIns="0" bIns="0" anchor="t">
-            <a:noAutofit/>
-          </a:bodyPr>
-          <a:lstStyle>
-            <a:lvl1pPr algn="ctr">
-              <a:lnSpc>
-                <a:spcPct val="100000"/>
-              </a:lnSpc>
-              <a:buNone/>
-              <a:defRPr b="0" lang="en-US" sz="1400" spc="-1" strike="noStrike">
-                <a:latin typeface="Times New Roman"/>
-              </a:defRPr>
-            </a:lvl1pPr>
-          </a:lstStyle>
-          <a:p>
-            <a:pPr algn="ctr">
-              <a:lnSpc>
-                <a:spcPct val="100000"/>
-              </a:lnSpc>
-              <a:buNone/>
-            </a:pPr>
-            <a:r>
-              <a:rPr b="0" lang="en-US" sz="1400" spc="-1" strike="noStrike">
-                <a:latin typeface="Times New Roman"/>
-              </a:rPr>
-              <a:t>&lt;footer&gt;</a:t>
-            </a:r>
-            <a:endParaRPr b="0" lang="en-US" sz="1400" spc="-1" strike="noStrike">
-              <a:latin typeface="Times New Roman"/>
-            </a:endParaRPr>
-          </a:p>
-        </p:txBody>
-      </p:sp>
-      <p:sp>
-        <p:nvSpPr>
-          <p:cNvPr id="43" name="PlaceHolder 3"/>
-          <p:cNvSpPr>
-            <a:spLocks noGrp="1"/>
-          </p:cNvSpPr>
-          <p:nvPr>
-            <p:ph type="sldNum" idx="5"/>
-          </p:nvPr>
-        </p:nvSpPr>
-        <p:spPr>
-          <a:xfrm>
-            <a:off x="7227360" y="5165280"/>
-            <a:ext cx="2347920" cy="390240"/>
-          </a:xfrm>
-          <a:prstGeom prst="rect">
-            <a:avLst/>
-          </a:prstGeom>
-          <a:noFill/>
-          <a:ln w="0">
-            <a:noFill/>
-          </a:ln>
-        </p:spPr>
-        <p:txBody>
-          <a:bodyPr lIns="0" rIns="0" tIns="0" bIns="0" anchor="t">
-            <a:noAutofit/>
-          </a:bodyPr>
-          <a:lstStyle>
-            <a:lvl1pPr algn="r">
-              <a:lnSpc>
-                <a:spcPct val="100000"/>
-              </a:lnSpc>
-              <a:buNone/>
-              <a:defRPr b="0" lang="en-US" sz="1400" spc="-1" strike="noStrike">
-                <a:latin typeface="Times New Roman"/>
-              </a:defRPr>
-            </a:lvl1pPr>
-          </a:lstStyle>
-          <a:p>
-            <a:pPr algn="r">
-              <a:lnSpc>
-                <a:spcPct val="100000"/>
-              </a:lnSpc>
-              <a:buNone/>
-            </a:pPr>
-            <a:fld id="{5C448A2E-C395-409E-AFDF-60A64004C772}" type="slidenum">
-              <a:rPr b="0" lang="en-US" sz="1400" spc="-1" strike="noStrike">
-                <a:latin typeface="Times New Roman"/>
-              </a:rPr>
-              <a:t>&lt;number&gt;</a:t>
-            </a:fld>
-            <a:endParaRPr b="0" lang="en-US" sz="1400" spc="-1" strike="noStrike">
-              <a:latin typeface="Times New Roman"/>
-            </a:endParaRPr>
-          </a:p>
-        </p:txBody>
-      </p:sp>
-      <p:sp>
-        <p:nvSpPr>
-          <p:cNvPr id="44" name="PlaceHolder 4"/>
-          <p:cNvSpPr>
-            <a:spLocks noGrp="1"/>
-          </p:cNvSpPr>
-          <p:nvPr>
-            <p:ph type="dt" idx="6"/>
-          </p:nvPr>
-        </p:nvSpPr>
-        <p:spPr>
-          <a:xfrm>
-            <a:off x="504000" y="5165280"/>
-            <a:ext cx="2347920" cy="390240"/>
-          </a:xfrm>
-          <a:prstGeom prst="rect">
-            <a:avLst/>
-          </a:prstGeom>
-          <a:noFill/>
-          <a:ln w="0">
-            <a:noFill/>
-          </a:ln>
-        </p:spPr>
-        <p:txBody>
-          <a:bodyPr lIns="0" rIns="0" tIns="0" bIns="0" anchor="t">
-            <a:noAutofit/>
-          </a:bodyPr>
-          <a:lstStyle>
-            <a:lvl1pPr>
-              <a:defRPr b="0" lang="en-US" sz="1400" spc="-1" strike="noStrike">
-                <a:latin typeface="Times New Roman"/>
-              </a:defRPr>
-            </a:lvl1pPr>
-          </a:lstStyle>
-          <a:p>
-            <a:r>
-              <a:rPr b="0" lang="en-US" sz="1400" spc="-1" strike="noStrike">
-                <a:latin typeface="Times New Roman"/>
-              </a:rPr>
-              <a:t>&lt;date/time&gt;</a:t>
-            </a:r>
-            <a:endParaRPr b="0" lang="en-US" sz="1400" spc="-1" strike="noStrike">
-              <a:latin typeface="Times New Roman"/>
-            </a:endParaRPr>
-          </a:p>
-        </p:txBody>
-      </p:sp>
-      <p:sp>
-        <p:nvSpPr>
-          <p:cNvPr id="45" name="PlaceHolder 5"/>
-          <p:cNvSpPr>
-            <a:spLocks noGrp="1"/>
-          </p:cNvSpPr>
-          <p:nvPr>
             <p:ph type="body"/>
           </p:nvPr>
         </p:nvSpPr>
         <p:spPr>
           <a:xfrm>
             <a:off x="504000" y="1326600"/>
-            <a:ext cx="9072000" cy="3288600"/>
+            <a:ext cx="9071640" cy="3288240"/>
           </a:xfrm>
           <a:prstGeom prst="rect">
             <a:avLst/>
@@ -5219,12 +5070,12 @@
               <a:buChar char=""/>
             </a:pPr>
             <a:r>
-              <a:rPr b="0" lang="en-US" sz="3200" spc="-1" strike="noStrike">
+              <a:rPr b="0" lang="en-US" sz="1800" spc="-1" strike="noStrike">
                 <a:latin typeface="Arial"/>
               </a:rPr>
               <a:t>Click to edit the outline text format</a:t>
             </a:r>
-            <a:endParaRPr b="0" lang="en-US" sz="3200" spc="-1" strike="noStrike">
+            <a:endParaRPr b="0" lang="en-US" sz="1800" spc="-1" strike="noStrike">
               <a:latin typeface="Arial"/>
             </a:endParaRPr>
           </a:p>
@@ -5241,12 +5092,12 @@
               <a:buChar char=""/>
             </a:pPr>
             <a:r>
-              <a:rPr b="0" lang="en-US" sz="2800" spc="-1" strike="noStrike">
+              <a:rPr b="0" lang="en-US" sz="1800" spc="-1" strike="noStrike">
                 <a:latin typeface="Arial"/>
               </a:rPr>
               <a:t>Second Outline Level</a:t>
             </a:r>
-            <a:endParaRPr b="0" lang="en-US" sz="2800" spc="-1" strike="noStrike">
+            <a:endParaRPr b="0" lang="en-US" sz="1800" spc="-1" strike="noStrike">
               <a:latin typeface="Arial"/>
             </a:endParaRPr>
           </a:p>
@@ -5263,12 +5114,12 @@
               <a:buChar char=""/>
             </a:pPr>
             <a:r>
-              <a:rPr b="0" lang="en-US" sz="2400" spc="-1" strike="noStrike">
+              <a:rPr b="0" lang="en-US" sz="1800" spc="-1" strike="noStrike">
                 <a:latin typeface="Arial"/>
               </a:rPr>
               <a:t>Third Outline Level</a:t>
             </a:r>
-            <a:endParaRPr b="0" lang="en-US" sz="2400" spc="-1" strike="noStrike">
+            <a:endParaRPr b="0" lang="en-US" sz="1800" spc="-1" strike="noStrike">
               <a:latin typeface="Arial"/>
             </a:endParaRPr>
           </a:p>
@@ -5285,12 +5136,12 @@
               <a:buChar char=""/>
             </a:pPr>
             <a:r>
-              <a:rPr b="0" lang="en-US" sz="2000" spc="-1" strike="noStrike">
+              <a:rPr b="0" lang="en-US" sz="1800" spc="-1" strike="noStrike">
                 <a:latin typeface="Arial"/>
               </a:rPr>
               <a:t>Fourth Outline Level</a:t>
             </a:r>
-            <a:endParaRPr b="0" lang="en-US" sz="2000" spc="-1" strike="noStrike">
+            <a:endParaRPr b="0" lang="en-US" sz="1800" spc="-1" strike="noStrike">
               <a:latin typeface="Arial"/>
             </a:endParaRPr>
           </a:p>
@@ -5307,12 +5158,12 @@
               <a:buChar char=""/>
             </a:pPr>
             <a:r>
-              <a:rPr b="0" lang="en-US" sz="2000" spc="-1" strike="noStrike">
+              <a:rPr b="0" lang="en-US" sz="1800" spc="-1" strike="noStrike">
                 <a:latin typeface="Arial"/>
               </a:rPr>
               <a:t>Fifth Outline Level</a:t>
             </a:r>
-            <a:endParaRPr b="0" lang="en-US" sz="2000" spc="-1" strike="noStrike">
+            <a:endParaRPr b="0" lang="en-US" sz="1800" spc="-1" strike="noStrike">
               <a:latin typeface="Arial"/>
             </a:endParaRPr>
           </a:p>
@@ -5329,12 +5180,12 @@
               <a:buChar char=""/>
             </a:pPr>
             <a:r>
-              <a:rPr b="0" lang="en-US" sz="2000" spc="-1" strike="noStrike">
+              <a:rPr b="0" lang="en-US" sz="1800" spc="-1" strike="noStrike">
                 <a:latin typeface="Arial"/>
               </a:rPr>
               <a:t>Sixth Outline Level</a:t>
             </a:r>
-            <a:endParaRPr b="0" lang="en-US" sz="2000" spc="-1" strike="noStrike">
+            <a:endParaRPr b="0" lang="en-US" sz="1800" spc="-1" strike="noStrike">
               <a:latin typeface="Arial"/>
             </a:endParaRPr>
           </a:p>
@@ -5351,13 +5202,174 @@
               <a:buChar char=""/>
             </a:pPr>
             <a:r>
-              <a:rPr b="0" lang="en-US" sz="2000" spc="-1" strike="noStrike">
+              <a:rPr b="0" lang="en-US" sz="1800" spc="-1" strike="noStrike">
                 <a:latin typeface="Arial"/>
               </a:rPr>
               <a:t>Seventh Outline Level</a:t>
             </a:r>
-            <a:endParaRPr b="0" lang="en-US" sz="2000" spc="-1" strike="noStrike">
-              <a:latin typeface="Arial"/>
+            <a:endParaRPr b="0" lang="en-US" sz="1800" spc="-1" strike="noStrike">
+              <a:latin typeface="Arial"/>
+            </a:endParaRPr>
+          </a:p>
+        </p:txBody>
+      </p:sp>
+      <p:sp>
+        <p:nvSpPr>
+          <p:cNvPr id="43" name="PlaceHolder 3"/>
+          <p:cNvSpPr>
+            <a:spLocks noGrp="1"/>
+          </p:cNvSpPr>
+          <p:nvPr>
+            <p:ph type="ftr" idx="4"/>
+          </p:nvPr>
+        </p:nvSpPr>
+        <p:spPr>
+          <a:xfrm>
+            <a:off x="3447360" y="5165280"/>
+            <a:ext cx="3194280" cy="389880"/>
+          </a:xfrm>
+          <a:prstGeom prst="rect">
+            <a:avLst/>
+          </a:prstGeom>
+          <a:noFill/>
+          <a:ln w="0">
+            <a:noFill/>
+          </a:ln>
+        </p:spPr>
+        <p:txBody>
+          <a:bodyPr lIns="0" rIns="0" tIns="0" bIns="0" anchor="t">
+            <a:noAutofit/>
+          </a:bodyPr>
+          <a:lstStyle>
+            <a:lvl1pPr algn="ctr">
+              <a:lnSpc>
+                <a:spcPct val="100000"/>
+              </a:lnSpc>
+              <a:buNone/>
+              <a:defRPr b="0" lang="en-US" sz="1400" spc="-1" strike="noStrike">
+                <a:latin typeface="Times New Roman"/>
+              </a:defRPr>
+            </a:lvl1pPr>
+          </a:lstStyle>
+          <a:p>
+            <a:pPr algn="ctr">
+              <a:lnSpc>
+                <a:spcPct val="100000"/>
+              </a:lnSpc>
+              <a:buNone/>
+            </a:pPr>
+            <a:r>
+              <a:rPr b="0" lang="en-US" sz="1400" spc="-1" strike="noStrike">
+                <a:latin typeface="Times New Roman"/>
+              </a:rPr>
+              <a:t>&lt;footer&gt;</a:t>
+            </a:r>
+            <a:endParaRPr b="0" lang="en-US" sz="1400" spc="-1" strike="noStrike">
+              <a:latin typeface="Times New Roman"/>
+            </a:endParaRPr>
+          </a:p>
+        </p:txBody>
+      </p:sp>
+      <p:sp>
+        <p:nvSpPr>
+          <p:cNvPr id="44" name="PlaceHolder 4"/>
+          <p:cNvSpPr>
+            <a:spLocks noGrp="1"/>
+          </p:cNvSpPr>
+          <p:nvPr>
+            <p:ph type="sldNum" idx="5"/>
+          </p:nvPr>
+        </p:nvSpPr>
+        <p:spPr>
+          <a:xfrm>
+            <a:off x="7227360" y="5165280"/>
+            <a:ext cx="2347560" cy="389880"/>
+          </a:xfrm>
+          <a:prstGeom prst="rect">
+            <a:avLst/>
+          </a:prstGeom>
+          <a:noFill/>
+          <a:ln w="0">
+            <a:noFill/>
+          </a:ln>
+        </p:spPr>
+        <p:txBody>
+          <a:bodyPr lIns="0" rIns="0" tIns="0" bIns="0" anchor="t">
+            <a:noAutofit/>
+          </a:bodyPr>
+          <a:lstStyle>
+            <a:lvl1pPr algn="r">
+              <a:lnSpc>
+                <a:spcPct val="100000"/>
+              </a:lnSpc>
+              <a:buNone/>
+              <a:defRPr b="0" lang="en-US" sz="1400" spc="-1" strike="noStrike">
+                <a:latin typeface="Times New Roman"/>
+              </a:defRPr>
+            </a:lvl1pPr>
+          </a:lstStyle>
+          <a:p>
+            <a:pPr algn="r">
+              <a:lnSpc>
+                <a:spcPct val="100000"/>
+              </a:lnSpc>
+              <a:buNone/>
+            </a:pPr>
+            <a:fld id="{188EF79C-9749-4AB0-98A7-C94D988D413B}" type="slidenum">
+              <a:rPr b="0" lang="en-US" sz="1400" spc="-1" strike="noStrike">
+                <a:latin typeface="Times New Roman"/>
+              </a:rPr>
+              <a:t>&lt;number&gt;</a:t>
+            </a:fld>
+            <a:endParaRPr b="0" lang="en-US" sz="1400" spc="-1" strike="noStrike">
+              <a:latin typeface="Times New Roman"/>
+            </a:endParaRPr>
+          </a:p>
+        </p:txBody>
+      </p:sp>
+      <p:sp>
+        <p:nvSpPr>
+          <p:cNvPr id="45" name="PlaceHolder 5"/>
+          <p:cNvSpPr>
+            <a:spLocks noGrp="1"/>
+          </p:cNvSpPr>
+          <p:nvPr>
+            <p:ph type="dt" idx="6"/>
+          </p:nvPr>
+        </p:nvSpPr>
+        <p:spPr>
+          <a:xfrm>
+            <a:off x="504000" y="5165280"/>
+            <a:ext cx="2347560" cy="389880"/>
+          </a:xfrm>
+          <a:prstGeom prst="rect">
+            <a:avLst/>
+          </a:prstGeom>
+          <a:noFill/>
+          <a:ln w="0">
+            <a:noFill/>
+          </a:ln>
+        </p:spPr>
+        <p:txBody>
+          <a:bodyPr lIns="0" rIns="0" tIns="0" bIns="0" anchor="t">
+            <a:noAutofit/>
+          </a:bodyPr>
+          <a:lstStyle>
+            <a:lvl1pPr>
+              <a:defRPr b="0" lang="en-US" sz="1400" spc="-1" strike="noStrike">
+                <a:latin typeface="Times New Roman"/>
+              </a:defRPr>
+            </a:lvl1pPr>
+          </a:lstStyle>
+          <a:p>
+            <a:r>
+              <a:rPr b="0" lang="en-US" sz="1400" spc="-1" strike="noStrike">
+                <a:latin typeface="Times New Roman"/>
+              </a:rPr>
+              <a:t>&lt;date/time&gt;</a:t>
+            </a:r>
+            <a:endParaRPr b="0" lang="en-US" sz="1400" spc="-1" strike="noStrike">
+              <a:latin typeface="Times New Roman"/>
             </a:endParaRPr>
           </a:p>
         </p:txBody>
@@ -5412,7 +5424,7 @@
         <p:spPr>
           <a:xfrm>
             <a:off x="529560" y="882360"/>
-            <a:ext cx="9071280" cy="946080"/>
+            <a:ext cx="9070920" cy="945720"/>
           </a:xfrm>
           <a:prstGeom prst="rect">
             <a:avLst/>
@@ -5458,7 +5470,7 @@
         <p:spPr>
           <a:xfrm>
             <a:off x="504000" y="2514600"/>
-            <a:ext cx="9071280" cy="2099880"/>
+            <a:ext cx="9070920" cy="2099520"/>
           </a:xfrm>
           <a:prstGeom prst="rect">
             <a:avLst/>
@@ -5511,7 +5523,7 @@
       </p:grpSpPr>
       <p:sp>
         <p:nvSpPr>
-          <p:cNvPr id="113" name="PlaceHolder 1"/>
+          <p:cNvPr id="114" name="PlaceHolder 1"/>
           <p:cNvSpPr>
             <a:spLocks noGrp="1"/>
           </p:cNvSpPr>
@@ -5522,7 +5534,7 @@
         <p:spPr>
           <a:xfrm>
             <a:off x="504000" y="226080"/>
-            <a:ext cx="9071280" cy="946080"/>
+            <a:ext cx="9070920" cy="945720"/>
           </a:xfrm>
           <a:prstGeom prst="rect">
             <a:avLst/>
@@ -5557,14 +5569,14 @@
       </p:sp>
       <p:sp>
         <p:nvSpPr>
-          <p:cNvPr id="114" name=""/>
+          <p:cNvPr id="115" name=""/>
           <p:cNvSpPr/>
           <p:nvPr/>
         </p:nvSpPr>
         <p:spPr>
           <a:xfrm>
             <a:off x="311400" y="5029200"/>
-            <a:ext cx="3803040" cy="456840"/>
+            <a:ext cx="3802680" cy="456480"/>
           </a:xfrm>
           <a:prstGeom prst="rect">
             <a:avLst/>
@@ -5593,7 +5605,11 @@
             </a:pPr>
             <a:r>
               <a:rPr b="0" lang="en-US" sz="1200" spc="-1" strike="noStrike">
-                <a:latin typeface="Arial"/>
+                <a:solidFill>
+                  <a:srgbClr val="000000"/>
+                </a:solidFill>
+                <a:latin typeface="Arial"/>
+                <a:ea typeface="DejaVu Sans"/>
               </a:rPr>
               <a:t>Fig. 1: Effect of minimum samples in a neighborhood: </a:t>
             </a:r>
@@ -5610,7 +5626,11 @@
             </a:pPr>
             <a:r>
               <a:rPr b="0" lang="en-US" sz="1200" spc="-1" strike="noStrike">
-                <a:latin typeface="Arial"/>
+                <a:solidFill>
+                  <a:srgbClr val="000000"/>
+                </a:solidFill>
+                <a:latin typeface="Arial"/>
+                <a:ea typeface="DejaVu Sans"/>
               </a:rPr>
               <a:t>Set eps = 0.1</a:t>
             </a:r>
@@ -5622,14 +5642,14 @@
       </p:sp>
       <p:sp>
         <p:nvSpPr>
-          <p:cNvPr id="115" name=""/>
+          <p:cNvPr id="116" name=""/>
           <p:cNvSpPr/>
           <p:nvPr/>
         </p:nvSpPr>
         <p:spPr>
           <a:xfrm>
             <a:off x="5569200" y="2514600"/>
-            <a:ext cx="3803040" cy="601920"/>
+            <a:ext cx="3802680" cy="601560"/>
           </a:xfrm>
           <a:prstGeom prst="rect">
             <a:avLst/>
@@ -5658,7 +5678,11 @@
             </a:pPr>
             <a:r>
               <a:rPr b="0" lang="en-US" sz="1200" spc="-1" strike="noStrike">
-                <a:latin typeface="Arial"/>
+                <a:solidFill>
+                  <a:srgbClr val="000000"/>
+                </a:solidFill>
+                <a:latin typeface="Arial"/>
+                <a:ea typeface="DejaVu Sans"/>
               </a:rPr>
               <a:t>Final: </a:t>
             </a:r>
@@ -5675,13 +5699,21 @@
             </a:pPr>
             <a:r>
               <a:rPr b="0" lang="en-US" sz="1200" spc="-1" strike="noStrike">
-                <a:latin typeface="Arial"/>
+                <a:solidFill>
+                  <a:srgbClr val="000000"/>
+                </a:solidFill>
+                <a:latin typeface="Arial"/>
+                <a:ea typeface="DejaVu Sans"/>
               </a:rPr>
               <a:t>	</a:t>
             </a:r>
             <a:r>
               <a:rPr b="0" lang="en-US" sz="1200" spc="-1" strike="noStrike">
-                <a:latin typeface="Arial"/>
+                <a:solidFill>
+                  <a:srgbClr val="000000"/>
+                </a:solidFill>
+                <a:latin typeface="Arial"/>
+                <a:ea typeface="DejaVu Sans"/>
               </a:rPr>
               <a:t>1) min_cluster_size: 5</a:t>
             </a:r>
@@ -5698,13 +5730,21 @@
             </a:pPr>
             <a:r>
               <a:rPr b="0" lang="en-US" sz="1200" spc="-1" strike="noStrike">
-                <a:latin typeface="Arial"/>
+                <a:solidFill>
+                  <a:srgbClr val="000000"/>
+                </a:solidFill>
+                <a:latin typeface="Arial"/>
+                <a:ea typeface="DejaVu Sans"/>
               </a:rPr>
               <a:t>	</a:t>
             </a:r>
             <a:r>
               <a:rPr b="0" lang="en-US" sz="1200" spc="-1" strike="noStrike">
-                <a:latin typeface="Arial"/>
+                <a:solidFill>
+                  <a:srgbClr val="000000"/>
+                </a:solidFill>
+                <a:latin typeface="Arial"/>
+                <a:ea typeface="DejaVu Sans"/>
               </a:rPr>
               <a:t>2) min_samples: 22</a:t>
             </a:r>
@@ -5716,7 +5756,7 @@
       </p:sp>
       <p:pic>
         <p:nvPicPr>
-          <p:cNvPr id="116" name="" descr=""/>
+          <p:cNvPr id="117" name="" descr=""/>
           <p:cNvPicPr/>
           <p:nvPr/>
         </p:nvPicPr>
@@ -5727,7 +5767,7 @@
         <p:spPr>
           <a:xfrm>
             <a:off x="246240" y="1172160"/>
-            <a:ext cx="5011560" cy="3775680"/>
+            <a:ext cx="5011200" cy="3775320"/>
           </a:xfrm>
           <a:prstGeom prst="rect">
             <a:avLst/>
@@ -5769,7 +5809,7 @@
       </p:grpSpPr>
       <p:sp>
         <p:nvSpPr>
-          <p:cNvPr id="117" name="PlaceHolder 1"/>
+          <p:cNvPr id="118" name="PlaceHolder 1"/>
           <p:cNvSpPr>
             <a:spLocks noGrp="1"/>
           </p:cNvSpPr>
@@ -5780,7 +5820,7 @@
         <p:spPr>
           <a:xfrm>
             <a:off x="504000" y="226080"/>
-            <a:ext cx="9071280" cy="946080"/>
+            <a:ext cx="9070920" cy="945720"/>
           </a:xfrm>
           <a:prstGeom prst="rect">
             <a:avLst/>
@@ -5805,7 +5845,7 @@
               <a:rPr b="0" lang="en-US" sz="4400" spc="-1" strike="noStrike">
                 <a:latin typeface="Arial"/>
               </a:rPr>
-              <a:t>tSNE</a:t>
+              <a:t>tSNE-All</a:t>
             </a:r>
             <a:endParaRPr b="0" lang="en-US" sz="4400" spc="-1" strike="noStrike">
               <a:latin typeface="Arial"/>
@@ -5815,14 +5855,14 @@
       </p:sp>
       <p:sp>
         <p:nvSpPr>
-          <p:cNvPr id="118" name=""/>
+          <p:cNvPr id="119" name=""/>
           <p:cNvSpPr/>
           <p:nvPr/>
         </p:nvSpPr>
         <p:spPr>
           <a:xfrm>
             <a:off x="311400" y="5029200"/>
-            <a:ext cx="3803040" cy="456840"/>
+            <a:ext cx="3802680" cy="456480"/>
           </a:xfrm>
           <a:prstGeom prst="rect">
             <a:avLst/>
@@ -5841,7 +5881,7 @@
       </p:sp>
       <p:pic>
         <p:nvPicPr>
-          <p:cNvPr id="119" name="" descr=""/>
+          <p:cNvPr id="120" name="" descr=""/>
           <p:cNvPicPr/>
           <p:nvPr/>
         </p:nvPicPr>
@@ -5852,7 +5892,7 @@
         <p:spPr>
           <a:xfrm>
             <a:off x="1130040" y="2160360"/>
-            <a:ext cx="7819560" cy="2161800"/>
+            <a:ext cx="7819200" cy="2161440"/>
           </a:xfrm>
           <a:prstGeom prst="rect">
             <a:avLst/>
@@ -5894,7 +5934,7 @@
       </p:grpSpPr>
       <p:sp>
         <p:nvSpPr>
-          <p:cNvPr id="120" name="PlaceHolder 1"/>
+          <p:cNvPr id="121" name="PlaceHolder 1"/>
           <p:cNvSpPr>
             <a:spLocks noGrp="1"/>
           </p:cNvSpPr>
@@ -5905,7 +5945,7 @@
         <p:spPr>
           <a:xfrm>
             <a:off x="529920" y="2057400"/>
-            <a:ext cx="9071280" cy="946080"/>
+            <a:ext cx="9070920" cy="945720"/>
           </a:xfrm>
           <a:prstGeom prst="rect">
             <a:avLst/>
@@ -5970,14 +6010,14 @@
       </p:grpSpPr>
       <p:sp>
         <p:nvSpPr>
-          <p:cNvPr id="121" name=""/>
+          <p:cNvPr id="122" name=""/>
           <p:cNvSpPr/>
           <p:nvPr/>
         </p:nvSpPr>
         <p:spPr>
           <a:xfrm>
             <a:off x="311400" y="5029200"/>
-            <a:ext cx="3803040" cy="456840"/>
+            <a:ext cx="3802680" cy="456480"/>
           </a:xfrm>
           <a:prstGeom prst="rect">
             <a:avLst/>
@@ -5996,7 +6036,7 @@
       </p:sp>
       <p:pic>
         <p:nvPicPr>
-          <p:cNvPr id="122" name="" descr=""/>
+          <p:cNvPr id="123" name="" descr=""/>
           <p:cNvPicPr/>
           <p:nvPr/>
         </p:nvPicPr>
@@ -6007,7 +6047,7 @@
         <p:spPr>
           <a:xfrm>
             <a:off x="228600" y="914400"/>
-            <a:ext cx="3304800" cy="3447720"/>
+            <a:ext cx="3304440" cy="3447360"/>
           </a:xfrm>
           <a:prstGeom prst="rect">
             <a:avLst/>
@@ -6019,7 +6059,7 @@
       </p:pic>
       <p:pic>
         <p:nvPicPr>
-          <p:cNvPr id="123" name="" descr=""/>
+          <p:cNvPr id="124" name="" descr=""/>
           <p:cNvPicPr/>
           <p:nvPr/>
         </p:nvPicPr>
@@ -6030,7 +6070,7 @@
         <p:spPr>
           <a:xfrm>
             <a:off x="3657600" y="895680"/>
-            <a:ext cx="3304800" cy="3447720"/>
+            <a:ext cx="3304440" cy="3447360"/>
           </a:xfrm>
           <a:prstGeom prst="rect">
             <a:avLst/>
@@ -6072,7 +6112,7 @@
       </p:grpSpPr>
       <p:sp>
         <p:nvSpPr>
-          <p:cNvPr id="124" name="PlaceHolder 1"/>
+          <p:cNvPr id="125" name="PlaceHolder 1"/>
           <p:cNvSpPr>
             <a:spLocks noGrp="1"/>
           </p:cNvSpPr>
@@ -6083,7 +6123,7 @@
         <p:spPr>
           <a:xfrm>
             <a:off x="504000" y="226080"/>
-            <a:ext cx="9071280" cy="946080"/>
+            <a:ext cx="9070920" cy="945720"/>
           </a:xfrm>
           <a:prstGeom prst="rect">
             <a:avLst/>
@@ -6118,14 +6158,14 @@
       </p:sp>
       <p:sp>
         <p:nvSpPr>
-          <p:cNvPr id="125" name=""/>
+          <p:cNvPr id="126" name=""/>
           <p:cNvSpPr/>
           <p:nvPr/>
         </p:nvSpPr>
         <p:spPr>
           <a:xfrm>
             <a:off x="311400" y="5029200"/>
-            <a:ext cx="3803040" cy="456840"/>
+            <a:ext cx="3802680" cy="456480"/>
           </a:xfrm>
           <a:prstGeom prst="rect">
             <a:avLst/>
@@ -6154,7 +6194,11 @@
             </a:pPr>
             <a:r>
               <a:rPr b="0" lang="en-US" sz="1200" spc="-1" strike="noStrike">
-                <a:latin typeface="Arial"/>
+                <a:solidFill>
+                  <a:srgbClr val="000000"/>
+                </a:solidFill>
+                <a:latin typeface="Arial"/>
+                <a:ea typeface="DejaVu Sans"/>
               </a:rPr>
               <a:t>Fig. 1: Effect of minimum samples in a neighborhood: </a:t>
             </a:r>
@@ -6171,7 +6215,11 @@
             </a:pPr>
             <a:r>
               <a:rPr b="0" lang="en-US" sz="1200" spc="-1" strike="noStrike">
-                <a:latin typeface="Arial"/>
+                <a:solidFill>
+                  <a:srgbClr val="000000"/>
+                </a:solidFill>
+                <a:latin typeface="Arial"/>
+                <a:ea typeface="DejaVu Sans"/>
               </a:rPr>
               <a:t>Set eps = 0.1</a:t>
             </a:r>
@@ -6183,14 +6231,14 @@
       </p:sp>
       <p:sp>
         <p:nvSpPr>
-          <p:cNvPr id="126" name=""/>
+          <p:cNvPr id="127" name=""/>
           <p:cNvSpPr/>
           <p:nvPr/>
         </p:nvSpPr>
         <p:spPr>
           <a:xfrm>
             <a:off x="4883400" y="4884120"/>
-            <a:ext cx="4260240" cy="601920"/>
+            <a:ext cx="4259880" cy="601560"/>
           </a:xfrm>
           <a:prstGeom prst="rect">
             <a:avLst/>
@@ -6219,9 +6267,13 @@
             </a:pPr>
             <a:r>
               <a:rPr b="0" lang="en-US" sz="1200" spc="-1" strike="noStrike">
-                <a:latin typeface="Arial"/>
-              </a:rPr>
-              <a:t>Fig. 2: Effect maximum distance between two samples for one to be considered as in the neighborhood of the other. Set min_samples = 2</a:t>
+                <a:solidFill>
+                  <a:srgbClr val="000000"/>
+                </a:solidFill>
+                <a:latin typeface="Arial"/>
+                <a:ea typeface="DejaVu Sans"/>
+              </a:rPr>
+              <a:t>Fig. 2: Effect maximum distance between two samples for one to be considered as in the neighborhood of the other. Set min_samples = 7</a:t>
             </a:r>
             <a:endParaRPr b="0" lang="en-US" sz="1200" spc="-1" strike="noStrike">
               <a:latin typeface="Arial"/>
@@ -6231,14 +6283,14 @@
       </p:sp>
       <p:sp>
         <p:nvSpPr>
-          <p:cNvPr id="127" name=""/>
+          <p:cNvPr id="128" name=""/>
           <p:cNvSpPr/>
           <p:nvPr/>
         </p:nvSpPr>
         <p:spPr>
           <a:xfrm>
-            <a:off x="6400800" y="997920"/>
-            <a:ext cx="3803040" cy="601920"/>
+            <a:off x="6400800" y="637920"/>
+            <a:ext cx="3802680" cy="601560"/>
           </a:xfrm>
           <a:prstGeom prst="rect">
             <a:avLst/>
@@ -6267,7 +6319,11 @@
             </a:pPr>
             <a:r>
               <a:rPr b="0" lang="en-US" sz="1200" spc="-1" strike="noStrike">
-                <a:latin typeface="Arial"/>
+                <a:solidFill>
+                  <a:srgbClr val="000000"/>
+                </a:solidFill>
+                <a:latin typeface="Arial"/>
+                <a:ea typeface="DejaVu Sans"/>
               </a:rPr>
               <a:t>Final: </a:t>
             </a:r>
@@ -6284,15 +6340,23 @@
             </a:pPr>
             <a:r>
               <a:rPr b="0" lang="en-US" sz="1200" spc="-1" strike="noStrike">
-                <a:latin typeface="Arial"/>
+                <a:solidFill>
+                  <a:srgbClr val="000000"/>
+                </a:solidFill>
+                <a:latin typeface="Arial"/>
+                <a:ea typeface="DejaVu Sans"/>
               </a:rPr>
               <a:t>	</a:t>
             </a:r>
             <a:r>
               <a:rPr b="0" lang="en-US" sz="1200" spc="-1" strike="noStrike">
-                <a:latin typeface="Arial"/>
-              </a:rPr>
-              <a:t>1) eps: 5</a:t>
+                <a:solidFill>
+                  <a:srgbClr val="000000"/>
+                </a:solidFill>
+                <a:latin typeface="Arial"/>
+                <a:ea typeface="DejaVu Sans"/>
+              </a:rPr>
+              <a:t>1) eps: 0.5</a:t>
             </a:r>
             <a:endParaRPr b="0" lang="en-US" sz="1200" spc="-1" strike="noStrike">
               <a:latin typeface="Arial"/>
@@ -6307,15 +6371,23 @@
             </a:pPr>
             <a:r>
               <a:rPr b="0" lang="en-US" sz="1200" spc="-1" strike="noStrike">
-                <a:latin typeface="Arial"/>
+                <a:solidFill>
+                  <a:srgbClr val="000000"/>
+                </a:solidFill>
+                <a:latin typeface="Arial"/>
+                <a:ea typeface="DejaVu Sans"/>
               </a:rPr>
               <a:t>	</a:t>
             </a:r>
             <a:r>
               <a:rPr b="0" lang="en-US" sz="1200" spc="-1" strike="noStrike">
-                <a:latin typeface="Arial"/>
-              </a:rPr>
-              <a:t>2) min_samples: 2</a:t>
+                <a:solidFill>
+                  <a:srgbClr val="000000"/>
+                </a:solidFill>
+                <a:latin typeface="Arial"/>
+                <a:ea typeface="DejaVu Sans"/>
+              </a:rPr>
+              <a:t>2) min_samples: 7</a:t>
             </a:r>
             <a:endParaRPr b="0" lang="en-US" sz="1200" spc="-1" strike="noStrike">
               <a:latin typeface="Arial"/>
@@ -6323,6 +6395,52 @@
           </a:p>
         </p:txBody>
       </p:sp>
+      <p:pic>
+        <p:nvPicPr>
+          <p:cNvPr id="129" name="" descr=""/>
+          <p:cNvPicPr/>
+          <p:nvPr/>
+        </p:nvPicPr>
+        <p:blipFill>
+          <a:blip r:embed="rId1"/>
+          <a:stretch/>
+        </p:blipFill>
+        <p:spPr>
+          <a:xfrm>
+            <a:off x="20880" y="1371600"/>
+            <a:ext cx="4322520" cy="3260880"/>
+          </a:xfrm>
+          <a:prstGeom prst="rect">
+            <a:avLst/>
+          </a:prstGeom>
+          <a:ln w="0">
+            <a:noFill/>
+          </a:ln>
+        </p:spPr>
+      </p:pic>
+      <p:pic>
+        <p:nvPicPr>
+          <p:cNvPr id="130" name="" descr=""/>
+          <p:cNvPicPr/>
+          <p:nvPr/>
+        </p:nvPicPr>
+        <p:blipFill>
+          <a:blip r:embed="rId2"/>
+          <a:stretch/>
+        </p:blipFill>
+        <p:spPr>
+          <a:xfrm>
+            <a:off x="5049720" y="1371600"/>
+            <a:ext cx="4551480" cy="3433320"/>
+          </a:xfrm>
+          <a:prstGeom prst="rect">
+            <a:avLst/>
+          </a:prstGeom>
+          <a:ln w="0">
+            <a:noFill/>
+          </a:ln>
+        </p:spPr>
+      </p:pic>
     </p:spTree>
   </p:cSld>
   <mc:AlternateContent>
@@ -6355,7 +6473,7 @@
       </p:grpSpPr>
       <p:sp>
         <p:nvSpPr>
-          <p:cNvPr id="128" name="PlaceHolder 1"/>
+          <p:cNvPr id="131" name="PlaceHolder 1"/>
           <p:cNvSpPr>
             <a:spLocks noGrp="1"/>
           </p:cNvSpPr>
@@ -6366,7 +6484,7 @@
         <p:spPr>
           <a:xfrm>
             <a:off x="504000" y="226080"/>
-            <a:ext cx="9071280" cy="946080"/>
+            <a:ext cx="9070920" cy="945720"/>
           </a:xfrm>
           <a:prstGeom prst="rect">
             <a:avLst/>
@@ -6401,14 +6519,14 @@
       </p:sp>
       <p:sp>
         <p:nvSpPr>
-          <p:cNvPr id="129" name=""/>
+          <p:cNvPr id="132" name=""/>
           <p:cNvSpPr/>
           <p:nvPr/>
         </p:nvSpPr>
         <p:spPr>
           <a:xfrm>
-            <a:off x="311400" y="5029200"/>
-            <a:ext cx="3803040" cy="456840"/>
+            <a:off x="5569200" y="2514600"/>
+            <a:ext cx="3802680" cy="601560"/>
           </a:xfrm>
           <a:prstGeom prst="rect">
             <a:avLst/>
@@ -6437,9 +6555,13 @@
             </a:pPr>
             <a:r>
               <a:rPr b="0" lang="en-US" sz="1200" spc="-1" strike="noStrike">
-                <a:latin typeface="Arial"/>
-              </a:rPr>
-              <a:t>Fig. 1: Effect of minimum samples in a neighborhood: </a:t>
+                <a:solidFill>
+                  <a:srgbClr val="000000"/>
+                </a:solidFill>
+                <a:latin typeface="Arial"/>
+                <a:ea typeface="DejaVu Sans"/>
+              </a:rPr>
+              <a:t>Final: </a:t>
             </a:r>
             <a:endParaRPr b="0" lang="en-US" sz="1200" spc="-1" strike="noStrike">
               <a:latin typeface="Arial"/>
@@ -6454,45 +6576,28 @@
             </a:pPr>
             <a:r>
               <a:rPr b="0" lang="en-US" sz="1200" spc="-1" strike="noStrike">
-                <a:latin typeface="Arial"/>
-              </a:rPr>
-              <a:t>Set eps = 0.1</a:t>
+                <a:solidFill>
+                  <a:srgbClr val="000000"/>
+                </a:solidFill>
+                <a:latin typeface="Arial"/>
+                <a:ea typeface="DejaVu Sans"/>
+              </a:rPr>
+              <a:t>	</a:t>
+            </a:r>
+            <a:r>
+              <a:rPr b="0" lang="en-US" sz="1200" spc="-1" strike="noStrike">
+                <a:solidFill>
+                  <a:srgbClr val="000000"/>
+                </a:solidFill>
+                <a:latin typeface="Arial"/>
+                <a:ea typeface="DejaVu Sans"/>
+              </a:rPr>
+              <a:t>1) min_cluster_size: 5</a:t>
             </a:r>
             <a:endParaRPr b="0" lang="en-US" sz="1200" spc="-1" strike="noStrike">
               <a:latin typeface="Arial"/>
             </a:endParaRPr>
           </a:p>
-        </p:txBody>
-      </p:sp>
-      <p:sp>
-        <p:nvSpPr>
-          <p:cNvPr id="130" name=""/>
-          <p:cNvSpPr/>
-          <p:nvPr/>
-        </p:nvSpPr>
-        <p:spPr>
-          <a:xfrm>
-            <a:off x="5569200" y="2514600"/>
-            <a:ext cx="3803040" cy="601920"/>
-          </a:xfrm>
-          <a:prstGeom prst="rect">
-            <a:avLst/>
-          </a:prstGeom>
-          <a:noFill/>
-          <a:ln w="0">
-            <a:noFill/>
-          </a:ln>
-        </p:spPr>
-        <p:style>
-          <a:lnRef idx="0"/>
-          <a:fillRef idx="0"/>
-          <a:effectRef idx="0"/>
-          <a:fontRef idx="minor"/>
-        </p:style>
-        <p:txBody>
-          <a:bodyPr lIns="90000" rIns="90000" tIns="45000" bIns="45000" anchor="t">
-            <a:noAutofit/>
-          </a:bodyPr>
           <a:p>
             <a:pPr>
               <a:lnSpc>
@@ -6502,62 +6607,53 @@
             </a:pPr>
             <a:r>
               <a:rPr b="0" lang="en-US" sz="1200" spc="-1" strike="noStrike">
-                <a:latin typeface="Arial"/>
-              </a:rPr>
-              <a:t>Final: </a:t>
+                <a:solidFill>
+                  <a:srgbClr val="000000"/>
+                </a:solidFill>
+                <a:latin typeface="Arial"/>
+                <a:ea typeface="DejaVu Sans"/>
+              </a:rPr>
+              <a:t>	</a:t>
+            </a:r>
+            <a:r>
+              <a:rPr b="0" lang="en-US" sz="1200" spc="-1" strike="noStrike">
+                <a:solidFill>
+                  <a:srgbClr val="000000"/>
+                </a:solidFill>
+                <a:latin typeface="Arial"/>
+                <a:ea typeface="DejaVu Sans"/>
+              </a:rPr>
+              <a:t>2) min_samples: 40</a:t>
             </a:r>
             <a:endParaRPr b="0" lang="en-US" sz="1200" spc="-1" strike="noStrike">
               <a:latin typeface="Arial"/>
             </a:endParaRPr>
           </a:p>
-          <a:p>
-            <a:pPr>
-              <a:lnSpc>
-                <a:spcPct val="100000"/>
-              </a:lnSpc>
-              <a:buNone/>
-            </a:pPr>
-            <a:r>
-              <a:rPr b="0" lang="en-US" sz="1200" spc="-1" strike="noStrike">
-                <a:latin typeface="Arial"/>
-              </a:rPr>
-              <a:t>	</a:t>
-            </a:r>
-            <a:r>
-              <a:rPr b="0" lang="en-US" sz="1200" spc="-1" strike="noStrike">
-                <a:latin typeface="Arial"/>
-              </a:rPr>
-              <a:t>1) min_cluster_size: 5</a:t>
-            </a:r>
-            <a:endParaRPr b="0" lang="en-US" sz="1200" spc="-1" strike="noStrike">
-              <a:latin typeface="Arial"/>
-            </a:endParaRPr>
-          </a:p>
-          <a:p>
-            <a:pPr>
-              <a:lnSpc>
-                <a:spcPct val="100000"/>
-              </a:lnSpc>
-              <a:buNone/>
-            </a:pPr>
-            <a:r>
-              <a:rPr b="0" lang="en-US" sz="1200" spc="-1" strike="noStrike">
-                <a:latin typeface="Arial"/>
-              </a:rPr>
-              <a:t>	</a:t>
-            </a:r>
-            <a:r>
-              <a:rPr b="0" lang="en-US" sz="1200" spc="-1" strike="noStrike">
-                <a:latin typeface="Arial"/>
-              </a:rPr>
-              <a:t>2) min_samples: 22</a:t>
-            </a:r>
-            <a:endParaRPr b="0" lang="en-US" sz="1200" spc="-1" strike="noStrike">
-              <a:latin typeface="Arial"/>
-            </a:endParaRPr>
-          </a:p>
-        </p:txBody>
-      </p:sp>
+        </p:txBody>
+      </p:sp>
+      <p:pic>
+        <p:nvPicPr>
+          <p:cNvPr id="133" name="" descr=""/>
+          <p:cNvPicPr/>
+          <p:nvPr/>
+        </p:nvPicPr>
+        <p:blipFill>
+          <a:blip r:embed="rId1"/>
+          <a:stretch/>
+        </p:blipFill>
+        <p:spPr>
+          <a:xfrm>
+            <a:off x="249120" y="1367280"/>
+            <a:ext cx="4551480" cy="3433320"/>
+          </a:xfrm>
+          <a:prstGeom prst="rect">
+            <a:avLst/>
+          </a:prstGeom>
+          <a:ln w="0">
+            <a:noFill/>
+          </a:ln>
+        </p:spPr>
+      </p:pic>
     </p:spTree>
   </p:cSld>
   <mc:AlternateContent>
@@ -6590,7 +6686,7 @@
       </p:grpSpPr>
       <p:sp>
         <p:nvSpPr>
-          <p:cNvPr id="131" name="PlaceHolder 1"/>
+          <p:cNvPr id="134" name="PlaceHolder 1"/>
           <p:cNvSpPr>
             <a:spLocks noGrp="1"/>
           </p:cNvSpPr>
@@ -6601,7 +6697,7 @@
         <p:spPr>
           <a:xfrm>
             <a:off x="504000" y="226080"/>
-            <a:ext cx="9071280" cy="946080"/>
+            <a:ext cx="9070920" cy="945720"/>
           </a:xfrm>
           <a:prstGeom prst="rect">
             <a:avLst/>
@@ -6626,7 +6722,7 @@
               <a:rPr b="0" lang="en-US" sz="4400" spc="-1" strike="noStrike">
                 <a:latin typeface="Arial"/>
               </a:rPr>
-              <a:t>All</a:t>
+              <a:t>ISOMAP-All</a:t>
             </a:r>
             <a:endParaRPr b="0" lang="en-US" sz="4400" spc="-1" strike="noStrike">
               <a:latin typeface="Arial"/>
@@ -6636,14 +6732,14 @@
       </p:sp>
       <p:sp>
         <p:nvSpPr>
-          <p:cNvPr id="132" name=""/>
+          <p:cNvPr id="135" name=""/>
           <p:cNvSpPr/>
           <p:nvPr/>
         </p:nvSpPr>
         <p:spPr>
           <a:xfrm>
             <a:off x="311400" y="5029200"/>
-            <a:ext cx="3803040" cy="456840"/>
+            <a:ext cx="3802680" cy="456480"/>
           </a:xfrm>
           <a:prstGeom prst="rect">
             <a:avLst/>
@@ -6660,6 +6756,679 @@
           <a:fontRef idx="minor"/>
         </p:style>
       </p:sp>
+      <p:pic>
+        <p:nvPicPr>
+          <p:cNvPr id="136" name="" descr=""/>
+          <p:cNvPicPr/>
+          <p:nvPr/>
+        </p:nvPicPr>
+        <p:blipFill>
+          <a:blip r:embed="rId1"/>
+          <a:stretch/>
+        </p:blipFill>
+        <p:spPr>
+          <a:xfrm>
+            <a:off x="914400" y="1600200"/>
+            <a:ext cx="7819560" cy="2142720"/>
+          </a:xfrm>
+          <a:prstGeom prst="rect">
+            <a:avLst/>
+          </a:prstGeom>
+          <a:ln w="0">
+            <a:noFill/>
+          </a:ln>
+        </p:spPr>
+      </p:pic>
+    </p:spTree>
+  </p:cSld>
+  <mc:AlternateContent>
+    <mc:Choice Requires="p14">
+      <p:transition spd="slow" p14:dur="2000"/>
+    </mc:Choice>
+    <mc:Fallback>
+      <p:transition spd="slow"/>
+    </mc:Fallback>
+  </mc:AlternateContent>
+</p:sld>
+</file>
+
+<file path=ppt/slides/slide17.xml><?xml version="1.0" encoding="utf-8"?>
+<p:sld xmlns:a="http://schemas.openxmlformats.org/drawingml/2006/main" xmlns:p="http://schemas.openxmlformats.org/presentationml/2006/main" xmlns:r="http://schemas.openxmlformats.org/officeDocument/2006/relationships" xmlns:p14="http://schemas.microsoft.com/office/powerpoint/2010/main" xmlns:p15="http://schemas.microsoft.com/office/powerpoint/2012/main" xmlns:mc="http://schemas.openxmlformats.org/markup-compatibility/2006">
+  <p:cSld>
+    <p:spTree>
+      <p:nvGrpSpPr>
+        <p:cNvPr id="1" name=""/>
+        <p:cNvGrpSpPr/>
+        <p:nvPr/>
+      </p:nvGrpSpPr>
+      <p:grpSpPr>
+        <a:xfrm>
+          <a:off x="0" y="0"/>
+          <a:ext cx="0" cy="0"/>
+          <a:chOff x="0" y="0"/>
+          <a:chExt cx="0" cy="0"/>
+        </a:xfrm>
+      </p:grpSpPr>
+      <p:sp>
+        <p:nvSpPr>
+          <p:cNvPr id="137" name="PlaceHolder 1"/>
+          <p:cNvSpPr>
+            <a:spLocks noGrp="1"/>
+          </p:cNvSpPr>
+          <p:nvPr>
+            <p:ph type="title"/>
+          </p:nvPr>
+        </p:nvSpPr>
+        <p:spPr>
+          <a:xfrm>
+            <a:off x="529920" y="2057400"/>
+            <a:ext cx="9070920" cy="945720"/>
+          </a:xfrm>
+          <a:prstGeom prst="rect">
+            <a:avLst/>
+          </a:prstGeom>
+          <a:noFill/>
+          <a:ln w="0">
+            <a:noFill/>
+          </a:ln>
+        </p:spPr>
+        <p:txBody>
+          <a:bodyPr lIns="0" rIns="0" tIns="0" bIns="0" anchor="ctr">
+            <a:noAutofit/>
+          </a:bodyPr>
+          <a:p>
+            <a:pPr algn="ctr">
+              <a:lnSpc>
+                <a:spcPct val="100000"/>
+              </a:lnSpc>
+              <a:buNone/>
+            </a:pPr>
+            <a:r>
+              <a:rPr b="0" lang="en-US" sz="6600" spc="-1" strike="noStrike">
+                <a:latin typeface="Arial"/>
+              </a:rPr>
+              <a:t>Fast ICA</a:t>
+            </a:r>
+            <a:endParaRPr b="0" lang="en-US" sz="6600" spc="-1" strike="noStrike">
+              <a:latin typeface="Arial"/>
+            </a:endParaRPr>
+          </a:p>
+        </p:txBody>
+      </p:sp>
+    </p:spTree>
+  </p:cSld>
+  <mc:AlternateContent>
+    <mc:Choice Requires="p14">
+      <p:transition spd="slow" p14:dur="2000"/>
+    </mc:Choice>
+    <mc:Fallback>
+      <p:transition spd="slow"/>
+    </mc:Fallback>
+  </mc:AlternateContent>
+</p:sld>
+</file>
+
+<file path=ppt/slides/slide18.xml><?xml version="1.0" encoding="utf-8"?>
+<p:sld xmlns:a="http://schemas.openxmlformats.org/drawingml/2006/main" xmlns:p="http://schemas.openxmlformats.org/presentationml/2006/main" xmlns:r="http://schemas.openxmlformats.org/officeDocument/2006/relationships" xmlns:p14="http://schemas.microsoft.com/office/powerpoint/2010/main" xmlns:p15="http://schemas.microsoft.com/office/powerpoint/2012/main" xmlns:mc="http://schemas.openxmlformats.org/markup-compatibility/2006">
+  <p:cSld>
+    <p:spTree>
+      <p:nvGrpSpPr>
+        <p:cNvPr id="1" name=""/>
+        <p:cNvGrpSpPr/>
+        <p:nvPr/>
+      </p:nvGrpSpPr>
+      <p:grpSpPr>
+        <a:xfrm>
+          <a:off x="0" y="0"/>
+          <a:ext cx="0" cy="0"/>
+          <a:chOff x="0" y="0"/>
+          <a:chExt cx="0" cy="0"/>
+        </a:xfrm>
+      </p:grpSpPr>
+      <p:sp>
+        <p:nvSpPr>
+          <p:cNvPr id="138" name="PlaceHolder 1"/>
+          <p:cNvSpPr>
+            <a:spLocks noGrp="1"/>
+          </p:cNvSpPr>
+          <p:nvPr>
+            <p:ph type="title"/>
+          </p:nvPr>
+        </p:nvSpPr>
+        <p:spPr>
+          <a:xfrm>
+            <a:off x="504000" y="226080"/>
+            <a:ext cx="9070920" cy="945720"/>
+          </a:xfrm>
+          <a:prstGeom prst="rect">
+            <a:avLst/>
+          </a:prstGeom>
+          <a:noFill/>
+          <a:ln w="0">
+            <a:noFill/>
+          </a:ln>
+        </p:spPr>
+        <p:txBody>
+          <a:bodyPr lIns="0" rIns="0" tIns="0" bIns="0" anchor="ctr">
+            <a:noAutofit/>
+          </a:bodyPr>
+          <a:p>
+            <a:pPr algn="ctr">
+              <a:lnSpc>
+                <a:spcPct val="100000"/>
+              </a:lnSpc>
+              <a:buNone/>
+            </a:pPr>
+            <a:r>
+              <a:rPr b="0" lang="en-US" sz="4400" spc="-1" strike="noStrike">
+                <a:latin typeface="Arial"/>
+              </a:rPr>
+              <a:t>DBSCAN</a:t>
+            </a:r>
+            <a:endParaRPr b="0" lang="en-US" sz="4400" spc="-1" strike="noStrike">
+              <a:latin typeface="Arial"/>
+            </a:endParaRPr>
+          </a:p>
+        </p:txBody>
+      </p:sp>
+      <p:sp>
+        <p:nvSpPr>
+          <p:cNvPr id="139" name=""/>
+          <p:cNvSpPr/>
+          <p:nvPr/>
+        </p:nvSpPr>
+        <p:spPr>
+          <a:xfrm>
+            <a:off x="311400" y="5029200"/>
+            <a:ext cx="3802680" cy="456480"/>
+          </a:xfrm>
+          <a:prstGeom prst="rect">
+            <a:avLst/>
+          </a:prstGeom>
+          <a:noFill/>
+          <a:ln w="0">
+            <a:noFill/>
+          </a:ln>
+        </p:spPr>
+        <p:style>
+          <a:lnRef idx="0"/>
+          <a:fillRef idx="0"/>
+          <a:effectRef idx="0"/>
+          <a:fontRef idx="minor"/>
+        </p:style>
+        <p:txBody>
+          <a:bodyPr lIns="90000" rIns="90000" tIns="45000" bIns="45000" anchor="t">
+            <a:noAutofit/>
+          </a:bodyPr>
+          <a:p>
+            <a:pPr>
+              <a:lnSpc>
+                <a:spcPct val="100000"/>
+              </a:lnSpc>
+              <a:buNone/>
+            </a:pPr>
+            <a:r>
+              <a:rPr b="0" lang="en-US" sz="1200" spc="-1" strike="noStrike">
+                <a:solidFill>
+                  <a:srgbClr val="000000"/>
+                </a:solidFill>
+                <a:latin typeface="Arial"/>
+                <a:ea typeface="DejaVu Sans"/>
+              </a:rPr>
+              <a:t>Fig. 1: Effect of minimum samples in a neighborhood: </a:t>
+            </a:r>
+            <a:endParaRPr b="0" lang="en-US" sz="1200" spc="-1" strike="noStrike">
+              <a:latin typeface="Arial"/>
+            </a:endParaRPr>
+          </a:p>
+          <a:p>
+            <a:pPr>
+              <a:lnSpc>
+                <a:spcPct val="100000"/>
+              </a:lnSpc>
+              <a:buNone/>
+            </a:pPr>
+            <a:r>
+              <a:rPr b="0" lang="en-US" sz="1200" spc="-1" strike="noStrike">
+                <a:solidFill>
+                  <a:srgbClr val="000000"/>
+                </a:solidFill>
+                <a:latin typeface="Arial"/>
+                <a:ea typeface="DejaVu Sans"/>
+              </a:rPr>
+              <a:t>Set eps = 0.1</a:t>
+            </a:r>
+            <a:endParaRPr b="0" lang="en-US" sz="1200" spc="-1" strike="noStrike">
+              <a:latin typeface="Arial"/>
+            </a:endParaRPr>
+          </a:p>
+        </p:txBody>
+      </p:sp>
+      <p:sp>
+        <p:nvSpPr>
+          <p:cNvPr id="140" name=""/>
+          <p:cNvSpPr/>
+          <p:nvPr/>
+        </p:nvSpPr>
+        <p:spPr>
+          <a:xfrm>
+            <a:off x="4883400" y="4884120"/>
+            <a:ext cx="4259880" cy="601560"/>
+          </a:xfrm>
+          <a:prstGeom prst="rect">
+            <a:avLst/>
+          </a:prstGeom>
+          <a:noFill/>
+          <a:ln w="0">
+            <a:noFill/>
+          </a:ln>
+        </p:spPr>
+        <p:style>
+          <a:lnRef idx="0"/>
+          <a:fillRef idx="0"/>
+          <a:effectRef idx="0"/>
+          <a:fontRef idx="minor"/>
+        </p:style>
+        <p:txBody>
+          <a:bodyPr lIns="90000" rIns="90000" tIns="45000" bIns="45000" anchor="t">
+            <a:noAutofit/>
+          </a:bodyPr>
+          <a:p>
+            <a:pPr>
+              <a:lnSpc>
+                <a:spcPct val="100000"/>
+              </a:lnSpc>
+              <a:buNone/>
+            </a:pPr>
+            <a:r>
+              <a:rPr b="0" lang="en-US" sz="1200" spc="-1" strike="noStrike">
+                <a:solidFill>
+                  <a:srgbClr val="000000"/>
+                </a:solidFill>
+                <a:latin typeface="Arial"/>
+                <a:ea typeface="DejaVu Sans"/>
+              </a:rPr>
+              <a:t>Fig. 2: Effect maximum distance between two samples for one to be considered as in the neighborhood of the other. Set min_samples = 5</a:t>
+            </a:r>
+            <a:endParaRPr b="0" lang="en-US" sz="1200" spc="-1" strike="noStrike">
+              <a:latin typeface="Arial"/>
+            </a:endParaRPr>
+          </a:p>
+        </p:txBody>
+      </p:sp>
+      <p:sp>
+        <p:nvSpPr>
+          <p:cNvPr id="141" name=""/>
+          <p:cNvSpPr/>
+          <p:nvPr/>
+        </p:nvSpPr>
+        <p:spPr>
+          <a:xfrm>
+            <a:off x="6400800" y="637920"/>
+            <a:ext cx="3802680" cy="601560"/>
+          </a:xfrm>
+          <a:prstGeom prst="rect">
+            <a:avLst/>
+          </a:prstGeom>
+          <a:noFill/>
+          <a:ln w="0">
+            <a:noFill/>
+          </a:ln>
+        </p:spPr>
+        <p:style>
+          <a:lnRef idx="0"/>
+          <a:fillRef idx="0"/>
+          <a:effectRef idx="0"/>
+          <a:fontRef idx="minor"/>
+        </p:style>
+        <p:txBody>
+          <a:bodyPr lIns="90000" rIns="90000" tIns="45000" bIns="45000" anchor="t">
+            <a:noAutofit/>
+          </a:bodyPr>
+          <a:p>
+            <a:pPr>
+              <a:lnSpc>
+                <a:spcPct val="100000"/>
+              </a:lnSpc>
+              <a:buNone/>
+            </a:pPr>
+            <a:r>
+              <a:rPr b="0" lang="en-US" sz="1200" spc="-1" strike="noStrike">
+                <a:solidFill>
+                  <a:srgbClr val="000000"/>
+                </a:solidFill>
+                <a:latin typeface="Arial"/>
+                <a:ea typeface="DejaVu Sans"/>
+              </a:rPr>
+              <a:t>Final: </a:t>
+            </a:r>
+            <a:endParaRPr b="0" lang="en-US" sz="1200" spc="-1" strike="noStrike">
+              <a:latin typeface="Arial"/>
+            </a:endParaRPr>
+          </a:p>
+          <a:p>
+            <a:pPr>
+              <a:lnSpc>
+                <a:spcPct val="100000"/>
+              </a:lnSpc>
+              <a:buNone/>
+            </a:pPr>
+            <a:r>
+              <a:rPr b="0" lang="en-US" sz="1200" spc="-1" strike="noStrike">
+                <a:solidFill>
+                  <a:srgbClr val="000000"/>
+                </a:solidFill>
+                <a:latin typeface="Arial"/>
+                <a:ea typeface="DejaVu Sans"/>
+              </a:rPr>
+              <a:t>	</a:t>
+            </a:r>
+            <a:r>
+              <a:rPr b="0" lang="en-US" sz="1200" spc="-1" strike="noStrike">
+                <a:solidFill>
+                  <a:srgbClr val="000000"/>
+                </a:solidFill>
+                <a:latin typeface="Arial"/>
+                <a:ea typeface="DejaVu Sans"/>
+              </a:rPr>
+              <a:t>1) eps: 0.4</a:t>
+            </a:r>
+            <a:endParaRPr b="0" lang="en-US" sz="1200" spc="-1" strike="noStrike">
+              <a:latin typeface="Arial"/>
+            </a:endParaRPr>
+          </a:p>
+          <a:p>
+            <a:pPr>
+              <a:lnSpc>
+                <a:spcPct val="100000"/>
+              </a:lnSpc>
+              <a:buNone/>
+            </a:pPr>
+            <a:r>
+              <a:rPr b="0" lang="en-US" sz="1200" spc="-1" strike="noStrike">
+                <a:solidFill>
+                  <a:srgbClr val="000000"/>
+                </a:solidFill>
+                <a:latin typeface="Arial"/>
+                <a:ea typeface="DejaVu Sans"/>
+              </a:rPr>
+              <a:t>	</a:t>
+            </a:r>
+            <a:r>
+              <a:rPr b="0" lang="en-US" sz="1200" spc="-1" strike="noStrike">
+                <a:solidFill>
+                  <a:srgbClr val="000000"/>
+                </a:solidFill>
+                <a:latin typeface="Arial"/>
+                <a:ea typeface="DejaVu Sans"/>
+              </a:rPr>
+              <a:t>2) min_samples: 5</a:t>
+            </a:r>
+            <a:endParaRPr b="0" lang="en-US" sz="1200" spc="-1" strike="noStrike">
+              <a:latin typeface="Arial"/>
+            </a:endParaRPr>
+          </a:p>
+        </p:txBody>
+      </p:sp>
+      <p:pic>
+        <p:nvPicPr>
+          <p:cNvPr id="142" name="" descr=""/>
+          <p:cNvPicPr/>
+          <p:nvPr/>
+        </p:nvPicPr>
+        <p:blipFill>
+          <a:blip r:embed="rId1"/>
+          <a:stretch/>
+        </p:blipFill>
+        <p:spPr>
+          <a:xfrm>
+            <a:off x="4673880" y="1578960"/>
+            <a:ext cx="3861720" cy="2885040"/>
+          </a:xfrm>
+          <a:prstGeom prst="rect">
+            <a:avLst/>
+          </a:prstGeom>
+          <a:ln w="0">
+            <a:noFill/>
+          </a:ln>
+        </p:spPr>
+      </p:pic>
+      <p:pic>
+        <p:nvPicPr>
+          <p:cNvPr id="143" name="" descr=""/>
+          <p:cNvPicPr/>
+          <p:nvPr/>
+        </p:nvPicPr>
+        <p:blipFill>
+          <a:blip r:embed="rId2"/>
+          <a:stretch/>
+        </p:blipFill>
+        <p:spPr>
+          <a:xfrm>
+            <a:off x="457200" y="1600200"/>
+            <a:ext cx="3977640" cy="2971800"/>
+          </a:xfrm>
+          <a:prstGeom prst="rect">
+            <a:avLst/>
+          </a:prstGeom>
+          <a:ln w="0">
+            <a:noFill/>
+          </a:ln>
+        </p:spPr>
+      </p:pic>
+    </p:spTree>
+  </p:cSld>
+  <mc:AlternateContent>
+    <mc:Choice Requires="p14">
+      <p:transition spd="slow" p14:dur="2000"/>
+    </mc:Choice>
+    <mc:Fallback>
+      <p:transition spd="slow"/>
+    </mc:Fallback>
+  </mc:AlternateContent>
+</p:sld>
+</file>
+
+<file path=ppt/slides/slide19.xml><?xml version="1.0" encoding="utf-8"?>
+<p:sld xmlns:a="http://schemas.openxmlformats.org/drawingml/2006/main" xmlns:p="http://schemas.openxmlformats.org/presentationml/2006/main" xmlns:r="http://schemas.openxmlformats.org/officeDocument/2006/relationships" xmlns:p14="http://schemas.microsoft.com/office/powerpoint/2010/main" xmlns:p15="http://schemas.microsoft.com/office/powerpoint/2012/main" xmlns:mc="http://schemas.openxmlformats.org/markup-compatibility/2006">
+  <p:cSld>
+    <p:spTree>
+      <p:nvGrpSpPr>
+        <p:cNvPr id="1" name=""/>
+        <p:cNvGrpSpPr/>
+        <p:nvPr/>
+      </p:nvGrpSpPr>
+      <p:grpSpPr>
+        <a:xfrm>
+          <a:off x="0" y="0"/>
+          <a:ext cx="0" cy="0"/>
+          <a:chOff x="0" y="0"/>
+          <a:chExt cx="0" cy="0"/>
+        </a:xfrm>
+      </p:grpSpPr>
+      <p:sp>
+        <p:nvSpPr>
+          <p:cNvPr id="144" name="PlaceHolder 1"/>
+          <p:cNvSpPr>
+            <a:spLocks noGrp="1"/>
+          </p:cNvSpPr>
+          <p:nvPr>
+            <p:ph type="title"/>
+          </p:nvPr>
+        </p:nvSpPr>
+        <p:spPr>
+          <a:xfrm>
+            <a:off x="504000" y="226080"/>
+            <a:ext cx="9070920" cy="945720"/>
+          </a:xfrm>
+          <a:prstGeom prst="rect">
+            <a:avLst/>
+          </a:prstGeom>
+          <a:noFill/>
+          <a:ln w="0">
+            <a:noFill/>
+          </a:ln>
+        </p:spPr>
+        <p:txBody>
+          <a:bodyPr lIns="0" rIns="0" tIns="0" bIns="0" anchor="ctr">
+            <a:noAutofit/>
+          </a:bodyPr>
+          <a:p>
+            <a:pPr algn="ctr">
+              <a:lnSpc>
+                <a:spcPct val="100000"/>
+              </a:lnSpc>
+              <a:buNone/>
+            </a:pPr>
+            <a:r>
+              <a:rPr b="0" lang="en-US" sz="4400" spc="-1" strike="noStrike">
+                <a:latin typeface="Arial"/>
+              </a:rPr>
+              <a:t>HDBSCAN</a:t>
+            </a:r>
+            <a:endParaRPr b="0" lang="en-US" sz="4400" spc="-1" strike="noStrike">
+              <a:latin typeface="Arial"/>
+            </a:endParaRPr>
+          </a:p>
+        </p:txBody>
+      </p:sp>
+      <p:sp>
+        <p:nvSpPr>
+          <p:cNvPr id="145" name=""/>
+          <p:cNvSpPr/>
+          <p:nvPr/>
+        </p:nvSpPr>
+        <p:spPr>
+          <a:xfrm>
+            <a:off x="5569200" y="2514600"/>
+            <a:ext cx="3802680" cy="601560"/>
+          </a:xfrm>
+          <a:prstGeom prst="rect">
+            <a:avLst/>
+          </a:prstGeom>
+          <a:noFill/>
+          <a:ln w="0">
+            <a:noFill/>
+          </a:ln>
+        </p:spPr>
+        <p:style>
+          <a:lnRef idx="0"/>
+          <a:fillRef idx="0"/>
+          <a:effectRef idx="0"/>
+          <a:fontRef idx="minor"/>
+        </p:style>
+        <p:txBody>
+          <a:bodyPr lIns="90000" rIns="90000" tIns="45000" bIns="45000" anchor="t">
+            <a:noAutofit/>
+          </a:bodyPr>
+          <a:p>
+            <a:pPr>
+              <a:lnSpc>
+                <a:spcPct val="100000"/>
+              </a:lnSpc>
+              <a:buNone/>
+            </a:pPr>
+            <a:r>
+              <a:rPr b="0" lang="en-US" sz="1200" spc="-1" strike="noStrike">
+                <a:solidFill>
+                  <a:srgbClr val="000000"/>
+                </a:solidFill>
+                <a:latin typeface="Arial"/>
+                <a:ea typeface="DejaVu Sans"/>
+              </a:rPr>
+              <a:t>Final: </a:t>
+            </a:r>
+            <a:endParaRPr b="0" lang="en-US" sz="1200" spc="-1" strike="noStrike">
+              <a:latin typeface="Arial"/>
+            </a:endParaRPr>
+          </a:p>
+          <a:p>
+            <a:pPr>
+              <a:lnSpc>
+                <a:spcPct val="100000"/>
+              </a:lnSpc>
+              <a:buNone/>
+            </a:pPr>
+            <a:r>
+              <a:rPr b="0" lang="en-US" sz="1200" spc="-1" strike="noStrike">
+                <a:solidFill>
+                  <a:srgbClr val="000000"/>
+                </a:solidFill>
+                <a:latin typeface="Arial"/>
+                <a:ea typeface="DejaVu Sans"/>
+              </a:rPr>
+              <a:t>	</a:t>
+            </a:r>
+            <a:r>
+              <a:rPr b="0" lang="en-US" sz="1200" spc="-1" strike="noStrike">
+                <a:solidFill>
+                  <a:srgbClr val="000000"/>
+                </a:solidFill>
+                <a:latin typeface="Arial"/>
+                <a:ea typeface="DejaVu Sans"/>
+              </a:rPr>
+              <a:t>1) min_cluster_size: 5</a:t>
+            </a:r>
+            <a:endParaRPr b="0" lang="en-US" sz="1200" spc="-1" strike="noStrike">
+              <a:latin typeface="Arial"/>
+            </a:endParaRPr>
+          </a:p>
+          <a:p>
+            <a:pPr>
+              <a:lnSpc>
+                <a:spcPct val="100000"/>
+              </a:lnSpc>
+              <a:buNone/>
+            </a:pPr>
+            <a:r>
+              <a:rPr b="0" lang="en-US" sz="1200" spc="-1" strike="noStrike">
+                <a:solidFill>
+                  <a:srgbClr val="000000"/>
+                </a:solidFill>
+                <a:latin typeface="Arial"/>
+                <a:ea typeface="DejaVu Sans"/>
+              </a:rPr>
+              <a:t>	</a:t>
+            </a:r>
+            <a:r>
+              <a:rPr b="0" lang="en-US" sz="1200" spc="-1" strike="noStrike">
+                <a:solidFill>
+                  <a:srgbClr val="000000"/>
+                </a:solidFill>
+                <a:latin typeface="Arial"/>
+                <a:ea typeface="DejaVu Sans"/>
+              </a:rPr>
+              <a:t>2) min_samples: 22</a:t>
+            </a:r>
+            <a:endParaRPr b="0" lang="en-US" sz="1200" spc="-1" strike="noStrike">
+              <a:latin typeface="Arial"/>
+            </a:endParaRPr>
+          </a:p>
+        </p:txBody>
+      </p:sp>
+      <p:pic>
+        <p:nvPicPr>
+          <p:cNvPr id="146" name="" descr=""/>
+          <p:cNvPicPr/>
+          <p:nvPr/>
+        </p:nvPicPr>
+        <p:blipFill>
+          <a:blip r:embed="rId1"/>
+          <a:stretch/>
+        </p:blipFill>
+        <p:spPr>
+          <a:xfrm>
+            <a:off x="559080" y="1460880"/>
+            <a:ext cx="4470120" cy="3339720"/>
+          </a:xfrm>
+          <a:prstGeom prst="rect">
+            <a:avLst/>
+          </a:prstGeom>
+          <a:ln w="0">
+            <a:noFill/>
+          </a:ln>
+        </p:spPr>
+      </p:pic>
     </p:spTree>
   </p:cSld>
   <mc:AlternateContent>
@@ -6703,7 +7472,7 @@
         <p:spPr>
           <a:xfrm>
             <a:off x="529920" y="2057400"/>
-            <a:ext cx="9071280" cy="946080"/>
+            <a:ext cx="9070920" cy="945720"/>
           </a:xfrm>
           <a:prstGeom prst="rect">
             <a:avLst/>
@@ -6731,6 +7500,1142 @@
               <a:t>PCA</a:t>
             </a:r>
             <a:endParaRPr b="0" lang="en-US" sz="24920" spc="-1" strike="noStrike">
+              <a:latin typeface="Arial"/>
+            </a:endParaRPr>
+          </a:p>
+        </p:txBody>
+      </p:sp>
+    </p:spTree>
+  </p:cSld>
+  <mc:AlternateContent>
+    <mc:Choice Requires="p14">
+      <p:transition spd="slow" p14:dur="2000"/>
+    </mc:Choice>
+    <mc:Fallback>
+      <p:transition spd="slow"/>
+    </mc:Fallback>
+  </mc:AlternateContent>
+</p:sld>
+</file>
+
+<file path=ppt/slides/slide20.xml><?xml version="1.0" encoding="utf-8"?>
+<p:sld xmlns:a="http://schemas.openxmlformats.org/drawingml/2006/main" xmlns:p="http://schemas.openxmlformats.org/presentationml/2006/main" xmlns:r="http://schemas.openxmlformats.org/officeDocument/2006/relationships" xmlns:p14="http://schemas.microsoft.com/office/powerpoint/2010/main" xmlns:p15="http://schemas.microsoft.com/office/powerpoint/2012/main" xmlns:mc="http://schemas.openxmlformats.org/markup-compatibility/2006">
+  <p:cSld>
+    <p:spTree>
+      <p:nvGrpSpPr>
+        <p:cNvPr id="1" name=""/>
+        <p:cNvGrpSpPr/>
+        <p:nvPr/>
+      </p:nvGrpSpPr>
+      <p:grpSpPr>
+        <a:xfrm>
+          <a:off x="0" y="0"/>
+          <a:ext cx="0" cy="0"/>
+          <a:chOff x="0" y="0"/>
+          <a:chExt cx="0" cy="0"/>
+        </a:xfrm>
+      </p:grpSpPr>
+      <p:sp>
+        <p:nvSpPr>
+          <p:cNvPr id="147" name="PlaceHolder 1"/>
+          <p:cNvSpPr>
+            <a:spLocks noGrp="1"/>
+          </p:cNvSpPr>
+          <p:nvPr>
+            <p:ph type="title"/>
+          </p:nvPr>
+        </p:nvSpPr>
+        <p:spPr>
+          <a:xfrm>
+            <a:off x="504000" y="226080"/>
+            <a:ext cx="9070920" cy="945720"/>
+          </a:xfrm>
+          <a:prstGeom prst="rect">
+            <a:avLst/>
+          </a:prstGeom>
+          <a:noFill/>
+          <a:ln w="0">
+            <a:noFill/>
+          </a:ln>
+        </p:spPr>
+        <p:txBody>
+          <a:bodyPr lIns="0" rIns="0" tIns="0" bIns="0" anchor="ctr">
+            <a:noAutofit/>
+          </a:bodyPr>
+          <a:p>
+            <a:pPr algn="ctr">
+              <a:lnSpc>
+                <a:spcPct val="100000"/>
+              </a:lnSpc>
+              <a:buNone/>
+            </a:pPr>
+            <a:r>
+              <a:rPr b="0" lang="en-US" sz="4400" spc="-1" strike="noStrike">
+                <a:latin typeface="Arial"/>
+              </a:rPr>
+              <a:t>ICA-All</a:t>
+            </a:r>
+            <a:endParaRPr b="0" lang="en-US" sz="4400" spc="-1" strike="noStrike">
+              <a:latin typeface="Arial"/>
+            </a:endParaRPr>
+          </a:p>
+        </p:txBody>
+      </p:sp>
+      <p:sp>
+        <p:nvSpPr>
+          <p:cNvPr id="148" name=""/>
+          <p:cNvSpPr/>
+          <p:nvPr/>
+        </p:nvSpPr>
+        <p:spPr>
+          <a:xfrm>
+            <a:off x="311400" y="5029200"/>
+            <a:ext cx="3802680" cy="456480"/>
+          </a:xfrm>
+          <a:prstGeom prst="rect">
+            <a:avLst/>
+          </a:prstGeom>
+          <a:noFill/>
+          <a:ln w="0">
+            <a:noFill/>
+          </a:ln>
+        </p:spPr>
+        <p:style>
+          <a:lnRef idx="0"/>
+          <a:fillRef idx="0"/>
+          <a:effectRef idx="0"/>
+          <a:fontRef idx="minor"/>
+        </p:style>
+      </p:sp>
+      <p:pic>
+        <p:nvPicPr>
+          <p:cNvPr id="149" name="" descr=""/>
+          <p:cNvPicPr/>
+          <p:nvPr/>
+        </p:nvPicPr>
+        <p:blipFill>
+          <a:blip r:embed="rId1"/>
+          <a:stretch/>
+        </p:blipFill>
+        <p:spPr>
+          <a:xfrm>
+            <a:off x="914400" y="1600200"/>
+            <a:ext cx="7791120" cy="2161800"/>
+          </a:xfrm>
+          <a:prstGeom prst="rect">
+            <a:avLst/>
+          </a:prstGeom>
+          <a:ln w="0">
+            <a:noFill/>
+          </a:ln>
+        </p:spPr>
+      </p:pic>
+    </p:spTree>
+  </p:cSld>
+  <mc:AlternateContent>
+    <mc:Choice Requires="p14">
+      <p:transition spd="slow" p14:dur="2000"/>
+    </mc:Choice>
+    <mc:Fallback>
+      <p:transition spd="slow"/>
+    </mc:Fallback>
+  </mc:AlternateContent>
+</p:sld>
+</file>
+
+<file path=ppt/slides/slide21.xml><?xml version="1.0" encoding="utf-8"?>
+<p:sld xmlns:a="http://schemas.openxmlformats.org/drawingml/2006/main" xmlns:p="http://schemas.openxmlformats.org/presentationml/2006/main" xmlns:r="http://schemas.openxmlformats.org/officeDocument/2006/relationships" xmlns:p14="http://schemas.microsoft.com/office/powerpoint/2010/main" xmlns:p15="http://schemas.microsoft.com/office/powerpoint/2012/main" xmlns:mc="http://schemas.openxmlformats.org/markup-compatibility/2006">
+  <p:cSld>
+    <p:spTree>
+      <p:nvGrpSpPr>
+        <p:cNvPr id="1" name=""/>
+        <p:cNvGrpSpPr/>
+        <p:nvPr/>
+      </p:nvGrpSpPr>
+      <p:grpSpPr>
+        <a:xfrm>
+          <a:off x="0" y="0"/>
+          <a:ext cx="0" cy="0"/>
+          <a:chOff x="0" y="0"/>
+          <a:chExt cx="0" cy="0"/>
+        </a:xfrm>
+      </p:grpSpPr>
+      <p:sp>
+        <p:nvSpPr>
+          <p:cNvPr id="150" name="PlaceHolder 1"/>
+          <p:cNvSpPr>
+            <a:spLocks noGrp="1"/>
+          </p:cNvSpPr>
+          <p:nvPr>
+            <p:ph type="title"/>
+          </p:nvPr>
+        </p:nvSpPr>
+        <p:spPr>
+          <a:xfrm>
+            <a:off x="529920" y="2057400"/>
+            <a:ext cx="9070920" cy="945720"/>
+          </a:xfrm>
+          <a:prstGeom prst="rect">
+            <a:avLst/>
+          </a:prstGeom>
+          <a:noFill/>
+          <a:ln w="0">
+            <a:noFill/>
+          </a:ln>
+        </p:spPr>
+        <p:txBody>
+          <a:bodyPr lIns="0" rIns="0" tIns="0" bIns="0" anchor="ctr">
+            <a:noAutofit/>
+          </a:bodyPr>
+          <a:p>
+            <a:pPr algn="ctr">
+              <a:lnSpc>
+                <a:spcPct val="100000"/>
+              </a:lnSpc>
+              <a:buNone/>
+            </a:pPr>
+            <a:r>
+              <a:rPr b="0" lang="en-US" sz="6600" spc="-1" strike="noStrike">
+                <a:latin typeface="Arial"/>
+              </a:rPr>
+              <a:t>Spectral Embedding</a:t>
+            </a:r>
+            <a:endParaRPr b="0" lang="en-US" sz="6600" spc="-1" strike="noStrike">
+              <a:latin typeface="Arial"/>
+            </a:endParaRPr>
+          </a:p>
+        </p:txBody>
+      </p:sp>
+    </p:spTree>
+  </p:cSld>
+  <mc:AlternateContent>
+    <mc:Choice Requires="p14">
+      <p:transition spd="slow" p14:dur="2000"/>
+    </mc:Choice>
+    <mc:Fallback>
+      <p:transition spd="slow"/>
+    </mc:Fallback>
+  </mc:AlternateContent>
+</p:sld>
+</file>
+
+<file path=ppt/slides/slide22.xml><?xml version="1.0" encoding="utf-8"?>
+<p:sld xmlns:a="http://schemas.openxmlformats.org/drawingml/2006/main" xmlns:p="http://schemas.openxmlformats.org/presentationml/2006/main" xmlns:r="http://schemas.openxmlformats.org/officeDocument/2006/relationships" xmlns:p14="http://schemas.microsoft.com/office/powerpoint/2010/main" xmlns:p15="http://schemas.microsoft.com/office/powerpoint/2012/main" xmlns:mc="http://schemas.openxmlformats.org/markup-compatibility/2006">
+  <p:cSld>
+    <p:spTree>
+      <p:nvGrpSpPr>
+        <p:cNvPr id="1" name=""/>
+        <p:cNvGrpSpPr/>
+        <p:nvPr/>
+      </p:nvGrpSpPr>
+      <p:grpSpPr>
+        <a:xfrm>
+          <a:off x="0" y="0"/>
+          <a:ext cx="0" cy="0"/>
+          <a:chOff x="0" y="0"/>
+          <a:chExt cx="0" cy="0"/>
+        </a:xfrm>
+      </p:grpSpPr>
+      <p:sp>
+        <p:nvSpPr>
+          <p:cNvPr id="151" name="PlaceHolder 1"/>
+          <p:cNvSpPr>
+            <a:spLocks noGrp="1"/>
+          </p:cNvSpPr>
+          <p:nvPr>
+            <p:ph type="title"/>
+          </p:nvPr>
+        </p:nvSpPr>
+        <p:spPr>
+          <a:xfrm>
+            <a:off x="504000" y="226080"/>
+            <a:ext cx="9070920" cy="945720"/>
+          </a:xfrm>
+          <a:prstGeom prst="rect">
+            <a:avLst/>
+          </a:prstGeom>
+          <a:noFill/>
+          <a:ln w="0">
+            <a:noFill/>
+          </a:ln>
+        </p:spPr>
+        <p:txBody>
+          <a:bodyPr lIns="0" rIns="0" tIns="0" bIns="0" anchor="ctr">
+            <a:noAutofit/>
+          </a:bodyPr>
+          <a:p>
+            <a:pPr algn="ctr">
+              <a:lnSpc>
+                <a:spcPct val="100000"/>
+              </a:lnSpc>
+              <a:buNone/>
+            </a:pPr>
+            <a:r>
+              <a:rPr b="0" lang="en-US" sz="4400" spc="-1" strike="noStrike">
+                <a:latin typeface="Arial"/>
+              </a:rPr>
+              <a:t>DBSCAN</a:t>
+            </a:r>
+            <a:endParaRPr b="0" lang="en-US" sz="4400" spc="-1" strike="noStrike">
+              <a:latin typeface="Arial"/>
+            </a:endParaRPr>
+          </a:p>
+        </p:txBody>
+      </p:sp>
+      <p:sp>
+        <p:nvSpPr>
+          <p:cNvPr id="152" name=""/>
+          <p:cNvSpPr/>
+          <p:nvPr/>
+        </p:nvSpPr>
+        <p:spPr>
+          <a:xfrm>
+            <a:off x="311400" y="5029200"/>
+            <a:ext cx="3802680" cy="456480"/>
+          </a:xfrm>
+          <a:prstGeom prst="rect">
+            <a:avLst/>
+          </a:prstGeom>
+          <a:noFill/>
+          <a:ln w="0">
+            <a:noFill/>
+          </a:ln>
+        </p:spPr>
+        <p:style>
+          <a:lnRef idx="0"/>
+          <a:fillRef idx="0"/>
+          <a:effectRef idx="0"/>
+          <a:fontRef idx="minor"/>
+        </p:style>
+        <p:txBody>
+          <a:bodyPr lIns="90000" rIns="90000" tIns="45000" bIns="45000" anchor="t">
+            <a:noAutofit/>
+          </a:bodyPr>
+          <a:p>
+            <a:pPr>
+              <a:lnSpc>
+                <a:spcPct val="100000"/>
+              </a:lnSpc>
+              <a:buNone/>
+            </a:pPr>
+            <a:r>
+              <a:rPr b="0" lang="en-US" sz="1200" spc="-1" strike="noStrike">
+                <a:solidFill>
+                  <a:srgbClr val="000000"/>
+                </a:solidFill>
+                <a:latin typeface="Arial"/>
+                <a:ea typeface="DejaVu Sans"/>
+              </a:rPr>
+              <a:t>Fig. 1: Effect of minimum samples in a neighborhood: </a:t>
+            </a:r>
+            <a:endParaRPr b="0" lang="en-US" sz="1200" spc="-1" strike="noStrike">
+              <a:latin typeface="Arial"/>
+            </a:endParaRPr>
+          </a:p>
+          <a:p>
+            <a:pPr>
+              <a:lnSpc>
+                <a:spcPct val="100000"/>
+              </a:lnSpc>
+              <a:buNone/>
+            </a:pPr>
+            <a:r>
+              <a:rPr b="0" lang="en-US" sz="1200" spc="-1" strike="noStrike">
+                <a:solidFill>
+                  <a:srgbClr val="000000"/>
+                </a:solidFill>
+                <a:latin typeface="Arial"/>
+                <a:ea typeface="DejaVu Sans"/>
+              </a:rPr>
+              <a:t>Set eps = 0.1</a:t>
+            </a:r>
+            <a:endParaRPr b="0" lang="en-US" sz="1200" spc="-1" strike="noStrike">
+              <a:latin typeface="Arial"/>
+            </a:endParaRPr>
+          </a:p>
+        </p:txBody>
+      </p:sp>
+      <p:sp>
+        <p:nvSpPr>
+          <p:cNvPr id="153" name=""/>
+          <p:cNvSpPr/>
+          <p:nvPr/>
+        </p:nvSpPr>
+        <p:spPr>
+          <a:xfrm>
+            <a:off x="4883400" y="4884120"/>
+            <a:ext cx="4259880" cy="601560"/>
+          </a:xfrm>
+          <a:prstGeom prst="rect">
+            <a:avLst/>
+          </a:prstGeom>
+          <a:noFill/>
+          <a:ln w="0">
+            <a:noFill/>
+          </a:ln>
+        </p:spPr>
+        <p:style>
+          <a:lnRef idx="0"/>
+          <a:fillRef idx="0"/>
+          <a:effectRef idx="0"/>
+          <a:fontRef idx="minor"/>
+        </p:style>
+        <p:txBody>
+          <a:bodyPr lIns="90000" rIns="90000" tIns="45000" bIns="45000" anchor="t">
+            <a:noAutofit/>
+          </a:bodyPr>
+          <a:p>
+            <a:pPr>
+              <a:lnSpc>
+                <a:spcPct val="100000"/>
+              </a:lnSpc>
+              <a:buNone/>
+            </a:pPr>
+            <a:r>
+              <a:rPr b="0" lang="en-US" sz="1200" spc="-1" strike="noStrike">
+                <a:solidFill>
+                  <a:srgbClr val="000000"/>
+                </a:solidFill>
+                <a:latin typeface="Arial"/>
+                <a:ea typeface="DejaVu Sans"/>
+              </a:rPr>
+              <a:t>Fig. 2: Effect maximum distance between two samples for one to be considered as in the neighborhood of the other. Set min_samples = 5</a:t>
+            </a:r>
+            <a:endParaRPr b="0" lang="en-US" sz="1200" spc="-1" strike="noStrike">
+              <a:latin typeface="Arial"/>
+            </a:endParaRPr>
+          </a:p>
+        </p:txBody>
+      </p:sp>
+      <p:sp>
+        <p:nvSpPr>
+          <p:cNvPr id="154" name=""/>
+          <p:cNvSpPr/>
+          <p:nvPr/>
+        </p:nvSpPr>
+        <p:spPr>
+          <a:xfrm>
+            <a:off x="6400800" y="637920"/>
+            <a:ext cx="3802680" cy="601560"/>
+          </a:xfrm>
+          <a:prstGeom prst="rect">
+            <a:avLst/>
+          </a:prstGeom>
+          <a:noFill/>
+          <a:ln w="0">
+            <a:noFill/>
+          </a:ln>
+        </p:spPr>
+        <p:style>
+          <a:lnRef idx="0"/>
+          <a:fillRef idx="0"/>
+          <a:effectRef idx="0"/>
+          <a:fontRef idx="minor"/>
+        </p:style>
+        <p:txBody>
+          <a:bodyPr lIns="90000" rIns="90000" tIns="45000" bIns="45000" anchor="t">
+            <a:noAutofit/>
+          </a:bodyPr>
+          <a:p>
+            <a:pPr>
+              <a:lnSpc>
+                <a:spcPct val="100000"/>
+              </a:lnSpc>
+              <a:buNone/>
+            </a:pPr>
+            <a:r>
+              <a:rPr b="0" lang="en-US" sz="1200" spc="-1" strike="noStrike">
+                <a:solidFill>
+                  <a:srgbClr val="000000"/>
+                </a:solidFill>
+                <a:latin typeface="Arial"/>
+                <a:ea typeface="DejaVu Sans"/>
+              </a:rPr>
+              <a:t>Final: </a:t>
+            </a:r>
+            <a:endParaRPr b="0" lang="en-US" sz="1200" spc="-1" strike="noStrike">
+              <a:latin typeface="Arial"/>
+            </a:endParaRPr>
+          </a:p>
+          <a:p>
+            <a:pPr>
+              <a:lnSpc>
+                <a:spcPct val="100000"/>
+              </a:lnSpc>
+              <a:buNone/>
+            </a:pPr>
+            <a:r>
+              <a:rPr b="0" lang="en-US" sz="1200" spc="-1" strike="noStrike">
+                <a:solidFill>
+                  <a:srgbClr val="000000"/>
+                </a:solidFill>
+                <a:latin typeface="Arial"/>
+                <a:ea typeface="DejaVu Sans"/>
+              </a:rPr>
+              <a:t>	</a:t>
+            </a:r>
+            <a:r>
+              <a:rPr b="0" lang="en-US" sz="1200" spc="-1" strike="noStrike">
+                <a:solidFill>
+                  <a:srgbClr val="000000"/>
+                </a:solidFill>
+                <a:latin typeface="Arial"/>
+                <a:ea typeface="DejaVu Sans"/>
+              </a:rPr>
+              <a:t>1) eps: 0.4</a:t>
+            </a:r>
+            <a:endParaRPr b="0" lang="en-US" sz="1200" spc="-1" strike="noStrike">
+              <a:latin typeface="Arial"/>
+            </a:endParaRPr>
+          </a:p>
+          <a:p>
+            <a:pPr>
+              <a:lnSpc>
+                <a:spcPct val="100000"/>
+              </a:lnSpc>
+              <a:buNone/>
+            </a:pPr>
+            <a:r>
+              <a:rPr b="0" lang="en-US" sz="1200" spc="-1" strike="noStrike">
+                <a:solidFill>
+                  <a:srgbClr val="000000"/>
+                </a:solidFill>
+                <a:latin typeface="Arial"/>
+                <a:ea typeface="DejaVu Sans"/>
+              </a:rPr>
+              <a:t>	</a:t>
+            </a:r>
+            <a:r>
+              <a:rPr b="0" lang="en-US" sz="1200" spc="-1" strike="noStrike">
+                <a:solidFill>
+                  <a:srgbClr val="000000"/>
+                </a:solidFill>
+                <a:latin typeface="Arial"/>
+                <a:ea typeface="DejaVu Sans"/>
+              </a:rPr>
+              <a:t>2) min_samples: 5</a:t>
+            </a:r>
+            <a:endParaRPr b="0" lang="en-US" sz="1200" spc="-1" strike="noStrike">
+              <a:latin typeface="Arial"/>
+            </a:endParaRPr>
+          </a:p>
+        </p:txBody>
+      </p:sp>
+      <p:pic>
+        <p:nvPicPr>
+          <p:cNvPr id="155" name="" descr=""/>
+          <p:cNvPicPr/>
+          <p:nvPr/>
+        </p:nvPicPr>
+        <p:blipFill>
+          <a:blip r:embed="rId1"/>
+          <a:stretch/>
+        </p:blipFill>
+        <p:spPr>
+          <a:xfrm>
+            <a:off x="228600" y="1600200"/>
+            <a:ext cx="3994200" cy="2971800"/>
+          </a:xfrm>
+          <a:prstGeom prst="rect">
+            <a:avLst/>
+          </a:prstGeom>
+          <a:ln w="0">
+            <a:noFill/>
+          </a:ln>
+        </p:spPr>
+      </p:pic>
+      <p:pic>
+        <p:nvPicPr>
+          <p:cNvPr id="156" name="" descr=""/>
+          <p:cNvPicPr/>
+          <p:nvPr/>
+        </p:nvPicPr>
+        <p:blipFill>
+          <a:blip r:embed="rId2"/>
+          <a:stretch/>
+        </p:blipFill>
+        <p:spPr>
+          <a:xfrm>
+            <a:off x="4800600" y="1600200"/>
+            <a:ext cx="4257360" cy="3167280"/>
+          </a:xfrm>
+          <a:prstGeom prst="rect">
+            <a:avLst/>
+          </a:prstGeom>
+          <a:ln w="0">
+            <a:noFill/>
+          </a:ln>
+        </p:spPr>
+      </p:pic>
+    </p:spTree>
+  </p:cSld>
+  <mc:AlternateContent>
+    <mc:Choice Requires="p14">
+      <p:transition spd="slow" p14:dur="2000"/>
+    </mc:Choice>
+    <mc:Fallback>
+      <p:transition spd="slow"/>
+    </mc:Fallback>
+  </mc:AlternateContent>
+</p:sld>
+</file>
+
+<file path=ppt/slides/slide23.xml><?xml version="1.0" encoding="utf-8"?>
+<p:sld xmlns:a="http://schemas.openxmlformats.org/drawingml/2006/main" xmlns:p="http://schemas.openxmlformats.org/presentationml/2006/main" xmlns:r="http://schemas.openxmlformats.org/officeDocument/2006/relationships" xmlns:p14="http://schemas.microsoft.com/office/powerpoint/2010/main" xmlns:p15="http://schemas.microsoft.com/office/powerpoint/2012/main" xmlns:mc="http://schemas.openxmlformats.org/markup-compatibility/2006">
+  <p:cSld>
+    <p:spTree>
+      <p:nvGrpSpPr>
+        <p:cNvPr id="1" name=""/>
+        <p:cNvGrpSpPr/>
+        <p:nvPr/>
+      </p:nvGrpSpPr>
+      <p:grpSpPr>
+        <a:xfrm>
+          <a:off x="0" y="0"/>
+          <a:ext cx="0" cy="0"/>
+          <a:chOff x="0" y="0"/>
+          <a:chExt cx="0" cy="0"/>
+        </a:xfrm>
+      </p:grpSpPr>
+      <p:sp>
+        <p:nvSpPr>
+          <p:cNvPr id="157" name="PlaceHolder 1"/>
+          <p:cNvSpPr>
+            <a:spLocks noGrp="1"/>
+          </p:cNvSpPr>
+          <p:nvPr>
+            <p:ph type="title"/>
+          </p:nvPr>
+        </p:nvSpPr>
+        <p:spPr>
+          <a:xfrm>
+            <a:off x="504000" y="226080"/>
+            <a:ext cx="9070920" cy="945720"/>
+          </a:xfrm>
+          <a:prstGeom prst="rect">
+            <a:avLst/>
+          </a:prstGeom>
+          <a:noFill/>
+          <a:ln w="0">
+            <a:noFill/>
+          </a:ln>
+        </p:spPr>
+        <p:txBody>
+          <a:bodyPr lIns="0" rIns="0" tIns="0" bIns="0" anchor="ctr">
+            <a:noAutofit/>
+          </a:bodyPr>
+          <a:p>
+            <a:pPr algn="ctr">
+              <a:lnSpc>
+                <a:spcPct val="100000"/>
+              </a:lnSpc>
+              <a:buNone/>
+            </a:pPr>
+            <a:r>
+              <a:rPr b="0" lang="en-US" sz="4400" spc="-1" strike="noStrike">
+                <a:latin typeface="Arial"/>
+              </a:rPr>
+              <a:t>HDBSCAN</a:t>
+            </a:r>
+            <a:endParaRPr b="0" lang="en-US" sz="4400" spc="-1" strike="noStrike">
+              <a:latin typeface="Arial"/>
+            </a:endParaRPr>
+          </a:p>
+        </p:txBody>
+      </p:sp>
+      <p:sp>
+        <p:nvSpPr>
+          <p:cNvPr id="158" name=""/>
+          <p:cNvSpPr/>
+          <p:nvPr/>
+        </p:nvSpPr>
+        <p:spPr>
+          <a:xfrm>
+            <a:off x="5569200" y="2514600"/>
+            <a:ext cx="3802680" cy="601560"/>
+          </a:xfrm>
+          <a:prstGeom prst="rect">
+            <a:avLst/>
+          </a:prstGeom>
+          <a:noFill/>
+          <a:ln w="0">
+            <a:noFill/>
+          </a:ln>
+        </p:spPr>
+        <p:style>
+          <a:lnRef idx="0"/>
+          <a:fillRef idx="0"/>
+          <a:effectRef idx="0"/>
+          <a:fontRef idx="minor"/>
+        </p:style>
+        <p:txBody>
+          <a:bodyPr lIns="90000" rIns="90000" tIns="45000" bIns="45000" anchor="t">
+            <a:noAutofit/>
+          </a:bodyPr>
+          <a:p>
+            <a:pPr>
+              <a:lnSpc>
+                <a:spcPct val="100000"/>
+              </a:lnSpc>
+              <a:buNone/>
+            </a:pPr>
+            <a:r>
+              <a:rPr b="0" lang="en-US" sz="1200" spc="-1" strike="noStrike">
+                <a:solidFill>
+                  <a:srgbClr val="000000"/>
+                </a:solidFill>
+                <a:latin typeface="Arial"/>
+                <a:ea typeface="DejaVu Sans"/>
+              </a:rPr>
+              <a:t>Final: </a:t>
+            </a:r>
+            <a:endParaRPr b="0" lang="en-US" sz="1200" spc="-1" strike="noStrike">
+              <a:latin typeface="Arial"/>
+            </a:endParaRPr>
+          </a:p>
+          <a:p>
+            <a:pPr>
+              <a:lnSpc>
+                <a:spcPct val="100000"/>
+              </a:lnSpc>
+              <a:buNone/>
+            </a:pPr>
+            <a:r>
+              <a:rPr b="0" lang="en-US" sz="1200" spc="-1" strike="noStrike">
+                <a:solidFill>
+                  <a:srgbClr val="000000"/>
+                </a:solidFill>
+                <a:latin typeface="Arial"/>
+                <a:ea typeface="DejaVu Sans"/>
+              </a:rPr>
+              <a:t>	</a:t>
+            </a:r>
+            <a:r>
+              <a:rPr b="0" lang="en-US" sz="1200" spc="-1" strike="noStrike">
+                <a:solidFill>
+                  <a:srgbClr val="000000"/>
+                </a:solidFill>
+                <a:latin typeface="Arial"/>
+                <a:ea typeface="DejaVu Sans"/>
+              </a:rPr>
+              <a:t>1) min_cluster_size: 5</a:t>
+            </a:r>
+            <a:endParaRPr b="0" lang="en-US" sz="1200" spc="-1" strike="noStrike">
+              <a:latin typeface="Arial"/>
+            </a:endParaRPr>
+          </a:p>
+          <a:p>
+            <a:pPr>
+              <a:lnSpc>
+                <a:spcPct val="100000"/>
+              </a:lnSpc>
+              <a:buNone/>
+            </a:pPr>
+            <a:r>
+              <a:rPr b="0" lang="en-US" sz="1200" spc="-1" strike="noStrike">
+                <a:solidFill>
+                  <a:srgbClr val="000000"/>
+                </a:solidFill>
+                <a:latin typeface="Arial"/>
+                <a:ea typeface="DejaVu Sans"/>
+              </a:rPr>
+              <a:t>	</a:t>
+            </a:r>
+            <a:r>
+              <a:rPr b="0" lang="en-US" sz="1200" spc="-1" strike="noStrike">
+                <a:solidFill>
+                  <a:srgbClr val="000000"/>
+                </a:solidFill>
+                <a:latin typeface="Arial"/>
+                <a:ea typeface="DejaVu Sans"/>
+              </a:rPr>
+              <a:t>2) min_samples: 38</a:t>
+            </a:r>
+            <a:endParaRPr b="0" lang="en-US" sz="1200" spc="-1" strike="noStrike">
+              <a:latin typeface="Arial"/>
+            </a:endParaRPr>
+          </a:p>
+        </p:txBody>
+      </p:sp>
+      <p:pic>
+        <p:nvPicPr>
+          <p:cNvPr id="159" name="" descr=""/>
+          <p:cNvPicPr/>
+          <p:nvPr/>
+        </p:nvPicPr>
+        <p:blipFill>
+          <a:blip r:embed="rId1"/>
+          <a:stretch/>
+        </p:blipFill>
+        <p:spPr>
+          <a:xfrm>
+            <a:off x="457200" y="1143000"/>
+            <a:ext cx="5229360" cy="3890520"/>
+          </a:xfrm>
+          <a:prstGeom prst="rect">
+            <a:avLst/>
+          </a:prstGeom>
+          <a:ln w="0">
+            <a:noFill/>
+          </a:ln>
+        </p:spPr>
+      </p:pic>
+    </p:spTree>
+  </p:cSld>
+  <mc:AlternateContent>
+    <mc:Choice Requires="p14">
+      <p:transition spd="slow" p14:dur="2000"/>
+    </mc:Choice>
+    <mc:Fallback>
+      <p:transition spd="slow"/>
+    </mc:Fallback>
+  </mc:AlternateContent>
+</p:sld>
+</file>
+
+<file path=ppt/slides/slide24.xml><?xml version="1.0" encoding="utf-8"?>
+<p:sld xmlns:a="http://schemas.openxmlformats.org/drawingml/2006/main" xmlns:p="http://schemas.openxmlformats.org/presentationml/2006/main" xmlns:r="http://schemas.openxmlformats.org/officeDocument/2006/relationships" xmlns:p14="http://schemas.microsoft.com/office/powerpoint/2010/main" xmlns:p15="http://schemas.microsoft.com/office/powerpoint/2012/main" xmlns:mc="http://schemas.openxmlformats.org/markup-compatibility/2006">
+  <p:cSld>
+    <p:spTree>
+      <p:nvGrpSpPr>
+        <p:cNvPr id="1" name=""/>
+        <p:cNvGrpSpPr/>
+        <p:nvPr/>
+      </p:nvGrpSpPr>
+      <p:grpSpPr>
+        <a:xfrm>
+          <a:off x="0" y="0"/>
+          <a:ext cx="0" cy="0"/>
+          <a:chOff x="0" y="0"/>
+          <a:chExt cx="0" cy="0"/>
+        </a:xfrm>
+      </p:grpSpPr>
+      <p:sp>
+        <p:nvSpPr>
+          <p:cNvPr id="160" name="PlaceHolder 1"/>
+          <p:cNvSpPr>
+            <a:spLocks noGrp="1"/>
+          </p:cNvSpPr>
+          <p:nvPr>
+            <p:ph type="title"/>
+          </p:nvPr>
+        </p:nvSpPr>
+        <p:spPr>
+          <a:xfrm>
+            <a:off x="504000" y="226080"/>
+            <a:ext cx="9070920" cy="945720"/>
+          </a:xfrm>
+          <a:prstGeom prst="rect">
+            <a:avLst/>
+          </a:prstGeom>
+          <a:noFill/>
+          <a:ln w="0">
+            <a:noFill/>
+          </a:ln>
+        </p:spPr>
+        <p:txBody>
+          <a:bodyPr lIns="0" rIns="0" tIns="0" bIns="0" anchor="ctr">
+            <a:noAutofit/>
+          </a:bodyPr>
+          <a:p>
+            <a:pPr algn="ctr">
+              <a:lnSpc>
+                <a:spcPct val="100000"/>
+              </a:lnSpc>
+              <a:buNone/>
+            </a:pPr>
+            <a:r>
+              <a:rPr b="0" lang="en-US" sz="4400" spc="-1" strike="noStrike">
+                <a:latin typeface="Arial"/>
+              </a:rPr>
+              <a:t>SE-All</a:t>
+            </a:r>
+            <a:endParaRPr b="0" lang="en-US" sz="4400" spc="-1" strike="noStrike">
+              <a:latin typeface="Arial"/>
+            </a:endParaRPr>
+          </a:p>
+        </p:txBody>
+      </p:sp>
+      <p:sp>
+        <p:nvSpPr>
+          <p:cNvPr id="161" name=""/>
+          <p:cNvSpPr/>
+          <p:nvPr/>
+        </p:nvSpPr>
+        <p:spPr>
+          <a:xfrm>
+            <a:off x="311400" y="5029200"/>
+            <a:ext cx="3802680" cy="456480"/>
+          </a:xfrm>
+          <a:prstGeom prst="rect">
+            <a:avLst/>
+          </a:prstGeom>
+          <a:noFill/>
+          <a:ln w="0">
+            <a:noFill/>
+          </a:ln>
+        </p:spPr>
+        <p:style>
+          <a:lnRef idx="0"/>
+          <a:fillRef idx="0"/>
+          <a:effectRef idx="0"/>
+          <a:fontRef idx="minor"/>
+        </p:style>
+      </p:sp>
+      <p:pic>
+        <p:nvPicPr>
+          <p:cNvPr id="162" name="" descr=""/>
+          <p:cNvPicPr/>
+          <p:nvPr/>
+        </p:nvPicPr>
+        <p:blipFill>
+          <a:blip r:embed="rId1"/>
+          <a:stretch/>
+        </p:blipFill>
+        <p:spPr>
+          <a:xfrm>
+            <a:off x="1063440" y="1769040"/>
+            <a:ext cx="7953120" cy="2123640"/>
+          </a:xfrm>
+          <a:prstGeom prst="rect">
+            <a:avLst/>
+          </a:prstGeom>
+          <a:ln w="0">
+            <a:noFill/>
+          </a:ln>
+        </p:spPr>
+      </p:pic>
+    </p:spTree>
+  </p:cSld>
+  <mc:AlternateContent>
+    <mc:Choice Requires="p14">
+      <p:transition spd="slow" p14:dur="2000"/>
+    </mc:Choice>
+    <mc:Fallback>
+      <p:transition spd="slow"/>
+    </mc:Fallback>
+  </mc:AlternateContent>
+</p:sld>
+</file>
+
+<file path=ppt/slides/slide25.xml><?xml version="1.0" encoding="utf-8"?>
+<p:sld xmlns:a="http://schemas.openxmlformats.org/drawingml/2006/main" xmlns:p="http://schemas.openxmlformats.org/presentationml/2006/main" xmlns:r="http://schemas.openxmlformats.org/officeDocument/2006/relationships" xmlns:p14="http://schemas.microsoft.com/office/powerpoint/2010/main" xmlns:p15="http://schemas.microsoft.com/office/powerpoint/2012/main" xmlns:mc="http://schemas.openxmlformats.org/markup-compatibility/2006">
+  <p:cSld>
+    <p:spTree>
+      <p:nvGrpSpPr>
+        <p:cNvPr id="1" name=""/>
+        <p:cNvGrpSpPr/>
+        <p:nvPr/>
+      </p:nvGrpSpPr>
+      <p:grpSpPr>
+        <a:xfrm>
+          <a:off x="0" y="0"/>
+          <a:ext cx="0" cy="0"/>
+          <a:chOff x="0" y="0"/>
+          <a:chExt cx="0" cy="0"/>
+        </a:xfrm>
+      </p:grpSpPr>
+      <p:sp>
+        <p:nvSpPr>
+          <p:cNvPr id="163" name=""/>
+          <p:cNvSpPr/>
+          <p:nvPr/>
+        </p:nvSpPr>
+        <p:spPr>
+          <a:xfrm>
+            <a:off x="311400" y="4129200"/>
+            <a:ext cx="3802680" cy="456480"/>
+          </a:xfrm>
+          <a:prstGeom prst="rect">
+            <a:avLst/>
+          </a:prstGeom>
+          <a:noFill/>
+          <a:ln w="0">
+            <a:noFill/>
+          </a:ln>
+        </p:spPr>
+        <p:style>
+          <a:lnRef idx="0"/>
+          <a:fillRef idx="0"/>
+          <a:effectRef idx="0"/>
+          <a:fontRef idx="minor"/>
+        </p:style>
+      </p:sp>
+      <p:sp>
+        <p:nvSpPr>
+          <p:cNvPr id="164" name=""/>
+          <p:cNvSpPr txBox="1"/>
+          <p:nvPr/>
+        </p:nvSpPr>
+        <p:spPr>
+          <a:xfrm>
+            <a:off x="228600" y="1157400"/>
+            <a:ext cx="650160" cy="346320"/>
+          </a:xfrm>
+          <a:prstGeom prst="rect">
+            <a:avLst/>
+          </a:prstGeom>
+          <a:noFill/>
+          <a:ln w="0">
+            <a:noFill/>
+          </a:ln>
+        </p:spPr>
+        <p:txBody>
+          <a:bodyPr lIns="90000" rIns="90000" tIns="45000" bIns="45000" anchor="t">
+            <a:noAutofit/>
+          </a:bodyPr>
+          <a:p>
+            <a:r>
+              <a:rPr b="0" lang="en-US" sz="1800" spc="-1" strike="noStrike">
+                <a:latin typeface="Arial"/>
+              </a:rPr>
+              <a:t>PCA</a:t>
+            </a:r>
+            <a:endParaRPr b="0" lang="en-US" sz="1800" spc="-1" strike="noStrike">
+              <a:latin typeface="Arial"/>
+            </a:endParaRPr>
+          </a:p>
+        </p:txBody>
+      </p:sp>
+      <p:sp>
+        <p:nvSpPr>
+          <p:cNvPr id="165" name=""/>
+          <p:cNvSpPr txBox="1"/>
+          <p:nvPr/>
+        </p:nvSpPr>
+        <p:spPr>
+          <a:xfrm>
+            <a:off x="228600" y="1954080"/>
+            <a:ext cx="714240" cy="346320"/>
+          </a:xfrm>
+          <a:prstGeom prst="rect">
+            <a:avLst/>
+          </a:prstGeom>
+          <a:noFill/>
+          <a:ln w="0">
+            <a:noFill/>
+          </a:ln>
+        </p:spPr>
+        <p:txBody>
+          <a:bodyPr lIns="90000" rIns="90000" tIns="45000" bIns="45000" anchor="t">
+            <a:noAutofit/>
+          </a:bodyPr>
+          <a:p>
+            <a:r>
+              <a:rPr b="0" lang="en-US" sz="1800" spc="-1" strike="noStrike">
+                <a:latin typeface="Arial"/>
+              </a:rPr>
+              <a:t>tSNE</a:t>
+            </a:r>
+            <a:endParaRPr b="0" lang="en-US" sz="1800" spc="-1" strike="noStrike">
+              <a:latin typeface="Arial"/>
+            </a:endParaRPr>
+          </a:p>
+        </p:txBody>
+      </p:sp>
+      <p:sp>
+        <p:nvSpPr>
+          <p:cNvPr id="166" name=""/>
+          <p:cNvSpPr txBox="1"/>
+          <p:nvPr/>
+        </p:nvSpPr>
+        <p:spPr>
+          <a:xfrm>
+            <a:off x="200160" y="2757600"/>
+            <a:ext cx="561600" cy="346320"/>
+          </a:xfrm>
+          <a:prstGeom prst="rect">
+            <a:avLst/>
+          </a:prstGeom>
+          <a:noFill/>
+          <a:ln w="0">
+            <a:noFill/>
+          </a:ln>
+        </p:spPr>
+        <p:txBody>
+          <a:bodyPr lIns="90000" rIns="90000" tIns="45000" bIns="45000" anchor="t">
+            <a:noAutofit/>
+          </a:bodyPr>
+          <a:p>
+            <a:r>
+              <a:rPr b="0" lang="en-US" sz="1800" spc="-1" strike="noStrike">
+                <a:latin typeface="Arial"/>
+              </a:rPr>
+              <a:t>ICA</a:t>
+            </a:r>
+            <a:endParaRPr b="0" lang="en-US" sz="1800" spc="-1" strike="noStrike">
+              <a:latin typeface="Arial"/>
+            </a:endParaRPr>
+          </a:p>
+        </p:txBody>
+      </p:sp>
+      <p:sp>
+        <p:nvSpPr>
+          <p:cNvPr id="167" name=""/>
+          <p:cNvSpPr txBox="1"/>
+          <p:nvPr/>
+        </p:nvSpPr>
+        <p:spPr>
+          <a:xfrm>
+            <a:off x="228600" y="3443400"/>
+            <a:ext cx="1070640" cy="346320"/>
+          </a:xfrm>
+          <a:prstGeom prst="rect">
+            <a:avLst/>
+          </a:prstGeom>
+          <a:noFill/>
+          <a:ln w="0">
+            <a:noFill/>
+          </a:ln>
+        </p:spPr>
+        <p:txBody>
+          <a:bodyPr lIns="90000" rIns="90000" tIns="45000" bIns="45000" anchor="t">
+            <a:noAutofit/>
+          </a:bodyPr>
+          <a:p>
+            <a:r>
+              <a:rPr b="0" lang="en-US" sz="1800" spc="-1" strike="noStrike">
+                <a:latin typeface="Arial"/>
+              </a:rPr>
+              <a:t>ISOMAP</a:t>
+            </a:r>
+            <a:endParaRPr b="0" lang="en-US" sz="1800" spc="-1" strike="noStrike">
+              <a:latin typeface="Arial"/>
+            </a:endParaRPr>
+          </a:p>
+        </p:txBody>
+      </p:sp>
+      <p:sp>
+        <p:nvSpPr>
+          <p:cNvPr id="168" name=""/>
+          <p:cNvSpPr txBox="1"/>
+          <p:nvPr/>
+        </p:nvSpPr>
+        <p:spPr>
+          <a:xfrm>
+            <a:off x="228600" y="4239360"/>
+            <a:ext cx="1119600" cy="346320"/>
+          </a:xfrm>
+          <a:prstGeom prst="rect">
+            <a:avLst/>
+          </a:prstGeom>
+          <a:noFill/>
+          <a:ln w="0">
+            <a:noFill/>
+          </a:ln>
+        </p:spPr>
+        <p:txBody>
+          <a:bodyPr lIns="90000" rIns="90000" tIns="45000" bIns="45000" anchor="t">
+            <a:noAutofit/>
+          </a:bodyPr>
+          <a:p>
+            <a:r>
+              <a:rPr b="0" lang="en-US" sz="1800" spc="-1" strike="noStrike">
+                <a:latin typeface="Arial"/>
+              </a:rPr>
+              <a:t>S Embed</a:t>
+            </a:r>
+            <a:endParaRPr b="0" lang="en-US" sz="1800" spc="-1" strike="noStrike">
               <a:latin typeface="Arial"/>
             </a:endParaRPr>
           </a:p>
@@ -6779,7 +8684,7 @@
         <p:spPr>
           <a:xfrm>
             <a:off x="504000" y="223920"/>
-            <a:ext cx="9071280" cy="946080"/>
+            <a:ext cx="9070920" cy="945720"/>
           </a:xfrm>
           <a:prstGeom prst="rect">
             <a:avLst/>
@@ -6843,7 +8748,7 @@
         <p:spPr>
           <a:xfrm>
             <a:off x="5362920" y="1381320"/>
-            <a:ext cx="3323520" cy="3418920"/>
+            <a:ext cx="3323160" cy="3418560"/>
           </a:xfrm>
           <a:prstGeom prst="rect">
             <a:avLst/>
@@ -6866,7 +8771,7 @@
         <p:spPr>
           <a:xfrm>
             <a:off x="1019520" y="1391040"/>
-            <a:ext cx="3323520" cy="3409200"/>
+            <a:ext cx="3323160" cy="3408840"/>
           </a:xfrm>
           <a:prstGeom prst="rect">
             <a:avLst/>
@@ -6919,7 +8824,7 @@
         <p:spPr>
           <a:xfrm>
             <a:off x="504000" y="226080"/>
-            <a:ext cx="9071280" cy="946080"/>
+            <a:ext cx="9070920" cy="945720"/>
           </a:xfrm>
           <a:prstGeom prst="rect">
             <a:avLst/>
@@ -6961,7 +8866,7 @@
         <p:spPr>
           <a:xfrm>
             <a:off x="311400" y="5029200"/>
-            <a:ext cx="3803040" cy="456840"/>
+            <a:ext cx="3802680" cy="456480"/>
           </a:xfrm>
           <a:prstGeom prst="rect">
             <a:avLst/>
@@ -6990,7 +8895,11 @@
             </a:pPr>
             <a:r>
               <a:rPr b="0" lang="en-US" sz="1200" spc="-1" strike="noStrike">
-                <a:latin typeface="Arial"/>
+                <a:solidFill>
+                  <a:srgbClr val="000000"/>
+                </a:solidFill>
+                <a:latin typeface="Arial"/>
+                <a:ea typeface="DejaVu Sans"/>
               </a:rPr>
               <a:t>Fig. 1: Effect of minimum samples in a neighborhood: </a:t>
             </a:r>
@@ -7007,7 +8916,11 @@
             </a:pPr>
             <a:r>
               <a:rPr b="0" lang="en-US" sz="1200" spc="-1" strike="noStrike">
-                <a:latin typeface="Arial"/>
+                <a:solidFill>
+                  <a:srgbClr val="000000"/>
+                </a:solidFill>
+                <a:latin typeface="Arial"/>
+                <a:ea typeface="DejaVu Sans"/>
               </a:rPr>
               <a:t>Set eps = 0.1</a:t>
             </a:r>
@@ -7030,7 +8943,7 @@
         <p:spPr>
           <a:xfrm>
             <a:off x="578160" y="1828800"/>
-            <a:ext cx="3993480" cy="2998080"/>
+            <a:ext cx="3993120" cy="2997720"/>
           </a:xfrm>
           <a:prstGeom prst="rect">
             <a:avLst/>
@@ -7049,7 +8962,7 @@
         <p:spPr>
           <a:xfrm>
             <a:off x="4883400" y="4884120"/>
-            <a:ext cx="4260240" cy="601920"/>
+            <a:ext cx="4259880" cy="601560"/>
           </a:xfrm>
           <a:prstGeom prst="rect">
             <a:avLst/>
@@ -7078,7 +8991,11 @@
             </a:pPr>
             <a:r>
               <a:rPr b="0" lang="en-US" sz="1200" spc="-1" strike="noStrike">
-                <a:latin typeface="Arial"/>
+                <a:solidFill>
+                  <a:srgbClr val="000000"/>
+                </a:solidFill>
+                <a:latin typeface="Arial"/>
+                <a:ea typeface="DejaVu Sans"/>
               </a:rPr>
               <a:t>Fig. 2: Effect maximum distance between two samples for one to be considered as in the neighborhood of the other. Set min_samples = 15</a:t>
             </a:r>
@@ -7101,7 +9018,7 @@
         <p:spPr>
           <a:xfrm>
             <a:off x="4920480" y="1828800"/>
-            <a:ext cx="3765960" cy="2827080"/>
+            <a:ext cx="3765600" cy="2826720"/>
           </a:xfrm>
           <a:prstGeom prst="rect">
             <a:avLst/>
@@ -7120,7 +9037,7 @@
         <p:spPr>
           <a:xfrm>
             <a:off x="6400800" y="997920"/>
-            <a:ext cx="3803040" cy="601920"/>
+            <a:ext cx="3802680" cy="601560"/>
           </a:xfrm>
           <a:prstGeom prst="rect">
             <a:avLst/>
@@ -7149,7 +9066,11 @@
             </a:pPr>
             <a:r>
               <a:rPr b="0" lang="en-US" sz="1200" spc="-1" strike="noStrike">
-                <a:latin typeface="Arial"/>
+                <a:solidFill>
+                  <a:srgbClr val="000000"/>
+                </a:solidFill>
+                <a:latin typeface="Arial"/>
+                <a:ea typeface="DejaVu Sans"/>
               </a:rPr>
               <a:t>Final: </a:t>
             </a:r>
@@ -7166,13 +9087,21 @@
             </a:pPr>
             <a:r>
               <a:rPr b="0" lang="en-US" sz="1200" spc="-1" strike="noStrike">
-                <a:latin typeface="Arial"/>
+                <a:solidFill>
+                  <a:srgbClr val="000000"/>
+                </a:solidFill>
+                <a:latin typeface="Arial"/>
+                <a:ea typeface="DejaVu Sans"/>
               </a:rPr>
               <a:t>	</a:t>
             </a:r>
             <a:r>
               <a:rPr b="0" lang="en-US" sz="1200" spc="-1" strike="noStrike">
-                <a:latin typeface="Arial"/>
+                <a:solidFill>
+                  <a:srgbClr val="000000"/>
+                </a:solidFill>
+                <a:latin typeface="Arial"/>
+                <a:ea typeface="DejaVu Sans"/>
               </a:rPr>
               <a:t>1) eps: 0.1</a:t>
             </a:r>
@@ -7189,13 +9118,21 @@
             </a:pPr>
             <a:r>
               <a:rPr b="0" lang="en-US" sz="1200" spc="-1" strike="noStrike">
-                <a:latin typeface="Arial"/>
+                <a:solidFill>
+                  <a:srgbClr val="000000"/>
+                </a:solidFill>
+                <a:latin typeface="Arial"/>
+                <a:ea typeface="DejaVu Sans"/>
               </a:rPr>
               <a:t>	</a:t>
             </a:r>
             <a:r>
               <a:rPr b="0" lang="en-US" sz="1200" spc="-1" strike="noStrike">
-                <a:latin typeface="Arial"/>
+                <a:solidFill>
+                  <a:srgbClr val="000000"/>
+                </a:solidFill>
+                <a:latin typeface="Arial"/>
+                <a:ea typeface="DejaVu Sans"/>
               </a:rPr>
               <a:t>2) min_samples: 15</a:t>
             </a:r>
@@ -7248,7 +9185,7 @@
         <p:spPr>
           <a:xfrm>
             <a:off x="504000" y="226080"/>
-            <a:ext cx="9071280" cy="946080"/>
+            <a:ext cx="9070920" cy="945720"/>
           </a:xfrm>
           <a:prstGeom prst="rect">
             <a:avLst/>
@@ -7290,7 +9227,7 @@
         <p:spPr>
           <a:xfrm>
             <a:off x="311400" y="5029200"/>
-            <a:ext cx="3803040" cy="456840"/>
+            <a:ext cx="3802680" cy="456480"/>
           </a:xfrm>
           <a:prstGeom prst="rect">
             <a:avLst/>
@@ -7319,7 +9256,11 @@
             </a:pPr>
             <a:r>
               <a:rPr b="0" lang="en-US" sz="1200" spc="-1" strike="noStrike">
-                <a:latin typeface="Arial"/>
+                <a:solidFill>
+                  <a:srgbClr val="000000"/>
+                </a:solidFill>
+                <a:latin typeface="Arial"/>
+                <a:ea typeface="DejaVu Sans"/>
               </a:rPr>
               <a:t>Fig. 1: Effect of minimum samples in a neighborhood: </a:t>
             </a:r>
@@ -7336,9 +9277,13 @@
             </a:pPr>
             <a:r>
               <a:rPr b="0" lang="en-US" sz="1200" spc="-1" strike="noStrike">
-                <a:latin typeface="Arial"/>
-              </a:rPr>
-              <a:t>Set eps = 0.1</a:t>
+                <a:solidFill>
+                  <a:srgbClr val="000000"/>
+                </a:solidFill>
+                <a:latin typeface="Arial"/>
+                <a:ea typeface="DejaVu Sans"/>
+              </a:rPr>
+              <a:t>Set min_cluster_size = 5</a:t>
             </a:r>
             <a:endParaRPr b="0" lang="en-US" sz="1200" spc="-1" strike="noStrike">
               <a:latin typeface="Arial"/>
@@ -7359,7 +9304,7 @@
         <p:spPr>
           <a:xfrm>
             <a:off x="228600" y="1143000"/>
-            <a:ext cx="4871880" cy="3657240"/>
+            <a:ext cx="4871520" cy="3656880"/>
           </a:xfrm>
           <a:prstGeom prst="rect">
             <a:avLst/>
@@ -7377,8 +9322,8 @@
         </p:nvSpPr>
         <p:spPr>
           <a:xfrm>
-            <a:off x="5569200" y="2514600"/>
-            <a:ext cx="3803040" cy="601920"/>
+            <a:off x="6858000" y="228600"/>
+            <a:ext cx="3117600" cy="601560"/>
           </a:xfrm>
           <a:prstGeom prst="rect">
             <a:avLst/>
@@ -7407,7 +9352,11 @@
             </a:pPr>
             <a:r>
               <a:rPr b="0" lang="en-US" sz="1200" spc="-1" strike="noStrike">
-                <a:latin typeface="Arial"/>
+                <a:solidFill>
+                  <a:srgbClr val="000000"/>
+                </a:solidFill>
+                <a:latin typeface="Arial"/>
+                <a:ea typeface="DejaVu Sans"/>
               </a:rPr>
               <a:t>Final: </a:t>
             </a:r>
@@ -7424,13 +9373,21 @@
             </a:pPr>
             <a:r>
               <a:rPr b="0" lang="en-US" sz="1200" spc="-1" strike="noStrike">
-                <a:latin typeface="Arial"/>
+                <a:solidFill>
+                  <a:srgbClr val="000000"/>
+                </a:solidFill>
+                <a:latin typeface="Arial"/>
+                <a:ea typeface="DejaVu Sans"/>
               </a:rPr>
               <a:t>	</a:t>
             </a:r>
             <a:r>
               <a:rPr b="0" lang="en-US" sz="1200" spc="-1" strike="noStrike">
-                <a:latin typeface="Arial"/>
+                <a:solidFill>
+                  <a:srgbClr val="000000"/>
+                </a:solidFill>
+                <a:latin typeface="Arial"/>
+                <a:ea typeface="DejaVu Sans"/>
               </a:rPr>
               <a:t>1) min_cluster_size: 5</a:t>
             </a:r>
@@ -7447,15 +9404,96 @@
             </a:pPr>
             <a:r>
               <a:rPr b="0" lang="en-US" sz="1200" spc="-1" strike="noStrike">
-                <a:latin typeface="Arial"/>
+                <a:solidFill>
+                  <a:srgbClr val="000000"/>
+                </a:solidFill>
+                <a:latin typeface="Arial"/>
+                <a:ea typeface="DejaVu Sans"/>
               </a:rPr>
               <a:t>	</a:t>
             </a:r>
             <a:r>
               <a:rPr b="0" lang="en-US" sz="1200" spc="-1" strike="noStrike">
-                <a:latin typeface="Arial"/>
+                <a:solidFill>
+                  <a:srgbClr val="000000"/>
+                </a:solidFill>
+                <a:latin typeface="Arial"/>
+                <a:ea typeface="DejaVu Sans"/>
               </a:rPr>
               <a:t>2) min_samples: 28</a:t>
+            </a:r>
+            <a:endParaRPr b="0" lang="en-US" sz="1200" spc="-1" strike="noStrike">
+              <a:latin typeface="Arial"/>
+            </a:endParaRPr>
+          </a:p>
+        </p:txBody>
+      </p:sp>
+      <p:sp>
+        <p:nvSpPr>
+          <p:cNvPr id="98" name=""/>
+          <p:cNvSpPr/>
+          <p:nvPr/>
+        </p:nvSpPr>
+        <p:spPr>
+          <a:xfrm>
+            <a:off x="5798520" y="5029920"/>
+            <a:ext cx="3802680" cy="456480"/>
+          </a:xfrm>
+          <a:prstGeom prst="rect">
+            <a:avLst/>
+          </a:prstGeom>
+          <a:noFill/>
+          <a:ln w="0">
+            <a:noFill/>
+          </a:ln>
+        </p:spPr>
+        <p:style>
+          <a:lnRef idx="0"/>
+          <a:fillRef idx="0"/>
+          <a:effectRef idx="0"/>
+          <a:fontRef idx="minor"/>
+        </p:style>
+        <p:txBody>
+          <a:bodyPr lIns="90000" rIns="90000" tIns="45000" bIns="45000" anchor="t">
+            <a:noAutofit/>
+          </a:bodyPr>
+          <a:p>
+            <a:pPr>
+              <a:lnSpc>
+                <a:spcPct val="100000"/>
+              </a:lnSpc>
+              <a:buNone/>
+            </a:pPr>
+            <a:r>
+              <a:rPr b="0" lang="en-US" sz="1200" spc="-1" strike="noStrike">
+                <a:solidFill>
+                  <a:srgbClr val="000000"/>
+                </a:solidFill>
+                <a:latin typeface="Arial"/>
+                <a:ea typeface="DejaVu Sans"/>
+              </a:rPr>
+              <a:t>Fig. 2: Effect of min_cluster_size in a single scluster: </a:t>
+            </a:r>
+            <a:endParaRPr b="0" lang="en-US" sz="1200" spc="-1" strike="noStrike">
+              <a:latin typeface="Arial"/>
+            </a:endParaRPr>
+          </a:p>
+          <a:p>
+            <a:pPr>
+              <a:lnSpc>
+                <a:spcPct val="100000"/>
+              </a:lnSpc>
+              <a:buNone/>
+            </a:pPr>
+            <a:r>
+              <a:rPr b="0" lang="en-US" sz="1200" spc="-1" strike="noStrike">
+                <a:solidFill>
+                  <a:srgbClr val="000000"/>
+                </a:solidFill>
+                <a:latin typeface="Arial"/>
+                <a:ea typeface="DejaVu Sans"/>
+              </a:rPr>
+              <a:t>Set min_samples = 5</a:t>
             </a:r>
             <a:endParaRPr b="0" lang="en-US" sz="1200" spc="-1" strike="noStrike">
               <a:latin typeface="Arial"/>
@@ -7495,7 +9533,7 @@
       </p:grpSpPr>
       <p:sp>
         <p:nvSpPr>
-          <p:cNvPr id="98" name="PlaceHolder 1"/>
+          <p:cNvPr id="99" name="PlaceHolder 1"/>
           <p:cNvSpPr>
             <a:spLocks noGrp="1"/>
           </p:cNvSpPr>
@@ -7506,7 +9544,7 @@
         <p:spPr>
           <a:xfrm>
             <a:off x="504000" y="226080"/>
-            <a:ext cx="9071280" cy="946080"/>
+            <a:ext cx="9070920" cy="945720"/>
           </a:xfrm>
           <a:prstGeom prst="rect">
             <a:avLst/>
@@ -7531,7 +9569,7 @@
               <a:rPr b="0" lang="en-US" sz="4400" spc="-1" strike="noStrike">
                 <a:latin typeface="Arial"/>
               </a:rPr>
-              <a:t>PCA</a:t>
+              <a:t>PCA-All</a:t>
             </a:r>
             <a:endParaRPr b="0" lang="en-US" sz="4400" spc="-1" strike="noStrike">
               <a:latin typeface="Arial"/>
@@ -7541,14 +9579,14 @@
       </p:sp>
       <p:sp>
         <p:nvSpPr>
-          <p:cNvPr id="99" name=""/>
+          <p:cNvPr id="100" name=""/>
           <p:cNvSpPr/>
           <p:nvPr/>
         </p:nvSpPr>
         <p:spPr>
           <a:xfrm>
             <a:off x="311400" y="5029200"/>
-            <a:ext cx="3803040" cy="456840"/>
+            <a:ext cx="3802680" cy="456480"/>
           </a:xfrm>
           <a:prstGeom prst="rect">
             <a:avLst/>
@@ -7577,7 +9615,11 @@
             </a:pPr>
             <a:r>
               <a:rPr b="0" lang="en-US" sz="1200" spc="-1" strike="noStrike">
-                <a:latin typeface="Arial"/>
+                <a:solidFill>
+                  <a:srgbClr val="000000"/>
+                </a:solidFill>
+                <a:latin typeface="Arial"/>
+                <a:ea typeface="DejaVu Sans"/>
               </a:rPr>
               <a:t>Fig. 1: Effect of minimum samples in a neighborhood: </a:t>
             </a:r>
@@ -7594,7 +9636,11 @@
             </a:pPr>
             <a:r>
               <a:rPr b="0" lang="en-US" sz="1200" spc="-1" strike="noStrike">
-                <a:latin typeface="Arial"/>
+                <a:solidFill>
+                  <a:srgbClr val="000000"/>
+                </a:solidFill>
+                <a:latin typeface="Arial"/>
+                <a:ea typeface="DejaVu Sans"/>
               </a:rPr>
               <a:t>Set eps = 0.1</a:t>
             </a:r>
@@ -7606,7 +9652,7 @@
       </p:sp>
       <p:pic>
         <p:nvPicPr>
-          <p:cNvPr id="100" name="" descr=""/>
+          <p:cNvPr id="101" name="" descr=""/>
           <p:cNvPicPr/>
           <p:nvPr/>
         </p:nvPicPr>
@@ -7617,7 +9663,7 @@
         <p:spPr>
           <a:xfrm>
             <a:off x="1149120" y="1726200"/>
-            <a:ext cx="7781040" cy="2208960"/>
+            <a:ext cx="7780680" cy="2208600"/>
           </a:xfrm>
           <a:prstGeom prst="rect">
             <a:avLst/>
@@ -7659,7 +9705,7 @@
       </p:grpSpPr>
       <p:sp>
         <p:nvSpPr>
-          <p:cNvPr id="101" name="PlaceHolder 1"/>
+          <p:cNvPr id="102" name="PlaceHolder 1"/>
           <p:cNvSpPr>
             <a:spLocks noGrp="1"/>
           </p:cNvSpPr>
@@ -7670,7 +9716,7 @@
         <p:spPr>
           <a:xfrm>
             <a:off x="529920" y="2057400"/>
-            <a:ext cx="9071280" cy="946080"/>
+            <a:ext cx="9070920" cy="945720"/>
           </a:xfrm>
           <a:prstGeom prst="rect">
             <a:avLst/>
@@ -7735,7 +9781,7 @@
       </p:grpSpPr>
       <p:sp>
         <p:nvSpPr>
-          <p:cNvPr id="102" name="PlaceHolder 1"/>
+          <p:cNvPr id="103" name="PlaceHolder 1"/>
           <p:cNvSpPr>
             <a:spLocks noGrp="1"/>
           </p:cNvSpPr>
@@ -7746,7 +9792,7 @@
         <p:spPr>
           <a:xfrm>
             <a:off x="504000" y="226080"/>
-            <a:ext cx="9071280" cy="946080"/>
+            <a:ext cx="9070920" cy="945720"/>
           </a:xfrm>
           <a:prstGeom prst="rect">
             <a:avLst/>
@@ -7781,14 +9827,14 @@
       </p:sp>
       <p:sp>
         <p:nvSpPr>
-          <p:cNvPr id="103" name=""/>
+          <p:cNvPr id="104" name=""/>
           <p:cNvSpPr/>
           <p:nvPr/>
         </p:nvSpPr>
         <p:spPr>
           <a:xfrm>
             <a:off x="311400" y="5029200"/>
-            <a:ext cx="3803040" cy="456840"/>
+            <a:ext cx="3802680" cy="456480"/>
           </a:xfrm>
           <a:prstGeom prst="rect">
             <a:avLst/>
@@ -7817,7 +9863,11 @@
             </a:pPr>
             <a:r>
               <a:rPr b="0" lang="en-US" sz="1200" spc="-1" strike="noStrike">
-                <a:latin typeface="Arial"/>
+                <a:solidFill>
+                  <a:srgbClr val="000000"/>
+                </a:solidFill>
+                <a:latin typeface="Arial"/>
+                <a:ea typeface="DejaVu Sans"/>
               </a:rPr>
               <a:t>Fig. 1: Effect of minimum samples in a neighborhood: </a:t>
             </a:r>
@@ -7834,7 +9884,11 @@
             </a:pPr>
             <a:r>
               <a:rPr b="0" lang="en-US" sz="1200" spc="-1" strike="noStrike">
-                <a:latin typeface="Arial"/>
+                <a:solidFill>
+                  <a:srgbClr val="000000"/>
+                </a:solidFill>
+                <a:latin typeface="Arial"/>
+                <a:ea typeface="DejaVu Sans"/>
               </a:rPr>
               <a:t>Set eps = 0.1</a:t>
             </a:r>
@@ -7846,7 +9900,7 @@
       </p:sp>
       <p:pic>
         <p:nvPicPr>
-          <p:cNvPr id="104" name="" descr=""/>
+          <p:cNvPr id="105" name="" descr=""/>
           <p:cNvPicPr/>
           <p:nvPr/>
         </p:nvPicPr>
@@ -7857,30 +9911,7 @@
         <p:spPr>
           <a:xfrm>
             <a:off x="457200" y="1371960"/>
-            <a:ext cx="2864160" cy="2971440"/>
-          </a:xfrm>
-          <a:prstGeom prst="rect">
-            <a:avLst/>
-          </a:prstGeom>
-          <a:ln w="0">
-            <a:noFill/>
-          </a:ln>
-        </p:spPr>
-      </p:pic>
-      <p:pic>
-        <p:nvPicPr>
-          <p:cNvPr id="105" name="" descr=""/>
-          <p:cNvPicPr/>
-          <p:nvPr/>
-        </p:nvPicPr>
-        <p:blipFill>
-          <a:blip r:embed="rId2"/>
-          <a:stretch/>
-        </p:blipFill>
-        <p:spPr>
-          <a:xfrm>
-            <a:off x="3409200" y="1179360"/>
-            <a:ext cx="3304800" cy="3428640"/>
+            <a:ext cx="2863800" cy="2971080"/>
           </a:xfrm>
           <a:prstGeom prst="rect">
             <a:avLst/>
@@ -7897,13 +9928,36 @@
           <p:nvPr/>
         </p:nvPicPr>
         <p:blipFill>
+          <a:blip r:embed="rId2"/>
+          <a:stretch/>
+        </p:blipFill>
+        <p:spPr>
+          <a:xfrm>
+            <a:off x="3409200" y="1179360"/>
+            <a:ext cx="3304440" cy="3428280"/>
+          </a:xfrm>
+          <a:prstGeom prst="rect">
+            <a:avLst/>
+          </a:prstGeom>
+          <a:ln w="0">
+            <a:noFill/>
+          </a:ln>
+        </p:spPr>
+      </p:pic>
+      <p:pic>
+        <p:nvPicPr>
+          <p:cNvPr id="107" name="" descr=""/>
+          <p:cNvPicPr/>
+          <p:nvPr/>
+        </p:nvPicPr>
+        <p:blipFill>
           <a:blip r:embed="rId3"/>
           <a:stretch/>
         </p:blipFill>
         <p:spPr>
           <a:xfrm>
             <a:off x="6993360" y="1600200"/>
-            <a:ext cx="2836440" cy="2942640"/>
+            <a:ext cx="2836080" cy="2942280"/>
           </a:xfrm>
           <a:prstGeom prst="rect">
             <a:avLst/>
@@ -7945,7 +9999,7 @@
       </p:grpSpPr>
       <p:sp>
         <p:nvSpPr>
-          <p:cNvPr id="107" name="PlaceHolder 1"/>
+          <p:cNvPr id="108" name="PlaceHolder 1"/>
           <p:cNvSpPr>
             <a:spLocks noGrp="1"/>
           </p:cNvSpPr>
@@ -7956,7 +10010,7 @@
         <p:spPr>
           <a:xfrm>
             <a:off x="504000" y="226080"/>
-            <a:ext cx="9071280" cy="946080"/>
+            <a:ext cx="9070920" cy="945720"/>
           </a:xfrm>
           <a:prstGeom prst="rect">
             <a:avLst/>
@@ -7991,14 +10045,14 @@
       </p:sp>
       <p:sp>
         <p:nvSpPr>
-          <p:cNvPr id="108" name=""/>
+          <p:cNvPr id="109" name=""/>
           <p:cNvSpPr/>
           <p:nvPr/>
         </p:nvSpPr>
         <p:spPr>
           <a:xfrm>
             <a:off x="311400" y="5029200"/>
-            <a:ext cx="3803040" cy="456840"/>
+            <a:ext cx="3802680" cy="456480"/>
           </a:xfrm>
           <a:prstGeom prst="rect">
             <a:avLst/>
@@ -8027,7 +10081,11 @@
             </a:pPr>
             <a:r>
               <a:rPr b="0" lang="en-US" sz="1200" spc="-1" strike="noStrike">
-                <a:latin typeface="Arial"/>
+                <a:solidFill>
+                  <a:srgbClr val="000000"/>
+                </a:solidFill>
+                <a:latin typeface="Arial"/>
+                <a:ea typeface="DejaVu Sans"/>
               </a:rPr>
               <a:t>Fig. 1: Effect of minimum samples in a neighborhood: </a:t>
             </a:r>
@@ -8044,7 +10102,11 @@
             </a:pPr>
             <a:r>
               <a:rPr b="0" lang="en-US" sz="1200" spc="-1" strike="noStrike">
-                <a:latin typeface="Arial"/>
+                <a:solidFill>
+                  <a:srgbClr val="000000"/>
+                </a:solidFill>
+                <a:latin typeface="Arial"/>
+                <a:ea typeface="DejaVu Sans"/>
               </a:rPr>
               <a:t>Set eps = 0.1</a:t>
             </a:r>
@@ -8056,14 +10118,14 @@
       </p:sp>
       <p:sp>
         <p:nvSpPr>
-          <p:cNvPr id="109" name=""/>
+          <p:cNvPr id="110" name=""/>
           <p:cNvSpPr/>
           <p:nvPr/>
         </p:nvSpPr>
         <p:spPr>
           <a:xfrm>
             <a:off x="4883400" y="4884120"/>
-            <a:ext cx="4260240" cy="601920"/>
+            <a:ext cx="4259880" cy="601560"/>
           </a:xfrm>
           <a:prstGeom prst="rect">
             <a:avLst/>
@@ -8092,7 +10154,11 @@
             </a:pPr>
             <a:r>
               <a:rPr b="0" lang="en-US" sz="1200" spc="-1" strike="noStrike">
-                <a:latin typeface="Arial"/>
+                <a:solidFill>
+                  <a:srgbClr val="000000"/>
+                </a:solidFill>
+                <a:latin typeface="Arial"/>
+                <a:ea typeface="DejaVu Sans"/>
               </a:rPr>
               <a:t>Fig. 2: Effect maximum distance between two samples for one to be considered as in the neighborhood of the other. Set min_samples = 2</a:t>
             </a:r>
@@ -8104,14 +10170,14 @@
       </p:sp>
       <p:sp>
         <p:nvSpPr>
-          <p:cNvPr id="110" name=""/>
+          <p:cNvPr id="111" name=""/>
           <p:cNvSpPr/>
           <p:nvPr/>
         </p:nvSpPr>
         <p:spPr>
           <a:xfrm>
             <a:off x="6400800" y="997920"/>
-            <a:ext cx="3803040" cy="601920"/>
+            <a:ext cx="3802680" cy="601560"/>
           </a:xfrm>
           <a:prstGeom prst="rect">
             <a:avLst/>
@@ -8140,7 +10206,11 @@
             </a:pPr>
             <a:r>
               <a:rPr b="0" lang="en-US" sz="1200" spc="-1" strike="noStrike">
-                <a:latin typeface="Arial"/>
+                <a:solidFill>
+                  <a:srgbClr val="000000"/>
+                </a:solidFill>
+                <a:latin typeface="Arial"/>
+                <a:ea typeface="DejaVu Sans"/>
               </a:rPr>
               <a:t>Final: </a:t>
             </a:r>
@@ -8157,13 +10227,21 @@
             </a:pPr>
             <a:r>
               <a:rPr b="0" lang="en-US" sz="1200" spc="-1" strike="noStrike">
-                <a:latin typeface="Arial"/>
+                <a:solidFill>
+                  <a:srgbClr val="000000"/>
+                </a:solidFill>
+                <a:latin typeface="Arial"/>
+                <a:ea typeface="DejaVu Sans"/>
               </a:rPr>
               <a:t>	</a:t>
             </a:r>
             <a:r>
               <a:rPr b="0" lang="en-US" sz="1200" spc="-1" strike="noStrike">
-                <a:latin typeface="Arial"/>
+                <a:solidFill>
+                  <a:srgbClr val="000000"/>
+                </a:solidFill>
+                <a:latin typeface="Arial"/>
+                <a:ea typeface="DejaVu Sans"/>
               </a:rPr>
               <a:t>1) eps: 5</a:t>
             </a:r>
@@ -8180,13 +10258,21 @@
             </a:pPr>
             <a:r>
               <a:rPr b="0" lang="en-US" sz="1200" spc="-1" strike="noStrike">
-                <a:latin typeface="Arial"/>
+                <a:solidFill>
+                  <a:srgbClr val="000000"/>
+                </a:solidFill>
+                <a:latin typeface="Arial"/>
+                <a:ea typeface="DejaVu Sans"/>
               </a:rPr>
               <a:t>	</a:t>
             </a:r>
             <a:r>
               <a:rPr b="0" lang="en-US" sz="1200" spc="-1" strike="noStrike">
-                <a:latin typeface="Arial"/>
+                <a:solidFill>
+                  <a:srgbClr val="000000"/>
+                </a:solidFill>
+                <a:latin typeface="Arial"/>
+                <a:ea typeface="DejaVu Sans"/>
               </a:rPr>
               <a:t>2) min_samples: 2</a:t>
             </a:r>
@@ -8198,7 +10284,7 @@
       </p:sp>
       <p:pic>
         <p:nvPicPr>
-          <p:cNvPr id="111" name="" descr=""/>
+          <p:cNvPr id="112" name="" descr=""/>
           <p:cNvPicPr/>
           <p:nvPr/>
         </p:nvPicPr>
@@ -8209,7 +10295,7 @@
         <p:spPr>
           <a:xfrm>
             <a:off x="318600" y="1367280"/>
-            <a:ext cx="4253400" cy="3204720"/>
+            <a:ext cx="4253040" cy="3204360"/>
           </a:xfrm>
           <a:prstGeom prst="rect">
             <a:avLst/>
@@ -8221,7 +10307,7 @@
       </p:pic>
       <p:pic>
         <p:nvPicPr>
-          <p:cNvPr id="112" name="" descr=""/>
+          <p:cNvPr id="113" name="" descr=""/>
           <p:cNvPicPr/>
           <p:nvPr/>
         </p:nvPicPr>
@@ -8232,7 +10318,7 @@
         <p:spPr>
           <a:xfrm>
             <a:off x="4800600" y="1816200"/>
-            <a:ext cx="3657600" cy="2755800"/>
+            <a:ext cx="3657240" cy="2755440"/>
           </a:xfrm>
           <a:prstGeom prst="rect">
             <a:avLst/>
